--- a/AI-Machine-Learining.pptx
+++ b/AI-Machine-Learining.pptx
@@ -5,7 +5,7 @@
     <p:sldMasterId id="2147483659" r:id="rId1"/>
   </p:sldMasterIdLst>
   <p:notesMasterIdLst>
-    <p:notesMasterId r:id="rId39"/>
+    <p:notesMasterId r:id="rId52"/>
   </p:notesMasterIdLst>
   <p:sldIdLst>
     <p:sldId id="256" r:id="rId2"/>
@@ -32,29 +32,42 @@
     <p:sldId id="402" r:id="rId23"/>
     <p:sldId id="397" r:id="rId24"/>
     <p:sldId id="403" r:id="rId25"/>
-    <p:sldId id="404" r:id="rId26"/>
-    <p:sldId id="413" r:id="rId27"/>
-    <p:sldId id="414" r:id="rId28"/>
-    <p:sldId id="415" r:id="rId29"/>
-    <p:sldId id="416" r:id="rId30"/>
-    <p:sldId id="405" r:id="rId31"/>
-    <p:sldId id="406" r:id="rId32"/>
-    <p:sldId id="407" r:id="rId33"/>
-    <p:sldId id="408" r:id="rId34"/>
-    <p:sldId id="409" r:id="rId35"/>
-    <p:sldId id="410" r:id="rId36"/>
-    <p:sldId id="411" r:id="rId37"/>
-    <p:sldId id="412" r:id="rId38"/>
+    <p:sldId id="427" r:id="rId26"/>
+    <p:sldId id="428" r:id="rId27"/>
+    <p:sldId id="429" r:id="rId28"/>
+    <p:sldId id="430" r:id="rId29"/>
+    <p:sldId id="404" r:id="rId30"/>
+    <p:sldId id="413" r:id="rId31"/>
+    <p:sldId id="414" r:id="rId32"/>
+    <p:sldId id="415" r:id="rId33"/>
+    <p:sldId id="416" r:id="rId34"/>
+    <p:sldId id="405" r:id="rId35"/>
+    <p:sldId id="406" r:id="rId36"/>
+    <p:sldId id="407" r:id="rId37"/>
+    <p:sldId id="408" r:id="rId38"/>
+    <p:sldId id="409" r:id="rId39"/>
+    <p:sldId id="410" r:id="rId40"/>
+    <p:sldId id="411" r:id="rId41"/>
+    <p:sldId id="412" r:id="rId42"/>
+    <p:sldId id="417" r:id="rId43"/>
+    <p:sldId id="418" r:id="rId44"/>
+    <p:sldId id="419" r:id="rId45"/>
+    <p:sldId id="420" r:id="rId46"/>
+    <p:sldId id="421" r:id="rId47"/>
+    <p:sldId id="422" r:id="rId48"/>
+    <p:sldId id="423" r:id="rId49"/>
+    <p:sldId id="424" r:id="rId50"/>
+    <p:sldId id="425" r:id="rId51"/>
   </p:sldIdLst>
   <p:sldSz cx="9144000" cy="5143500" type="screen16x9"/>
   <p:notesSz cx="6858000" cy="9144000"/>
   <p:embeddedFontLst>
     <p:embeddedFont>
-      <p:font typeface="Roboto" charset="0"/>
-      <p:regular r:id="rId40"/>
-      <p:bold r:id="rId41"/>
-      <p:italic r:id="rId42"/>
-      <p:boldItalic r:id="rId43"/>
+      <p:font typeface="Roboto" panose="020B0604020202020204" charset="0"/>
+      <p:regular r:id="rId53"/>
+      <p:bold r:id="rId54"/>
+      <p:italic r:id="rId55"/>
+      <p:boldItalic r:id="rId56"/>
     </p:embeddedFont>
   </p:embeddedFontLst>
   <p:defaultTextStyle>
@@ -288,7 +301,7 @@
   </p:defaultTextStyle>
   <p:extLst>
     <p:ext uri="{EFAFB233-063F-42B5-8137-9DF3F51BA10A}">
-      <p15:sldGuideLst xmlns:ahyp="http://schemas.microsoft.com/office/drawing/2018/hyperlinkcolor" xmlns:p15="http://schemas.microsoft.com/office/powerpoint/2012/main" xmlns:p14="http://schemas.microsoft.com/office/powerpoint/2010/main" xmlns:com="http://schemas.openxmlformats.org/drawingml/2006/compatibility" xmlns:pvml="urn:schemas-microsoft-com:office:powerpoint" xmlns:v="urn:schemas-microsoft-com:vml" xmlns:o="urn:schemas-microsoft-com:office:office" xmlns:dgm="http://schemas.openxmlformats.org/drawingml/2006/diagram" xmlns:c="http://schemas.openxmlformats.org/drawingml/2006/chart" xmlns:mv="urn:schemas-microsoft-com:mac:vml" xmlns:mc="http://schemas.openxmlformats.org/markup-compatibility/2006" xmlns="">
+      <p15:sldGuideLst xmlns:p15="http://schemas.microsoft.com/office/powerpoint/2012/main">
         <p15:guide id="1" orient="horz" pos="1620">
           <p15:clr>
             <a:srgbClr val="747775"/>
@@ -3871,7 +3884,1359 @@
 </p:notes>
 </file>
 
+<file path=ppt/notesSlides/notesSlide37.xml><?xml version="1.0" encoding="utf-8"?>
+<p:notes xmlns:a="http://schemas.openxmlformats.org/drawingml/2006/main" xmlns:r="http://schemas.openxmlformats.org/officeDocument/2006/relationships" xmlns:p="http://schemas.openxmlformats.org/presentationml/2006/main" showMasterSp="0" showMasterPhAnim="0">
+  <p:cSld>
+    <p:spTree>
+      <p:nvGrpSpPr>
+        <p:cNvPr id="1" name="Shape 99"/>
+        <p:cNvGrpSpPr/>
+        <p:nvPr/>
+      </p:nvGrpSpPr>
+      <p:grpSpPr>
+        <a:xfrm>
+          <a:off x="0" y="0"/>
+          <a:ext cx="0" cy="0"/>
+          <a:chOff x="0" y="0"/>
+          <a:chExt cx="0" cy="0"/>
+        </a:xfrm>
+      </p:grpSpPr>
+      <p:sp>
+        <p:nvSpPr>
+          <p:cNvPr id="100" name="Google Shape;100;g2ddc889944f_0_0:notes"/>
+          <p:cNvSpPr>
+            <a:spLocks noGrp="1" noRot="1" noChangeAspect="1"/>
+          </p:cNvSpPr>
+          <p:nvPr>
+            <p:ph type="sldImg" idx="2"/>
+          </p:nvPr>
+        </p:nvSpPr>
+        <p:spPr>
+          <a:xfrm>
+            <a:off x="381000" y="685800"/>
+            <a:ext cx="6096000" cy="3429000"/>
+          </a:xfrm>
+          <a:custGeom>
+            <a:avLst/>
+            <a:gdLst/>
+            <a:ahLst/>
+            <a:cxnLst/>
+            <a:rect l="l" t="t" r="r" b="b"/>
+            <a:pathLst>
+              <a:path w="120000" h="120000" extrusionOk="0">
+                <a:moveTo>
+                  <a:pt x="0" y="0"/>
+                </a:moveTo>
+                <a:lnTo>
+                  <a:pt x="120000" y="0"/>
+                </a:lnTo>
+                <a:lnTo>
+                  <a:pt x="120000" y="120000"/>
+                </a:lnTo>
+                <a:lnTo>
+                  <a:pt x="0" y="120000"/>
+                </a:lnTo>
+                <a:close/>
+              </a:path>
+            </a:pathLst>
+          </a:custGeom>
+        </p:spPr>
+      </p:sp>
+      <p:sp>
+        <p:nvSpPr>
+          <p:cNvPr id="101" name="Google Shape;101;g2ddc889944f_0_0:notes"/>
+          <p:cNvSpPr txBox="1">
+            <a:spLocks noGrp="1"/>
+          </p:cNvSpPr>
+          <p:nvPr>
+            <p:ph type="body" idx="1"/>
+          </p:nvPr>
+        </p:nvSpPr>
+        <p:spPr>
+          <a:xfrm>
+            <a:off x="685800" y="4343400"/>
+            <a:ext cx="5486400" cy="4114800"/>
+          </a:xfrm>
+          <a:prstGeom prst="rect">
+            <a:avLst/>
+          </a:prstGeom>
+        </p:spPr>
+        <p:txBody>
+          <a:bodyPr spcFirstLastPara="1" wrap="square" lIns="91425" tIns="91425" rIns="91425" bIns="91425" anchor="t" anchorCtr="0">
+            <a:noAutofit/>
+          </a:bodyPr>
+          <a:lstStyle/>
+          <a:p>
+            <a:pPr marL="0" lvl="0" indent="0" algn="l" rtl="0">
+              <a:spcBef>
+                <a:spcPts val="0"/>
+              </a:spcBef>
+              <a:spcAft>
+                <a:spcPts val="0"/>
+              </a:spcAft>
+              <a:buNone/>
+            </a:pPr>
+            <a:endParaRPr/>
+          </a:p>
+        </p:txBody>
+      </p:sp>
+    </p:spTree>
+  </p:cSld>
+  <p:clrMapOvr>
+    <a:masterClrMapping/>
+  </p:clrMapOvr>
+</p:notes>
+</file>
+
+<file path=ppt/notesSlides/notesSlide38.xml><?xml version="1.0" encoding="utf-8"?>
+<p:notes xmlns:a="http://schemas.openxmlformats.org/drawingml/2006/main" xmlns:r="http://schemas.openxmlformats.org/officeDocument/2006/relationships" xmlns:p="http://schemas.openxmlformats.org/presentationml/2006/main" showMasterSp="0" showMasterPhAnim="0">
+  <p:cSld>
+    <p:spTree>
+      <p:nvGrpSpPr>
+        <p:cNvPr id="1" name="Shape 99"/>
+        <p:cNvGrpSpPr/>
+        <p:nvPr/>
+      </p:nvGrpSpPr>
+      <p:grpSpPr>
+        <a:xfrm>
+          <a:off x="0" y="0"/>
+          <a:ext cx="0" cy="0"/>
+          <a:chOff x="0" y="0"/>
+          <a:chExt cx="0" cy="0"/>
+        </a:xfrm>
+      </p:grpSpPr>
+      <p:sp>
+        <p:nvSpPr>
+          <p:cNvPr id="100" name="Google Shape;100;g2ddc889944f_0_0:notes"/>
+          <p:cNvSpPr>
+            <a:spLocks noGrp="1" noRot="1" noChangeAspect="1"/>
+          </p:cNvSpPr>
+          <p:nvPr>
+            <p:ph type="sldImg" idx="2"/>
+          </p:nvPr>
+        </p:nvSpPr>
+        <p:spPr>
+          <a:xfrm>
+            <a:off x="381000" y="685800"/>
+            <a:ext cx="6096000" cy="3429000"/>
+          </a:xfrm>
+          <a:custGeom>
+            <a:avLst/>
+            <a:gdLst/>
+            <a:ahLst/>
+            <a:cxnLst/>
+            <a:rect l="l" t="t" r="r" b="b"/>
+            <a:pathLst>
+              <a:path w="120000" h="120000" extrusionOk="0">
+                <a:moveTo>
+                  <a:pt x="0" y="0"/>
+                </a:moveTo>
+                <a:lnTo>
+                  <a:pt x="120000" y="0"/>
+                </a:lnTo>
+                <a:lnTo>
+                  <a:pt x="120000" y="120000"/>
+                </a:lnTo>
+                <a:lnTo>
+                  <a:pt x="0" y="120000"/>
+                </a:lnTo>
+                <a:close/>
+              </a:path>
+            </a:pathLst>
+          </a:custGeom>
+        </p:spPr>
+      </p:sp>
+      <p:sp>
+        <p:nvSpPr>
+          <p:cNvPr id="101" name="Google Shape;101;g2ddc889944f_0_0:notes"/>
+          <p:cNvSpPr txBox="1">
+            <a:spLocks noGrp="1"/>
+          </p:cNvSpPr>
+          <p:nvPr>
+            <p:ph type="body" idx="1"/>
+          </p:nvPr>
+        </p:nvSpPr>
+        <p:spPr>
+          <a:xfrm>
+            <a:off x="685800" y="4343400"/>
+            <a:ext cx="5486400" cy="4114800"/>
+          </a:xfrm>
+          <a:prstGeom prst="rect">
+            <a:avLst/>
+          </a:prstGeom>
+        </p:spPr>
+        <p:txBody>
+          <a:bodyPr spcFirstLastPara="1" wrap="square" lIns="91425" tIns="91425" rIns="91425" bIns="91425" anchor="t" anchorCtr="0">
+            <a:noAutofit/>
+          </a:bodyPr>
+          <a:lstStyle/>
+          <a:p>
+            <a:pPr marL="0" lvl="0" indent="0" algn="l" rtl="0">
+              <a:spcBef>
+                <a:spcPts val="0"/>
+              </a:spcBef>
+              <a:spcAft>
+                <a:spcPts val="0"/>
+              </a:spcAft>
+              <a:buNone/>
+            </a:pPr>
+            <a:endParaRPr/>
+          </a:p>
+        </p:txBody>
+      </p:sp>
+    </p:spTree>
+  </p:cSld>
+  <p:clrMapOvr>
+    <a:masterClrMapping/>
+  </p:clrMapOvr>
+</p:notes>
+</file>
+
+<file path=ppt/notesSlides/notesSlide39.xml><?xml version="1.0" encoding="utf-8"?>
+<p:notes xmlns:a="http://schemas.openxmlformats.org/drawingml/2006/main" xmlns:r="http://schemas.openxmlformats.org/officeDocument/2006/relationships" xmlns:p="http://schemas.openxmlformats.org/presentationml/2006/main" showMasterSp="0" showMasterPhAnim="0">
+  <p:cSld>
+    <p:spTree>
+      <p:nvGrpSpPr>
+        <p:cNvPr id="1" name="Shape 99"/>
+        <p:cNvGrpSpPr/>
+        <p:nvPr/>
+      </p:nvGrpSpPr>
+      <p:grpSpPr>
+        <a:xfrm>
+          <a:off x="0" y="0"/>
+          <a:ext cx="0" cy="0"/>
+          <a:chOff x="0" y="0"/>
+          <a:chExt cx="0" cy="0"/>
+        </a:xfrm>
+      </p:grpSpPr>
+      <p:sp>
+        <p:nvSpPr>
+          <p:cNvPr id="100" name="Google Shape;100;g2ddc889944f_0_0:notes"/>
+          <p:cNvSpPr>
+            <a:spLocks noGrp="1" noRot="1" noChangeAspect="1"/>
+          </p:cNvSpPr>
+          <p:nvPr>
+            <p:ph type="sldImg" idx="2"/>
+          </p:nvPr>
+        </p:nvSpPr>
+        <p:spPr>
+          <a:xfrm>
+            <a:off x="381000" y="685800"/>
+            <a:ext cx="6096000" cy="3429000"/>
+          </a:xfrm>
+          <a:custGeom>
+            <a:avLst/>
+            <a:gdLst/>
+            <a:ahLst/>
+            <a:cxnLst/>
+            <a:rect l="l" t="t" r="r" b="b"/>
+            <a:pathLst>
+              <a:path w="120000" h="120000" extrusionOk="0">
+                <a:moveTo>
+                  <a:pt x="0" y="0"/>
+                </a:moveTo>
+                <a:lnTo>
+                  <a:pt x="120000" y="0"/>
+                </a:lnTo>
+                <a:lnTo>
+                  <a:pt x="120000" y="120000"/>
+                </a:lnTo>
+                <a:lnTo>
+                  <a:pt x="0" y="120000"/>
+                </a:lnTo>
+                <a:close/>
+              </a:path>
+            </a:pathLst>
+          </a:custGeom>
+        </p:spPr>
+      </p:sp>
+      <p:sp>
+        <p:nvSpPr>
+          <p:cNvPr id="101" name="Google Shape;101;g2ddc889944f_0_0:notes"/>
+          <p:cNvSpPr txBox="1">
+            <a:spLocks noGrp="1"/>
+          </p:cNvSpPr>
+          <p:nvPr>
+            <p:ph type="body" idx="1"/>
+          </p:nvPr>
+        </p:nvSpPr>
+        <p:spPr>
+          <a:xfrm>
+            <a:off x="685800" y="4343400"/>
+            <a:ext cx="5486400" cy="4114800"/>
+          </a:xfrm>
+          <a:prstGeom prst="rect">
+            <a:avLst/>
+          </a:prstGeom>
+        </p:spPr>
+        <p:txBody>
+          <a:bodyPr spcFirstLastPara="1" wrap="square" lIns="91425" tIns="91425" rIns="91425" bIns="91425" anchor="t" anchorCtr="0">
+            <a:noAutofit/>
+          </a:bodyPr>
+          <a:lstStyle/>
+          <a:p>
+            <a:pPr marL="0" lvl="0" indent="0" algn="l" rtl="0">
+              <a:spcBef>
+                <a:spcPts val="0"/>
+              </a:spcBef>
+              <a:spcAft>
+                <a:spcPts val="0"/>
+              </a:spcAft>
+              <a:buNone/>
+            </a:pPr>
+            <a:endParaRPr/>
+          </a:p>
+        </p:txBody>
+      </p:sp>
+    </p:spTree>
+  </p:cSld>
+  <p:clrMapOvr>
+    <a:masterClrMapping/>
+  </p:clrMapOvr>
+</p:notes>
+</file>
+
 <file path=ppt/notesSlides/notesSlide4.xml><?xml version="1.0" encoding="utf-8"?>
+<p:notes xmlns:a="http://schemas.openxmlformats.org/drawingml/2006/main" xmlns:r="http://schemas.openxmlformats.org/officeDocument/2006/relationships" xmlns:p="http://schemas.openxmlformats.org/presentationml/2006/main" showMasterSp="0" showMasterPhAnim="0">
+  <p:cSld>
+    <p:spTree>
+      <p:nvGrpSpPr>
+        <p:cNvPr id="1" name="Shape 99"/>
+        <p:cNvGrpSpPr/>
+        <p:nvPr/>
+      </p:nvGrpSpPr>
+      <p:grpSpPr>
+        <a:xfrm>
+          <a:off x="0" y="0"/>
+          <a:ext cx="0" cy="0"/>
+          <a:chOff x="0" y="0"/>
+          <a:chExt cx="0" cy="0"/>
+        </a:xfrm>
+      </p:grpSpPr>
+      <p:sp>
+        <p:nvSpPr>
+          <p:cNvPr id="100" name="Google Shape;100;g2ddc889944f_0_0:notes"/>
+          <p:cNvSpPr>
+            <a:spLocks noGrp="1" noRot="1" noChangeAspect="1"/>
+          </p:cNvSpPr>
+          <p:nvPr>
+            <p:ph type="sldImg" idx="2"/>
+          </p:nvPr>
+        </p:nvSpPr>
+        <p:spPr>
+          <a:xfrm>
+            <a:off x="381000" y="685800"/>
+            <a:ext cx="6096000" cy="3429000"/>
+          </a:xfrm>
+          <a:custGeom>
+            <a:avLst/>
+            <a:gdLst/>
+            <a:ahLst/>
+            <a:cxnLst/>
+            <a:rect l="l" t="t" r="r" b="b"/>
+            <a:pathLst>
+              <a:path w="120000" h="120000" extrusionOk="0">
+                <a:moveTo>
+                  <a:pt x="0" y="0"/>
+                </a:moveTo>
+                <a:lnTo>
+                  <a:pt x="120000" y="0"/>
+                </a:lnTo>
+                <a:lnTo>
+                  <a:pt x="120000" y="120000"/>
+                </a:lnTo>
+                <a:lnTo>
+                  <a:pt x="0" y="120000"/>
+                </a:lnTo>
+                <a:close/>
+              </a:path>
+            </a:pathLst>
+          </a:custGeom>
+        </p:spPr>
+      </p:sp>
+      <p:sp>
+        <p:nvSpPr>
+          <p:cNvPr id="101" name="Google Shape;101;g2ddc889944f_0_0:notes"/>
+          <p:cNvSpPr txBox="1">
+            <a:spLocks noGrp="1"/>
+          </p:cNvSpPr>
+          <p:nvPr>
+            <p:ph type="body" idx="1"/>
+          </p:nvPr>
+        </p:nvSpPr>
+        <p:spPr>
+          <a:xfrm>
+            <a:off x="685800" y="4343400"/>
+            <a:ext cx="5486400" cy="4114800"/>
+          </a:xfrm>
+          <a:prstGeom prst="rect">
+            <a:avLst/>
+          </a:prstGeom>
+        </p:spPr>
+        <p:txBody>
+          <a:bodyPr spcFirstLastPara="1" wrap="square" lIns="91425" tIns="91425" rIns="91425" bIns="91425" anchor="t" anchorCtr="0">
+            <a:noAutofit/>
+          </a:bodyPr>
+          <a:lstStyle/>
+          <a:p>
+            <a:pPr marL="0" lvl="0" indent="0" algn="l" rtl="0">
+              <a:spcBef>
+                <a:spcPts val="0"/>
+              </a:spcBef>
+              <a:spcAft>
+                <a:spcPts val="0"/>
+              </a:spcAft>
+              <a:buNone/>
+            </a:pPr>
+            <a:endParaRPr/>
+          </a:p>
+        </p:txBody>
+      </p:sp>
+    </p:spTree>
+  </p:cSld>
+  <p:clrMapOvr>
+    <a:masterClrMapping/>
+  </p:clrMapOvr>
+</p:notes>
+</file>
+
+<file path=ppt/notesSlides/notesSlide40.xml><?xml version="1.0" encoding="utf-8"?>
+<p:notes xmlns:a="http://schemas.openxmlformats.org/drawingml/2006/main" xmlns:r="http://schemas.openxmlformats.org/officeDocument/2006/relationships" xmlns:p="http://schemas.openxmlformats.org/presentationml/2006/main" showMasterSp="0" showMasterPhAnim="0">
+  <p:cSld>
+    <p:spTree>
+      <p:nvGrpSpPr>
+        <p:cNvPr id="1" name="Shape 99"/>
+        <p:cNvGrpSpPr/>
+        <p:nvPr/>
+      </p:nvGrpSpPr>
+      <p:grpSpPr>
+        <a:xfrm>
+          <a:off x="0" y="0"/>
+          <a:ext cx="0" cy="0"/>
+          <a:chOff x="0" y="0"/>
+          <a:chExt cx="0" cy="0"/>
+        </a:xfrm>
+      </p:grpSpPr>
+      <p:sp>
+        <p:nvSpPr>
+          <p:cNvPr id="100" name="Google Shape;100;g2ddc889944f_0_0:notes"/>
+          <p:cNvSpPr>
+            <a:spLocks noGrp="1" noRot="1" noChangeAspect="1"/>
+          </p:cNvSpPr>
+          <p:nvPr>
+            <p:ph type="sldImg" idx="2"/>
+          </p:nvPr>
+        </p:nvSpPr>
+        <p:spPr>
+          <a:xfrm>
+            <a:off x="381000" y="685800"/>
+            <a:ext cx="6096000" cy="3429000"/>
+          </a:xfrm>
+          <a:custGeom>
+            <a:avLst/>
+            <a:gdLst/>
+            <a:ahLst/>
+            <a:cxnLst/>
+            <a:rect l="l" t="t" r="r" b="b"/>
+            <a:pathLst>
+              <a:path w="120000" h="120000" extrusionOk="0">
+                <a:moveTo>
+                  <a:pt x="0" y="0"/>
+                </a:moveTo>
+                <a:lnTo>
+                  <a:pt x="120000" y="0"/>
+                </a:lnTo>
+                <a:lnTo>
+                  <a:pt x="120000" y="120000"/>
+                </a:lnTo>
+                <a:lnTo>
+                  <a:pt x="0" y="120000"/>
+                </a:lnTo>
+                <a:close/>
+              </a:path>
+            </a:pathLst>
+          </a:custGeom>
+        </p:spPr>
+      </p:sp>
+      <p:sp>
+        <p:nvSpPr>
+          <p:cNvPr id="101" name="Google Shape;101;g2ddc889944f_0_0:notes"/>
+          <p:cNvSpPr txBox="1">
+            <a:spLocks noGrp="1"/>
+          </p:cNvSpPr>
+          <p:nvPr>
+            <p:ph type="body" idx="1"/>
+          </p:nvPr>
+        </p:nvSpPr>
+        <p:spPr>
+          <a:xfrm>
+            <a:off x="685800" y="4343400"/>
+            <a:ext cx="5486400" cy="4114800"/>
+          </a:xfrm>
+          <a:prstGeom prst="rect">
+            <a:avLst/>
+          </a:prstGeom>
+        </p:spPr>
+        <p:txBody>
+          <a:bodyPr spcFirstLastPara="1" wrap="square" lIns="91425" tIns="91425" rIns="91425" bIns="91425" anchor="t" anchorCtr="0">
+            <a:noAutofit/>
+          </a:bodyPr>
+          <a:lstStyle/>
+          <a:p>
+            <a:pPr marL="0" lvl="0" indent="0" algn="l" rtl="0">
+              <a:spcBef>
+                <a:spcPts val="0"/>
+              </a:spcBef>
+              <a:spcAft>
+                <a:spcPts val="0"/>
+              </a:spcAft>
+              <a:buNone/>
+            </a:pPr>
+            <a:endParaRPr/>
+          </a:p>
+        </p:txBody>
+      </p:sp>
+    </p:spTree>
+  </p:cSld>
+  <p:clrMapOvr>
+    <a:masterClrMapping/>
+  </p:clrMapOvr>
+</p:notes>
+</file>
+
+<file path=ppt/notesSlides/notesSlide41.xml><?xml version="1.0" encoding="utf-8"?>
+<p:notes xmlns:a="http://schemas.openxmlformats.org/drawingml/2006/main" xmlns:r="http://schemas.openxmlformats.org/officeDocument/2006/relationships" xmlns:p="http://schemas.openxmlformats.org/presentationml/2006/main" showMasterSp="0" showMasterPhAnim="0">
+  <p:cSld>
+    <p:spTree>
+      <p:nvGrpSpPr>
+        <p:cNvPr id="1" name="Shape 99"/>
+        <p:cNvGrpSpPr/>
+        <p:nvPr/>
+      </p:nvGrpSpPr>
+      <p:grpSpPr>
+        <a:xfrm>
+          <a:off x="0" y="0"/>
+          <a:ext cx="0" cy="0"/>
+          <a:chOff x="0" y="0"/>
+          <a:chExt cx="0" cy="0"/>
+        </a:xfrm>
+      </p:grpSpPr>
+      <p:sp>
+        <p:nvSpPr>
+          <p:cNvPr id="100" name="Google Shape;100;g2ddc889944f_0_0:notes"/>
+          <p:cNvSpPr>
+            <a:spLocks noGrp="1" noRot="1" noChangeAspect="1"/>
+          </p:cNvSpPr>
+          <p:nvPr>
+            <p:ph type="sldImg" idx="2"/>
+          </p:nvPr>
+        </p:nvSpPr>
+        <p:spPr>
+          <a:xfrm>
+            <a:off x="381000" y="685800"/>
+            <a:ext cx="6096000" cy="3429000"/>
+          </a:xfrm>
+          <a:custGeom>
+            <a:avLst/>
+            <a:gdLst/>
+            <a:ahLst/>
+            <a:cxnLst/>
+            <a:rect l="l" t="t" r="r" b="b"/>
+            <a:pathLst>
+              <a:path w="120000" h="120000" extrusionOk="0">
+                <a:moveTo>
+                  <a:pt x="0" y="0"/>
+                </a:moveTo>
+                <a:lnTo>
+                  <a:pt x="120000" y="0"/>
+                </a:lnTo>
+                <a:lnTo>
+                  <a:pt x="120000" y="120000"/>
+                </a:lnTo>
+                <a:lnTo>
+                  <a:pt x="0" y="120000"/>
+                </a:lnTo>
+                <a:close/>
+              </a:path>
+            </a:pathLst>
+          </a:custGeom>
+        </p:spPr>
+      </p:sp>
+      <p:sp>
+        <p:nvSpPr>
+          <p:cNvPr id="101" name="Google Shape;101;g2ddc889944f_0_0:notes"/>
+          <p:cNvSpPr txBox="1">
+            <a:spLocks noGrp="1"/>
+          </p:cNvSpPr>
+          <p:nvPr>
+            <p:ph type="body" idx="1"/>
+          </p:nvPr>
+        </p:nvSpPr>
+        <p:spPr>
+          <a:xfrm>
+            <a:off x="685800" y="4343400"/>
+            <a:ext cx="5486400" cy="4114800"/>
+          </a:xfrm>
+          <a:prstGeom prst="rect">
+            <a:avLst/>
+          </a:prstGeom>
+        </p:spPr>
+        <p:txBody>
+          <a:bodyPr spcFirstLastPara="1" wrap="square" lIns="91425" tIns="91425" rIns="91425" bIns="91425" anchor="t" anchorCtr="0">
+            <a:noAutofit/>
+          </a:bodyPr>
+          <a:lstStyle/>
+          <a:p>
+            <a:pPr marL="0" lvl="0" indent="0" algn="l" rtl="0">
+              <a:spcBef>
+                <a:spcPts val="0"/>
+              </a:spcBef>
+              <a:spcAft>
+                <a:spcPts val="0"/>
+              </a:spcAft>
+              <a:buNone/>
+            </a:pPr>
+            <a:endParaRPr/>
+          </a:p>
+        </p:txBody>
+      </p:sp>
+    </p:spTree>
+  </p:cSld>
+  <p:clrMapOvr>
+    <a:masterClrMapping/>
+  </p:clrMapOvr>
+</p:notes>
+</file>
+
+<file path=ppt/notesSlides/notesSlide42.xml><?xml version="1.0" encoding="utf-8"?>
+<p:notes xmlns:a="http://schemas.openxmlformats.org/drawingml/2006/main" xmlns:r="http://schemas.openxmlformats.org/officeDocument/2006/relationships" xmlns:p="http://schemas.openxmlformats.org/presentationml/2006/main" showMasterSp="0" showMasterPhAnim="0">
+  <p:cSld>
+    <p:spTree>
+      <p:nvGrpSpPr>
+        <p:cNvPr id="1" name="Shape 99"/>
+        <p:cNvGrpSpPr/>
+        <p:nvPr/>
+      </p:nvGrpSpPr>
+      <p:grpSpPr>
+        <a:xfrm>
+          <a:off x="0" y="0"/>
+          <a:ext cx="0" cy="0"/>
+          <a:chOff x="0" y="0"/>
+          <a:chExt cx="0" cy="0"/>
+        </a:xfrm>
+      </p:grpSpPr>
+      <p:sp>
+        <p:nvSpPr>
+          <p:cNvPr id="100" name="Google Shape;100;g2ddc889944f_0_0:notes"/>
+          <p:cNvSpPr>
+            <a:spLocks noGrp="1" noRot="1" noChangeAspect="1"/>
+          </p:cNvSpPr>
+          <p:nvPr>
+            <p:ph type="sldImg" idx="2"/>
+          </p:nvPr>
+        </p:nvSpPr>
+        <p:spPr>
+          <a:xfrm>
+            <a:off x="381000" y="685800"/>
+            <a:ext cx="6096000" cy="3429000"/>
+          </a:xfrm>
+          <a:custGeom>
+            <a:avLst/>
+            <a:gdLst/>
+            <a:ahLst/>
+            <a:cxnLst/>
+            <a:rect l="l" t="t" r="r" b="b"/>
+            <a:pathLst>
+              <a:path w="120000" h="120000" extrusionOk="0">
+                <a:moveTo>
+                  <a:pt x="0" y="0"/>
+                </a:moveTo>
+                <a:lnTo>
+                  <a:pt x="120000" y="0"/>
+                </a:lnTo>
+                <a:lnTo>
+                  <a:pt x="120000" y="120000"/>
+                </a:lnTo>
+                <a:lnTo>
+                  <a:pt x="0" y="120000"/>
+                </a:lnTo>
+                <a:close/>
+              </a:path>
+            </a:pathLst>
+          </a:custGeom>
+        </p:spPr>
+      </p:sp>
+      <p:sp>
+        <p:nvSpPr>
+          <p:cNvPr id="101" name="Google Shape;101;g2ddc889944f_0_0:notes"/>
+          <p:cNvSpPr txBox="1">
+            <a:spLocks noGrp="1"/>
+          </p:cNvSpPr>
+          <p:nvPr>
+            <p:ph type="body" idx="1"/>
+          </p:nvPr>
+        </p:nvSpPr>
+        <p:spPr>
+          <a:xfrm>
+            <a:off x="685800" y="4343400"/>
+            <a:ext cx="5486400" cy="4114800"/>
+          </a:xfrm>
+          <a:prstGeom prst="rect">
+            <a:avLst/>
+          </a:prstGeom>
+        </p:spPr>
+        <p:txBody>
+          <a:bodyPr spcFirstLastPara="1" wrap="square" lIns="91425" tIns="91425" rIns="91425" bIns="91425" anchor="t" anchorCtr="0">
+            <a:noAutofit/>
+          </a:bodyPr>
+          <a:lstStyle/>
+          <a:p>
+            <a:pPr marL="0" lvl="0" indent="0" algn="l" rtl="0">
+              <a:spcBef>
+                <a:spcPts val="0"/>
+              </a:spcBef>
+              <a:spcAft>
+                <a:spcPts val="0"/>
+              </a:spcAft>
+              <a:buNone/>
+            </a:pPr>
+            <a:endParaRPr/>
+          </a:p>
+        </p:txBody>
+      </p:sp>
+    </p:spTree>
+  </p:cSld>
+  <p:clrMapOvr>
+    <a:masterClrMapping/>
+  </p:clrMapOvr>
+</p:notes>
+</file>
+
+<file path=ppt/notesSlides/notesSlide43.xml><?xml version="1.0" encoding="utf-8"?>
+<p:notes xmlns:a="http://schemas.openxmlformats.org/drawingml/2006/main" xmlns:r="http://schemas.openxmlformats.org/officeDocument/2006/relationships" xmlns:p="http://schemas.openxmlformats.org/presentationml/2006/main" showMasterSp="0" showMasterPhAnim="0">
+  <p:cSld>
+    <p:spTree>
+      <p:nvGrpSpPr>
+        <p:cNvPr id="1" name="Shape 99"/>
+        <p:cNvGrpSpPr/>
+        <p:nvPr/>
+      </p:nvGrpSpPr>
+      <p:grpSpPr>
+        <a:xfrm>
+          <a:off x="0" y="0"/>
+          <a:ext cx="0" cy="0"/>
+          <a:chOff x="0" y="0"/>
+          <a:chExt cx="0" cy="0"/>
+        </a:xfrm>
+      </p:grpSpPr>
+      <p:sp>
+        <p:nvSpPr>
+          <p:cNvPr id="100" name="Google Shape;100;g2ddc889944f_0_0:notes"/>
+          <p:cNvSpPr>
+            <a:spLocks noGrp="1" noRot="1" noChangeAspect="1"/>
+          </p:cNvSpPr>
+          <p:nvPr>
+            <p:ph type="sldImg" idx="2"/>
+          </p:nvPr>
+        </p:nvSpPr>
+        <p:spPr>
+          <a:xfrm>
+            <a:off x="381000" y="685800"/>
+            <a:ext cx="6096000" cy="3429000"/>
+          </a:xfrm>
+          <a:custGeom>
+            <a:avLst/>
+            <a:gdLst/>
+            <a:ahLst/>
+            <a:cxnLst/>
+            <a:rect l="l" t="t" r="r" b="b"/>
+            <a:pathLst>
+              <a:path w="120000" h="120000" extrusionOk="0">
+                <a:moveTo>
+                  <a:pt x="0" y="0"/>
+                </a:moveTo>
+                <a:lnTo>
+                  <a:pt x="120000" y="0"/>
+                </a:lnTo>
+                <a:lnTo>
+                  <a:pt x="120000" y="120000"/>
+                </a:lnTo>
+                <a:lnTo>
+                  <a:pt x="0" y="120000"/>
+                </a:lnTo>
+                <a:close/>
+              </a:path>
+            </a:pathLst>
+          </a:custGeom>
+        </p:spPr>
+      </p:sp>
+      <p:sp>
+        <p:nvSpPr>
+          <p:cNvPr id="101" name="Google Shape;101;g2ddc889944f_0_0:notes"/>
+          <p:cNvSpPr txBox="1">
+            <a:spLocks noGrp="1"/>
+          </p:cNvSpPr>
+          <p:nvPr>
+            <p:ph type="body" idx="1"/>
+          </p:nvPr>
+        </p:nvSpPr>
+        <p:spPr>
+          <a:xfrm>
+            <a:off x="685800" y="4343400"/>
+            <a:ext cx="5486400" cy="4114800"/>
+          </a:xfrm>
+          <a:prstGeom prst="rect">
+            <a:avLst/>
+          </a:prstGeom>
+        </p:spPr>
+        <p:txBody>
+          <a:bodyPr spcFirstLastPara="1" wrap="square" lIns="91425" tIns="91425" rIns="91425" bIns="91425" anchor="t" anchorCtr="0">
+            <a:noAutofit/>
+          </a:bodyPr>
+          <a:lstStyle/>
+          <a:p>
+            <a:pPr marL="0" lvl="0" indent="0" algn="l" rtl="0">
+              <a:spcBef>
+                <a:spcPts val="0"/>
+              </a:spcBef>
+              <a:spcAft>
+                <a:spcPts val="0"/>
+              </a:spcAft>
+              <a:buNone/>
+            </a:pPr>
+            <a:endParaRPr/>
+          </a:p>
+        </p:txBody>
+      </p:sp>
+    </p:spTree>
+  </p:cSld>
+  <p:clrMapOvr>
+    <a:masterClrMapping/>
+  </p:clrMapOvr>
+</p:notes>
+</file>
+
+<file path=ppt/notesSlides/notesSlide44.xml><?xml version="1.0" encoding="utf-8"?>
+<p:notes xmlns:a="http://schemas.openxmlformats.org/drawingml/2006/main" xmlns:r="http://schemas.openxmlformats.org/officeDocument/2006/relationships" xmlns:p="http://schemas.openxmlformats.org/presentationml/2006/main" showMasterSp="0" showMasterPhAnim="0">
+  <p:cSld>
+    <p:spTree>
+      <p:nvGrpSpPr>
+        <p:cNvPr id="1" name="Shape 99"/>
+        <p:cNvGrpSpPr/>
+        <p:nvPr/>
+      </p:nvGrpSpPr>
+      <p:grpSpPr>
+        <a:xfrm>
+          <a:off x="0" y="0"/>
+          <a:ext cx="0" cy="0"/>
+          <a:chOff x="0" y="0"/>
+          <a:chExt cx="0" cy="0"/>
+        </a:xfrm>
+      </p:grpSpPr>
+      <p:sp>
+        <p:nvSpPr>
+          <p:cNvPr id="100" name="Google Shape;100;g2ddc889944f_0_0:notes"/>
+          <p:cNvSpPr>
+            <a:spLocks noGrp="1" noRot="1" noChangeAspect="1"/>
+          </p:cNvSpPr>
+          <p:nvPr>
+            <p:ph type="sldImg" idx="2"/>
+          </p:nvPr>
+        </p:nvSpPr>
+        <p:spPr>
+          <a:xfrm>
+            <a:off x="381000" y="685800"/>
+            <a:ext cx="6096000" cy="3429000"/>
+          </a:xfrm>
+          <a:custGeom>
+            <a:avLst/>
+            <a:gdLst/>
+            <a:ahLst/>
+            <a:cxnLst/>
+            <a:rect l="l" t="t" r="r" b="b"/>
+            <a:pathLst>
+              <a:path w="120000" h="120000" extrusionOk="0">
+                <a:moveTo>
+                  <a:pt x="0" y="0"/>
+                </a:moveTo>
+                <a:lnTo>
+                  <a:pt x="120000" y="0"/>
+                </a:lnTo>
+                <a:lnTo>
+                  <a:pt x="120000" y="120000"/>
+                </a:lnTo>
+                <a:lnTo>
+                  <a:pt x="0" y="120000"/>
+                </a:lnTo>
+                <a:close/>
+              </a:path>
+            </a:pathLst>
+          </a:custGeom>
+        </p:spPr>
+      </p:sp>
+      <p:sp>
+        <p:nvSpPr>
+          <p:cNvPr id="101" name="Google Shape;101;g2ddc889944f_0_0:notes"/>
+          <p:cNvSpPr txBox="1">
+            <a:spLocks noGrp="1"/>
+          </p:cNvSpPr>
+          <p:nvPr>
+            <p:ph type="body" idx="1"/>
+          </p:nvPr>
+        </p:nvSpPr>
+        <p:spPr>
+          <a:xfrm>
+            <a:off x="685800" y="4343400"/>
+            <a:ext cx="5486400" cy="4114800"/>
+          </a:xfrm>
+          <a:prstGeom prst="rect">
+            <a:avLst/>
+          </a:prstGeom>
+        </p:spPr>
+        <p:txBody>
+          <a:bodyPr spcFirstLastPara="1" wrap="square" lIns="91425" tIns="91425" rIns="91425" bIns="91425" anchor="t" anchorCtr="0">
+            <a:noAutofit/>
+          </a:bodyPr>
+          <a:lstStyle/>
+          <a:p>
+            <a:pPr marL="0" lvl="0" indent="0" algn="l" rtl="0">
+              <a:spcBef>
+                <a:spcPts val="0"/>
+              </a:spcBef>
+              <a:spcAft>
+                <a:spcPts val="0"/>
+              </a:spcAft>
+              <a:buNone/>
+            </a:pPr>
+            <a:endParaRPr/>
+          </a:p>
+        </p:txBody>
+      </p:sp>
+    </p:spTree>
+  </p:cSld>
+  <p:clrMapOvr>
+    <a:masterClrMapping/>
+  </p:clrMapOvr>
+</p:notes>
+</file>
+
+<file path=ppt/notesSlides/notesSlide45.xml><?xml version="1.0" encoding="utf-8"?>
+<p:notes xmlns:a="http://schemas.openxmlformats.org/drawingml/2006/main" xmlns:r="http://schemas.openxmlformats.org/officeDocument/2006/relationships" xmlns:p="http://schemas.openxmlformats.org/presentationml/2006/main" showMasterSp="0" showMasterPhAnim="0">
+  <p:cSld>
+    <p:spTree>
+      <p:nvGrpSpPr>
+        <p:cNvPr id="1" name="Shape 99"/>
+        <p:cNvGrpSpPr/>
+        <p:nvPr/>
+      </p:nvGrpSpPr>
+      <p:grpSpPr>
+        <a:xfrm>
+          <a:off x="0" y="0"/>
+          <a:ext cx="0" cy="0"/>
+          <a:chOff x="0" y="0"/>
+          <a:chExt cx="0" cy="0"/>
+        </a:xfrm>
+      </p:grpSpPr>
+      <p:sp>
+        <p:nvSpPr>
+          <p:cNvPr id="100" name="Google Shape;100;g2ddc889944f_0_0:notes"/>
+          <p:cNvSpPr>
+            <a:spLocks noGrp="1" noRot="1" noChangeAspect="1"/>
+          </p:cNvSpPr>
+          <p:nvPr>
+            <p:ph type="sldImg" idx="2"/>
+          </p:nvPr>
+        </p:nvSpPr>
+        <p:spPr>
+          <a:xfrm>
+            <a:off x="381000" y="685800"/>
+            <a:ext cx="6096000" cy="3429000"/>
+          </a:xfrm>
+          <a:custGeom>
+            <a:avLst/>
+            <a:gdLst/>
+            <a:ahLst/>
+            <a:cxnLst/>
+            <a:rect l="l" t="t" r="r" b="b"/>
+            <a:pathLst>
+              <a:path w="120000" h="120000" extrusionOk="0">
+                <a:moveTo>
+                  <a:pt x="0" y="0"/>
+                </a:moveTo>
+                <a:lnTo>
+                  <a:pt x="120000" y="0"/>
+                </a:lnTo>
+                <a:lnTo>
+                  <a:pt x="120000" y="120000"/>
+                </a:lnTo>
+                <a:lnTo>
+                  <a:pt x="0" y="120000"/>
+                </a:lnTo>
+                <a:close/>
+              </a:path>
+            </a:pathLst>
+          </a:custGeom>
+        </p:spPr>
+      </p:sp>
+      <p:sp>
+        <p:nvSpPr>
+          <p:cNvPr id="101" name="Google Shape;101;g2ddc889944f_0_0:notes"/>
+          <p:cNvSpPr txBox="1">
+            <a:spLocks noGrp="1"/>
+          </p:cNvSpPr>
+          <p:nvPr>
+            <p:ph type="body" idx="1"/>
+          </p:nvPr>
+        </p:nvSpPr>
+        <p:spPr>
+          <a:xfrm>
+            <a:off x="685800" y="4343400"/>
+            <a:ext cx="5486400" cy="4114800"/>
+          </a:xfrm>
+          <a:prstGeom prst="rect">
+            <a:avLst/>
+          </a:prstGeom>
+        </p:spPr>
+        <p:txBody>
+          <a:bodyPr spcFirstLastPara="1" wrap="square" lIns="91425" tIns="91425" rIns="91425" bIns="91425" anchor="t" anchorCtr="0">
+            <a:noAutofit/>
+          </a:bodyPr>
+          <a:lstStyle/>
+          <a:p>
+            <a:pPr marL="0" lvl="0" indent="0" algn="l" rtl="0">
+              <a:spcBef>
+                <a:spcPts val="0"/>
+              </a:spcBef>
+              <a:spcAft>
+                <a:spcPts val="0"/>
+              </a:spcAft>
+              <a:buNone/>
+            </a:pPr>
+            <a:endParaRPr/>
+          </a:p>
+        </p:txBody>
+      </p:sp>
+    </p:spTree>
+  </p:cSld>
+  <p:clrMapOvr>
+    <a:masterClrMapping/>
+  </p:clrMapOvr>
+</p:notes>
+</file>
+
+<file path=ppt/notesSlides/notesSlide46.xml><?xml version="1.0" encoding="utf-8"?>
+<p:notes xmlns:a="http://schemas.openxmlformats.org/drawingml/2006/main" xmlns:r="http://schemas.openxmlformats.org/officeDocument/2006/relationships" xmlns:p="http://schemas.openxmlformats.org/presentationml/2006/main" showMasterSp="0" showMasterPhAnim="0">
+  <p:cSld>
+    <p:spTree>
+      <p:nvGrpSpPr>
+        <p:cNvPr id="1" name="Shape 99"/>
+        <p:cNvGrpSpPr/>
+        <p:nvPr/>
+      </p:nvGrpSpPr>
+      <p:grpSpPr>
+        <a:xfrm>
+          <a:off x="0" y="0"/>
+          <a:ext cx="0" cy="0"/>
+          <a:chOff x="0" y="0"/>
+          <a:chExt cx="0" cy="0"/>
+        </a:xfrm>
+      </p:grpSpPr>
+      <p:sp>
+        <p:nvSpPr>
+          <p:cNvPr id="100" name="Google Shape;100;g2ddc889944f_0_0:notes"/>
+          <p:cNvSpPr>
+            <a:spLocks noGrp="1" noRot="1" noChangeAspect="1"/>
+          </p:cNvSpPr>
+          <p:nvPr>
+            <p:ph type="sldImg" idx="2"/>
+          </p:nvPr>
+        </p:nvSpPr>
+        <p:spPr>
+          <a:xfrm>
+            <a:off x="381000" y="685800"/>
+            <a:ext cx="6096000" cy="3429000"/>
+          </a:xfrm>
+          <a:custGeom>
+            <a:avLst/>
+            <a:gdLst/>
+            <a:ahLst/>
+            <a:cxnLst/>
+            <a:rect l="l" t="t" r="r" b="b"/>
+            <a:pathLst>
+              <a:path w="120000" h="120000" extrusionOk="0">
+                <a:moveTo>
+                  <a:pt x="0" y="0"/>
+                </a:moveTo>
+                <a:lnTo>
+                  <a:pt x="120000" y="0"/>
+                </a:lnTo>
+                <a:lnTo>
+                  <a:pt x="120000" y="120000"/>
+                </a:lnTo>
+                <a:lnTo>
+                  <a:pt x="0" y="120000"/>
+                </a:lnTo>
+                <a:close/>
+              </a:path>
+            </a:pathLst>
+          </a:custGeom>
+        </p:spPr>
+      </p:sp>
+      <p:sp>
+        <p:nvSpPr>
+          <p:cNvPr id="101" name="Google Shape;101;g2ddc889944f_0_0:notes"/>
+          <p:cNvSpPr txBox="1">
+            <a:spLocks noGrp="1"/>
+          </p:cNvSpPr>
+          <p:nvPr>
+            <p:ph type="body" idx="1"/>
+          </p:nvPr>
+        </p:nvSpPr>
+        <p:spPr>
+          <a:xfrm>
+            <a:off x="685800" y="4343400"/>
+            <a:ext cx="5486400" cy="4114800"/>
+          </a:xfrm>
+          <a:prstGeom prst="rect">
+            <a:avLst/>
+          </a:prstGeom>
+        </p:spPr>
+        <p:txBody>
+          <a:bodyPr spcFirstLastPara="1" wrap="square" lIns="91425" tIns="91425" rIns="91425" bIns="91425" anchor="t" anchorCtr="0">
+            <a:noAutofit/>
+          </a:bodyPr>
+          <a:lstStyle/>
+          <a:p>
+            <a:pPr marL="0" lvl="0" indent="0" algn="l" rtl="0">
+              <a:spcBef>
+                <a:spcPts val="0"/>
+              </a:spcBef>
+              <a:spcAft>
+                <a:spcPts val="0"/>
+              </a:spcAft>
+              <a:buNone/>
+            </a:pPr>
+            <a:endParaRPr/>
+          </a:p>
+        </p:txBody>
+      </p:sp>
+    </p:spTree>
+  </p:cSld>
+  <p:clrMapOvr>
+    <a:masterClrMapping/>
+  </p:clrMapOvr>
+</p:notes>
+</file>
+
+<file path=ppt/notesSlides/notesSlide47.xml><?xml version="1.0" encoding="utf-8"?>
+<p:notes xmlns:a="http://schemas.openxmlformats.org/drawingml/2006/main" xmlns:r="http://schemas.openxmlformats.org/officeDocument/2006/relationships" xmlns:p="http://schemas.openxmlformats.org/presentationml/2006/main" showMasterSp="0" showMasterPhAnim="0">
+  <p:cSld>
+    <p:spTree>
+      <p:nvGrpSpPr>
+        <p:cNvPr id="1" name="Shape 99"/>
+        <p:cNvGrpSpPr/>
+        <p:nvPr/>
+      </p:nvGrpSpPr>
+      <p:grpSpPr>
+        <a:xfrm>
+          <a:off x="0" y="0"/>
+          <a:ext cx="0" cy="0"/>
+          <a:chOff x="0" y="0"/>
+          <a:chExt cx="0" cy="0"/>
+        </a:xfrm>
+      </p:grpSpPr>
+      <p:sp>
+        <p:nvSpPr>
+          <p:cNvPr id="100" name="Google Shape;100;g2ddc889944f_0_0:notes"/>
+          <p:cNvSpPr>
+            <a:spLocks noGrp="1" noRot="1" noChangeAspect="1"/>
+          </p:cNvSpPr>
+          <p:nvPr>
+            <p:ph type="sldImg" idx="2"/>
+          </p:nvPr>
+        </p:nvSpPr>
+        <p:spPr>
+          <a:xfrm>
+            <a:off x="381000" y="685800"/>
+            <a:ext cx="6096000" cy="3429000"/>
+          </a:xfrm>
+          <a:custGeom>
+            <a:avLst/>
+            <a:gdLst/>
+            <a:ahLst/>
+            <a:cxnLst/>
+            <a:rect l="l" t="t" r="r" b="b"/>
+            <a:pathLst>
+              <a:path w="120000" h="120000" extrusionOk="0">
+                <a:moveTo>
+                  <a:pt x="0" y="0"/>
+                </a:moveTo>
+                <a:lnTo>
+                  <a:pt x="120000" y="0"/>
+                </a:lnTo>
+                <a:lnTo>
+                  <a:pt x="120000" y="120000"/>
+                </a:lnTo>
+                <a:lnTo>
+                  <a:pt x="0" y="120000"/>
+                </a:lnTo>
+                <a:close/>
+              </a:path>
+            </a:pathLst>
+          </a:custGeom>
+        </p:spPr>
+      </p:sp>
+      <p:sp>
+        <p:nvSpPr>
+          <p:cNvPr id="101" name="Google Shape;101;g2ddc889944f_0_0:notes"/>
+          <p:cNvSpPr txBox="1">
+            <a:spLocks noGrp="1"/>
+          </p:cNvSpPr>
+          <p:nvPr>
+            <p:ph type="body" idx="1"/>
+          </p:nvPr>
+        </p:nvSpPr>
+        <p:spPr>
+          <a:xfrm>
+            <a:off x="685800" y="4343400"/>
+            <a:ext cx="5486400" cy="4114800"/>
+          </a:xfrm>
+          <a:prstGeom prst="rect">
+            <a:avLst/>
+          </a:prstGeom>
+        </p:spPr>
+        <p:txBody>
+          <a:bodyPr spcFirstLastPara="1" wrap="square" lIns="91425" tIns="91425" rIns="91425" bIns="91425" anchor="t" anchorCtr="0">
+            <a:noAutofit/>
+          </a:bodyPr>
+          <a:lstStyle/>
+          <a:p>
+            <a:pPr marL="0" lvl="0" indent="0" algn="l" rtl="0">
+              <a:spcBef>
+                <a:spcPts val="0"/>
+              </a:spcBef>
+              <a:spcAft>
+                <a:spcPts val="0"/>
+              </a:spcAft>
+              <a:buNone/>
+            </a:pPr>
+            <a:endParaRPr/>
+          </a:p>
+        </p:txBody>
+      </p:sp>
+    </p:spTree>
+  </p:cSld>
+  <p:clrMapOvr>
+    <a:masterClrMapping/>
+  </p:clrMapOvr>
+</p:notes>
+</file>
+
+<file path=ppt/notesSlides/notesSlide48.xml><?xml version="1.0" encoding="utf-8"?>
+<p:notes xmlns:a="http://schemas.openxmlformats.org/drawingml/2006/main" xmlns:r="http://schemas.openxmlformats.org/officeDocument/2006/relationships" xmlns:p="http://schemas.openxmlformats.org/presentationml/2006/main" showMasterSp="0" showMasterPhAnim="0">
+  <p:cSld>
+    <p:spTree>
+      <p:nvGrpSpPr>
+        <p:cNvPr id="1" name="Shape 99"/>
+        <p:cNvGrpSpPr/>
+        <p:nvPr/>
+      </p:nvGrpSpPr>
+      <p:grpSpPr>
+        <a:xfrm>
+          <a:off x="0" y="0"/>
+          <a:ext cx="0" cy="0"/>
+          <a:chOff x="0" y="0"/>
+          <a:chExt cx="0" cy="0"/>
+        </a:xfrm>
+      </p:grpSpPr>
+      <p:sp>
+        <p:nvSpPr>
+          <p:cNvPr id="100" name="Google Shape;100;g2ddc889944f_0_0:notes"/>
+          <p:cNvSpPr>
+            <a:spLocks noGrp="1" noRot="1" noChangeAspect="1"/>
+          </p:cNvSpPr>
+          <p:nvPr>
+            <p:ph type="sldImg" idx="2"/>
+          </p:nvPr>
+        </p:nvSpPr>
+        <p:spPr>
+          <a:xfrm>
+            <a:off x="381000" y="685800"/>
+            <a:ext cx="6096000" cy="3429000"/>
+          </a:xfrm>
+          <a:custGeom>
+            <a:avLst/>
+            <a:gdLst/>
+            <a:ahLst/>
+            <a:cxnLst/>
+            <a:rect l="l" t="t" r="r" b="b"/>
+            <a:pathLst>
+              <a:path w="120000" h="120000" extrusionOk="0">
+                <a:moveTo>
+                  <a:pt x="0" y="0"/>
+                </a:moveTo>
+                <a:lnTo>
+                  <a:pt x="120000" y="0"/>
+                </a:lnTo>
+                <a:lnTo>
+                  <a:pt x="120000" y="120000"/>
+                </a:lnTo>
+                <a:lnTo>
+                  <a:pt x="0" y="120000"/>
+                </a:lnTo>
+                <a:close/>
+              </a:path>
+            </a:pathLst>
+          </a:custGeom>
+        </p:spPr>
+      </p:sp>
+      <p:sp>
+        <p:nvSpPr>
+          <p:cNvPr id="101" name="Google Shape;101;g2ddc889944f_0_0:notes"/>
+          <p:cNvSpPr txBox="1">
+            <a:spLocks noGrp="1"/>
+          </p:cNvSpPr>
+          <p:nvPr>
+            <p:ph type="body" idx="1"/>
+          </p:nvPr>
+        </p:nvSpPr>
+        <p:spPr>
+          <a:xfrm>
+            <a:off x="685800" y="4343400"/>
+            <a:ext cx="5486400" cy="4114800"/>
+          </a:xfrm>
+          <a:prstGeom prst="rect">
+            <a:avLst/>
+          </a:prstGeom>
+        </p:spPr>
+        <p:txBody>
+          <a:bodyPr spcFirstLastPara="1" wrap="square" lIns="91425" tIns="91425" rIns="91425" bIns="91425" anchor="t" anchorCtr="0">
+            <a:noAutofit/>
+          </a:bodyPr>
+          <a:lstStyle/>
+          <a:p>
+            <a:pPr marL="0" lvl="0" indent="0" algn="l" rtl="0">
+              <a:spcBef>
+                <a:spcPts val="0"/>
+              </a:spcBef>
+              <a:spcAft>
+                <a:spcPts val="0"/>
+              </a:spcAft>
+              <a:buNone/>
+            </a:pPr>
+            <a:endParaRPr/>
+          </a:p>
+        </p:txBody>
+      </p:sp>
+    </p:spTree>
+  </p:cSld>
+  <p:clrMapOvr>
+    <a:masterClrMapping/>
+  </p:clrMapOvr>
+</p:notes>
+</file>
+
+<file path=ppt/notesSlides/notesSlide49.xml><?xml version="1.0" encoding="utf-8"?>
 <p:notes xmlns:a="http://schemas.openxmlformats.org/drawingml/2006/main" xmlns:r="http://schemas.openxmlformats.org/officeDocument/2006/relationships" xmlns:p="http://schemas.openxmlformats.org/presentationml/2006/main" showMasterSp="0" showMasterPhAnim="0">
   <p:cSld>
     <p:spTree>
@@ -15515,7 +16880,7 @@
             </a:r>
             <a:r>
               <a:rPr lang="en" sz="2400" b="1" dirty="0"/>
-              <a:t>Types of Data and Visualization</a:t>
+              <a:t>Interquartile Range (IQR)</a:t>
             </a:r>
             <a:endParaRPr lang="en-US" sz="2400" b="1" dirty="0"/>
           </a:p>
@@ -15523,7 +16888,7 @@
       </p:sp>
       <p:sp>
         <p:nvSpPr>
-          <p:cNvPr id="6" name="Google Shape;84;g257541b82f2_0_6"/>
+          <p:cNvPr id="7" name="Google Shape;77;g258990b3369_0_16"/>
           <p:cNvSpPr txBox="1">
             <a:spLocks noGrp="1"/>
           </p:cNvSpPr>
@@ -15533,16 +16898,12 @@
         </p:nvSpPr>
         <p:spPr>
           <a:xfrm>
-            <a:off x="266656" y="824365"/>
-            <a:ext cx="8650800" cy="3924600"/>
+            <a:off x="247994" y="677725"/>
+            <a:ext cx="8650800" cy="3474398"/>
           </a:xfrm>
           <a:prstGeom prst="rect">
             <a:avLst/>
           </a:prstGeom>
-          <a:noFill/>
-          <a:ln>
-            <a:noFill/>
-          </a:ln>
         </p:spPr>
         <p:txBody>
           <a:bodyPr spcFirstLastPara="1" wrap="square" lIns="91425" tIns="91425" rIns="91425" bIns="91425" anchor="t" anchorCtr="0">
@@ -15550,90 +16911,324 @@
           </a:bodyPr>
           <a:lstStyle/>
           <a:p>
-            <a:pPr marL="0" lvl="0" indent="0" algn="l" rtl="0">
+            <a:pPr marL="0" lvl="0" indent="0">
               <a:lnSpc>
                 <a:spcPct val="130000"/>
               </a:lnSpc>
-              <a:spcBef>
-                <a:spcPts val="0"/>
-              </a:spcBef>
-              <a:spcAft>
-                <a:spcPts val="0"/>
-              </a:spcAft>
-              <a:buNone/>
-            </a:pPr>
-            <a:r>
-              <a:rPr lang="en" b="1" dirty="0">
-                <a:solidFill>
-                  <a:srgbClr val="CC0000"/>
-                </a:solidFill>
-              </a:rPr>
-              <a:t>Different data types</a:t>
-            </a:r>
-            <a:r>
-              <a:rPr lang="en" dirty="0">
-                <a:solidFill>
-                  <a:srgbClr val="000000"/>
-                </a:solidFill>
-              </a:rPr>
-              <a:t> require </a:t>
-            </a:r>
-            <a:r>
-              <a:rPr lang="en" b="1" dirty="0">
-                <a:solidFill>
-                  <a:srgbClr val="CC0000"/>
-                </a:solidFill>
-              </a:rPr>
-              <a:t>different visualization</a:t>
-            </a:r>
-            <a:r>
-              <a:rPr lang="en" dirty="0">
-                <a:solidFill>
-                  <a:srgbClr val="000000"/>
-                </a:solidFill>
-              </a:rPr>
-              <a:t> techniques to convey insights accurately.</a:t>
-            </a:r>
-            <a:endParaRPr dirty="0">
+              <a:buSzPts val="1665"/>
+              <a:buNone/>
+            </a:pPr>
+            <a:r>
+              <a:rPr lang="en-US" dirty="0">
+                <a:solidFill>
+                  <a:schemeClr val="dk1"/>
+                </a:solidFill>
+              </a:rPr>
+              <a:t>The IQR represents the difference between the first and third quartiles(Q1 and Q3).</a:t>
+            </a:r>
+          </a:p>
+          <a:p>
+            <a:pPr marL="0" lvl="0" indent="0">
+              <a:lnSpc>
+                <a:spcPct val="130000"/>
+              </a:lnSpc>
+              <a:buSzPts val="1665"/>
+              <a:buNone/>
+            </a:pPr>
+            <a:r>
+              <a:rPr lang="en-US" dirty="0">
+                <a:solidFill>
+                  <a:schemeClr val="dk1"/>
+                </a:solidFill>
+              </a:rPr>
+              <a:t>It indicates the spread of the middle 50% of the data</a:t>
+            </a:r>
+            <a:r>
+              <a:rPr lang="en-US" dirty="0" smtClean="0">
+                <a:solidFill>
+                  <a:schemeClr val="dk1"/>
+                </a:solidFill>
+              </a:rPr>
+              <a:t>.</a:t>
+            </a:r>
+          </a:p>
+          <a:p>
+            <a:pPr marL="0" lvl="0" indent="0">
+              <a:lnSpc>
+                <a:spcPct val="130000"/>
+              </a:lnSpc>
+              <a:buSzPts val="1665"/>
+              <a:buNone/>
+            </a:pPr>
+            <a:endParaRPr lang="en-US" dirty="0">
               <a:solidFill>
-                <a:srgbClr val="000000"/>
+                <a:schemeClr val="dk1"/>
               </a:solidFill>
             </a:endParaRPr>
           </a:p>
+          <a:p>
+            <a:pPr marL="0" indent="0">
+              <a:lnSpc>
+                <a:spcPct val="130000"/>
+              </a:lnSpc>
+              <a:buSzPts val="1665"/>
+              <a:buNone/>
+            </a:pPr>
+            <a:r>
+              <a:rPr lang="en-US" dirty="0" smtClean="0">
+                <a:solidFill>
+                  <a:schemeClr val="dk1"/>
+                </a:solidFill>
+              </a:rPr>
+              <a:t>			</a:t>
+            </a:r>
+            <a:r>
+              <a:rPr lang="en-US" b="1" dirty="0">
+                <a:solidFill>
+                  <a:srgbClr val="CC0000"/>
+                </a:solidFill>
+              </a:rPr>
+              <a:t>Formula: IQR = Q3 - </a:t>
+            </a:r>
+            <a:r>
+              <a:rPr lang="en-US" b="1" dirty="0" smtClean="0">
+                <a:solidFill>
+                  <a:srgbClr val="CC0000"/>
+                </a:solidFill>
+              </a:rPr>
+              <a:t>Q1</a:t>
+            </a:r>
+          </a:p>
+          <a:p>
+            <a:pPr marL="0" indent="0">
+              <a:lnSpc>
+                <a:spcPct val="130000"/>
+              </a:lnSpc>
+              <a:buSzPts val="1665"/>
+              <a:buNone/>
+            </a:pPr>
+            <a:endParaRPr lang="en-US" b="1" dirty="0">
+              <a:solidFill>
+                <a:srgbClr val="CC0000"/>
+              </a:solidFill>
+            </a:endParaRPr>
+          </a:p>
+          <a:p>
+            <a:pPr marL="0" lvl="0" indent="0">
+              <a:lnSpc>
+                <a:spcPct val="130000"/>
+              </a:lnSpc>
+              <a:buSzPts val="1665"/>
+              <a:buNone/>
+            </a:pPr>
+            <a:r>
+              <a:rPr lang="en" b="1" u="sng" dirty="0" smtClean="0">
+                <a:solidFill>
+                  <a:schemeClr val="tx1"/>
+                </a:solidFill>
+              </a:rPr>
+              <a:t>Interpretation </a:t>
+            </a:r>
+            <a:r>
+              <a:rPr lang="en" b="1" u="sng" dirty="0">
+                <a:solidFill>
+                  <a:schemeClr val="tx1"/>
+                </a:solidFill>
+              </a:rPr>
+              <a:t>of the </a:t>
+            </a:r>
+            <a:r>
+              <a:rPr lang="en" b="1" u="sng" dirty="0" smtClean="0">
+                <a:solidFill>
+                  <a:schemeClr val="tx1"/>
+                </a:solidFill>
+              </a:rPr>
+              <a:t>IQR</a:t>
+            </a:r>
+          </a:p>
+          <a:p>
+            <a:pPr marL="0" lvl="0" indent="0">
+              <a:lnSpc>
+                <a:spcPct val="130000"/>
+              </a:lnSpc>
+              <a:buSzPts val="1665"/>
+              <a:buNone/>
+            </a:pPr>
+            <a:r>
+              <a:rPr lang="en-US" dirty="0">
+                <a:solidFill>
+                  <a:schemeClr val="dk1"/>
+                </a:solidFill>
+              </a:rPr>
+              <a:t>The IQR provides information about the </a:t>
+            </a:r>
+            <a:r>
+              <a:rPr lang="en-US" b="1" dirty="0">
+                <a:solidFill>
+                  <a:srgbClr val="CC0000"/>
+                </a:solidFill>
+              </a:rPr>
+              <a:t>spread</a:t>
+            </a:r>
+            <a:r>
+              <a:rPr lang="en-US" dirty="0">
+                <a:solidFill>
+                  <a:schemeClr val="dk1"/>
+                </a:solidFill>
+              </a:rPr>
+              <a:t> and </a:t>
+            </a:r>
+            <a:r>
+              <a:rPr lang="en-US" b="1" dirty="0">
+                <a:solidFill>
+                  <a:srgbClr val="CC0000"/>
+                </a:solidFill>
+              </a:rPr>
+              <a:t>variability</a:t>
+            </a:r>
+            <a:r>
+              <a:rPr lang="en-US" dirty="0">
+                <a:solidFill>
+                  <a:schemeClr val="dk1"/>
+                </a:solidFill>
+              </a:rPr>
+              <a:t> of the data.</a:t>
+            </a:r>
+          </a:p>
+          <a:p>
+            <a:pPr marL="0" lvl="0" indent="0">
+              <a:lnSpc>
+                <a:spcPct val="130000"/>
+              </a:lnSpc>
+              <a:buSzPts val="1665"/>
+              <a:buNone/>
+            </a:pPr>
+            <a:r>
+              <a:rPr lang="en-US" dirty="0">
+                <a:solidFill>
+                  <a:schemeClr val="dk1"/>
+                </a:solidFill>
+              </a:rPr>
+              <a:t>A</a:t>
+            </a:r>
+            <a:r>
+              <a:rPr lang="en-US" b="1" dirty="0">
+                <a:solidFill>
+                  <a:srgbClr val="CC0000"/>
+                </a:solidFill>
+              </a:rPr>
+              <a:t> larger</a:t>
+            </a:r>
+            <a:r>
+              <a:rPr lang="en-US" dirty="0">
+                <a:solidFill>
+                  <a:schemeClr val="dk1"/>
+                </a:solidFill>
+              </a:rPr>
+              <a:t> </a:t>
+            </a:r>
+            <a:r>
+              <a:rPr lang="en-US" b="1" dirty="0">
+                <a:solidFill>
+                  <a:srgbClr val="CC0000"/>
+                </a:solidFill>
+              </a:rPr>
+              <a:t>IQR </a:t>
+            </a:r>
+            <a:r>
+              <a:rPr lang="en-US" dirty="0">
+                <a:solidFill>
+                  <a:schemeClr val="dk1"/>
+                </a:solidFill>
+              </a:rPr>
+              <a:t>indicates a </a:t>
+            </a:r>
+            <a:r>
+              <a:rPr lang="en-US" b="1" dirty="0">
+                <a:solidFill>
+                  <a:srgbClr val="CC0000"/>
+                </a:solidFill>
+              </a:rPr>
+              <a:t>greater spread</a:t>
+            </a:r>
+            <a:r>
+              <a:rPr lang="en-US" dirty="0">
+                <a:solidFill>
+                  <a:schemeClr val="dk1"/>
+                </a:solidFill>
+              </a:rPr>
+              <a:t> and more variability in the dataset.</a:t>
+            </a:r>
+          </a:p>
+          <a:p>
+            <a:pPr marL="0" lvl="0" indent="0">
+              <a:lnSpc>
+                <a:spcPct val="130000"/>
+              </a:lnSpc>
+              <a:buSzPts val="1665"/>
+              <a:buNone/>
+            </a:pPr>
+            <a:r>
+              <a:rPr lang="en-US" dirty="0">
+                <a:solidFill>
+                  <a:schemeClr val="dk1"/>
+                </a:solidFill>
+              </a:rPr>
+              <a:t>Conversely, a </a:t>
+            </a:r>
+            <a:r>
+              <a:rPr lang="en-US" b="1" dirty="0">
+                <a:solidFill>
+                  <a:srgbClr val="CC0000"/>
+                </a:solidFill>
+              </a:rPr>
+              <a:t>smaller IQR</a:t>
+            </a:r>
+            <a:r>
+              <a:rPr lang="en-US" dirty="0">
+                <a:solidFill>
+                  <a:schemeClr val="dk1"/>
+                </a:solidFill>
+              </a:rPr>
+              <a:t> suggests a </a:t>
+            </a:r>
+            <a:r>
+              <a:rPr lang="en-US" b="1" dirty="0">
+                <a:solidFill>
+                  <a:srgbClr val="CC0000"/>
+                </a:solidFill>
+              </a:rPr>
+              <a:t>less spread</a:t>
+            </a:r>
+            <a:r>
+              <a:rPr lang="en-US" dirty="0">
+                <a:solidFill>
+                  <a:schemeClr val="dk1"/>
+                </a:solidFill>
+              </a:rPr>
+              <a:t> and less variability.</a:t>
+            </a:r>
+          </a:p>
+          <a:p>
+            <a:pPr marL="2286000" lvl="0" indent="457200">
+              <a:lnSpc>
+                <a:spcPct val="130000"/>
+              </a:lnSpc>
+              <a:buSzPts val="1665"/>
+              <a:buNone/>
+            </a:pPr>
+            <a:endParaRPr lang="en-US" b="1" dirty="0">
+              <a:solidFill>
+                <a:srgbClr val="CC0000"/>
+              </a:solidFill>
+            </a:endParaRPr>
+          </a:p>
         </p:txBody>
       </p:sp>
-      <p:pic>
-        <p:nvPicPr>
-          <p:cNvPr id="8" name="Google Shape;86;g257541b82f2_0_6"/>
-          <p:cNvPicPr preferRelativeResize="0"/>
-          <p:nvPr/>
-        </p:nvPicPr>
-        <p:blipFill>
-          <a:blip r:embed="rId3">
-            <a:alphaModFix/>
-          </a:blip>
-          <a:stretch>
-            <a:fillRect/>
-          </a:stretch>
-        </p:blipFill>
-        <p:spPr>
-          <a:xfrm>
-            <a:off x="2065823" y="1375076"/>
-            <a:ext cx="4933299" cy="3392550"/>
-          </a:xfrm>
-          <a:prstGeom prst="rect">
-            <a:avLst/>
-          </a:prstGeom>
-          <a:noFill/>
-          <a:ln>
-            <a:noFill/>
-          </a:ln>
-        </p:spPr>
-      </p:pic>
     </p:spTree>
     <p:extLst>
       <p:ext uri="{BB962C8B-B14F-4D97-AF65-F5344CB8AC3E}">
-        <p14:creationId xmlns:p14="http://schemas.microsoft.com/office/powerpoint/2010/main" val="2425438981"/>
+        <p14:creationId xmlns:p14="http://schemas.microsoft.com/office/powerpoint/2010/main" val="2926711399"/>
       </p:ext>
     </p:extLst>
   </p:cSld>
@@ -15698,8 +17293,8 @@
               <a:t> </a:t>
             </a:r>
             <a:r>
-              <a:rPr lang="en" sz="2400" b="1" dirty="0" smtClean="0"/>
-              <a:t>REGRESSION AND CLASSIFICATION PROBLEMS</a:t>
+              <a:rPr lang="en" sz="2400" b="1" dirty="0"/>
+              <a:t>Correlation Analysis</a:t>
             </a:r>
             <a:endParaRPr lang="en-US" sz="2400" b="1" dirty="0"/>
           </a:p>
@@ -15717,7 +17312,7 @@
         </p:nvSpPr>
         <p:spPr>
           <a:xfrm>
-            <a:off x="275986" y="575087"/>
+            <a:off x="247994" y="677725"/>
             <a:ext cx="8650800" cy="3474398"/>
           </a:xfrm>
           <a:prstGeom prst="rect">
@@ -15730,142 +17325,323 @@
           </a:bodyPr>
           <a:lstStyle/>
           <a:p>
-            <a:pPr marL="122873" lvl="0" indent="0" algn="just">
-              <a:lnSpc>
-                <a:spcPct val="100000"/>
-              </a:lnSpc>
+            <a:pPr marL="0" lvl="0" indent="0">
+              <a:buNone/>
+            </a:pPr>
+            <a:r>
+              <a:rPr lang="en-US" dirty="0">
+                <a:solidFill>
+                  <a:schemeClr val="dk1"/>
+                </a:solidFill>
+              </a:rPr>
+              <a:t>Correlation analysis is used to determine the </a:t>
+            </a:r>
+            <a:r>
+              <a:rPr lang="en-US" b="1" dirty="0">
+                <a:solidFill>
+                  <a:srgbClr val="CC0000"/>
+                </a:solidFill>
+              </a:rPr>
+              <a:t>relationship</a:t>
+            </a:r>
+            <a:r>
+              <a:rPr lang="en-US" dirty="0">
+                <a:solidFill>
+                  <a:schemeClr val="dk1"/>
+                </a:solidFill>
+              </a:rPr>
+              <a:t> between</a:t>
+            </a:r>
+            <a:r>
+              <a:rPr lang="en-US" b="1" dirty="0">
+                <a:solidFill>
+                  <a:srgbClr val="CC0000"/>
+                </a:solidFill>
+              </a:rPr>
+              <a:t> two</a:t>
+            </a:r>
+            <a:r>
+              <a:rPr lang="en-US" dirty="0">
+                <a:solidFill>
+                  <a:schemeClr val="dk1"/>
+                </a:solidFill>
+              </a:rPr>
+              <a:t> or </a:t>
+            </a:r>
+            <a:r>
+              <a:rPr lang="en-US" b="1" dirty="0">
+                <a:solidFill>
+                  <a:srgbClr val="CC0000"/>
+                </a:solidFill>
+              </a:rPr>
+              <a:t>more</a:t>
+            </a:r>
+            <a:r>
+              <a:rPr lang="en-US" dirty="0">
+                <a:solidFill>
+                  <a:schemeClr val="dk1"/>
+                </a:solidFill>
+              </a:rPr>
+              <a:t> </a:t>
+            </a:r>
+            <a:r>
+              <a:rPr lang="en-US" b="1" dirty="0">
+                <a:solidFill>
+                  <a:srgbClr val="CC0000"/>
+                </a:solidFill>
+              </a:rPr>
+              <a:t>variables </a:t>
+            </a:r>
+            <a:r>
+              <a:rPr lang="en-US" dirty="0">
+                <a:solidFill>
+                  <a:schemeClr val="dk1"/>
+                </a:solidFill>
+              </a:rPr>
+              <a:t>in a dataset. It helps us understand how </a:t>
+            </a:r>
+            <a:r>
+              <a:rPr lang="en-US" b="1" dirty="0">
+                <a:solidFill>
+                  <a:srgbClr val="CC0000"/>
+                </a:solidFill>
+              </a:rPr>
+              <a:t>changes</a:t>
+            </a:r>
+            <a:r>
+              <a:rPr lang="en-US" dirty="0">
+                <a:solidFill>
+                  <a:schemeClr val="dk1"/>
+                </a:solidFill>
+              </a:rPr>
+              <a:t> in one variable </a:t>
+            </a:r>
+            <a:r>
+              <a:rPr lang="en-US" b="1" dirty="0">
+                <a:solidFill>
+                  <a:srgbClr val="CC0000"/>
+                </a:solidFill>
+              </a:rPr>
+              <a:t>affect</a:t>
+            </a:r>
+            <a:r>
+              <a:rPr lang="en-US" dirty="0">
+                <a:solidFill>
+                  <a:schemeClr val="dk1"/>
+                </a:solidFill>
+              </a:rPr>
+              <a:t> </a:t>
+            </a:r>
+            <a:r>
+              <a:rPr lang="en-US" b="1" dirty="0">
+                <a:solidFill>
+                  <a:srgbClr val="CC0000"/>
+                </a:solidFill>
+              </a:rPr>
+              <a:t>another variable</a:t>
+            </a:r>
+            <a:r>
+              <a:rPr lang="en-US" dirty="0" smtClean="0">
+                <a:solidFill>
+                  <a:schemeClr val="dk1"/>
+                </a:solidFill>
+              </a:rPr>
+              <a:t>.</a:t>
+            </a:r>
+          </a:p>
+          <a:p>
+            <a:pPr marL="0" lvl="0" indent="0">
+              <a:buNone/>
+            </a:pPr>
+            <a:endParaRPr lang="en-US" dirty="0">
+              <a:solidFill>
+                <a:schemeClr val="dk1"/>
+              </a:solidFill>
+            </a:endParaRPr>
+          </a:p>
+          <a:p>
+            <a:pPr marL="0" lvl="0" indent="0">
+              <a:buNone/>
+            </a:pPr>
+            <a:r>
+              <a:rPr lang="en" b="1" u="sng" dirty="0">
+                <a:solidFill>
+                  <a:schemeClr val="tx1"/>
+                </a:solidFill>
+              </a:rPr>
+              <a:t>Interpreting Correlation </a:t>
+            </a:r>
+            <a:r>
+              <a:rPr lang="en" b="1" u="sng" dirty="0" smtClean="0">
+                <a:solidFill>
+                  <a:schemeClr val="tx1"/>
+                </a:solidFill>
+              </a:rPr>
+              <a:t>Values</a:t>
+            </a:r>
+          </a:p>
+          <a:p>
+            <a:pPr marL="0" lvl="0" indent="0">
+              <a:buNone/>
+            </a:pPr>
+            <a:endParaRPr lang="en-US" b="1" dirty="0">
+              <a:solidFill>
+                <a:srgbClr val="CC0000"/>
+              </a:solidFill>
+            </a:endParaRPr>
+          </a:p>
+          <a:p>
+            <a:pPr lvl="0" indent="-334327">
               <a:buClr>
                 <a:schemeClr val="dk1"/>
               </a:buClr>
               <a:buSzPts val="1665"/>
-              <a:buNone/>
-            </a:pPr>
-            <a:r>
-              <a:rPr lang="en-US" b="1" u="sng" dirty="0" smtClean="0">
-                <a:solidFill>
-                  <a:schemeClr val="tx1"/>
-                </a:solidFill>
-              </a:rPr>
-              <a:t>What is Regression</a:t>
-            </a:r>
-          </a:p>
-          <a:p>
-            <a:pPr marL="122873" lvl="0" indent="0" algn="just">
-              <a:lnSpc>
-                <a:spcPct val="100000"/>
-              </a:lnSpc>
+            </a:pPr>
+            <a:r>
+              <a:rPr lang="en-US" dirty="0">
+                <a:solidFill>
+                  <a:schemeClr val="dk1"/>
+                </a:solidFill>
+              </a:rPr>
+              <a:t>Correlation values close to </a:t>
+            </a:r>
+            <a:r>
+              <a:rPr lang="en-US" b="1" dirty="0">
+                <a:solidFill>
+                  <a:srgbClr val="CC0000"/>
+                </a:solidFill>
+              </a:rPr>
+              <a:t>+1</a:t>
+            </a:r>
+            <a:r>
+              <a:rPr lang="en-US" dirty="0">
+                <a:solidFill>
+                  <a:schemeClr val="dk1"/>
+                </a:solidFill>
+              </a:rPr>
+              <a:t> or </a:t>
+            </a:r>
+            <a:r>
+              <a:rPr lang="en-US" b="1" dirty="0">
+                <a:solidFill>
+                  <a:srgbClr val="CC0000"/>
+                </a:solidFill>
+              </a:rPr>
+              <a:t>-1 </a:t>
+            </a:r>
+            <a:r>
+              <a:rPr lang="en-US" dirty="0">
+                <a:solidFill>
+                  <a:schemeClr val="dk1"/>
+                </a:solidFill>
+              </a:rPr>
+              <a:t>indicate a</a:t>
+            </a:r>
+            <a:r>
+              <a:rPr lang="en-US" b="1" dirty="0">
+                <a:solidFill>
+                  <a:srgbClr val="CC0000"/>
+                </a:solidFill>
+              </a:rPr>
+              <a:t> strong relationship</a:t>
+            </a:r>
+            <a:r>
+              <a:rPr lang="en-US" dirty="0">
+                <a:solidFill>
+                  <a:schemeClr val="dk1"/>
+                </a:solidFill>
+              </a:rPr>
+              <a:t>.</a:t>
+            </a:r>
+          </a:p>
+          <a:p>
+            <a:pPr lvl="0" indent="-334327">
               <a:buClr>
                 <a:schemeClr val="dk1"/>
               </a:buClr>
               <a:buSzPts val="1665"/>
-              <a:buNone/>
-            </a:pPr>
-            <a:r>
-              <a:rPr lang="en-US" dirty="0" smtClean="0">
-                <a:solidFill>
-                  <a:schemeClr val="tx1"/>
-                </a:solidFill>
-              </a:rPr>
-              <a:t>Regression</a:t>
-            </a:r>
+            </a:pPr>
             <a:r>
               <a:rPr lang="en-US" dirty="0">
                 <a:solidFill>
-                  <a:schemeClr val="tx1"/>
-                </a:solidFill>
-              </a:rPr>
-              <a:t> is a fundamental technique in machine learning used to analyze </a:t>
-            </a:r>
-            <a:r>
-              <a:rPr lang="en-US" dirty="0" smtClean="0">
-                <a:solidFill>
-                  <a:schemeClr val="tx1"/>
-                </a:solidFill>
-              </a:rPr>
-              <a:t>relationships between </a:t>
+                  <a:schemeClr val="dk1"/>
+                </a:solidFill>
+              </a:rPr>
+              <a:t>Correlation values close to </a:t>
+            </a:r>
+            <a:r>
+              <a:rPr lang="en-US" b="1" dirty="0">
+                <a:solidFill>
+                  <a:srgbClr val="CC0000"/>
+                </a:solidFill>
+              </a:rPr>
+              <a:t>0</a:t>
             </a:r>
             <a:r>
               <a:rPr lang="en-US" dirty="0">
                 <a:solidFill>
-                  <a:schemeClr val="tx1"/>
-                </a:solidFill>
-              </a:rPr>
-              <a:t>variables and make predictions</a:t>
-            </a:r>
-            <a:r>
-              <a:rPr lang="en-US" dirty="0" smtClean="0">
-                <a:solidFill>
-                  <a:schemeClr val="tx1"/>
+                  <a:schemeClr val="dk1"/>
+                </a:solidFill>
+              </a:rPr>
+              <a:t> indicate a</a:t>
+            </a:r>
+            <a:r>
+              <a:rPr lang="en-US" b="1" dirty="0">
+                <a:solidFill>
+                  <a:srgbClr val="CC0000"/>
+                </a:solidFill>
+              </a:rPr>
+              <a:t> weak</a:t>
+            </a:r>
+            <a:r>
+              <a:rPr lang="en-US" dirty="0">
+                <a:solidFill>
+                  <a:schemeClr val="dk1"/>
+                </a:solidFill>
+              </a:rPr>
+              <a:t> or </a:t>
+            </a:r>
+            <a:r>
+              <a:rPr lang="en-US" b="1" dirty="0">
+                <a:solidFill>
+                  <a:srgbClr val="CC0000"/>
+                </a:solidFill>
+                <a:highlight>
+                  <a:schemeClr val="lt1"/>
+                </a:highlight>
+              </a:rPr>
+              <a:t>no relationship</a:t>
+            </a:r>
+            <a:r>
+              <a:rPr lang="en-US" dirty="0">
+                <a:solidFill>
+                  <a:schemeClr val="dk1"/>
                 </a:solidFill>
               </a:rPr>
               <a:t>.</a:t>
             </a:r>
           </a:p>
           <a:p>
-            <a:pPr marL="122873" lvl="0" indent="0" algn="just">
-              <a:lnSpc>
-                <a:spcPct val="100000"/>
-              </a:lnSpc>
+            <a:pPr lvl="0" indent="-334327">
               <a:buClr>
                 <a:schemeClr val="dk1"/>
               </a:buClr>
               <a:buSzPts val="1665"/>
-              <a:buNone/>
-            </a:pPr>
-            <a:endParaRPr lang="en-US" dirty="0" smtClean="0">
-              <a:solidFill>
-                <a:schemeClr val="tx1"/>
-              </a:solidFill>
-            </a:endParaRPr>
-          </a:p>
-          <a:p>
-            <a:pPr marL="122873" lvl="0" indent="0" algn="just">
-              <a:lnSpc>
-                <a:spcPct val="100000"/>
-              </a:lnSpc>
-              <a:buClr>
-                <a:schemeClr val="dk1"/>
-              </a:buClr>
-              <a:buSzPts val="1665"/>
-              <a:buNone/>
-            </a:pPr>
-            <a:r>
-              <a:rPr lang="en-US" dirty="0" smtClean="0">
-                <a:solidFill>
-                  <a:schemeClr val="tx1"/>
-                </a:solidFill>
-              </a:rPr>
-              <a:t>In</a:t>
-            </a:r>
+            </a:pPr>
             <a:r>
               <a:rPr lang="en-US" dirty="0">
                 <a:solidFill>
-                  <a:schemeClr val="tx1"/>
-                </a:solidFill>
-              </a:rPr>
-              <a:t> Regression, we plot a graph between the variables which best fit the given data points. The machine learning model can deliver predictions regarding the data. In naïve words, “Regression shows a line or curve that passes through all the data points on a target-predictor graph in such a way that the vertical distance between the data points and the regression line is minimum.” It is used principally for prediction, forecasting, time series modeling, and determining the causal-effect relationship between variables</a:t>
-            </a:r>
-            <a:r>
-              <a:rPr lang="en-US" dirty="0" smtClean="0">
-                <a:solidFill>
-                  <a:schemeClr val="tx1"/>
-                </a:solidFill>
-              </a:rPr>
-              <a:t>.</a:t>
-            </a:r>
-          </a:p>
-          <a:p>
-            <a:pPr marL="122873" lvl="0" indent="0" algn="just">
-              <a:lnSpc>
-                <a:spcPct val="100000"/>
-              </a:lnSpc>
-              <a:buClr>
-                <a:schemeClr val="dk1"/>
-              </a:buClr>
-              <a:buSzPts val="1665"/>
-              <a:buNone/>
-            </a:pPr>
-            <a:endParaRPr dirty="0">
+                  <a:schemeClr val="dk1"/>
+                </a:solidFill>
+              </a:rPr>
+              <a:t>The magnitude of the correlation value represents the strength of the relationship.</a:t>
+            </a:r>
+          </a:p>
+          <a:p>
+            <a:pPr marL="0" lvl="0" indent="0">
+              <a:buNone/>
+            </a:pPr>
+            <a:endParaRPr lang="en-US" b="1" u="sng" dirty="0">
               <a:solidFill>
                 <a:schemeClr val="tx1"/>
               </a:solidFill>
@@ -15876,7 +17652,7 @@
     </p:spTree>
     <p:extLst>
       <p:ext uri="{BB962C8B-B14F-4D97-AF65-F5344CB8AC3E}">
-        <p14:creationId xmlns:p14="http://schemas.microsoft.com/office/powerpoint/2010/main" val="304712407"/>
+        <p14:creationId xmlns:p14="http://schemas.microsoft.com/office/powerpoint/2010/main" val="213015541"/>
       </p:ext>
     </p:extLst>
   </p:cSld>
@@ -15941,8 +17717,8 @@
               <a:t> </a:t>
             </a:r>
             <a:r>
-              <a:rPr lang="en" sz="2400" b="1" dirty="0" smtClean="0"/>
-              <a:t>TYPES OF REGRESSION MODELS</a:t>
+              <a:rPr lang="en" sz="2400" b="1" dirty="0"/>
+              <a:t>Correlation Analysis</a:t>
             </a:r>
             <a:endParaRPr lang="en-US" sz="2400" b="1" dirty="0"/>
           </a:p>
@@ -15960,8 +17736,8 @@
         </p:nvSpPr>
         <p:spPr>
           <a:xfrm>
-            <a:off x="275986" y="575086"/>
-            <a:ext cx="8650800" cy="4183525"/>
+            <a:off x="247994" y="677725"/>
+            <a:ext cx="8650800" cy="4034234"/>
           </a:xfrm>
           <a:prstGeom prst="rect">
             <a:avLst/>
@@ -15969,283 +17745,211 @@
         </p:spPr>
         <p:txBody>
           <a:bodyPr spcFirstLastPara="1" wrap="square" lIns="91425" tIns="91425" rIns="91425" bIns="91425" anchor="t" anchorCtr="0">
-            <a:normAutofit fontScale="70000" lnSpcReduction="20000"/>
+            <a:normAutofit fontScale="92500" lnSpcReduction="10000"/>
           </a:bodyPr>
           <a:lstStyle/>
           <a:p>
-            <a:r>
-              <a:rPr lang="en-US" b="1" dirty="0">
+            <a:pPr marL="0" lvl="0" indent="0">
+              <a:buNone/>
+            </a:pPr>
+            <a:r>
+              <a:rPr lang="en" b="1" u="sng" dirty="0">
                 <a:solidFill>
                   <a:schemeClr val="tx1"/>
                 </a:solidFill>
               </a:rPr>
-              <a:t>Linear Regression</a:t>
-            </a:r>
-          </a:p>
-          <a:p>
-            <a:r>
-              <a:rPr lang="en-US" b="1" dirty="0">
+              <a:t>Examples of Correlation Interpretation</a:t>
+            </a:r>
+            <a:r>
+              <a:rPr lang="en" b="1" u="sng" dirty="0" smtClean="0">
                 <a:solidFill>
                   <a:schemeClr val="tx1"/>
                 </a:solidFill>
               </a:rPr>
-              <a:t>Polynomial Regression</a:t>
-            </a:r>
-          </a:p>
-          <a:p>
-            <a:r>
-              <a:rPr lang="en-US" b="1" dirty="0">
-                <a:solidFill>
-                  <a:schemeClr val="tx1"/>
-                </a:solidFill>
-              </a:rPr>
-              <a:t>Logistics Regression</a:t>
-            </a:r>
-          </a:p>
-          <a:p>
-            <a:pPr marL="122873" lvl="0" indent="0" algn="just">
-              <a:lnSpc>
-                <a:spcPct val="100000"/>
-              </a:lnSpc>
-              <a:buClr>
-                <a:schemeClr val="dk1"/>
-              </a:buClr>
-              <a:buSzPts val="1665"/>
-              <a:buNone/>
-            </a:pPr>
-            <a:endParaRPr lang="en-US" dirty="0" smtClean="0">
+              <a:t>:</a:t>
+            </a:r>
+          </a:p>
+          <a:p>
+            <a:pPr marL="0" lvl="0" indent="0">
+              <a:buNone/>
+            </a:pPr>
+            <a:endParaRPr lang="en-US" b="1" u="sng" dirty="0" smtClean="0">
               <a:solidFill>
                 <a:schemeClr val="tx1"/>
               </a:solidFill>
             </a:endParaRPr>
           </a:p>
           <a:p>
-            <a:pPr marL="114300" indent="0">
-              <a:buNone/>
-            </a:pPr>
-            <a:r>
-              <a:rPr lang="en-US" b="1" u="sng" dirty="0">
-                <a:solidFill>
-                  <a:schemeClr val="tx1"/>
-                </a:solidFill>
-              </a:rPr>
-              <a:t>Linear </a:t>
-            </a:r>
-            <a:r>
-              <a:rPr lang="en-US" b="1" u="sng" dirty="0" smtClean="0">
-                <a:solidFill>
-                  <a:schemeClr val="tx1"/>
-                </a:solidFill>
-              </a:rPr>
-              <a:t>Regression:</a:t>
-            </a:r>
+            <a:pPr marL="0" lvl="0" indent="0">
+              <a:buNone/>
+            </a:pPr>
+            <a:r>
+              <a:rPr lang="en-US" b="1" dirty="0" smtClean="0">
+                <a:solidFill>
+                  <a:schemeClr val="dk1"/>
+                </a:solidFill>
+              </a:rPr>
+              <a:t>Correlation </a:t>
+            </a:r>
+            <a:r>
+              <a:rPr lang="en-US" b="1" dirty="0">
+                <a:solidFill>
+                  <a:schemeClr val="dk1"/>
+                </a:solidFill>
+              </a:rPr>
+              <a:t>coefficient = +0.9:</a:t>
+            </a:r>
+            <a:endParaRPr lang="en-US" dirty="0">
+              <a:solidFill>
+                <a:schemeClr val="dk1"/>
+              </a:solidFill>
+            </a:endParaRPr>
+          </a:p>
+          <a:p>
+            <a:pPr marL="0" lvl="0" indent="0">
+              <a:buNone/>
+            </a:pPr>
+            <a:r>
+              <a:rPr lang="en-US" dirty="0">
+                <a:solidFill>
+                  <a:schemeClr val="dk1"/>
+                </a:solidFill>
+              </a:rPr>
+              <a:t>There is a strong positive relationship between variables.</a:t>
+            </a:r>
+          </a:p>
+          <a:p>
+            <a:pPr marL="0" lvl="0" indent="0">
+              <a:buNone/>
+            </a:pPr>
+            <a:r>
+              <a:rPr lang="en-US" dirty="0">
+                <a:solidFill>
+                  <a:schemeClr val="dk1"/>
+                </a:solidFill>
+              </a:rPr>
+              <a:t>As one variable increases, the other variable tends to increase proportionally.</a:t>
+            </a:r>
+          </a:p>
+          <a:p>
+            <a:pPr marL="0" lvl="0" indent="0">
+              <a:buNone/>
+            </a:pPr>
+            <a:endParaRPr lang="en-US" dirty="0">
+              <a:solidFill>
+                <a:schemeClr val="dk1"/>
+              </a:solidFill>
+            </a:endParaRPr>
+          </a:p>
+          <a:p>
+            <a:pPr marL="0" lvl="0" indent="0">
+              <a:buNone/>
+            </a:pPr>
+            <a:r>
+              <a:rPr lang="en-US" b="1" dirty="0">
+                <a:solidFill>
+                  <a:schemeClr val="dk1"/>
+                </a:solidFill>
+              </a:rPr>
+              <a:t>Correlation coefficient = -0.6:</a:t>
+            </a:r>
+            <a:endParaRPr lang="en-US" dirty="0">
+              <a:solidFill>
+                <a:schemeClr val="dk1"/>
+              </a:solidFill>
+            </a:endParaRPr>
+          </a:p>
+          <a:p>
+            <a:pPr marL="0" lvl="0" indent="0">
+              <a:buNone/>
+            </a:pPr>
+            <a:r>
+              <a:rPr lang="en-US" dirty="0">
+                <a:solidFill>
+                  <a:schemeClr val="dk1"/>
+                </a:solidFill>
+              </a:rPr>
+              <a:t>There is a moderate negative relationship between variables.</a:t>
+            </a:r>
+          </a:p>
+          <a:p>
+            <a:pPr marL="0" lvl="0" indent="0">
+              <a:buNone/>
+            </a:pPr>
+            <a:r>
+              <a:rPr lang="en-US" dirty="0">
+                <a:solidFill>
+                  <a:schemeClr val="dk1"/>
+                </a:solidFill>
+              </a:rPr>
+              <a:t>As one variable increases, the other variable tends to decrease, but not as strongly as in a strong negative correlation.</a:t>
+            </a:r>
+          </a:p>
+          <a:p>
+            <a:pPr marL="0" lvl="0" indent="0">
+              <a:buNone/>
+            </a:pPr>
+            <a:endParaRPr lang="en-US" dirty="0">
+              <a:solidFill>
+                <a:schemeClr val="dk1"/>
+              </a:solidFill>
+            </a:endParaRPr>
+          </a:p>
+          <a:p>
+            <a:pPr marL="0" lvl="0" indent="0">
+              <a:buNone/>
+            </a:pPr>
+            <a:r>
+              <a:rPr lang="en-US" b="1" dirty="0">
+                <a:solidFill>
+                  <a:schemeClr val="dk1"/>
+                </a:solidFill>
+              </a:rPr>
+              <a:t>Correlation coefficient = +0.2:</a:t>
+            </a:r>
+          </a:p>
+          <a:p>
+            <a:pPr marL="0" lvl="0" indent="0">
+              <a:buNone/>
+            </a:pPr>
+            <a:r>
+              <a:rPr lang="en-US" dirty="0">
+                <a:solidFill>
+                  <a:schemeClr val="dk1"/>
+                </a:solidFill>
+              </a:rPr>
+              <a:t>There is a weak positive relationship between variables.</a:t>
+            </a:r>
+          </a:p>
+          <a:p>
+            <a:pPr marL="0" lvl="0" indent="0">
+              <a:buNone/>
+            </a:pPr>
+            <a:r>
+              <a:rPr lang="en-US" dirty="0">
+                <a:solidFill>
+                  <a:schemeClr val="dk1"/>
+                </a:solidFill>
+              </a:rPr>
+              <a:t>The variables are positively related, but the relationship is not strong.</a:t>
+            </a:r>
+          </a:p>
+          <a:p>
+            <a:pPr marL="0" lvl="0" indent="0">
+              <a:buNone/>
+            </a:pPr>
             <a:endParaRPr lang="en-US" b="1" u="sng" dirty="0">
               <a:solidFill>
                 <a:schemeClr val="tx1"/>
               </a:solidFill>
             </a:endParaRPr>
           </a:p>
-          <a:p>
-            <a:pPr marL="114300" indent="0" algn="just">
-              <a:buNone/>
-            </a:pPr>
-            <a:r>
-              <a:rPr lang="en-US" dirty="0">
-                <a:solidFill>
-                  <a:schemeClr val="tx1"/>
-                </a:solidFill>
-              </a:rPr>
-              <a:t>Linear regression is a simple and commonly used regression model. It assumes a linear relationship between a dependent variable (Y-axis) and one or more independent variables (X-axis). The relationship is represented by the equation: Y = a + </a:t>
-            </a:r>
-            <a:r>
-              <a:rPr lang="en-US" dirty="0" err="1" smtClean="0">
-                <a:solidFill>
-                  <a:schemeClr val="tx1"/>
-                </a:solidFill>
-              </a:rPr>
-              <a:t>bX</a:t>
-            </a:r>
-            <a:endParaRPr lang="en-US" dirty="0" smtClean="0">
-              <a:solidFill>
-                <a:schemeClr val="tx1"/>
-              </a:solidFill>
-            </a:endParaRPr>
-          </a:p>
-          <a:p>
-            <a:pPr marL="114300" indent="0" algn="just">
-              <a:buNone/>
-            </a:pPr>
-            <a:endParaRPr lang="en-US" dirty="0">
-              <a:solidFill>
-                <a:schemeClr val="tx1"/>
-              </a:solidFill>
-            </a:endParaRPr>
-          </a:p>
-          <a:p>
-            <a:pPr algn="just"/>
-            <a:r>
-              <a:rPr lang="en-US" dirty="0">
-                <a:solidFill>
-                  <a:schemeClr val="tx1"/>
-                </a:solidFill>
-              </a:rPr>
-              <a:t>YYY is the dependent variable.</a:t>
-            </a:r>
-          </a:p>
-          <a:p>
-            <a:pPr algn="just"/>
-            <a:r>
-              <a:rPr lang="en-US" dirty="0">
-                <a:solidFill>
-                  <a:schemeClr val="tx1"/>
-                </a:solidFill>
-              </a:rPr>
-              <a:t>XXX is the independent variable.</a:t>
-            </a:r>
-          </a:p>
-          <a:p>
-            <a:pPr algn="just"/>
-            <a:r>
-              <a:rPr lang="en-US" dirty="0" err="1">
-                <a:solidFill>
-                  <a:schemeClr val="tx1"/>
-                </a:solidFill>
-              </a:rPr>
-              <a:t>aaa</a:t>
-            </a:r>
-            <a:r>
-              <a:rPr lang="en-US" dirty="0">
-                <a:solidFill>
-                  <a:schemeClr val="tx1"/>
-                </a:solidFill>
-              </a:rPr>
-              <a:t> is the intercept (the value of YYY when X=0X = 0X=0).</a:t>
-            </a:r>
-          </a:p>
-          <a:p>
-            <a:pPr algn="just"/>
-            <a:r>
-              <a:rPr lang="en-US" dirty="0" err="1">
-                <a:solidFill>
-                  <a:schemeClr val="tx1"/>
-                </a:solidFill>
-              </a:rPr>
-              <a:t>bbb</a:t>
-            </a:r>
-            <a:r>
-              <a:rPr lang="en-US" dirty="0">
-                <a:solidFill>
-                  <a:schemeClr val="tx1"/>
-                </a:solidFill>
-              </a:rPr>
-              <a:t> is the slope of the line (the rate of change in YYY with respect to XXX).</a:t>
-            </a:r>
-          </a:p>
-          <a:p>
-            <a:pPr marL="114300" indent="0" algn="just">
-              <a:buNone/>
-            </a:pPr>
-            <a:endParaRPr lang="en-US" b="1" dirty="0" smtClean="0">
-              <a:solidFill>
-                <a:schemeClr val="tx1"/>
-              </a:solidFill>
-            </a:endParaRPr>
-          </a:p>
-          <a:p>
-            <a:pPr marL="114300" indent="0" algn="just">
-              <a:buNone/>
-            </a:pPr>
-            <a:r>
-              <a:rPr lang="en-US" b="1" dirty="0" smtClean="0">
-                <a:solidFill>
-                  <a:schemeClr val="tx1"/>
-                </a:solidFill>
-              </a:rPr>
-              <a:t>Simple </a:t>
-            </a:r>
-            <a:r>
-              <a:rPr lang="en-US" b="1" dirty="0">
-                <a:solidFill>
-                  <a:schemeClr val="tx1"/>
-                </a:solidFill>
-              </a:rPr>
-              <a:t>Linear Regression:</a:t>
-            </a:r>
-            <a:r>
-              <a:rPr lang="en-US" dirty="0">
-                <a:solidFill>
-                  <a:schemeClr val="tx1"/>
-                </a:solidFill>
-              </a:rPr>
-              <a:t> When there’s only one independent variable, it’s called simple linear regression. For example, predicting house prices based on their area</a:t>
-            </a:r>
-            <a:r>
-              <a:rPr lang="en-US" dirty="0" smtClean="0">
-                <a:solidFill>
-                  <a:schemeClr val="tx1"/>
-                </a:solidFill>
-              </a:rPr>
-              <a:t>.</a:t>
-            </a:r>
-          </a:p>
-          <a:p>
-            <a:pPr algn="just"/>
-            <a:endParaRPr lang="en-US" dirty="0" smtClean="0">
-              <a:solidFill>
-                <a:schemeClr val="tx1"/>
-              </a:solidFill>
-            </a:endParaRPr>
-          </a:p>
-          <a:p>
-            <a:pPr marL="114300" indent="0">
-              <a:buNone/>
-            </a:pPr>
-            <a:r>
-              <a:rPr lang="en-US" b="1" u="sng" dirty="0">
-                <a:solidFill>
-                  <a:schemeClr val="tx1"/>
-                </a:solidFill>
-              </a:rPr>
-              <a:t>Multiple Linear Regression:</a:t>
-            </a:r>
-            <a:endParaRPr lang="en-US" u="sng" dirty="0">
-              <a:solidFill>
-                <a:schemeClr val="tx1"/>
-              </a:solidFill>
-            </a:endParaRPr>
-          </a:p>
-          <a:p>
-            <a:pPr marL="114300" indent="0">
-              <a:buNone/>
-            </a:pPr>
-            <a:r>
-              <a:rPr lang="en-US" dirty="0">
-                <a:solidFill>
-                  <a:schemeClr val="tx1"/>
-                </a:solidFill>
-              </a:rPr>
-              <a:t>When there are multiple independent variables, we call it multiple linear regression. For example, predicting a person’s salary based on years of experience, education level, and location</a:t>
-            </a:r>
-            <a:r>
-              <a:rPr lang="en-US" dirty="0" smtClean="0">
-                <a:solidFill>
-                  <a:schemeClr val="tx1"/>
-                </a:solidFill>
-              </a:rPr>
-              <a:t>.</a:t>
-            </a:r>
-            <a:endParaRPr dirty="0">
-              <a:solidFill>
-                <a:schemeClr val="tx1"/>
-              </a:solidFill>
-            </a:endParaRPr>
-          </a:p>
         </p:txBody>
       </p:sp>
     </p:spTree>
     <p:extLst>
       <p:ext uri="{BB962C8B-B14F-4D97-AF65-F5344CB8AC3E}">
-        <p14:creationId xmlns:p14="http://schemas.microsoft.com/office/powerpoint/2010/main" val="4243071722"/>
+        <p14:creationId xmlns:p14="http://schemas.microsoft.com/office/powerpoint/2010/main" val="1992430574"/>
       </p:ext>
     </p:extLst>
   </p:cSld>
@@ -16310,117 +18014,30 @@
               <a:t> </a:t>
             </a:r>
             <a:r>
-              <a:rPr lang="en" sz="2400" b="1" dirty="0" smtClean="0"/>
-              <a:t>TYPES OF REGRESSION MODELS</a:t>
+              <a:rPr lang="en" sz="2400" b="1" dirty="0"/>
+              <a:t>Correlation Analysis</a:t>
             </a:r>
             <a:endParaRPr lang="en-US" sz="2400" b="1" dirty="0"/>
-          </a:p>
-        </p:txBody>
-      </p:sp>
-      <p:sp>
-        <p:nvSpPr>
-          <p:cNvPr id="7" name="Google Shape;77;g258990b3369_0_16"/>
-          <p:cNvSpPr txBox="1">
-            <a:spLocks noGrp="1"/>
-          </p:cNvSpPr>
-          <p:nvPr>
-            <p:ph type="body" idx="1"/>
-          </p:nvPr>
-        </p:nvSpPr>
-        <p:spPr>
-          <a:xfrm>
-            <a:off x="285317" y="435126"/>
-            <a:ext cx="8650800" cy="4183525"/>
-          </a:xfrm>
-          <a:prstGeom prst="rect">
-            <a:avLst/>
-          </a:prstGeom>
-        </p:spPr>
-        <p:txBody>
-          <a:bodyPr spcFirstLastPara="1" wrap="square" lIns="91425" tIns="91425" rIns="91425" bIns="91425" anchor="t" anchorCtr="0">
-            <a:normAutofit/>
-          </a:bodyPr>
-          <a:lstStyle/>
-          <a:p>
-            <a:pPr marL="114300" indent="0">
-              <a:buNone/>
-            </a:pPr>
-            <a:r>
-              <a:rPr lang="en-US" sz="1600" b="1" u="sng" dirty="0">
-                <a:solidFill>
-                  <a:schemeClr val="tx1"/>
-                </a:solidFill>
-              </a:rPr>
-              <a:t>What is Linear Regression?</a:t>
-            </a:r>
-          </a:p>
-          <a:p>
-            <a:pPr marL="114300" indent="0" algn="just">
-              <a:buNone/>
-            </a:pPr>
-            <a:r>
-              <a:rPr lang="en-US" sz="1600" dirty="0">
-                <a:solidFill>
-                  <a:schemeClr val="tx1"/>
-                </a:solidFill>
-              </a:rPr>
-              <a:t>Linear regression is a quiet and simple </a:t>
-            </a:r>
-            <a:r>
-              <a:rPr lang="en-US" sz="1600" u="sng" dirty="0">
-                <a:solidFill>
-                  <a:schemeClr val="tx1"/>
-                </a:solidFill>
-                <a:hlinkClick r:id="rId3"/>
-              </a:rPr>
-              <a:t>statistical regression </a:t>
-            </a:r>
-            <a:r>
-              <a:rPr lang="en-US" sz="1600" dirty="0">
-                <a:solidFill>
-                  <a:schemeClr val="tx1"/>
-                </a:solidFill>
-              </a:rPr>
-              <a:t>method used for predictive analysis and shows the relationship between the continuous variables. Linear regression shows the linear relationship between the independent variable (X-axis) and the dependent variable (Y-axis), consequently called linear regression. If there is a single input variable (x), we call such linear regression simple linear regression. If there are more than one input variable, we call it multiple linear regression. The linear regression model gives a sloped straight line describing the relationship within the variables.</a:t>
-            </a:r>
-          </a:p>
-          <a:p>
-            <a:pPr marL="114300" indent="0">
-              <a:buNone/>
-            </a:pPr>
-            <a:endParaRPr lang="en-US" dirty="0">
-              <a:solidFill>
-                <a:schemeClr val="tx1"/>
-              </a:solidFill>
-            </a:endParaRPr>
           </a:p>
         </p:txBody>
       </p:sp>
       <p:pic>
         <p:nvPicPr>
-          <p:cNvPr id="5122" name="Picture 2"/>
-          <p:cNvPicPr>
-            <a:picLocks noChangeAspect="1" noChangeArrowheads="1"/>
-          </p:cNvPicPr>
+          <p:cNvPr id="5" name="Google Shape;192;g2576ae73e62_0_1"/>
+          <p:cNvPicPr preferRelativeResize="0"/>
           <p:nvPr/>
         </p:nvPicPr>
-        <p:blipFill>
-          <a:blip r:embed="rId4">
-            <a:extLst>
-              <a:ext uri="{28A0092B-C50C-407E-A947-70E740481C1C}">
-                <a14:useLocalDpi xmlns:a14="http://schemas.microsoft.com/office/drawing/2010/main" val="0"/>
-              </a:ext>
-            </a:extLst>
+        <p:blipFill rotWithShape="1">
+          <a:blip r:embed="rId3">
+            <a:alphaModFix/>
           </a:blip>
-          <a:srcRect/>
-          <a:stretch>
-            <a:fillRect/>
-          </a:stretch>
+          <a:srcRect r="7149" b="7149"/>
+          <a:stretch/>
         </p:blipFill>
-        <p:spPr bwMode="auto">
-          <a:xfrm>
-            <a:off x="3304884" y="2808310"/>
-            <a:ext cx="2405451" cy="1995690"/>
+        <p:spPr>
+          <a:xfrm>
+            <a:off x="692147" y="700484"/>
+            <a:ext cx="7741037" cy="3918900"/>
           </a:xfrm>
           <a:prstGeom prst="rect">
             <a:avLst/>
@@ -16429,41 +18046,12 @@
           <a:ln>
             <a:noFill/>
           </a:ln>
-          <a:effectLst/>
-          <a:extLst>
-            <a:ext uri="{909E8E84-426E-40DD-AFC4-6F175D3DCCD1}">
-              <a14:hiddenFill xmlns:a14="http://schemas.microsoft.com/office/drawing/2010/main">
-                <a:solidFill>
-                  <a:schemeClr val="accent1"/>
-                </a:solidFill>
-              </a14:hiddenFill>
-            </a:ext>
-            <a:ext uri="{91240B29-F687-4F45-9708-019B960494DF}">
-              <a14:hiddenLine xmlns:a14="http://schemas.microsoft.com/office/drawing/2010/main" w="9525">
-                <a:solidFill>
-                  <a:schemeClr val="tx1"/>
-                </a:solidFill>
-                <a:miter lim="800000"/>
-                <a:headEnd/>
-                <a:tailEnd/>
-              </a14:hiddenLine>
-            </a:ext>
-            <a:ext uri="{AF507438-7753-43E0-B8FC-AC1667EBCBE1}">
-              <a14:hiddenEffects xmlns:a14="http://schemas.microsoft.com/office/drawing/2010/main">
-                <a:effectLst>
-                  <a:outerShdw dist="35921" dir="2700000" algn="ctr" rotWithShape="0">
-                    <a:schemeClr val="bg2"/>
-                  </a:outerShdw>
-                </a:effectLst>
-              </a14:hiddenEffects>
-            </a:ext>
-          </a:extLst>
         </p:spPr>
       </p:pic>
     </p:spTree>
     <p:extLst>
       <p:ext uri="{BB962C8B-B14F-4D97-AF65-F5344CB8AC3E}">
-        <p14:creationId xmlns:p14="http://schemas.microsoft.com/office/powerpoint/2010/main" val="1712120232"/>
+        <p14:creationId xmlns:p14="http://schemas.microsoft.com/office/powerpoint/2010/main" val="2879757841"/>
       </p:ext>
     </p:extLst>
   </p:cSld>
@@ -16528,8 +18116,8 @@
               <a:t> </a:t>
             </a:r>
             <a:r>
-              <a:rPr lang="en" sz="2400" b="1" dirty="0" smtClean="0"/>
-              <a:t>TYPES OF REGRESSION MODELS</a:t>
+              <a:rPr lang="en" sz="2400" b="1" dirty="0"/>
+              <a:t>Types of Data and Visualization</a:t>
             </a:r>
             <a:endParaRPr lang="en-US" sz="2400" b="1" dirty="0"/>
           </a:p>
@@ -16537,7 +18125,7 @@
       </p:sp>
       <p:sp>
         <p:nvSpPr>
-          <p:cNvPr id="7" name="Google Shape;77;g258990b3369_0_16"/>
+          <p:cNvPr id="6" name="Google Shape;84;g257541b82f2_0_6"/>
           <p:cNvSpPr txBox="1">
             <a:spLocks noGrp="1"/>
           </p:cNvSpPr>
@@ -16547,12 +18135,16 @@
         </p:nvSpPr>
         <p:spPr>
           <a:xfrm>
-            <a:off x="275986" y="575086"/>
-            <a:ext cx="8650800" cy="4183525"/>
+            <a:off x="266656" y="824365"/>
+            <a:ext cx="8650800" cy="3924600"/>
           </a:xfrm>
           <a:prstGeom prst="rect">
             <a:avLst/>
           </a:prstGeom>
+          <a:noFill/>
+          <a:ln>
+            <a:noFill/>
+          </a:ln>
         </p:spPr>
         <p:txBody>
           <a:bodyPr spcFirstLastPara="1" wrap="square" lIns="91425" tIns="91425" rIns="91425" bIns="91425" anchor="t" anchorCtr="0">
@@ -16560,133 +18152,90 @@
           </a:bodyPr>
           <a:lstStyle/>
           <a:p>
-            <a:pPr marL="114300" indent="0">
-              <a:buNone/>
-            </a:pPr>
-            <a:r>
-              <a:rPr lang="en-US" b="1" u="sng" dirty="0">
-                <a:solidFill>
-                  <a:schemeClr val="tx1"/>
-                </a:solidFill>
-              </a:rPr>
-              <a:t>Polynomial Regression</a:t>
-            </a:r>
-          </a:p>
-          <a:p>
-            <a:pPr marL="114300" indent="0" algn="just">
-              <a:buNone/>
-            </a:pPr>
-            <a:r>
-              <a:rPr lang="en-US" dirty="0">
-                <a:solidFill>
-                  <a:schemeClr val="tx1"/>
-                </a:solidFill>
-              </a:rPr>
-              <a:t>Polynomial regression</a:t>
-            </a:r>
-            <a:r>
-              <a:rPr lang="en-US" u="sng" dirty="0">
-                <a:solidFill>
-                  <a:schemeClr val="tx1"/>
-                </a:solidFill>
-              </a:rPr>
-              <a:t> </a:t>
-            </a:r>
-            <a:r>
-              <a:rPr lang="en-US" dirty="0">
-                <a:solidFill>
-                  <a:schemeClr val="tx1"/>
-                </a:solidFill>
-              </a:rPr>
-              <a:t>is a form of linear regression in which the relationship between the independent variable XXX and the dependent variable YYY is modeled as an </a:t>
-            </a:r>
-            <a:r>
-              <a:rPr lang="en-US" dirty="0" err="1">
-                <a:solidFill>
-                  <a:schemeClr val="tx1"/>
-                </a:solidFill>
-              </a:rPr>
-              <a:t>nnn-th</a:t>
-            </a:r>
-            <a:r>
-              <a:rPr lang="en-US" dirty="0">
-                <a:solidFill>
-                  <a:schemeClr val="tx1"/>
-                </a:solidFill>
-              </a:rPr>
-              <a:t> degree polynomial. It’s useful when the relationship between variables isn’t linear. </a:t>
-            </a:r>
-            <a:endParaRPr lang="en-US" dirty="0" smtClean="0">
+            <a:pPr marL="0" lvl="0" indent="0" algn="l" rtl="0">
+              <a:lnSpc>
+                <a:spcPct val="130000"/>
+              </a:lnSpc>
+              <a:spcBef>
+                <a:spcPts val="0"/>
+              </a:spcBef>
+              <a:spcAft>
+                <a:spcPts val="0"/>
+              </a:spcAft>
+              <a:buNone/>
+            </a:pPr>
+            <a:r>
+              <a:rPr lang="en" b="1" dirty="0">
+                <a:solidFill>
+                  <a:srgbClr val="CC0000"/>
+                </a:solidFill>
+              </a:rPr>
+              <a:t>Different data types</a:t>
+            </a:r>
+            <a:r>
+              <a:rPr lang="en" dirty="0">
+                <a:solidFill>
+                  <a:srgbClr val="000000"/>
+                </a:solidFill>
+              </a:rPr>
+              <a:t> require </a:t>
+            </a:r>
+            <a:r>
+              <a:rPr lang="en" b="1" dirty="0">
+                <a:solidFill>
+                  <a:srgbClr val="CC0000"/>
+                </a:solidFill>
+              </a:rPr>
+              <a:t>different visualization</a:t>
+            </a:r>
+            <a:r>
+              <a:rPr lang="en" dirty="0">
+                <a:solidFill>
+                  <a:srgbClr val="000000"/>
+                </a:solidFill>
+              </a:rPr>
+              <a:t> techniques to convey insights accurately.</a:t>
+            </a:r>
+            <a:endParaRPr dirty="0">
               <a:solidFill>
-                <a:schemeClr val="tx1"/>
+                <a:srgbClr val="000000"/>
               </a:solidFill>
             </a:endParaRPr>
           </a:p>
-          <a:p>
-            <a:pPr marL="114300" indent="0" algn="just">
-              <a:buNone/>
-            </a:pPr>
-            <a:endParaRPr lang="en-US" dirty="0">
-              <a:solidFill>
-                <a:schemeClr val="tx1"/>
-              </a:solidFill>
-            </a:endParaRPr>
-          </a:p>
-          <a:p>
-            <a:pPr marL="114300" indent="0" algn="just">
-              <a:buNone/>
-            </a:pPr>
-            <a:r>
-              <a:rPr lang="en-US" b="1" u="sng" dirty="0">
-                <a:solidFill>
-                  <a:schemeClr val="tx1"/>
-                </a:solidFill>
-              </a:rPr>
-              <a:t>Logistic Regression</a:t>
-            </a:r>
-          </a:p>
-          <a:p>
-            <a:pPr marL="114300" indent="0" algn="just">
-              <a:buNone/>
-            </a:pPr>
-            <a:r>
-              <a:rPr lang="en-US" dirty="0">
-                <a:solidFill>
-                  <a:schemeClr val="tx1"/>
-                </a:solidFill>
-              </a:rPr>
-              <a:t>Despite its name, logistic regression is a statistical method used for binary classification, not regression. It estimates the probability that an instance belongs to a particular class (e.g., yes/no, 1/0). The predicted values are mapped to [0, 1] through the logistic function (sigmoid function</a:t>
-            </a:r>
-            <a:r>
-              <a:rPr lang="en-US" dirty="0" smtClean="0">
-                <a:solidFill>
-                  <a:schemeClr val="tx1"/>
-                </a:solidFill>
-              </a:rPr>
-              <a:t>).</a:t>
-            </a:r>
-            <a:endParaRPr lang="en-US" dirty="0">
-              <a:solidFill>
-                <a:schemeClr val="tx1"/>
-              </a:solidFill>
-            </a:endParaRPr>
-          </a:p>
-          <a:p>
-            <a:pPr marL="114300" indent="0">
-              <a:buNone/>
-            </a:pPr>
-            <a:endParaRPr lang="en-US" dirty="0">
-              <a:solidFill>
-                <a:schemeClr val="tx1"/>
-              </a:solidFill>
-            </a:endParaRPr>
-          </a:p>
         </p:txBody>
       </p:sp>
+      <p:pic>
+        <p:nvPicPr>
+          <p:cNvPr id="8" name="Google Shape;86;g257541b82f2_0_6"/>
+          <p:cNvPicPr preferRelativeResize="0"/>
+          <p:nvPr/>
+        </p:nvPicPr>
+        <p:blipFill>
+          <a:blip r:embed="rId3">
+            <a:alphaModFix/>
+          </a:blip>
+          <a:stretch>
+            <a:fillRect/>
+          </a:stretch>
+        </p:blipFill>
+        <p:spPr>
+          <a:xfrm>
+            <a:off x="2065823" y="1375076"/>
+            <a:ext cx="4933299" cy="3392550"/>
+          </a:xfrm>
+          <a:prstGeom prst="rect">
+            <a:avLst/>
+          </a:prstGeom>
+          <a:noFill/>
+          <a:ln>
+            <a:noFill/>
+          </a:ln>
+        </p:spPr>
+      </p:pic>
     </p:spTree>
     <p:extLst>
       <p:ext uri="{BB962C8B-B14F-4D97-AF65-F5344CB8AC3E}">
-        <p14:creationId xmlns:p14="http://schemas.microsoft.com/office/powerpoint/2010/main" val="650503545"/>
+        <p14:creationId xmlns:p14="http://schemas.microsoft.com/office/powerpoint/2010/main" val="2425438981"/>
       </p:ext>
     </p:extLst>
   </p:cSld>
@@ -16851,7 +18400,7 @@
             </a:r>
             <a:r>
               <a:rPr lang="en" sz="2400" b="1" dirty="0" smtClean="0"/>
-              <a:t>COMPONENTS OF SUPERVISED MACHINE LEARNING</a:t>
+              <a:t>REGRESSION AND CLASSIFICATION PROBLEMS</a:t>
             </a:r>
             <a:endParaRPr lang="en-US" sz="2400" b="1" dirty="0"/>
           </a:p>
@@ -16882,128 +18431,112 @@
           </a:bodyPr>
           <a:lstStyle/>
           <a:p>
-            <a:pPr lvl="0" indent="-334327">
+            <a:pPr marL="122873" lvl="0" indent="0" algn="just">
               <a:lnSpc>
-                <a:spcPct val="200000"/>
+                <a:spcPct val="100000"/>
               </a:lnSpc>
               <a:buClr>
                 <a:schemeClr val="dk1"/>
               </a:buClr>
               <a:buSzPts val="1665"/>
-              <a:buAutoNum type="arabicPeriod"/>
-            </a:pPr>
-            <a:r>
-              <a:rPr lang="en-US" b="1" dirty="0">
+              <a:buNone/>
+            </a:pPr>
+            <a:r>
+              <a:rPr lang="en-US" b="1" u="sng" dirty="0" smtClean="0">
                 <a:solidFill>
                   <a:schemeClr val="tx1"/>
                 </a:solidFill>
               </a:rPr>
-              <a:t>Labeled Data</a:t>
-            </a:r>
-            <a:r>
-              <a:rPr lang="en-US" dirty="0" smtClean="0">
-                <a:solidFill>
-                  <a:schemeClr val="tx1"/>
-                </a:solidFill>
-              </a:rPr>
-              <a:t>:</a:t>
-            </a:r>
-          </a:p>
-          <a:p>
-            <a:pPr lvl="0" indent="-334327">
+              <a:t>What is Regression</a:t>
+            </a:r>
+          </a:p>
+          <a:p>
+            <a:pPr marL="122873" lvl="0" indent="0" algn="just">
               <a:lnSpc>
-                <a:spcPct val="200000"/>
+                <a:spcPct val="100000"/>
               </a:lnSpc>
               <a:buClr>
                 <a:schemeClr val="dk1"/>
               </a:buClr>
               <a:buSzPts val="1665"/>
-              <a:buAutoNum type="arabicPeriod"/>
-            </a:pPr>
-            <a:r>
-              <a:rPr lang="en-US" b="1" dirty="0" smtClean="0">
+              <a:buNone/>
+            </a:pPr>
+            <a:r>
+              <a:rPr lang="en-US" dirty="0" smtClean="0">
                 <a:solidFill>
                   <a:schemeClr val="tx1"/>
                 </a:solidFill>
               </a:rPr>
-              <a:t>Hypothesis </a:t>
-            </a:r>
-            <a:r>
-              <a:rPr lang="en-US" b="1" dirty="0">
+              <a:t>Regression</a:t>
+            </a:r>
+            <a:r>
+              <a:rPr lang="en-US" dirty="0">
                 <a:solidFill>
                   <a:schemeClr val="tx1"/>
                 </a:solidFill>
               </a:rPr>
-              <a:t>(Model</a:t>
-            </a:r>
-            <a:r>
-              <a:rPr lang="en-US" b="1" dirty="0" smtClean="0">
+              <a:t> is a fundamental technique in machine learning used to analyze </a:t>
+            </a:r>
+            <a:r>
+              <a:rPr lang="en-US" dirty="0" smtClean="0">
                 <a:solidFill>
                   <a:schemeClr val="tx1"/>
                 </a:solidFill>
               </a:rPr>
-              <a:t>)</a:t>
-            </a:r>
-            <a:endParaRPr b="1" dirty="0">
-              <a:solidFill>
-                <a:schemeClr val="tx1"/>
-              </a:solidFill>
-            </a:endParaRPr>
-          </a:p>
-          <a:p>
-            <a:pPr lvl="0" indent="-334327">
+              <a:t>relationships between </a:t>
+            </a:r>
+            <a:r>
+              <a:rPr lang="en-US" dirty="0">
+                <a:solidFill>
+                  <a:schemeClr val="tx1"/>
+                </a:solidFill>
+              </a:rPr>
+              <a:t>variables and make predictions</a:t>
+            </a:r>
+            <a:r>
+              <a:rPr lang="en-US" dirty="0" smtClean="0">
+                <a:solidFill>
+                  <a:schemeClr val="tx1"/>
+                </a:solidFill>
+              </a:rPr>
+              <a:t>.</a:t>
+            </a:r>
+          </a:p>
+          <a:p>
+            <a:pPr marL="122873" lvl="0" indent="0" algn="just">
               <a:lnSpc>
-                <a:spcPct val="200000"/>
+                <a:spcPct val="100000"/>
               </a:lnSpc>
               <a:buClr>
                 <a:schemeClr val="dk1"/>
               </a:buClr>
               <a:buSzPts val="1665"/>
-              <a:buAutoNum type="arabicPeriod"/>
-            </a:pPr>
-            <a:r>
-              <a:rPr lang="en-US" b="1" dirty="0">
-                <a:solidFill>
-                  <a:schemeClr val="tx1"/>
-                </a:solidFill>
-              </a:rPr>
-              <a:t>Cost Function (Loss Function</a:t>
-            </a:r>
-            <a:r>
-              <a:rPr lang="en-US" b="1" dirty="0" smtClean="0">
-                <a:solidFill>
-                  <a:schemeClr val="tx1"/>
-                </a:solidFill>
-              </a:rPr>
-              <a:t>)</a:t>
-            </a:r>
-            <a:r>
-              <a:rPr lang="en-US" dirty="0" smtClean="0">
-                <a:solidFill>
-                  <a:schemeClr val="tx1"/>
-                </a:solidFill>
-              </a:rPr>
-              <a:t>:</a:t>
-            </a:r>
-          </a:p>
-          <a:p>
-            <a:pPr lvl="0" indent="-334327">
+              <a:buNone/>
+            </a:pPr>
+            <a:endParaRPr lang="en-US" dirty="0" smtClean="0">
+              <a:solidFill>
+                <a:schemeClr val="tx1"/>
+              </a:solidFill>
+            </a:endParaRPr>
+          </a:p>
+          <a:p>
+            <a:pPr marL="122873" lvl="0" indent="0" algn="just">
               <a:lnSpc>
-                <a:spcPct val="200000"/>
+                <a:spcPct val="100000"/>
               </a:lnSpc>
               <a:buClr>
                 <a:schemeClr val="dk1"/>
               </a:buClr>
               <a:buSzPts val="1665"/>
-              <a:buAutoNum type="arabicPeriod"/>
-            </a:pPr>
-            <a:r>
-              <a:rPr lang="en-US" b="1" dirty="0">
+              <a:buNone/>
+            </a:pPr>
+            <a:r>
+              <a:rPr lang="en-US" dirty="0" smtClean="0">
                 <a:solidFill>
                   <a:schemeClr val="tx1"/>
                 </a:solidFill>
               </a:rPr>
-              <a:t>Optimizer</a:t>
+              <a:t>In</a:t>
             </a:r>
             <a:r>
               <a:rPr lang="en-US" dirty="0">
@@ -17011,8 +18544,28 @@
                   <a:schemeClr val="tx1"/>
                 </a:solidFill>
               </a:rPr>
-              <a:t>:</a:t>
-            </a:r>
+              <a:t> Regression, we plot a graph between the variables which best fit the given data points. The machine learning model can deliver predictions regarding the data. In naïve words, “Regression shows a line or curve that passes through all the data points on a target-predictor graph in such a way that the vertical distance between the data points and the regression line is minimum.” It is used principally for prediction, forecasting, time series modeling, and determining the causal-effect relationship between variables</a:t>
+            </a:r>
+            <a:r>
+              <a:rPr lang="en-US" dirty="0" smtClean="0">
+                <a:solidFill>
+                  <a:schemeClr val="tx1"/>
+                </a:solidFill>
+              </a:rPr>
+              <a:t>.</a:t>
+            </a:r>
+          </a:p>
+          <a:p>
+            <a:pPr marL="122873" lvl="0" indent="0" algn="just">
+              <a:lnSpc>
+                <a:spcPct val="100000"/>
+              </a:lnSpc>
+              <a:buClr>
+                <a:schemeClr val="dk1"/>
+              </a:buClr>
+              <a:buSzPts val="1665"/>
+              <a:buNone/>
+            </a:pPr>
             <a:endParaRPr dirty="0">
               <a:solidFill>
                 <a:schemeClr val="tx1"/>
@@ -17024,7 +18577,7 @@
     </p:spTree>
     <p:extLst>
       <p:ext uri="{BB962C8B-B14F-4D97-AF65-F5344CB8AC3E}">
-        <p14:creationId xmlns:p14="http://schemas.microsoft.com/office/powerpoint/2010/main" val="1550768495"/>
+        <p14:creationId xmlns:p14="http://schemas.microsoft.com/office/powerpoint/2010/main" val="304712407"/>
       </p:ext>
     </p:extLst>
   </p:cSld>
@@ -17090,6 +18643,1055 @@
             </a:r>
             <a:r>
               <a:rPr lang="en" sz="2400" b="1" dirty="0" smtClean="0"/>
+              <a:t>TYPES OF REGRESSION MODELS</a:t>
+            </a:r>
+            <a:endParaRPr lang="en-US" sz="2400" b="1" dirty="0"/>
+          </a:p>
+        </p:txBody>
+      </p:sp>
+      <p:sp>
+        <p:nvSpPr>
+          <p:cNvPr id="7" name="Google Shape;77;g258990b3369_0_16"/>
+          <p:cNvSpPr txBox="1">
+            <a:spLocks noGrp="1"/>
+          </p:cNvSpPr>
+          <p:nvPr>
+            <p:ph type="body" idx="1"/>
+          </p:nvPr>
+        </p:nvSpPr>
+        <p:spPr>
+          <a:xfrm>
+            <a:off x="275986" y="575086"/>
+            <a:ext cx="8650800" cy="4183525"/>
+          </a:xfrm>
+          <a:prstGeom prst="rect">
+            <a:avLst/>
+          </a:prstGeom>
+        </p:spPr>
+        <p:txBody>
+          <a:bodyPr spcFirstLastPara="1" wrap="square" lIns="91425" tIns="91425" rIns="91425" bIns="91425" anchor="t" anchorCtr="0">
+            <a:normAutofit fontScale="70000" lnSpcReduction="20000"/>
+          </a:bodyPr>
+          <a:lstStyle/>
+          <a:p>
+            <a:r>
+              <a:rPr lang="en-US" b="1" dirty="0">
+                <a:solidFill>
+                  <a:schemeClr val="tx1"/>
+                </a:solidFill>
+              </a:rPr>
+              <a:t>Linear Regression</a:t>
+            </a:r>
+          </a:p>
+          <a:p>
+            <a:r>
+              <a:rPr lang="en-US" b="1" dirty="0">
+                <a:solidFill>
+                  <a:schemeClr val="tx1"/>
+                </a:solidFill>
+              </a:rPr>
+              <a:t>Polynomial Regression</a:t>
+            </a:r>
+          </a:p>
+          <a:p>
+            <a:r>
+              <a:rPr lang="en-US" b="1" dirty="0">
+                <a:solidFill>
+                  <a:schemeClr val="tx1"/>
+                </a:solidFill>
+              </a:rPr>
+              <a:t>Logistics Regression</a:t>
+            </a:r>
+          </a:p>
+          <a:p>
+            <a:pPr marL="122873" lvl="0" indent="0" algn="just">
+              <a:lnSpc>
+                <a:spcPct val="100000"/>
+              </a:lnSpc>
+              <a:buClr>
+                <a:schemeClr val="dk1"/>
+              </a:buClr>
+              <a:buSzPts val="1665"/>
+              <a:buNone/>
+            </a:pPr>
+            <a:endParaRPr lang="en-US" dirty="0" smtClean="0">
+              <a:solidFill>
+                <a:schemeClr val="tx1"/>
+              </a:solidFill>
+            </a:endParaRPr>
+          </a:p>
+          <a:p>
+            <a:pPr marL="114300" indent="0">
+              <a:buNone/>
+            </a:pPr>
+            <a:r>
+              <a:rPr lang="en-US" b="1" u="sng" dirty="0">
+                <a:solidFill>
+                  <a:schemeClr val="tx1"/>
+                </a:solidFill>
+              </a:rPr>
+              <a:t>Linear </a:t>
+            </a:r>
+            <a:r>
+              <a:rPr lang="en-US" b="1" u="sng" dirty="0" smtClean="0">
+                <a:solidFill>
+                  <a:schemeClr val="tx1"/>
+                </a:solidFill>
+              </a:rPr>
+              <a:t>Regression:</a:t>
+            </a:r>
+            <a:endParaRPr lang="en-US" b="1" u="sng" dirty="0">
+              <a:solidFill>
+                <a:schemeClr val="tx1"/>
+              </a:solidFill>
+            </a:endParaRPr>
+          </a:p>
+          <a:p>
+            <a:pPr marL="114300" indent="0" algn="just">
+              <a:buNone/>
+            </a:pPr>
+            <a:r>
+              <a:rPr lang="en-US" dirty="0">
+                <a:solidFill>
+                  <a:schemeClr val="tx1"/>
+                </a:solidFill>
+              </a:rPr>
+              <a:t>Linear regression is a simple and commonly used regression model. It assumes a linear relationship between a dependent variable (Y-axis) and one or more independent variables (X-axis). The relationship is represented by the equation: Y = a + </a:t>
+            </a:r>
+            <a:r>
+              <a:rPr lang="en-US" dirty="0" err="1" smtClean="0">
+                <a:solidFill>
+                  <a:schemeClr val="tx1"/>
+                </a:solidFill>
+              </a:rPr>
+              <a:t>bX</a:t>
+            </a:r>
+            <a:endParaRPr lang="en-US" dirty="0" smtClean="0">
+              <a:solidFill>
+                <a:schemeClr val="tx1"/>
+              </a:solidFill>
+            </a:endParaRPr>
+          </a:p>
+          <a:p>
+            <a:pPr marL="114300" indent="0" algn="just">
+              <a:buNone/>
+            </a:pPr>
+            <a:endParaRPr lang="en-US" dirty="0">
+              <a:solidFill>
+                <a:schemeClr val="tx1"/>
+              </a:solidFill>
+            </a:endParaRPr>
+          </a:p>
+          <a:p>
+            <a:pPr algn="just"/>
+            <a:r>
+              <a:rPr lang="en-US" dirty="0">
+                <a:solidFill>
+                  <a:schemeClr val="tx1"/>
+                </a:solidFill>
+              </a:rPr>
+              <a:t>YYY is the dependent variable.</a:t>
+            </a:r>
+          </a:p>
+          <a:p>
+            <a:pPr algn="just"/>
+            <a:r>
+              <a:rPr lang="en-US" dirty="0">
+                <a:solidFill>
+                  <a:schemeClr val="tx1"/>
+                </a:solidFill>
+              </a:rPr>
+              <a:t>XXX is the independent variable.</a:t>
+            </a:r>
+          </a:p>
+          <a:p>
+            <a:pPr algn="just"/>
+            <a:r>
+              <a:rPr lang="en-US" dirty="0" err="1">
+                <a:solidFill>
+                  <a:schemeClr val="tx1"/>
+                </a:solidFill>
+              </a:rPr>
+              <a:t>aaa</a:t>
+            </a:r>
+            <a:r>
+              <a:rPr lang="en-US" dirty="0">
+                <a:solidFill>
+                  <a:schemeClr val="tx1"/>
+                </a:solidFill>
+              </a:rPr>
+              <a:t> is the intercept (the value of YYY when X=0X = 0X=0).</a:t>
+            </a:r>
+          </a:p>
+          <a:p>
+            <a:pPr algn="just"/>
+            <a:r>
+              <a:rPr lang="en-US" dirty="0" err="1">
+                <a:solidFill>
+                  <a:schemeClr val="tx1"/>
+                </a:solidFill>
+              </a:rPr>
+              <a:t>bbb</a:t>
+            </a:r>
+            <a:r>
+              <a:rPr lang="en-US" dirty="0">
+                <a:solidFill>
+                  <a:schemeClr val="tx1"/>
+                </a:solidFill>
+              </a:rPr>
+              <a:t> is the slope of the line (the rate of change in YYY with respect to XXX).</a:t>
+            </a:r>
+          </a:p>
+          <a:p>
+            <a:pPr marL="114300" indent="0" algn="just">
+              <a:buNone/>
+            </a:pPr>
+            <a:endParaRPr lang="en-US" b="1" dirty="0" smtClean="0">
+              <a:solidFill>
+                <a:schemeClr val="tx1"/>
+              </a:solidFill>
+            </a:endParaRPr>
+          </a:p>
+          <a:p>
+            <a:pPr marL="114300" indent="0" algn="just">
+              <a:buNone/>
+            </a:pPr>
+            <a:r>
+              <a:rPr lang="en-US" b="1" dirty="0" smtClean="0">
+                <a:solidFill>
+                  <a:schemeClr val="tx1"/>
+                </a:solidFill>
+              </a:rPr>
+              <a:t>Simple </a:t>
+            </a:r>
+            <a:r>
+              <a:rPr lang="en-US" b="1" dirty="0">
+                <a:solidFill>
+                  <a:schemeClr val="tx1"/>
+                </a:solidFill>
+              </a:rPr>
+              <a:t>Linear Regression:</a:t>
+            </a:r>
+            <a:r>
+              <a:rPr lang="en-US" dirty="0">
+                <a:solidFill>
+                  <a:schemeClr val="tx1"/>
+                </a:solidFill>
+              </a:rPr>
+              <a:t> When there’s only one independent variable, it’s called simple linear regression. For example, predicting house prices based on their area</a:t>
+            </a:r>
+            <a:r>
+              <a:rPr lang="en-US" dirty="0" smtClean="0">
+                <a:solidFill>
+                  <a:schemeClr val="tx1"/>
+                </a:solidFill>
+              </a:rPr>
+              <a:t>.</a:t>
+            </a:r>
+          </a:p>
+          <a:p>
+            <a:pPr algn="just"/>
+            <a:endParaRPr lang="en-US" dirty="0" smtClean="0">
+              <a:solidFill>
+                <a:schemeClr val="tx1"/>
+              </a:solidFill>
+            </a:endParaRPr>
+          </a:p>
+          <a:p>
+            <a:pPr marL="114300" indent="0">
+              <a:buNone/>
+            </a:pPr>
+            <a:r>
+              <a:rPr lang="en-US" b="1" u="sng" dirty="0">
+                <a:solidFill>
+                  <a:schemeClr val="tx1"/>
+                </a:solidFill>
+              </a:rPr>
+              <a:t>Multiple Linear Regression:</a:t>
+            </a:r>
+            <a:endParaRPr lang="en-US" u="sng" dirty="0">
+              <a:solidFill>
+                <a:schemeClr val="tx1"/>
+              </a:solidFill>
+            </a:endParaRPr>
+          </a:p>
+          <a:p>
+            <a:pPr marL="114300" indent="0">
+              <a:buNone/>
+            </a:pPr>
+            <a:r>
+              <a:rPr lang="en-US" dirty="0">
+                <a:solidFill>
+                  <a:schemeClr val="tx1"/>
+                </a:solidFill>
+              </a:rPr>
+              <a:t>When there are multiple independent variables, we call it multiple linear regression. For example, predicting a person’s salary based on years of experience, education level, and location</a:t>
+            </a:r>
+            <a:r>
+              <a:rPr lang="en-US" dirty="0" smtClean="0">
+                <a:solidFill>
+                  <a:schemeClr val="tx1"/>
+                </a:solidFill>
+              </a:rPr>
+              <a:t>.</a:t>
+            </a:r>
+            <a:endParaRPr dirty="0">
+              <a:solidFill>
+                <a:schemeClr val="tx1"/>
+              </a:solidFill>
+            </a:endParaRPr>
+          </a:p>
+        </p:txBody>
+      </p:sp>
+    </p:spTree>
+    <p:extLst>
+      <p:ext uri="{BB962C8B-B14F-4D97-AF65-F5344CB8AC3E}">
+        <p14:creationId xmlns:p14="http://schemas.microsoft.com/office/powerpoint/2010/main" val="4243071722"/>
+      </p:ext>
+    </p:extLst>
+  </p:cSld>
+  <p:clrMapOvr>
+    <a:masterClrMapping/>
+  </p:clrMapOvr>
+  <p:timing>
+    <p:tnLst>
+      <p:par>
+        <p:cTn id="1" dur="indefinite" restart="never" nodeType="tmRoot"/>
+      </p:par>
+    </p:tnLst>
+  </p:timing>
+</p:sld>
+</file>
+
+<file path=ppt/slides/slide32.xml><?xml version="1.0" encoding="utf-8"?>
+<p:sld xmlns:a="http://schemas.openxmlformats.org/drawingml/2006/main" xmlns:r="http://schemas.openxmlformats.org/officeDocument/2006/relationships" xmlns:p="http://schemas.openxmlformats.org/presentationml/2006/main">
+  <p:cSld>
+    <p:spTree>
+      <p:nvGrpSpPr>
+        <p:cNvPr id="1" name="Shape 102"/>
+        <p:cNvGrpSpPr/>
+        <p:nvPr/>
+      </p:nvGrpSpPr>
+      <p:grpSpPr>
+        <a:xfrm>
+          <a:off x="0" y="0"/>
+          <a:ext cx="0" cy="0"/>
+          <a:chOff x="0" y="0"/>
+          <a:chExt cx="0" cy="0"/>
+        </a:xfrm>
+      </p:grpSpPr>
+      <p:sp>
+        <p:nvSpPr>
+          <p:cNvPr id="103" name="Google Shape;103;p16"/>
+          <p:cNvSpPr txBox="1">
+            <a:spLocks noGrp="1"/>
+          </p:cNvSpPr>
+          <p:nvPr>
+            <p:ph type="title"/>
+          </p:nvPr>
+        </p:nvSpPr>
+        <p:spPr>
+          <a:xfrm>
+            <a:off x="0" y="3650"/>
+            <a:ext cx="9144000" cy="523232"/>
+          </a:xfrm>
+          <a:prstGeom prst="rect">
+            <a:avLst/>
+          </a:prstGeom>
+        </p:spPr>
+        <p:txBody>
+          <a:bodyPr spcFirstLastPara="1" wrap="square" lIns="91425" tIns="91425" rIns="91425" bIns="91425" anchor="t" anchorCtr="0">
+            <a:noAutofit/>
+          </a:bodyPr>
+          <a:lstStyle/>
+          <a:p>
+            <a:pPr algn="ctr"/>
+            <a:r>
+              <a:rPr lang="en-US" sz="2400" b="1" dirty="0" smtClean="0"/>
+              <a:t> </a:t>
+            </a:r>
+            <a:r>
+              <a:rPr lang="en" sz="2400" b="1" dirty="0" smtClean="0"/>
+              <a:t>TYPES OF REGRESSION MODELS</a:t>
+            </a:r>
+            <a:endParaRPr lang="en-US" sz="2400" b="1" dirty="0"/>
+          </a:p>
+        </p:txBody>
+      </p:sp>
+      <p:sp>
+        <p:nvSpPr>
+          <p:cNvPr id="7" name="Google Shape;77;g258990b3369_0_16"/>
+          <p:cNvSpPr txBox="1">
+            <a:spLocks noGrp="1"/>
+          </p:cNvSpPr>
+          <p:nvPr>
+            <p:ph type="body" idx="1"/>
+          </p:nvPr>
+        </p:nvSpPr>
+        <p:spPr>
+          <a:xfrm>
+            <a:off x="285317" y="435126"/>
+            <a:ext cx="8650800" cy="4183525"/>
+          </a:xfrm>
+          <a:prstGeom prst="rect">
+            <a:avLst/>
+          </a:prstGeom>
+        </p:spPr>
+        <p:txBody>
+          <a:bodyPr spcFirstLastPara="1" wrap="square" lIns="91425" tIns="91425" rIns="91425" bIns="91425" anchor="t" anchorCtr="0">
+            <a:normAutofit/>
+          </a:bodyPr>
+          <a:lstStyle/>
+          <a:p>
+            <a:pPr marL="114300" indent="0">
+              <a:buNone/>
+            </a:pPr>
+            <a:r>
+              <a:rPr lang="en-US" sz="1600" b="1" u="sng" dirty="0">
+                <a:solidFill>
+                  <a:schemeClr val="tx1"/>
+                </a:solidFill>
+              </a:rPr>
+              <a:t>What is Linear Regression?</a:t>
+            </a:r>
+          </a:p>
+          <a:p>
+            <a:pPr marL="114300" indent="0" algn="just">
+              <a:buNone/>
+            </a:pPr>
+            <a:r>
+              <a:rPr lang="en-US" sz="1600" dirty="0">
+                <a:solidFill>
+                  <a:schemeClr val="tx1"/>
+                </a:solidFill>
+              </a:rPr>
+              <a:t>Linear regression is a quiet and simple </a:t>
+            </a:r>
+            <a:r>
+              <a:rPr lang="en-US" sz="1600" u="sng" dirty="0">
+                <a:solidFill>
+                  <a:schemeClr val="tx1"/>
+                </a:solidFill>
+                <a:hlinkClick r:id="rId3"/>
+              </a:rPr>
+              <a:t>statistical regression </a:t>
+            </a:r>
+            <a:r>
+              <a:rPr lang="en-US" sz="1600" dirty="0">
+                <a:solidFill>
+                  <a:schemeClr val="tx1"/>
+                </a:solidFill>
+              </a:rPr>
+              <a:t>method used for predictive analysis and shows the relationship between the continuous variables. Linear regression shows the linear relationship between the independent variable (X-axis) and the dependent variable (Y-axis), consequently called linear regression. If there is a single input variable (x), we call such linear regression simple linear regression. If there are more than one input variable, we call it multiple linear regression. The linear regression model gives a sloped straight line describing the relationship within the variables.</a:t>
+            </a:r>
+          </a:p>
+          <a:p>
+            <a:pPr marL="114300" indent="0">
+              <a:buNone/>
+            </a:pPr>
+            <a:endParaRPr lang="en-US" dirty="0">
+              <a:solidFill>
+                <a:schemeClr val="tx1"/>
+              </a:solidFill>
+            </a:endParaRPr>
+          </a:p>
+        </p:txBody>
+      </p:sp>
+      <p:pic>
+        <p:nvPicPr>
+          <p:cNvPr id="5122" name="Picture 2"/>
+          <p:cNvPicPr>
+            <a:picLocks noChangeAspect="1" noChangeArrowheads="1"/>
+          </p:cNvPicPr>
+          <p:nvPr/>
+        </p:nvPicPr>
+        <p:blipFill>
+          <a:blip r:embed="rId4">
+            <a:extLst>
+              <a:ext uri="{28A0092B-C50C-407E-A947-70E740481C1C}">
+                <a14:useLocalDpi xmlns:a14="http://schemas.microsoft.com/office/drawing/2010/main" val="0"/>
+              </a:ext>
+            </a:extLst>
+          </a:blip>
+          <a:srcRect/>
+          <a:stretch>
+            <a:fillRect/>
+          </a:stretch>
+        </p:blipFill>
+        <p:spPr bwMode="auto">
+          <a:xfrm>
+            <a:off x="3304884" y="2808310"/>
+            <a:ext cx="2405451" cy="1995690"/>
+          </a:xfrm>
+          <a:prstGeom prst="rect">
+            <a:avLst/>
+          </a:prstGeom>
+          <a:noFill/>
+          <a:ln>
+            <a:noFill/>
+          </a:ln>
+          <a:effectLst/>
+          <a:extLst>
+            <a:ext uri="{909E8E84-426E-40DD-AFC4-6F175D3DCCD1}">
+              <a14:hiddenFill xmlns:a14="http://schemas.microsoft.com/office/drawing/2010/main">
+                <a:solidFill>
+                  <a:schemeClr val="accent1"/>
+                </a:solidFill>
+              </a14:hiddenFill>
+            </a:ext>
+            <a:ext uri="{91240B29-F687-4F45-9708-019B960494DF}">
+              <a14:hiddenLine xmlns:a14="http://schemas.microsoft.com/office/drawing/2010/main" w="9525">
+                <a:solidFill>
+                  <a:schemeClr val="tx1"/>
+                </a:solidFill>
+                <a:miter lim="800000"/>
+                <a:headEnd/>
+                <a:tailEnd/>
+              </a14:hiddenLine>
+            </a:ext>
+            <a:ext uri="{AF507438-7753-43E0-B8FC-AC1667EBCBE1}">
+              <a14:hiddenEffects xmlns:a14="http://schemas.microsoft.com/office/drawing/2010/main">
+                <a:effectLst>
+                  <a:outerShdw dist="35921" dir="2700000" algn="ctr" rotWithShape="0">
+                    <a:schemeClr val="bg2"/>
+                  </a:outerShdw>
+                </a:effectLst>
+              </a14:hiddenEffects>
+            </a:ext>
+          </a:extLst>
+        </p:spPr>
+      </p:pic>
+    </p:spTree>
+    <p:extLst>
+      <p:ext uri="{BB962C8B-B14F-4D97-AF65-F5344CB8AC3E}">
+        <p14:creationId xmlns:p14="http://schemas.microsoft.com/office/powerpoint/2010/main" val="1712120232"/>
+      </p:ext>
+    </p:extLst>
+  </p:cSld>
+  <p:clrMapOvr>
+    <a:masterClrMapping/>
+  </p:clrMapOvr>
+  <p:timing>
+    <p:tnLst>
+      <p:par>
+        <p:cTn id="1" dur="indefinite" restart="never" nodeType="tmRoot"/>
+      </p:par>
+    </p:tnLst>
+  </p:timing>
+</p:sld>
+</file>
+
+<file path=ppt/slides/slide33.xml><?xml version="1.0" encoding="utf-8"?>
+<p:sld xmlns:a="http://schemas.openxmlformats.org/drawingml/2006/main" xmlns:r="http://schemas.openxmlformats.org/officeDocument/2006/relationships" xmlns:p="http://schemas.openxmlformats.org/presentationml/2006/main">
+  <p:cSld>
+    <p:spTree>
+      <p:nvGrpSpPr>
+        <p:cNvPr id="1" name="Shape 102"/>
+        <p:cNvGrpSpPr/>
+        <p:nvPr/>
+      </p:nvGrpSpPr>
+      <p:grpSpPr>
+        <a:xfrm>
+          <a:off x="0" y="0"/>
+          <a:ext cx="0" cy="0"/>
+          <a:chOff x="0" y="0"/>
+          <a:chExt cx="0" cy="0"/>
+        </a:xfrm>
+      </p:grpSpPr>
+      <p:sp>
+        <p:nvSpPr>
+          <p:cNvPr id="103" name="Google Shape;103;p16"/>
+          <p:cNvSpPr txBox="1">
+            <a:spLocks noGrp="1"/>
+          </p:cNvSpPr>
+          <p:nvPr>
+            <p:ph type="title"/>
+          </p:nvPr>
+        </p:nvSpPr>
+        <p:spPr>
+          <a:xfrm>
+            <a:off x="0" y="3650"/>
+            <a:ext cx="9144000" cy="523232"/>
+          </a:xfrm>
+          <a:prstGeom prst="rect">
+            <a:avLst/>
+          </a:prstGeom>
+        </p:spPr>
+        <p:txBody>
+          <a:bodyPr spcFirstLastPara="1" wrap="square" lIns="91425" tIns="91425" rIns="91425" bIns="91425" anchor="t" anchorCtr="0">
+            <a:noAutofit/>
+          </a:bodyPr>
+          <a:lstStyle/>
+          <a:p>
+            <a:pPr algn="ctr"/>
+            <a:r>
+              <a:rPr lang="en-US" sz="2400" b="1" dirty="0" smtClean="0"/>
+              <a:t> </a:t>
+            </a:r>
+            <a:r>
+              <a:rPr lang="en" sz="2400" b="1" dirty="0" smtClean="0"/>
+              <a:t>TYPES OF REGRESSION MODELS</a:t>
+            </a:r>
+            <a:endParaRPr lang="en-US" sz="2400" b="1" dirty="0"/>
+          </a:p>
+        </p:txBody>
+      </p:sp>
+      <p:sp>
+        <p:nvSpPr>
+          <p:cNvPr id="7" name="Google Shape;77;g258990b3369_0_16"/>
+          <p:cNvSpPr txBox="1">
+            <a:spLocks noGrp="1"/>
+          </p:cNvSpPr>
+          <p:nvPr>
+            <p:ph type="body" idx="1"/>
+          </p:nvPr>
+        </p:nvSpPr>
+        <p:spPr>
+          <a:xfrm>
+            <a:off x="275986" y="575086"/>
+            <a:ext cx="8650800" cy="4183525"/>
+          </a:xfrm>
+          <a:prstGeom prst="rect">
+            <a:avLst/>
+          </a:prstGeom>
+        </p:spPr>
+        <p:txBody>
+          <a:bodyPr spcFirstLastPara="1" wrap="square" lIns="91425" tIns="91425" rIns="91425" bIns="91425" anchor="t" anchorCtr="0">
+            <a:normAutofit/>
+          </a:bodyPr>
+          <a:lstStyle/>
+          <a:p>
+            <a:pPr marL="114300" indent="0">
+              <a:buNone/>
+            </a:pPr>
+            <a:r>
+              <a:rPr lang="en-US" b="1" u="sng" dirty="0">
+                <a:solidFill>
+                  <a:schemeClr val="tx1"/>
+                </a:solidFill>
+              </a:rPr>
+              <a:t>Polynomial Regression</a:t>
+            </a:r>
+          </a:p>
+          <a:p>
+            <a:pPr marL="114300" indent="0" algn="just">
+              <a:buNone/>
+            </a:pPr>
+            <a:r>
+              <a:rPr lang="en-US" dirty="0">
+                <a:solidFill>
+                  <a:schemeClr val="tx1"/>
+                </a:solidFill>
+              </a:rPr>
+              <a:t>Polynomial regression</a:t>
+            </a:r>
+            <a:r>
+              <a:rPr lang="en-US" u="sng" dirty="0">
+                <a:solidFill>
+                  <a:schemeClr val="tx1"/>
+                </a:solidFill>
+              </a:rPr>
+              <a:t> </a:t>
+            </a:r>
+            <a:r>
+              <a:rPr lang="en-US" dirty="0">
+                <a:solidFill>
+                  <a:schemeClr val="tx1"/>
+                </a:solidFill>
+              </a:rPr>
+              <a:t>is a form of linear regression in which the relationship between the independent variable XXX and the dependent variable YYY is modeled as an </a:t>
+            </a:r>
+            <a:r>
+              <a:rPr lang="en-US" dirty="0" err="1">
+                <a:solidFill>
+                  <a:schemeClr val="tx1"/>
+                </a:solidFill>
+              </a:rPr>
+              <a:t>nnn-th</a:t>
+            </a:r>
+            <a:r>
+              <a:rPr lang="en-US" dirty="0">
+                <a:solidFill>
+                  <a:schemeClr val="tx1"/>
+                </a:solidFill>
+              </a:rPr>
+              <a:t> degree polynomial. It’s useful when the relationship between variables isn’t linear. </a:t>
+            </a:r>
+            <a:endParaRPr lang="en-US" dirty="0" smtClean="0">
+              <a:solidFill>
+                <a:schemeClr val="tx1"/>
+              </a:solidFill>
+            </a:endParaRPr>
+          </a:p>
+          <a:p>
+            <a:pPr marL="114300" indent="0" algn="just">
+              <a:buNone/>
+            </a:pPr>
+            <a:endParaRPr lang="en-US" dirty="0">
+              <a:solidFill>
+                <a:schemeClr val="tx1"/>
+              </a:solidFill>
+            </a:endParaRPr>
+          </a:p>
+          <a:p>
+            <a:pPr marL="114300" indent="0" algn="just">
+              <a:buNone/>
+            </a:pPr>
+            <a:r>
+              <a:rPr lang="en-US" b="1" u="sng" dirty="0">
+                <a:solidFill>
+                  <a:schemeClr val="tx1"/>
+                </a:solidFill>
+              </a:rPr>
+              <a:t>Logistic Regression</a:t>
+            </a:r>
+          </a:p>
+          <a:p>
+            <a:pPr marL="114300" indent="0" algn="just">
+              <a:buNone/>
+            </a:pPr>
+            <a:r>
+              <a:rPr lang="en-US" dirty="0">
+                <a:solidFill>
+                  <a:schemeClr val="tx1"/>
+                </a:solidFill>
+              </a:rPr>
+              <a:t>Despite its name, logistic regression is a statistical method used for binary classification, not regression. It estimates the probability that an instance belongs to a particular class (e.g., yes/no, 1/0). The predicted values are mapped to [0, 1] through the logistic function (sigmoid function</a:t>
+            </a:r>
+            <a:r>
+              <a:rPr lang="en-US" dirty="0" smtClean="0">
+                <a:solidFill>
+                  <a:schemeClr val="tx1"/>
+                </a:solidFill>
+              </a:rPr>
+              <a:t>).</a:t>
+            </a:r>
+            <a:endParaRPr lang="en-US" dirty="0">
+              <a:solidFill>
+                <a:schemeClr val="tx1"/>
+              </a:solidFill>
+            </a:endParaRPr>
+          </a:p>
+          <a:p>
+            <a:pPr marL="114300" indent="0">
+              <a:buNone/>
+            </a:pPr>
+            <a:endParaRPr lang="en-US" dirty="0">
+              <a:solidFill>
+                <a:schemeClr val="tx1"/>
+              </a:solidFill>
+            </a:endParaRPr>
+          </a:p>
+        </p:txBody>
+      </p:sp>
+    </p:spTree>
+    <p:extLst>
+      <p:ext uri="{BB962C8B-B14F-4D97-AF65-F5344CB8AC3E}">
+        <p14:creationId xmlns:p14="http://schemas.microsoft.com/office/powerpoint/2010/main" val="650503545"/>
+      </p:ext>
+    </p:extLst>
+  </p:cSld>
+  <p:clrMapOvr>
+    <a:masterClrMapping/>
+  </p:clrMapOvr>
+  <p:timing>
+    <p:tnLst>
+      <p:par>
+        <p:cTn id="1" dur="indefinite" restart="never" nodeType="tmRoot"/>
+      </p:par>
+    </p:tnLst>
+  </p:timing>
+</p:sld>
+</file>
+
+<file path=ppt/slides/slide34.xml><?xml version="1.0" encoding="utf-8"?>
+<p:sld xmlns:a="http://schemas.openxmlformats.org/drawingml/2006/main" xmlns:r="http://schemas.openxmlformats.org/officeDocument/2006/relationships" xmlns:p="http://schemas.openxmlformats.org/presentationml/2006/main">
+  <p:cSld>
+    <p:spTree>
+      <p:nvGrpSpPr>
+        <p:cNvPr id="1" name="Shape 102"/>
+        <p:cNvGrpSpPr/>
+        <p:nvPr/>
+      </p:nvGrpSpPr>
+      <p:grpSpPr>
+        <a:xfrm>
+          <a:off x="0" y="0"/>
+          <a:ext cx="0" cy="0"/>
+          <a:chOff x="0" y="0"/>
+          <a:chExt cx="0" cy="0"/>
+        </a:xfrm>
+      </p:grpSpPr>
+      <p:sp>
+        <p:nvSpPr>
+          <p:cNvPr id="103" name="Google Shape;103;p16"/>
+          <p:cNvSpPr txBox="1">
+            <a:spLocks noGrp="1"/>
+          </p:cNvSpPr>
+          <p:nvPr>
+            <p:ph type="title"/>
+          </p:nvPr>
+        </p:nvSpPr>
+        <p:spPr>
+          <a:xfrm>
+            <a:off x="0" y="3650"/>
+            <a:ext cx="9144000" cy="523232"/>
+          </a:xfrm>
+          <a:prstGeom prst="rect">
+            <a:avLst/>
+          </a:prstGeom>
+        </p:spPr>
+        <p:txBody>
+          <a:bodyPr spcFirstLastPara="1" wrap="square" lIns="91425" tIns="91425" rIns="91425" bIns="91425" anchor="t" anchorCtr="0">
+            <a:noAutofit/>
+          </a:bodyPr>
+          <a:lstStyle/>
+          <a:p>
+            <a:pPr algn="ctr"/>
+            <a:r>
+              <a:rPr lang="en-US" sz="2400" b="1" dirty="0" smtClean="0"/>
+              <a:t> </a:t>
+            </a:r>
+            <a:r>
+              <a:rPr lang="en" sz="2400" b="1" dirty="0" smtClean="0"/>
+              <a:t>COMPONENTS OF SUPERVISED MACHINE LEARNING</a:t>
+            </a:r>
+            <a:endParaRPr lang="en-US" sz="2400" b="1" dirty="0"/>
+          </a:p>
+        </p:txBody>
+      </p:sp>
+      <p:sp>
+        <p:nvSpPr>
+          <p:cNvPr id="7" name="Google Shape;77;g258990b3369_0_16"/>
+          <p:cNvSpPr txBox="1">
+            <a:spLocks noGrp="1"/>
+          </p:cNvSpPr>
+          <p:nvPr>
+            <p:ph type="body" idx="1"/>
+          </p:nvPr>
+        </p:nvSpPr>
+        <p:spPr>
+          <a:xfrm>
+            <a:off x="275986" y="575087"/>
+            <a:ext cx="8650800" cy="3474398"/>
+          </a:xfrm>
+          <a:prstGeom prst="rect">
+            <a:avLst/>
+          </a:prstGeom>
+        </p:spPr>
+        <p:txBody>
+          <a:bodyPr spcFirstLastPara="1" wrap="square" lIns="91425" tIns="91425" rIns="91425" bIns="91425" anchor="t" anchorCtr="0">
+            <a:normAutofit/>
+          </a:bodyPr>
+          <a:lstStyle/>
+          <a:p>
+            <a:pPr lvl="0" indent="-334327">
+              <a:lnSpc>
+                <a:spcPct val="200000"/>
+              </a:lnSpc>
+              <a:buClr>
+                <a:schemeClr val="dk1"/>
+              </a:buClr>
+              <a:buSzPts val="1665"/>
+              <a:buAutoNum type="arabicPeriod"/>
+            </a:pPr>
+            <a:r>
+              <a:rPr lang="en-US" b="1" dirty="0">
+                <a:solidFill>
+                  <a:schemeClr val="tx1"/>
+                </a:solidFill>
+              </a:rPr>
+              <a:t>Labeled Data</a:t>
+            </a:r>
+            <a:r>
+              <a:rPr lang="en-US" dirty="0" smtClean="0">
+                <a:solidFill>
+                  <a:schemeClr val="tx1"/>
+                </a:solidFill>
+              </a:rPr>
+              <a:t>:</a:t>
+            </a:r>
+          </a:p>
+          <a:p>
+            <a:pPr lvl="0" indent="-334327">
+              <a:lnSpc>
+                <a:spcPct val="200000"/>
+              </a:lnSpc>
+              <a:buClr>
+                <a:schemeClr val="dk1"/>
+              </a:buClr>
+              <a:buSzPts val="1665"/>
+              <a:buAutoNum type="arabicPeriod"/>
+            </a:pPr>
+            <a:r>
+              <a:rPr lang="en-US" b="1" dirty="0" smtClean="0">
+                <a:solidFill>
+                  <a:schemeClr val="tx1"/>
+                </a:solidFill>
+              </a:rPr>
+              <a:t>Hypothesis </a:t>
+            </a:r>
+            <a:r>
+              <a:rPr lang="en-US" b="1" dirty="0">
+                <a:solidFill>
+                  <a:schemeClr val="tx1"/>
+                </a:solidFill>
+              </a:rPr>
+              <a:t>(Model</a:t>
+            </a:r>
+            <a:r>
+              <a:rPr lang="en-US" b="1" dirty="0" smtClean="0">
+                <a:solidFill>
+                  <a:schemeClr val="tx1"/>
+                </a:solidFill>
+              </a:rPr>
+              <a:t>)</a:t>
+            </a:r>
+            <a:endParaRPr b="1" dirty="0">
+              <a:solidFill>
+                <a:schemeClr val="tx1"/>
+              </a:solidFill>
+            </a:endParaRPr>
+          </a:p>
+          <a:p>
+            <a:pPr lvl="0" indent="-334327">
+              <a:lnSpc>
+                <a:spcPct val="200000"/>
+              </a:lnSpc>
+              <a:buClr>
+                <a:schemeClr val="dk1"/>
+              </a:buClr>
+              <a:buSzPts val="1665"/>
+              <a:buAutoNum type="arabicPeriod"/>
+            </a:pPr>
+            <a:r>
+              <a:rPr lang="en-US" b="1" dirty="0">
+                <a:solidFill>
+                  <a:schemeClr val="tx1"/>
+                </a:solidFill>
+              </a:rPr>
+              <a:t>Cost Function (Loss Function</a:t>
+            </a:r>
+            <a:r>
+              <a:rPr lang="en-US" b="1" dirty="0" smtClean="0">
+                <a:solidFill>
+                  <a:schemeClr val="tx1"/>
+                </a:solidFill>
+              </a:rPr>
+              <a:t>)</a:t>
+            </a:r>
+            <a:r>
+              <a:rPr lang="en-US" dirty="0" smtClean="0">
+                <a:solidFill>
+                  <a:schemeClr val="tx1"/>
+                </a:solidFill>
+              </a:rPr>
+              <a:t>:</a:t>
+            </a:r>
+          </a:p>
+          <a:p>
+            <a:pPr lvl="0" indent="-334327">
+              <a:lnSpc>
+                <a:spcPct val="200000"/>
+              </a:lnSpc>
+              <a:buClr>
+                <a:schemeClr val="dk1"/>
+              </a:buClr>
+              <a:buSzPts val="1665"/>
+              <a:buAutoNum type="arabicPeriod"/>
+            </a:pPr>
+            <a:r>
+              <a:rPr lang="en-US" b="1" dirty="0">
+                <a:solidFill>
+                  <a:schemeClr val="tx1"/>
+                </a:solidFill>
+              </a:rPr>
+              <a:t>Optimizer</a:t>
+            </a:r>
+            <a:r>
+              <a:rPr lang="en-US" dirty="0">
+                <a:solidFill>
+                  <a:schemeClr val="tx1"/>
+                </a:solidFill>
+              </a:rPr>
+              <a:t>:</a:t>
+            </a:r>
+            <a:endParaRPr dirty="0">
+              <a:solidFill>
+                <a:schemeClr val="tx1"/>
+              </a:solidFill>
+            </a:endParaRPr>
+          </a:p>
+        </p:txBody>
+      </p:sp>
+    </p:spTree>
+    <p:extLst>
+      <p:ext uri="{BB962C8B-B14F-4D97-AF65-F5344CB8AC3E}">
+        <p14:creationId xmlns:p14="http://schemas.microsoft.com/office/powerpoint/2010/main" val="1550768495"/>
+      </p:ext>
+    </p:extLst>
+  </p:cSld>
+  <p:clrMapOvr>
+    <a:masterClrMapping/>
+  </p:clrMapOvr>
+  <p:timing>
+    <p:tnLst>
+      <p:par>
+        <p:cTn id="1" dur="indefinite" restart="never" nodeType="tmRoot"/>
+      </p:par>
+    </p:tnLst>
+  </p:timing>
+</p:sld>
+</file>
+
+<file path=ppt/slides/slide35.xml><?xml version="1.0" encoding="utf-8"?>
+<p:sld xmlns:a="http://schemas.openxmlformats.org/drawingml/2006/main" xmlns:r="http://schemas.openxmlformats.org/officeDocument/2006/relationships" xmlns:p="http://schemas.openxmlformats.org/presentationml/2006/main">
+  <p:cSld>
+    <p:spTree>
+      <p:nvGrpSpPr>
+        <p:cNvPr id="1" name="Shape 102"/>
+        <p:cNvGrpSpPr/>
+        <p:nvPr/>
+      </p:nvGrpSpPr>
+      <p:grpSpPr>
+        <a:xfrm>
+          <a:off x="0" y="0"/>
+          <a:ext cx="0" cy="0"/>
+          <a:chOff x="0" y="0"/>
+          <a:chExt cx="0" cy="0"/>
+        </a:xfrm>
+      </p:grpSpPr>
+      <p:sp>
+        <p:nvSpPr>
+          <p:cNvPr id="103" name="Google Shape;103;p16"/>
+          <p:cNvSpPr txBox="1">
+            <a:spLocks noGrp="1"/>
+          </p:cNvSpPr>
+          <p:nvPr>
+            <p:ph type="title"/>
+          </p:nvPr>
+        </p:nvSpPr>
+        <p:spPr>
+          <a:xfrm>
+            <a:off x="0" y="3650"/>
+            <a:ext cx="9144000" cy="523232"/>
+          </a:xfrm>
+          <a:prstGeom prst="rect">
+            <a:avLst/>
+          </a:prstGeom>
+        </p:spPr>
+        <p:txBody>
+          <a:bodyPr spcFirstLastPara="1" wrap="square" lIns="91425" tIns="91425" rIns="91425" bIns="91425" anchor="t" anchorCtr="0">
+            <a:noAutofit/>
+          </a:bodyPr>
+          <a:lstStyle/>
+          <a:p>
+            <a:pPr algn="ctr"/>
+            <a:r>
+              <a:rPr lang="en-US" sz="2400" b="1" dirty="0" smtClean="0"/>
+              <a:t> </a:t>
+            </a:r>
+            <a:r>
+              <a:rPr lang="en" sz="2400" b="1" dirty="0" smtClean="0"/>
               <a:t>COMPONENTS OF SUPERVISED MACHINE LEARNING</a:t>
             </a:r>
             <a:endParaRPr lang="en-US" sz="2400" b="1" dirty="0"/>
@@ -17272,9 +19874,27 @@
             <a:tbl>
               <a:tblPr/>
               <a:tblGrid>
-                <a:gridCol w="2058826"/>
-                <a:gridCol w="2724538"/>
-                <a:gridCol w="2146041"/>
+                <a:gridCol w="2058826">
+                  <a:extLst>
+                    <a:ext uri="{9D8B030D-6E8A-4147-A177-3AD203B41FA5}">
+                      <a16:colId xmlns:a16="http://schemas.microsoft.com/office/drawing/2014/main" val="20000"/>
+                    </a:ext>
+                  </a:extLst>
+                </a:gridCol>
+                <a:gridCol w="2724538">
+                  <a:extLst>
+                    <a:ext uri="{9D8B030D-6E8A-4147-A177-3AD203B41FA5}">
+                      <a16:colId xmlns:a16="http://schemas.microsoft.com/office/drawing/2014/main" val="20001"/>
+                    </a:ext>
+                  </a:extLst>
+                </a:gridCol>
+                <a:gridCol w="2146041">
+                  <a:extLst>
+                    <a:ext uri="{9D8B030D-6E8A-4147-A177-3AD203B41FA5}">
+                      <a16:colId xmlns:a16="http://schemas.microsoft.com/office/drawing/2014/main" val="20002"/>
+                    </a:ext>
+                  </a:extLst>
+                </a:gridCol>
               </a:tblGrid>
               <a:tr h="251551">
                 <a:tc>
@@ -17363,6 +19983,11 @@
                     </a:lnB>
                   </a:tcPr>
                 </a:tc>
+                <a:extLst>
+                  <a:ext uri="{0D108BD9-81ED-4DB2-BD59-A6C34878D82A}">
+                    <a16:rowId xmlns:a16="http://schemas.microsoft.com/office/drawing/2014/main" val="10000"/>
+                  </a:ext>
+                </a:extLst>
               </a:tr>
               <a:tr h="251551">
                 <a:tc>
@@ -17445,6 +20070,11 @@
                     </a:lnB>
                   </a:tcPr>
                 </a:tc>
+                <a:extLst>
+                  <a:ext uri="{0D108BD9-81ED-4DB2-BD59-A6C34878D82A}">
+                    <a16:rowId xmlns:a16="http://schemas.microsoft.com/office/drawing/2014/main" val="10001"/>
+                  </a:ext>
+                </a:extLst>
               </a:tr>
               <a:tr h="251551">
                 <a:tc>
@@ -17525,6 +20155,11 @@
                     </a:lnB>
                   </a:tcPr>
                 </a:tc>
+                <a:extLst>
+                  <a:ext uri="{0D108BD9-81ED-4DB2-BD59-A6C34878D82A}">
+                    <a16:rowId xmlns:a16="http://schemas.microsoft.com/office/drawing/2014/main" val="10002"/>
+                  </a:ext>
+                </a:extLst>
               </a:tr>
               <a:tr h="251551">
                 <a:tc>
@@ -17605,6 +20240,11 @@
                     </a:lnB>
                   </a:tcPr>
                 </a:tc>
+                <a:extLst>
+                  <a:ext uri="{0D108BD9-81ED-4DB2-BD59-A6C34878D82A}">
+                    <a16:rowId xmlns:a16="http://schemas.microsoft.com/office/drawing/2014/main" val="10003"/>
+                  </a:ext>
+                </a:extLst>
               </a:tr>
               <a:tr h="251551">
                 <a:tc>
@@ -17685,6 +20325,11 @@
                     </a:lnB>
                   </a:tcPr>
                 </a:tc>
+                <a:extLst>
+                  <a:ext uri="{0D108BD9-81ED-4DB2-BD59-A6C34878D82A}">
+                    <a16:rowId xmlns:a16="http://schemas.microsoft.com/office/drawing/2014/main" val="10004"/>
+                  </a:ext>
+                </a:extLst>
               </a:tr>
               <a:tr h="251551">
                 <a:tc>
@@ -17765,6 +20410,11 @@
                     </a:lnB>
                   </a:tcPr>
                 </a:tc>
+                <a:extLst>
+                  <a:ext uri="{0D108BD9-81ED-4DB2-BD59-A6C34878D82A}">
+                    <a16:rowId xmlns:a16="http://schemas.microsoft.com/office/drawing/2014/main" val="10005"/>
+                  </a:ext>
+                </a:extLst>
               </a:tr>
             </a:tbl>
           </a:graphicData>
@@ -17972,851 +20622,6 @@
     <p:extLst>
       <p:ext uri="{BB962C8B-B14F-4D97-AF65-F5344CB8AC3E}">
         <p14:creationId xmlns:p14="http://schemas.microsoft.com/office/powerpoint/2010/main" val="567966356"/>
-      </p:ext>
-    </p:extLst>
-  </p:cSld>
-  <p:clrMapOvr>
-    <a:masterClrMapping/>
-  </p:clrMapOvr>
-  <p:timing>
-    <p:tnLst>
-      <p:par>
-        <p:cTn id="1" dur="indefinite" restart="never" nodeType="tmRoot"/>
-      </p:par>
-    </p:tnLst>
-  </p:timing>
-</p:sld>
-</file>
-
-<file path=ppt/slides/slide32.xml><?xml version="1.0" encoding="utf-8"?>
-<p:sld xmlns:a="http://schemas.openxmlformats.org/drawingml/2006/main" xmlns:r="http://schemas.openxmlformats.org/officeDocument/2006/relationships" xmlns:p="http://schemas.openxmlformats.org/presentationml/2006/main">
-  <p:cSld>
-    <p:spTree>
-      <p:nvGrpSpPr>
-        <p:cNvPr id="1" name="Shape 102"/>
-        <p:cNvGrpSpPr/>
-        <p:nvPr/>
-      </p:nvGrpSpPr>
-      <p:grpSpPr>
-        <a:xfrm>
-          <a:off x="0" y="0"/>
-          <a:ext cx="0" cy="0"/>
-          <a:chOff x="0" y="0"/>
-          <a:chExt cx="0" cy="0"/>
-        </a:xfrm>
-      </p:grpSpPr>
-      <p:sp>
-        <p:nvSpPr>
-          <p:cNvPr id="103" name="Google Shape;103;p16"/>
-          <p:cNvSpPr txBox="1">
-            <a:spLocks noGrp="1"/>
-          </p:cNvSpPr>
-          <p:nvPr>
-            <p:ph type="title"/>
-          </p:nvPr>
-        </p:nvSpPr>
-        <p:spPr>
-          <a:xfrm>
-            <a:off x="0" y="3650"/>
-            <a:ext cx="9144000" cy="523232"/>
-          </a:xfrm>
-          <a:prstGeom prst="rect">
-            <a:avLst/>
-          </a:prstGeom>
-        </p:spPr>
-        <p:txBody>
-          <a:bodyPr spcFirstLastPara="1" wrap="square" lIns="91425" tIns="91425" rIns="91425" bIns="91425" anchor="t" anchorCtr="0">
-            <a:noAutofit/>
-          </a:bodyPr>
-          <a:lstStyle/>
-          <a:p>
-            <a:pPr algn="ctr"/>
-            <a:r>
-              <a:rPr lang="en-US" sz="2400" b="1" dirty="0" smtClean="0"/>
-              <a:t> </a:t>
-            </a:r>
-            <a:r>
-              <a:rPr lang="en" sz="2400" b="1" dirty="0" smtClean="0"/>
-              <a:t>COMPONENTS OF SUPERVISED MACHINE LEARNING</a:t>
-            </a:r>
-            <a:endParaRPr lang="en-US" sz="2400" b="1" dirty="0"/>
-          </a:p>
-        </p:txBody>
-      </p:sp>
-      <p:sp>
-        <p:nvSpPr>
-          <p:cNvPr id="7" name="Google Shape;77;g258990b3369_0_16"/>
-          <p:cNvSpPr txBox="1">
-            <a:spLocks noGrp="1"/>
-          </p:cNvSpPr>
-          <p:nvPr>
-            <p:ph type="body" idx="1"/>
-          </p:nvPr>
-        </p:nvSpPr>
-        <p:spPr>
-          <a:xfrm>
-            <a:off x="201341" y="575087"/>
-            <a:ext cx="8650800" cy="1776227"/>
-          </a:xfrm>
-          <a:prstGeom prst="rect">
-            <a:avLst/>
-          </a:prstGeom>
-        </p:spPr>
-        <p:txBody>
-          <a:bodyPr spcFirstLastPara="1" wrap="square" lIns="91425" tIns="91425" rIns="91425" bIns="91425" anchor="t" anchorCtr="0">
-            <a:normAutofit fontScale="92500" lnSpcReduction="10000"/>
-          </a:bodyPr>
-          <a:lstStyle/>
-          <a:p>
-            <a:pPr marL="114300" indent="0" algn="just">
-              <a:buNone/>
-            </a:pPr>
-            <a:r>
-              <a:rPr lang="en-US" sz="2000" b="1" u="sng" dirty="0">
-                <a:solidFill>
-                  <a:schemeClr val="tx1"/>
-                </a:solidFill>
-              </a:rPr>
-              <a:t>Hypothesis (Model):</a:t>
-            </a:r>
-          </a:p>
-          <a:p>
-            <a:pPr algn="just"/>
-            <a:r>
-              <a:rPr lang="en-US" sz="2000" dirty="0">
-                <a:solidFill>
-                  <a:schemeClr val="tx1"/>
-                </a:solidFill>
-              </a:rPr>
-              <a:t>A hypothesis is a proposed model that represents the relationship between the input features and the output labels. It could be a linear regression model, decision tree, neural network, etc. The model parameters are adjusted during training to best fit the training data.</a:t>
-            </a:r>
-          </a:p>
-          <a:p>
-            <a:pPr marL="114300" indent="0" algn="just">
-              <a:buNone/>
-            </a:pPr>
-            <a:endParaRPr lang="en-US" dirty="0">
-              <a:solidFill>
-                <a:schemeClr val="tx1"/>
-              </a:solidFill>
-            </a:endParaRPr>
-          </a:p>
-        </p:txBody>
-      </p:sp>
-      <p:pic>
-        <p:nvPicPr>
-          <p:cNvPr id="2050" name="Picture 2"/>
-          <p:cNvPicPr>
-            <a:picLocks noChangeAspect="1" noChangeArrowheads="1"/>
-          </p:cNvPicPr>
-          <p:nvPr/>
-        </p:nvPicPr>
-        <p:blipFill>
-          <a:blip r:embed="rId3">
-            <a:extLst>
-              <a:ext uri="{28A0092B-C50C-407E-A947-70E740481C1C}">
-                <a14:useLocalDpi xmlns:a14="http://schemas.microsoft.com/office/drawing/2010/main" val="0"/>
-              </a:ext>
-            </a:extLst>
-          </a:blip>
-          <a:srcRect/>
-          <a:stretch>
-            <a:fillRect/>
-          </a:stretch>
-        </p:blipFill>
-        <p:spPr bwMode="auto">
-          <a:xfrm>
-            <a:off x="2017453" y="2329446"/>
-            <a:ext cx="4840547" cy="1343025"/>
-          </a:xfrm>
-          <a:prstGeom prst="rect">
-            <a:avLst/>
-          </a:prstGeom>
-          <a:noFill/>
-          <a:ln>
-            <a:noFill/>
-          </a:ln>
-          <a:effectLst/>
-          <a:extLst>
-            <a:ext uri="{909E8E84-426E-40DD-AFC4-6F175D3DCCD1}">
-              <a14:hiddenFill xmlns:a14="http://schemas.microsoft.com/office/drawing/2010/main">
-                <a:solidFill>
-                  <a:schemeClr val="accent1"/>
-                </a:solidFill>
-              </a14:hiddenFill>
-            </a:ext>
-            <a:ext uri="{91240B29-F687-4F45-9708-019B960494DF}">
-              <a14:hiddenLine xmlns:a14="http://schemas.microsoft.com/office/drawing/2010/main" w="9525">
-                <a:solidFill>
-                  <a:schemeClr val="tx1"/>
-                </a:solidFill>
-                <a:miter lim="800000"/>
-                <a:headEnd/>
-                <a:tailEnd/>
-              </a14:hiddenLine>
-            </a:ext>
-            <a:ext uri="{AF507438-7753-43E0-B8FC-AC1667EBCBE1}">
-              <a14:hiddenEffects xmlns:a14="http://schemas.microsoft.com/office/drawing/2010/main">
-                <a:effectLst>
-                  <a:outerShdw dist="35921" dir="2700000" algn="ctr" rotWithShape="0">
-                    <a:schemeClr val="bg2"/>
-                  </a:outerShdw>
-                </a:effectLst>
-              </a14:hiddenEffects>
-            </a:ext>
-          </a:extLst>
-        </p:spPr>
-      </p:pic>
-    </p:spTree>
-    <p:extLst>
-      <p:ext uri="{BB962C8B-B14F-4D97-AF65-F5344CB8AC3E}">
-        <p14:creationId xmlns:p14="http://schemas.microsoft.com/office/powerpoint/2010/main" val="2088639219"/>
-      </p:ext>
-    </p:extLst>
-  </p:cSld>
-  <p:clrMapOvr>
-    <a:masterClrMapping/>
-  </p:clrMapOvr>
-  <p:timing>
-    <p:tnLst>
-      <p:par>
-        <p:cTn id="1" dur="indefinite" restart="never" nodeType="tmRoot"/>
-      </p:par>
-    </p:tnLst>
-  </p:timing>
-</p:sld>
-</file>
-
-<file path=ppt/slides/slide33.xml><?xml version="1.0" encoding="utf-8"?>
-<p:sld xmlns:a="http://schemas.openxmlformats.org/drawingml/2006/main" xmlns:r="http://schemas.openxmlformats.org/officeDocument/2006/relationships" xmlns:p="http://schemas.openxmlformats.org/presentationml/2006/main">
-  <p:cSld>
-    <p:spTree>
-      <p:nvGrpSpPr>
-        <p:cNvPr id="1" name="Shape 102"/>
-        <p:cNvGrpSpPr/>
-        <p:nvPr/>
-      </p:nvGrpSpPr>
-      <p:grpSpPr>
-        <a:xfrm>
-          <a:off x="0" y="0"/>
-          <a:ext cx="0" cy="0"/>
-          <a:chOff x="0" y="0"/>
-          <a:chExt cx="0" cy="0"/>
-        </a:xfrm>
-      </p:grpSpPr>
-      <p:sp>
-        <p:nvSpPr>
-          <p:cNvPr id="103" name="Google Shape;103;p16"/>
-          <p:cNvSpPr txBox="1">
-            <a:spLocks noGrp="1"/>
-          </p:cNvSpPr>
-          <p:nvPr>
-            <p:ph type="title"/>
-          </p:nvPr>
-        </p:nvSpPr>
-        <p:spPr>
-          <a:xfrm>
-            <a:off x="0" y="3650"/>
-            <a:ext cx="9144000" cy="523232"/>
-          </a:xfrm>
-          <a:prstGeom prst="rect">
-            <a:avLst/>
-          </a:prstGeom>
-        </p:spPr>
-        <p:txBody>
-          <a:bodyPr spcFirstLastPara="1" wrap="square" lIns="91425" tIns="91425" rIns="91425" bIns="91425" anchor="t" anchorCtr="0">
-            <a:noAutofit/>
-          </a:bodyPr>
-          <a:lstStyle/>
-          <a:p>
-            <a:pPr algn="ctr"/>
-            <a:r>
-              <a:rPr lang="en-US" sz="2400" b="1" dirty="0" smtClean="0"/>
-              <a:t> </a:t>
-            </a:r>
-            <a:r>
-              <a:rPr lang="en" sz="2400" b="1" dirty="0" smtClean="0"/>
-              <a:t>COMPONENTS OF SUPERVISED MACHINE LEARNING</a:t>
-            </a:r>
-            <a:endParaRPr lang="en-US" sz="2400" b="1" dirty="0"/>
-          </a:p>
-        </p:txBody>
-      </p:sp>
-      <p:sp>
-        <p:nvSpPr>
-          <p:cNvPr id="7" name="Google Shape;77;g258990b3369_0_16"/>
-          <p:cNvSpPr txBox="1">
-            <a:spLocks noGrp="1"/>
-          </p:cNvSpPr>
-          <p:nvPr>
-            <p:ph type="body" idx="1"/>
-          </p:nvPr>
-        </p:nvSpPr>
-        <p:spPr>
-          <a:xfrm>
-            <a:off x="201341" y="575087"/>
-            <a:ext cx="8650800" cy="2252089"/>
-          </a:xfrm>
-          <a:prstGeom prst="rect">
-            <a:avLst/>
-          </a:prstGeom>
-        </p:spPr>
-        <p:txBody>
-          <a:bodyPr spcFirstLastPara="1" wrap="square" lIns="91425" tIns="91425" rIns="91425" bIns="91425" anchor="t" anchorCtr="0">
-            <a:normAutofit lnSpcReduction="10000"/>
-          </a:bodyPr>
-          <a:lstStyle/>
-          <a:p>
-            <a:pPr marL="114300" indent="0" algn="just">
-              <a:buNone/>
-            </a:pPr>
-            <a:r>
-              <a:rPr lang="en-US" sz="2000" b="1" u="sng" dirty="0">
-                <a:solidFill>
-                  <a:schemeClr val="tx1"/>
-                </a:solidFill>
-              </a:rPr>
-              <a:t>Cost Function (Loss Function)</a:t>
-            </a:r>
-            <a:r>
-              <a:rPr lang="en-US" sz="2000" u="sng" dirty="0">
-                <a:solidFill>
-                  <a:schemeClr val="tx1"/>
-                </a:solidFill>
-              </a:rPr>
-              <a:t>:</a:t>
-            </a:r>
-          </a:p>
-          <a:p>
-            <a:pPr algn="just"/>
-            <a:r>
-              <a:rPr lang="en-US" sz="2000" dirty="0">
-                <a:solidFill>
-                  <a:schemeClr val="tx1"/>
-                </a:solidFill>
-              </a:rPr>
-              <a:t>The cost function measures how well the model's predictions match the actual labels in the training data. It quantifies the error between the predicted and actual outputs. Common cost functions include Mean Squared Error (MSE) for regression tasks and Cross-Entropy Loss for classification tasks</a:t>
-            </a:r>
-            <a:r>
-              <a:rPr lang="en-US" sz="2000" dirty="0" smtClean="0">
-                <a:solidFill>
-                  <a:schemeClr val="tx1"/>
-                </a:solidFill>
-              </a:rPr>
-              <a:t>.</a:t>
-            </a:r>
-            <a:endParaRPr lang="en-US" dirty="0">
-              <a:solidFill>
-                <a:schemeClr val="tx1"/>
-              </a:solidFill>
-            </a:endParaRPr>
-          </a:p>
-        </p:txBody>
-      </p:sp>
-      <p:pic>
-        <p:nvPicPr>
-          <p:cNvPr id="3074" name="Picture 2"/>
-          <p:cNvPicPr>
-            <a:picLocks noChangeAspect="1" noChangeArrowheads="1"/>
-          </p:cNvPicPr>
-          <p:nvPr/>
-        </p:nvPicPr>
-        <p:blipFill>
-          <a:blip r:embed="rId3">
-            <a:extLst>
-              <a:ext uri="{28A0092B-C50C-407E-A947-70E740481C1C}">
-                <a14:useLocalDpi xmlns:a14="http://schemas.microsoft.com/office/drawing/2010/main" val="0"/>
-              </a:ext>
-            </a:extLst>
-          </a:blip>
-          <a:srcRect/>
-          <a:stretch>
-            <a:fillRect/>
-          </a:stretch>
-        </p:blipFill>
-        <p:spPr bwMode="auto">
-          <a:xfrm>
-            <a:off x="1505825" y="2719388"/>
-            <a:ext cx="5591175" cy="1533525"/>
-          </a:xfrm>
-          <a:prstGeom prst="rect">
-            <a:avLst/>
-          </a:prstGeom>
-          <a:noFill/>
-          <a:ln>
-            <a:noFill/>
-          </a:ln>
-          <a:effectLst/>
-          <a:extLst>
-            <a:ext uri="{909E8E84-426E-40DD-AFC4-6F175D3DCCD1}">
-              <a14:hiddenFill xmlns:a14="http://schemas.microsoft.com/office/drawing/2010/main">
-                <a:solidFill>
-                  <a:schemeClr val="accent1"/>
-                </a:solidFill>
-              </a14:hiddenFill>
-            </a:ext>
-            <a:ext uri="{91240B29-F687-4F45-9708-019B960494DF}">
-              <a14:hiddenLine xmlns:a14="http://schemas.microsoft.com/office/drawing/2010/main" w="9525">
-                <a:solidFill>
-                  <a:schemeClr val="tx1"/>
-                </a:solidFill>
-                <a:miter lim="800000"/>
-                <a:headEnd/>
-                <a:tailEnd/>
-              </a14:hiddenLine>
-            </a:ext>
-            <a:ext uri="{AF507438-7753-43E0-B8FC-AC1667EBCBE1}">
-              <a14:hiddenEffects xmlns:a14="http://schemas.microsoft.com/office/drawing/2010/main">
-                <a:effectLst>
-                  <a:outerShdw dist="35921" dir="2700000" algn="ctr" rotWithShape="0">
-                    <a:schemeClr val="bg2"/>
-                  </a:outerShdw>
-                </a:effectLst>
-              </a14:hiddenEffects>
-            </a:ext>
-          </a:extLst>
-        </p:spPr>
-      </p:pic>
-    </p:spTree>
-    <p:extLst>
-      <p:ext uri="{BB962C8B-B14F-4D97-AF65-F5344CB8AC3E}">
-        <p14:creationId xmlns:p14="http://schemas.microsoft.com/office/powerpoint/2010/main" val="1723408440"/>
-      </p:ext>
-    </p:extLst>
-  </p:cSld>
-  <p:clrMapOvr>
-    <a:masterClrMapping/>
-  </p:clrMapOvr>
-  <p:timing>
-    <p:tnLst>
-      <p:par>
-        <p:cTn id="1" dur="indefinite" restart="never" nodeType="tmRoot"/>
-      </p:par>
-    </p:tnLst>
-  </p:timing>
-</p:sld>
-</file>
-
-<file path=ppt/slides/slide34.xml><?xml version="1.0" encoding="utf-8"?>
-<p:sld xmlns:a="http://schemas.openxmlformats.org/drawingml/2006/main" xmlns:r="http://schemas.openxmlformats.org/officeDocument/2006/relationships" xmlns:p="http://schemas.openxmlformats.org/presentationml/2006/main">
-  <p:cSld>
-    <p:spTree>
-      <p:nvGrpSpPr>
-        <p:cNvPr id="1" name="Shape 102"/>
-        <p:cNvGrpSpPr/>
-        <p:nvPr/>
-      </p:nvGrpSpPr>
-      <p:grpSpPr>
-        <a:xfrm>
-          <a:off x="0" y="0"/>
-          <a:ext cx="0" cy="0"/>
-          <a:chOff x="0" y="0"/>
-          <a:chExt cx="0" cy="0"/>
-        </a:xfrm>
-      </p:grpSpPr>
-      <p:sp>
-        <p:nvSpPr>
-          <p:cNvPr id="103" name="Google Shape;103;p16"/>
-          <p:cNvSpPr txBox="1">
-            <a:spLocks noGrp="1"/>
-          </p:cNvSpPr>
-          <p:nvPr>
-            <p:ph type="title"/>
-          </p:nvPr>
-        </p:nvSpPr>
-        <p:spPr>
-          <a:xfrm>
-            <a:off x="0" y="3650"/>
-            <a:ext cx="9144000" cy="523232"/>
-          </a:xfrm>
-          <a:prstGeom prst="rect">
-            <a:avLst/>
-          </a:prstGeom>
-        </p:spPr>
-        <p:txBody>
-          <a:bodyPr spcFirstLastPara="1" wrap="square" lIns="91425" tIns="91425" rIns="91425" bIns="91425" anchor="t" anchorCtr="0">
-            <a:noAutofit/>
-          </a:bodyPr>
-          <a:lstStyle/>
-          <a:p>
-            <a:pPr algn="ctr"/>
-            <a:r>
-              <a:rPr lang="en-US" sz="2400" b="1" dirty="0" smtClean="0"/>
-              <a:t> </a:t>
-            </a:r>
-            <a:r>
-              <a:rPr lang="en" sz="2400" b="1" dirty="0" smtClean="0"/>
-              <a:t>COMPONENTS OF SUPERVISED MACHINE LEARNING</a:t>
-            </a:r>
-            <a:endParaRPr lang="en-US" sz="2400" b="1" dirty="0"/>
-          </a:p>
-        </p:txBody>
-      </p:sp>
-      <p:sp>
-        <p:nvSpPr>
-          <p:cNvPr id="7" name="Google Shape;77;g258990b3369_0_16"/>
-          <p:cNvSpPr txBox="1">
-            <a:spLocks noGrp="1"/>
-          </p:cNvSpPr>
-          <p:nvPr>
-            <p:ph type="body" idx="1"/>
-          </p:nvPr>
-        </p:nvSpPr>
-        <p:spPr>
-          <a:xfrm>
-            <a:off x="201341" y="575087"/>
-            <a:ext cx="8650800" cy="2252089"/>
-          </a:xfrm>
-          <a:prstGeom prst="rect">
-            <a:avLst/>
-          </a:prstGeom>
-        </p:spPr>
-        <p:txBody>
-          <a:bodyPr spcFirstLastPara="1" wrap="square" lIns="91425" tIns="91425" rIns="91425" bIns="91425" anchor="t" anchorCtr="0">
-            <a:normAutofit lnSpcReduction="10000"/>
-          </a:bodyPr>
-          <a:lstStyle/>
-          <a:p>
-            <a:pPr marL="114300" indent="0" algn="just">
-              <a:buNone/>
-            </a:pPr>
-            <a:r>
-              <a:rPr lang="en-US" sz="2000" b="1" u="sng" dirty="0">
-                <a:solidFill>
-                  <a:schemeClr val="tx1"/>
-                </a:solidFill>
-              </a:rPr>
-              <a:t>Optimizer:</a:t>
-            </a:r>
-          </a:p>
-          <a:p>
-            <a:pPr algn="just"/>
-            <a:r>
-              <a:rPr lang="en-US" sz="2000" dirty="0">
-                <a:solidFill>
-                  <a:schemeClr val="tx1"/>
-                </a:solidFill>
-              </a:rPr>
-              <a:t>The optimizer is an algorithm used to minimize the cost function by adjusting the model's parameters iteratively. Common optimization algorithms include Gradient Descent, Stochastic Gradient Descent (SGD), Adam, and </a:t>
-            </a:r>
-            <a:r>
-              <a:rPr lang="en-US" sz="2000" dirty="0" err="1">
-                <a:solidFill>
-                  <a:schemeClr val="tx1"/>
-                </a:solidFill>
-              </a:rPr>
-              <a:t>RMSprop</a:t>
-            </a:r>
-            <a:r>
-              <a:rPr lang="en-US" sz="2000" dirty="0">
-                <a:solidFill>
-                  <a:schemeClr val="tx1"/>
-                </a:solidFill>
-              </a:rPr>
-              <a:t>. The optimizer updates the model parameters to reduce the error and improve the model's predictions.</a:t>
-            </a:r>
-          </a:p>
-        </p:txBody>
-      </p:sp>
-      <p:pic>
-        <p:nvPicPr>
-          <p:cNvPr id="4098" name="Picture 2"/>
-          <p:cNvPicPr>
-            <a:picLocks noChangeAspect="1" noChangeArrowheads="1"/>
-          </p:cNvPicPr>
-          <p:nvPr/>
-        </p:nvPicPr>
-        <p:blipFill>
-          <a:blip r:embed="rId3">
-            <a:extLst>
-              <a:ext uri="{28A0092B-C50C-407E-A947-70E740481C1C}">
-                <a14:useLocalDpi xmlns:a14="http://schemas.microsoft.com/office/drawing/2010/main" val="0"/>
-              </a:ext>
-            </a:extLst>
-          </a:blip>
-          <a:srcRect/>
-          <a:stretch>
-            <a:fillRect/>
-          </a:stretch>
-        </p:blipFill>
-        <p:spPr bwMode="auto">
-          <a:xfrm>
-            <a:off x="1457131" y="2763805"/>
-            <a:ext cx="5334000" cy="1295400"/>
-          </a:xfrm>
-          <a:prstGeom prst="rect">
-            <a:avLst/>
-          </a:prstGeom>
-          <a:noFill/>
-          <a:ln>
-            <a:noFill/>
-          </a:ln>
-          <a:effectLst/>
-          <a:extLst>
-            <a:ext uri="{909E8E84-426E-40DD-AFC4-6F175D3DCCD1}">
-              <a14:hiddenFill xmlns:a14="http://schemas.microsoft.com/office/drawing/2010/main">
-                <a:solidFill>
-                  <a:schemeClr val="accent1"/>
-                </a:solidFill>
-              </a14:hiddenFill>
-            </a:ext>
-            <a:ext uri="{91240B29-F687-4F45-9708-019B960494DF}">
-              <a14:hiddenLine xmlns:a14="http://schemas.microsoft.com/office/drawing/2010/main" w="9525">
-                <a:solidFill>
-                  <a:schemeClr val="tx1"/>
-                </a:solidFill>
-                <a:miter lim="800000"/>
-                <a:headEnd/>
-                <a:tailEnd/>
-              </a14:hiddenLine>
-            </a:ext>
-            <a:ext uri="{AF507438-7753-43E0-B8FC-AC1667EBCBE1}">
-              <a14:hiddenEffects xmlns:a14="http://schemas.microsoft.com/office/drawing/2010/main">
-                <a:effectLst>
-                  <a:outerShdw dist="35921" dir="2700000" algn="ctr" rotWithShape="0">
-                    <a:schemeClr val="bg2"/>
-                  </a:outerShdw>
-                </a:effectLst>
-              </a14:hiddenEffects>
-            </a:ext>
-          </a:extLst>
-        </p:spPr>
-      </p:pic>
-    </p:spTree>
-    <p:extLst>
-      <p:ext uri="{BB962C8B-B14F-4D97-AF65-F5344CB8AC3E}">
-        <p14:creationId xmlns:p14="http://schemas.microsoft.com/office/powerpoint/2010/main" val="1995493696"/>
-      </p:ext>
-    </p:extLst>
-  </p:cSld>
-  <p:clrMapOvr>
-    <a:masterClrMapping/>
-  </p:clrMapOvr>
-  <p:timing>
-    <p:tnLst>
-      <p:par>
-        <p:cTn id="1" dur="indefinite" restart="never" nodeType="tmRoot"/>
-      </p:par>
-    </p:tnLst>
-  </p:timing>
-</p:sld>
-</file>
-
-<file path=ppt/slides/slide35.xml><?xml version="1.0" encoding="utf-8"?>
-<p:sld xmlns:a="http://schemas.openxmlformats.org/drawingml/2006/main" xmlns:r="http://schemas.openxmlformats.org/officeDocument/2006/relationships" xmlns:p="http://schemas.openxmlformats.org/presentationml/2006/main">
-  <p:cSld>
-    <p:spTree>
-      <p:nvGrpSpPr>
-        <p:cNvPr id="1" name="Shape 102"/>
-        <p:cNvGrpSpPr/>
-        <p:nvPr/>
-      </p:nvGrpSpPr>
-      <p:grpSpPr>
-        <a:xfrm>
-          <a:off x="0" y="0"/>
-          <a:ext cx="0" cy="0"/>
-          <a:chOff x="0" y="0"/>
-          <a:chExt cx="0" cy="0"/>
-        </a:xfrm>
-      </p:grpSpPr>
-      <p:sp>
-        <p:nvSpPr>
-          <p:cNvPr id="103" name="Google Shape;103;p16"/>
-          <p:cNvSpPr txBox="1">
-            <a:spLocks noGrp="1"/>
-          </p:cNvSpPr>
-          <p:nvPr>
-            <p:ph type="title"/>
-          </p:nvPr>
-        </p:nvSpPr>
-        <p:spPr>
-          <a:xfrm>
-            <a:off x="0" y="3650"/>
-            <a:ext cx="9144000" cy="523232"/>
-          </a:xfrm>
-          <a:prstGeom prst="rect">
-            <a:avLst/>
-          </a:prstGeom>
-        </p:spPr>
-        <p:txBody>
-          <a:bodyPr spcFirstLastPara="1" wrap="square" lIns="91425" tIns="91425" rIns="91425" bIns="91425" anchor="t" anchorCtr="0">
-            <a:noAutofit/>
-          </a:bodyPr>
-          <a:lstStyle/>
-          <a:p>
-            <a:pPr algn="ctr"/>
-            <a:r>
-              <a:rPr lang="en-US" sz="2400" b="1" dirty="0" smtClean="0"/>
-              <a:t> </a:t>
-            </a:r>
-            <a:r>
-              <a:rPr lang="en" sz="2400" b="1" dirty="0" smtClean="0"/>
-              <a:t>COMPONENTS OF SUPERVISED MACHINE LEARNING</a:t>
-            </a:r>
-            <a:endParaRPr lang="en-US" sz="2400" b="1" dirty="0"/>
-          </a:p>
-        </p:txBody>
-      </p:sp>
-      <p:sp>
-        <p:nvSpPr>
-          <p:cNvPr id="7" name="Google Shape;77;g258990b3369_0_16"/>
-          <p:cNvSpPr txBox="1">
-            <a:spLocks noGrp="1"/>
-          </p:cNvSpPr>
-          <p:nvPr>
-            <p:ph type="body" idx="1"/>
-          </p:nvPr>
-        </p:nvSpPr>
-        <p:spPr>
-          <a:xfrm>
-            <a:off x="201341" y="575087"/>
-            <a:ext cx="8650800" cy="2252089"/>
-          </a:xfrm>
-          <a:prstGeom prst="rect">
-            <a:avLst/>
-          </a:prstGeom>
-        </p:spPr>
-        <p:txBody>
-          <a:bodyPr spcFirstLastPara="1" wrap="square" lIns="91425" tIns="91425" rIns="91425" bIns="91425" anchor="t" anchorCtr="0">
-            <a:normAutofit fontScale="92500" lnSpcReduction="20000"/>
-          </a:bodyPr>
-          <a:lstStyle/>
-          <a:p>
-            <a:pPr marL="114300" indent="0">
-              <a:buNone/>
-            </a:pPr>
-            <a:r>
-              <a:rPr lang="en-US" sz="2000" b="1" u="sng" dirty="0">
-                <a:solidFill>
-                  <a:schemeClr val="tx1"/>
-                </a:solidFill>
-              </a:rPr>
-              <a:t>Explanation:</a:t>
-            </a:r>
-          </a:p>
-          <a:p>
-            <a:r>
-              <a:rPr lang="en-US" sz="2000" b="1" dirty="0">
-                <a:solidFill>
-                  <a:schemeClr val="tx1"/>
-                </a:solidFill>
-              </a:rPr>
-              <a:t>Labeled Data</a:t>
-            </a:r>
-            <a:r>
-              <a:rPr lang="en-US" sz="2000" dirty="0">
-                <a:solidFill>
-                  <a:schemeClr val="tx1"/>
-                </a:solidFill>
-              </a:rPr>
-              <a:t>: The dataset X (features) and y (labels) is defined.</a:t>
-            </a:r>
-          </a:p>
-          <a:p>
-            <a:r>
-              <a:rPr lang="en-US" sz="2000" b="1" dirty="0">
-                <a:solidFill>
-                  <a:schemeClr val="tx1"/>
-                </a:solidFill>
-              </a:rPr>
-              <a:t>Hypothesis (Model)</a:t>
-            </a:r>
-            <a:r>
-              <a:rPr lang="en-US" sz="2000" dirty="0">
-                <a:solidFill>
-                  <a:schemeClr val="tx1"/>
-                </a:solidFill>
-              </a:rPr>
-              <a:t>: A linear regression model is created with parameters theta.</a:t>
-            </a:r>
-          </a:p>
-          <a:p>
-            <a:r>
-              <a:rPr lang="en-US" sz="2000" b="1" dirty="0">
-                <a:solidFill>
-                  <a:schemeClr val="tx1"/>
-                </a:solidFill>
-              </a:rPr>
-              <a:t>Cost Function</a:t>
-            </a:r>
-            <a:r>
-              <a:rPr lang="en-US" sz="2000" dirty="0">
-                <a:solidFill>
-                  <a:schemeClr val="tx1"/>
-                </a:solidFill>
-              </a:rPr>
-              <a:t>: The </a:t>
-            </a:r>
-            <a:r>
-              <a:rPr lang="en-US" sz="2000" dirty="0" err="1">
-                <a:solidFill>
-                  <a:schemeClr val="tx1"/>
-                </a:solidFill>
-              </a:rPr>
-              <a:t>compute_cost</a:t>
-            </a:r>
-            <a:r>
-              <a:rPr lang="en-US" sz="2000" dirty="0">
-                <a:solidFill>
-                  <a:schemeClr val="tx1"/>
-                </a:solidFill>
-              </a:rPr>
-              <a:t> function calculates the MSE.</a:t>
-            </a:r>
-          </a:p>
-          <a:p>
-            <a:r>
-              <a:rPr lang="en-US" sz="2000" b="1" dirty="0">
-                <a:solidFill>
-                  <a:schemeClr val="tx1"/>
-                </a:solidFill>
-              </a:rPr>
-              <a:t>Optimizer</a:t>
-            </a:r>
-            <a:r>
-              <a:rPr lang="en-US" sz="2000" dirty="0">
-                <a:solidFill>
-                  <a:schemeClr val="tx1"/>
-                </a:solidFill>
-              </a:rPr>
-              <a:t>: The </a:t>
-            </a:r>
-            <a:r>
-              <a:rPr lang="en-US" sz="2000" dirty="0" err="1">
-                <a:solidFill>
-                  <a:schemeClr val="tx1"/>
-                </a:solidFill>
-              </a:rPr>
-              <a:t>gradient_descent</a:t>
-            </a:r>
-            <a:r>
-              <a:rPr lang="en-US" sz="2000" dirty="0">
-                <a:solidFill>
-                  <a:schemeClr val="tx1"/>
-                </a:solidFill>
-              </a:rPr>
-              <a:t> function updates theta to minimize the cost function</a:t>
-            </a:r>
-            <a:r>
-              <a:rPr lang="en-US" sz="2000" dirty="0" smtClean="0">
-                <a:solidFill>
-                  <a:schemeClr val="tx1"/>
-                </a:solidFill>
-              </a:rPr>
-              <a:t>.</a:t>
-            </a:r>
-            <a:endParaRPr lang="en-US" sz="2000" dirty="0">
-              <a:solidFill>
-                <a:schemeClr val="tx1"/>
-              </a:solidFill>
-            </a:endParaRPr>
-          </a:p>
-        </p:txBody>
-      </p:sp>
-    </p:spTree>
-    <p:extLst>
-      <p:ext uri="{BB962C8B-B14F-4D97-AF65-F5344CB8AC3E}">
-        <p14:creationId xmlns:p14="http://schemas.microsoft.com/office/powerpoint/2010/main" val="4261238082"/>
       </p:ext>
     </p:extLst>
   </p:cSld>
@@ -18882,7 +20687,7 @@
             </a:r>
             <a:r>
               <a:rPr lang="en" sz="2400" b="1" dirty="0" smtClean="0"/>
-              <a:t>IMPLEMENTATION OF SUPERVISED MACHINE LEARNING</a:t>
+              <a:t>COMPONENTS OF SUPERVISED MACHINE LEARNING</a:t>
             </a:r>
             <a:endParaRPr lang="en-US" sz="2400" b="1" dirty="0"/>
           </a:p>
@@ -18901,7 +20706,7 @@
         <p:spPr>
           <a:xfrm>
             <a:off x="201341" y="575087"/>
-            <a:ext cx="8650800" cy="3884946"/>
+            <a:ext cx="8650800" cy="1776227"/>
           </a:xfrm>
           <a:prstGeom prst="rect">
             <a:avLst/>
@@ -18909,7 +20714,7 @@
         </p:spPr>
         <p:txBody>
           <a:bodyPr spcFirstLastPara="1" wrap="square" lIns="91425" tIns="91425" rIns="91425" bIns="91425" anchor="t" anchorCtr="0">
-            <a:normAutofit fontScale="32500" lnSpcReduction="20000"/>
+            <a:normAutofit fontScale="92500" lnSpcReduction="10000"/>
           </a:bodyPr>
           <a:lstStyle/>
           <a:p>
@@ -18917,226 +20722,30 @@
               <a:buNone/>
             </a:pPr>
             <a:r>
-              <a:rPr lang="en-US" sz="4800" b="1" dirty="0">
-                <a:latin typeface="+mj-lt"/>
-              </a:rPr>
-              <a:t>We'll use the Titanic dataset to demonstrate a supervised machine learning implementation. This dataset contains information about passengers on the Titanic, and we'll use it to predict whether a passenger survived or not based on features such as age, sex, and fare.</a:t>
+              <a:rPr lang="en-US" sz="2000" b="1" u="sng" dirty="0">
+                <a:solidFill>
+                  <a:schemeClr val="tx1"/>
+                </a:solidFill>
+              </a:rPr>
+              <a:t>Hypothesis (Model):</a:t>
+            </a:r>
+          </a:p>
+          <a:p>
+            <a:pPr algn="just"/>
+            <a:r>
+              <a:rPr lang="en-US" sz="2000" dirty="0">
+                <a:solidFill>
+                  <a:schemeClr val="tx1"/>
+                </a:solidFill>
+              </a:rPr>
+              <a:t>A hypothesis is a proposed model that represents the relationship between the input features and the output labels. It could be a linear regression model, decision tree, neural network, etc. The model parameters are adjusted during training to best fit the training data.</a:t>
             </a:r>
           </a:p>
           <a:p>
             <a:pPr marL="114300" indent="0" algn="just">
               <a:buNone/>
             </a:pPr>
-            <a:r>
-              <a:rPr lang="en-US" sz="4800" b="1" dirty="0">
-                <a:latin typeface="+mj-lt"/>
-              </a:rPr>
-              <a:t>We'll use a logistic regression model for this binary classification problem</a:t>
-            </a:r>
-            <a:r>
-              <a:rPr lang="en-US" sz="4800" b="1" dirty="0" smtClean="0">
-                <a:latin typeface="+mj-lt"/>
-              </a:rPr>
-              <a:t>.</a:t>
-            </a:r>
-          </a:p>
-          <a:p>
-            <a:pPr marL="114300" indent="0">
-              <a:buNone/>
-            </a:pPr>
-            <a:endParaRPr lang="en-US" sz="4800" dirty="0">
-              <a:latin typeface="+mj-lt"/>
-            </a:endParaRPr>
-          </a:p>
-          <a:p>
-            <a:pPr marL="114300" indent="0">
-              <a:buNone/>
-            </a:pPr>
-            <a:r>
-              <a:rPr lang="en-US" sz="4800" b="1" u="sng" dirty="0">
-                <a:solidFill>
-                  <a:schemeClr val="tx1"/>
-                </a:solidFill>
-                <a:latin typeface="+mj-lt"/>
-              </a:rPr>
-              <a:t>Step-by-Step </a:t>
-            </a:r>
-            <a:r>
-              <a:rPr lang="en-US" sz="4800" b="1" u="sng" dirty="0" smtClean="0">
-                <a:solidFill>
-                  <a:schemeClr val="tx1"/>
-                </a:solidFill>
-                <a:latin typeface="+mj-lt"/>
-              </a:rPr>
-              <a:t>Implementation</a:t>
-            </a:r>
-          </a:p>
-          <a:p>
-            <a:pPr marL="114300" indent="0">
-              <a:buNone/>
-            </a:pPr>
-            <a:endParaRPr lang="en-US" sz="4800" b="1" u="sng" dirty="0" smtClean="0">
-              <a:solidFill>
-                <a:schemeClr val="tx1"/>
-              </a:solidFill>
-              <a:latin typeface="+mj-lt"/>
-            </a:endParaRPr>
-          </a:p>
-          <a:p>
-            <a:pPr>
-              <a:buFont typeface="Wingdings" pitchFamily="2" charset="2"/>
-              <a:buChar char="v"/>
-            </a:pPr>
-            <a:r>
-              <a:rPr lang="en-US" sz="4800" b="1" dirty="0" smtClean="0">
-                <a:solidFill>
-                  <a:schemeClr val="tx1"/>
-                </a:solidFill>
-                <a:latin typeface="+mj-lt"/>
-              </a:rPr>
-              <a:t>Load the Dataset</a:t>
-            </a:r>
-          </a:p>
-          <a:p>
-            <a:pPr>
-              <a:buFont typeface="Wingdings" pitchFamily="2" charset="2"/>
-              <a:buChar char="v"/>
-            </a:pPr>
-            <a:r>
-              <a:rPr lang="en-US" sz="4800" b="1" dirty="0" smtClean="0">
-                <a:solidFill>
-                  <a:schemeClr val="tx1"/>
-                </a:solidFill>
-                <a:latin typeface="+mj-lt"/>
-              </a:rPr>
-              <a:t>Preprocess the Data</a:t>
-            </a:r>
-          </a:p>
-          <a:p>
-            <a:pPr>
-              <a:buFont typeface="Wingdings" pitchFamily="2" charset="2"/>
-              <a:buChar char="v"/>
-            </a:pPr>
-            <a:r>
-              <a:rPr lang="en-US" sz="4800" b="1" dirty="0" smtClean="0">
-                <a:solidFill>
-                  <a:schemeClr val="tx1"/>
-                </a:solidFill>
-                <a:latin typeface="+mj-lt"/>
-              </a:rPr>
-              <a:t>Define the Hypothesis (Model)</a:t>
-            </a:r>
-          </a:p>
-          <a:p>
-            <a:pPr>
-              <a:buFont typeface="Wingdings" pitchFamily="2" charset="2"/>
-              <a:buChar char="v"/>
-            </a:pPr>
-            <a:r>
-              <a:rPr lang="en-US" sz="4800" b="1" dirty="0" smtClean="0">
-                <a:solidFill>
-                  <a:schemeClr val="tx1"/>
-                </a:solidFill>
-                <a:latin typeface="+mj-lt"/>
-              </a:rPr>
-              <a:t>Define the Cost Function</a:t>
-            </a:r>
-          </a:p>
-          <a:p>
-            <a:pPr>
-              <a:buFont typeface="Wingdings" pitchFamily="2" charset="2"/>
-              <a:buChar char="v"/>
-            </a:pPr>
-            <a:r>
-              <a:rPr lang="en-US" sz="4800" b="1" dirty="0" smtClean="0">
-                <a:solidFill>
-                  <a:schemeClr val="tx1"/>
-                </a:solidFill>
-                <a:latin typeface="+mj-lt"/>
-              </a:rPr>
-              <a:t>Implement the Optimizer</a:t>
-            </a:r>
-          </a:p>
-          <a:p>
-            <a:pPr>
-              <a:buFont typeface="Wingdings" pitchFamily="2" charset="2"/>
-              <a:buChar char="v"/>
-            </a:pPr>
-            <a:r>
-              <a:rPr lang="en-US" sz="4800" b="1" dirty="0" smtClean="0">
-                <a:solidFill>
-                  <a:schemeClr val="tx1"/>
-                </a:solidFill>
-                <a:latin typeface="+mj-lt"/>
-              </a:rPr>
-              <a:t>Train the Model</a:t>
-            </a:r>
-          </a:p>
-          <a:p>
-            <a:pPr>
-              <a:buFont typeface="Wingdings" pitchFamily="2" charset="2"/>
-              <a:buChar char="v"/>
-            </a:pPr>
-            <a:r>
-              <a:rPr lang="en-US" sz="4800" b="1" dirty="0" smtClean="0">
-                <a:solidFill>
-                  <a:schemeClr val="tx1"/>
-                </a:solidFill>
-                <a:latin typeface="+mj-lt"/>
-              </a:rPr>
-              <a:t>Test the Model</a:t>
-            </a:r>
-          </a:p>
-          <a:p>
-            <a:pPr>
-              <a:buFont typeface="Wingdings" pitchFamily="2" charset="2"/>
-              <a:buChar char="v"/>
-            </a:pPr>
-            <a:endParaRPr lang="en-US" sz="4800" b="1" dirty="0" smtClean="0">
-              <a:solidFill>
-                <a:schemeClr val="tx1"/>
-              </a:solidFill>
-              <a:latin typeface="+mj-lt"/>
-            </a:endParaRPr>
-          </a:p>
-          <a:p>
-            <a:pPr marL="114300" indent="0">
-              <a:buNone/>
-            </a:pPr>
-            <a:endParaRPr lang="en-US" sz="4800" b="1" u="sng" dirty="0" smtClean="0">
-              <a:solidFill>
-                <a:schemeClr val="tx1"/>
-              </a:solidFill>
-              <a:latin typeface="+mj-lt"/>
-            </a:endParaRPr>
-          </a:p>
-          <a:p>
-            <a:pPr marL="114300" indent="0">
-              <a:buNone/>
-            </a:pPr>
-            <a:endParaRPr lang="en-US" sz="4800" b="1" u="sng" dirty="0" smtClean="0">
-              <a:solidFill>
-                <a:schemeClr val="tx1"/>
-              </a:solidFill>
-              <a:latin typeface="+mj-lt"/>
-            </a:endParaRPr>
-          </a:p>
-          <a:p>
-            <a:pPr marL="114300" indent="0">
-              <a:buNone/>
-            </a:pPr>
-            <a:endParaRPr lang="en-US" sz="4800" b="1" u="sng" dirty="0">
-              <a:solidFill>
-                <a:schemeClr val="tx1"/>
-              </a:solidFill>
-              <a:latin typeface="+mj-lt"/>
-            </a:endParaRPr>
-          </a:p>
-          <a:p>
-            <a:pPr marL="114300" indent="0">
-              <a:buNone/>
-            </a:pPr>
-            <a:endParaRPr lang="en-US" sz="2000" b="1" u="sng" dirty="0">
+            <a:endParaRPr lang="en-US" dirty="0">
               <a:solidFill>
                 <a:schemeClr val="tx1"/>
               </a:solidFill>
@@ -19144,10 +20753,74 @@
           </a:p>
         </p:txBody>
       </p:sp>
+      <p:pic>
+        <p:nvPicPr>
+          <p:cNvPr id="2050" name="Picture 2"/>
+          <p:cNvPicPr>
+            <a:picLocks noChangeAspect="1" noChangeArrowheads="1"/>
+          </p:cNvPicPr>
+          <p:nvPr/>
+        </p:nvPicPr>
+        <p:blipFill>
+          <a:blip r:embed="rId3">
+            <a:extLst>
+              <a:ext uri="{28A0092B-C50C-407E-A947-70E740481C1C}">
+                <a14:useLocalDpi xmlns:a14="http://schemas.microsoft.com/office/drawing/2010/main" val="0"/>
+              </a:ext>
+            </a:extLst>
+          </a:blip>
+          <a:srcRect/>
+          <a:stretch>
+            <a:fillRect/>
+          </a:stretch>
+        </p:blipFill>
+        <p:spPr bwMode="auto">
+          <a:xfrm>
+            <a:off x="2017453" y="2329446"/>
+            <a:ext cx="4840547" cy="1343025"/>
+          </a:xfrm>
+          <a:prstGeom prst="rect">
+            <a:avLst/>
+          </a:prstGeom>
+          <a:noFill/>
+          <a:ln>
+            <a:noFill/>
+          </a:ln>
+          <a:effectLst/>
+          <a:extLst>
+            <a:ext uri="{909E8E84-426E-40DD-AFC4-6F175D3DCCD1}">
+              <a14:hiddenFill xmlns:a14="http://schemas.microsoft.com/office/drawing/2010/main">
+                <a:solidFill>
+                  <a:schemeClr val="accent1"/>
+                </a:solidFill>
+              </a14:hiddenFill>
+            </a:ext>
+            <a:ext uri="{91240B29-F687-4F45-9708-019B960494DF}">
+              <a14:hiddenLine xmlns:a14="http://schemas.microsoft.com/office/drawing/2010/main" w="9525">
+                <a:solidFill>
+                  <a:schemeClr val="tx1"/>
+                </a:solidFill>
+                <a:miter lim="800000"/>
+                <a:headEnd/>
+                <a:tailEnd/>
+              </a14:hiddenLine>
+            </a:ext>
+            <a:ext uri="{AF507438-7753-43E0-B8FC-AC1667EBCBE1}">
+              <a14:hiddenEffects xmlns:a14="http://schemas.microsoft.com/office/drawing/2010/main">
+                <a:effectLst>
+                  <a:outerShdw dist="35921" dir="2700000" algn="ctr" rotWithShape="0">
+                    <a:schemeClr val="bg2"/>
+                  </a:outerShdw>
+                </a:effectLst>
+              </a14:hiddenEffects>
+            </a:ext>
+          </a:extLst>
+        </p:spPr>
+      </p:pic>
     </p:spTree>
     <p:extLst>
       <p:ext uri="{BB962C8B-B14F-4D97-AF65-F5344CB8AC3E}">
-        <p14:creationId xmlns:p14="http://schemas.microsoft.com/office/powerpoint/2010/main" val="2287776485"/>
+        <p14:creationId xmlns:p14="http://schemas.microsoft.com/office/powerpoint/2010/main" val="2088639219"/>
       </p:ext>
     </p:extLst>
   </p:cSld>
@@ -19213,7 +20886,7 @@
             </a:r>
             <a:r>
               <a:rPr lang="en" sz="2400" b="1" dirty="0" smtClean="0"/>
-              <a:t>IMPLEMENTATION OF SUPERVISED MACHINE LEARNING</a:t>
+              <a:t>COMPONENTS OF SUPERVISED MACHINE LEARNING</a:t>
             </a:r>
             <a:endParaRPr lang="en-US" sz="2400" b="1" dirty="0"/>
           </a:p>
@@ -19232,7 +20905,7 @@
         <p:spPr>
           <a:xfrm>
             <a:off x="201341" y="575087"/>
-            <a:ext cx="8650800" cy="3884946"/>
+            <a:ext cx="8650800" cy="2252089"/>
           </a:xfrm>
           <a:prstGeom prst="rect">
             <a:avLst/>
@@ -19240,246 +20913,549 @@
         </p:spPr>
         <p:txBody>
           <a:bodyPr spcFirstLastPara="1" wrap="square" lIns="91425" tIns="91425" rIns="91425" bIns="91425" anchor="t" anchorCtr="0">
-            <a:normAutofit/>
+            <a:normAutofit lnSpcReduction="10000"/>
           </a:bodyPr>
           <a:lstStyle/>
           <a:p>
-            <a:pPr marL="114300" indent="0">
-              <a:buNone/>
-            </a:pPr>
-            <a:r>
-              <a:rPr lang="en-US" sz="1600" b="1" u="sng" dirty="0">
+            <a:pPr marL="114300" indent="0" algn="just">
+              <a:buNone/>
+            </a:pPr>
+            <a:r>
+              <a:rPr lang="en-US" sz="2000" b="1" u="sng" dirty="0">
                 <a:solidFill>
                   <a:schemeClr val="tx1"/>
                 </a:solidFill>
               </a:rPr>
-              <a:t>Explanation:</a:t>
-            </a:r>
-          </a:p>
-          <a:p>
-            <a:r>
-              <a:rPr lang="en-US" sz="1600" b="1" dirty="0">
+              <a:t>Cost Function (Loss Function)</a:t>
+            </a:r>
+            <a:r>
+              <a:rPr lang="en-US" sz="2000" u="sng" dirty="0">
                 <a:solidFill>
                   <a:schemeClr val="tx1"/>
                 </a:solidFill>
               </a:rPr>
-              <a:t>Loading the Dataset</a:t>
-            </a:r>
-            <a:r>
-              <a:rPr lang="en-US" sz="1600" dirty="0">
+              <a:t>:</a:t>
+            </a:r>
+          </a:p>
+          <a:p>
+            <a:pPr algn="just"/>
+            <a:r>
+              <a:rPr lang="en-US" sz="2000" dirty="0">
                 <a:solidFill>
                   <a:schemeClr val="tx1"/>
                 </a:solidFill>
               </a:rPr>
-              <a:t>: We load the Titanic dataset into a Pandas </a:t>
-            </a:r>
-            <a:r>
-              <a:rPr lang="en-US" sz="1600" dirty="0" err="1">
+              <a:t>The cost function measures how well the model's predictions match the actual labels in the training data. It quantifies the error between the predicted and actual outputs. Common cost functions include Mean Squared Error (MSE) for regression tasks and Cross-Entropy Loss for classification tasks</a:t>
+            </a:r>
+            <a:r>
+              <a:rPr lang="en-US" sz="2000" dirty="0" smtClean="0">
                 <a:solidFill>
                   <a:schemeClr val="tx1"/>
                 </a:solidFill>
               </a:rPr>
-              <a:t>DataFrame</a:t>
-            </a:r>
-            <a:r>
-              <a:rPr lang="en-US" sz="1600" dirty="0">
-                <a:solidFill>
-                  <a:schemeClr val="tx1"/>
-                </a:solidFill>
-              </a:rPr>
               <a:t>.</a:t>
             </a:r>
-          </a:p>
-          <a:p>
-            <a:r>
-              <a:rPr lang="en-US" sz="1600" b="1" dirty="0">
-                <a:solidFill>
-                  <a:schemeClr val="tx1"/>
-                </a:solidFill>
-              </a:rPr>
-              <a:t>Preprocessing the Data</a:t>
-            </a:r>
-            <a:r>
-              <a:rPr lang="en-US" sz="1600" dirty="0">
-                <a:solidFill>
-                  <a:schemeClr val="tx1"/>
-                </a:solidFill>
-              </a:rPr>
-              <a:t>: We handle missing values, encode categorical variables using </a:t>
-            </a:r>
-            <a:r>
-              <a:rPr lang="en-US" sz="1600" dirty="0" err="1">
-                <a:solidFill>
-                  <a:schemeClr val="tx1"/>
-                </a:solidFill>
-              </a:rPr>
-              <a:t>OneHotEncoder</a:t>
-            </a:r>
-            <a:r>
-              <a:rPr lang="en-US" sz="1600" dirty="0">
-                <a:solidFill>
-                  <a:schemeClr val="tx1"/>
-                </a:solidFill>
-              </a:rPr>
-              <a:t>, and scale numerical features using </a:t>
-            </a:r>
-            <a:r>
-              <a:rPr lang="en-US" sz="1600" dirty="0" err="1">
-                <a:solidFill>
-                  <a:schemeClr val="tx1"/>
-                </a:solidFill>
-              </a:rPr>
-              <a:t>StandardScaler</a:t>
-            </a:r>
-            <a:r>
-              <a:rPr lang="en-US" sz="1600" dirty="0">
-                <a:solidFill>
-                  <a:schemeClr val="tx1"/>
-                </a:solidFill>
-              </a:rPr>
-              <a:t>. The data is split into training and test sets.</a:t>
-            </a:r>
-          </a:p>
-          <a:p>
-            <a:r>
-              <a:rPr lang="en-US" sz="1600" b="1" dirty="0">
-                <a:solidFill>
-                  <a:schemeClr val="tx1"/>
-                </a:solidFill>
-              </a:rPr>
-              <a:t>Defining the Hypothesis (Model)</a:t>
-            </a:r>
-            <a:r>
-              <a:rPr lang="en-US" sz="1600" dirty="0">
-                <a:solidFill>
-                  <a:schemeClr val="tx1"/>
-                </a:solidFill>
-              </a:rPr>
-              <a:t>: We initialize the parameters for a logistic regression model.</a:t>
-            </a:r>
-          </a:p>
-          <a:p>
-            <a:r>
-              <a:rPr lang="en-US" sz="1600" b="1" dirty="0">
-                <a:solidFill>
-                  <a:schemeClr val="tx1"/>
-                </a:solidFill>
-              </a:rPr>
-              <a:t>Defining the Cost Function</a:t>
-            </a:r>
-            <a:r>
-              <a:rPr lang="en-US" sz="1600" dirty="0">
-                <a:solidFill>
-                  <a:schemeClr val="tx1"/>
-                </a:solidFill>
-              </a:rPr>
-              <a:t>: We define the logistic loss function.</a:t>
-            </a:r>
-          </a:p>
-          <a:p>
-            <a:r>
-              <a:rPr lang="en-US" sz="1600" b="1" dirty="0">
-                <a:solidFill>
-                  <a:schemeClr val="tx1"/>
-                </a:solidFill>
-              </a:rPr>
-              <a:t>Implementing the Optimizer</a:t>
-            </a:r>
-            <a:r>
-              <a:rPr lang="en-US" sz="1600" dirty="0">
-                <a:solidFill>
-                  <a:schemeClr val="tx1"/>
-                </a:solidFill>
-              </a:rPr>
-              <a:t>: We implement gradient descent to minimize the cost function.</a:t>
-            </a:r>
-          </a:p>
-          <a:p>
-            <a:r>
-              <a:rPr lang="en-US" sz="1600" b="1" dirty="0">
-                <a:solidFill>
-                  <a:schemeClr val="tx1"/>
-                </a:solidFill>
-              </a:rPr>
-              <a:t>Training the Model</a:t>
-            </a:r>
-            <a:r>
-              <a:rPr lang="en-US" sz="1600" dirty="0">
-                <a:solidFill>
-                  <a:schemeClr val="tx1"/>
-                </a:solidFill>
-              </a:rPr>
-              <a:t>: We train the model using gradient descent.</a:t>
-            </a:r>
-          </a:p>
-          <a:p>
-            <a:r>
-              <a:rPr lang="en-US" sz="1600" b="1" dirty="0">
-                <a:solidFill>
-                  <a:schemeClr val="tx1"/>
-                </a:solidFill>
-              </a:rPr>
-              <a:t>Evaluating the Model</a:t>
-            </a:r>
-            <a:r>
-              <a:rPr lang="en-US" sz="1600" dirty="0">
-                <a:solidFill>
-                  <a:schemeClr val="tx1"/>
-                </a:solidFill>
-              </a:rPr>
-              <a:t>: We evaluate the model's performance on the test set using accuracy, confusion matrix, and classification report.</a:t>
-            </a:r>
-          </a:p>
-          <a:p>
-            <a:pPr>
-              <a:buFont typeface="Wingdings" pitchFamily="2" charset="2"/>
-              <a:buChar char="v"/>
-            </a:pPr>
-            <a:endParaRPr lang="en-US" sz="4800" b="1" dirty="0" smtClean="0">
+            <a:endParaRPr lang="en-US" dirty="0">
               <a:solidFill>
                 <a:schemeClr val="tx1"/>
               </a:solidFill>
-              <a:latin typeface="+mj-lt"/>
             </a:endParaRPr>
           </a:p>
+        </p:txBody>
+      </p:sp>
+      <p:pic>
+        <p:nvPicPr>
+          <p:cNvPr id="3074" name="Picture 2"/>
+          <p:cNvPicPr>
+            <a:picLocks noChangeAspect="1" noChangeArrowheads="1"/>
+          </p:cNvPicPr>
+          <p:nvPr/>
+        </p:nvPicPr>
+        <p:blipFill>
+          <a:blip r:embed="rId3">
+            <a:extLst>
+              <a:ext uri="{28A0092B-C50C-407E-A947-70E740481C1C}">
+                <a14:useLocalDpi xmlns:a14="http://schemas.microsoft.com/office/drawing/2010/main" val="0"/>
+              </a:ext>
+            </a:extLst>
+          </a:blip>
+          <a:srcRect/>
+          <a:stretch>
+            <a:fillRect/>
+          </a:stretch>
+        </p:blipFill>
+        <p:spPr bwMode="auto">
+          <a:xfrm>
+            <a:off x="1505825" y="2719388"/>
+            <a:ext cx="5591175" cy="1533525"/>
+          </a:xfrm>
+          <a:prstGeom prst="rect">
+            <a:avLst/>
+          </a:prstGeom>
+          <a:noFill/>
+          <a:ln>
+            <a:noFill/>
+          </a:ln>
+          <a:effectLst/>
+          <a:extLst>
+            <a:ext uri="{909E8E84-426E-40DD-AFC4-6F175D3DCCD1}">
+              <a14:hiddenFill xmlns:a14="http://schemas.microsoft.com/office/drawing/2010/main">
+                <a:solidFill>
+                  <a:schemeClr val="accent1"/>
+                </a:solidFill>
+              </a14:hiddenFill>
+            </a:ext>
+            <a:ext uri="{91240B29-F687-4F45-9708-019B960494DF}">
+              <a14:hiddenLine xmlns:a14="http://schemas.microsoft.com/office/drawing/2010/main" w="9525">
+                <a:solidFill>
+                  <a:schemeClr val="tx1"/>
+                </a:solidFill>
+                <a:miter lim="800000"/>
+                <a:headEnd/>
+                <a:tailEnd/>
+              </a14:hiddenLine>
+            </a:ext>
+            <a:ext uri="{AF507438-7753-43E0-B8FC-AC1667EBCBE1}">
+              <a14:hiddenEffects xmlns:a14="http://schemas.microsoft.com/office/drawing/2010/main">
+                <a:effectLst>
+                  <a:outerShdw dist="35921" dir="2700000" algn="ctr" rotWithShape="0">
+                    <a:schemeClr val="bg2"/>
+                  </a:outerShdw>
+                </a:effectLst>
+              </a14:hiddenEffects>
+            </a:ext>
+          </a:extLst>
+        </p:spPr>
+      </p:pic>
+    </p:spTree>
+    <p:extLst>
+      <p:ext uri="{BB962C8B-B14F-4D97-AF65-F5344CB8AC3E}">
+        <p14:creationId xmlns:p14="http://schemas.microsoft.com/office/powerpoint/2010/main" val="1723408440"/>
+      </p:ext>
+    </p:extLst>
+  </p:cSld>
+  <p:clrMapOvr>
+    <a:masterClrMapping/>
+  </p:clrMapOvr>
+  <p:timing>
+    <p:tnLst>
+      <p:par>
+        <p:cTn id="1" dur="indefinite" restart="never" nodeType="tmRoot"/>
+      </p:par>
+    </p:tnLst>
+  </p:timing>
+</p:sld>
+</file>
+
+<file path=ppt/slides/slide38.xml><?xml version="1.0" encoding="utf-8"?>
+<p:sld xmlns:a="http://schemas.openxmlformats.org/drawingml/2006/main" xmlns:r="http://schemas.openxmlformats.org/officeDocument/2006/relationships" xmlns:p="http://schemas.openxmlformats.org/presentationml/2006/main">
+  <p:cSld>
+    <p:spTree>
+      <p:nvGrpSpPr>
+        <p:cNvPr id="1" name="Shape 102"/>
+        <p:cNvGrpSpPr/>
+        <p:nvPr/>
+      </p:nvGrpSpPr>
+      <p:grpSpPr>
+        <a:xfrm>
+          <a:off x="0" y="0"/>
+          <a:ext cx="0" cy="0"/>
+          <a:chOff x="0" y="0"/>
+          <a:chExt cx="0" cy="0"/>
+        </a:xfrm>
+      </p:grpSpPr>
+      <p:sp>
+        <p:nvSpPr>
+          <p:cNvPr id="103" name="Google Shape;103;p16"/>
+          <p:cNvSpPr txBox="1">
+            <a:spLocks noGrp="1"/>
+          </p:cNvSpPr>
+          <p:nvPr>
+            <p:ph type="title"/>
+          </p:nvPr>
+        </p:nvSpPr>
+        <p:spPr>
+          <a:xfrm>
+            <a:off x="0" y="3650"/>
+            <a:ext cx="9144000" cy="523232"/>
+          </a:xfrm>
+          <a:prstGeom prst="rect">
+            <a:avLst/>
+          </a:prstGeom>
+        </p:spPr>
+        <p:txBody>
+          <a:bodyPr spcFirstLastPara="1" wrap="square" lIns="91425" tIns="91425" rIns="91425" bIns="91425" anchor="t" anchorCtr="0">
+            <a:noAutofit/>
+          </a:bodyPr>
+          <a:lstStyle/>
+          <a:p>
+            <a:pPr algn="ctr"/>
+            <a:r>
+              <a:rPr lang="en-US" sz="2400" b="1" dirty="0" smtClean="0"/>
+              <a:t> </a:t>
+            </a:r>
+            <a:r>
+              <a:rPr lang="en" sz="2400" b="1" dirty="0" smtClean="0"/>
+              <a:t>COMPONENTS OF SUPERVISED MACHINE LEARNING</a:t>
+            </a:r>
+            <a:endParaRPr lang="en-US" sz="2400" b="1" dirty="0"/>
+          </a:p>
+        </p:txBody>
+      </p:sp>
+      <p:sp>
+        <p:nvSpPr>
+          <p:cNvPr id="7" name="Google Shape;77;g258990b3369_0_16"/>
+          <p:cNvSpPr txBox="1">
+            <a:spLocks noGrp="1"/>
+          </p:cNvSpPr>
+          <p:nvPr>
+            <p:ph type="body" idx="1"/>
+          </p:nvPr>
+        </p:nvSpPr>
+        <p:spPr>
+          <a:xfrm>
+            <a:off x="201341" y="575087"/>
+            <a:ext cx="8650800" cy="2252089"/>
+          </a:xfrm>
+          <a:prstGeom prst="rect">
+            <a:avLst/>
+          </a:prstGeom>
+        </p:spPr>
+        <p:txBody>
+          <a:bodyPr spcFirstLastPara="1" wrap="square" lIns="91425" tIns="91425" rIns="91425" bIns="91425" anchor="t" anchorCtr="0">
+            <a:normAutofit lnSpcReduction="10000"/>
+          </a:bodyPr>
+          <a:lstStyle/>
+          <a:p>
+            <a:pPr marL="114300" indent="0" algn="just">
+              <a:buNone/>
+            </a:pPr>
+            <a:r>
+              <a:rPr lang="en-US" sz="2000" b="1" u="sng" dirty="0">
+                <a:solidFill>
+                  <a:schemeClr val="tx1"/>
+                </a:solidFill>
+              </a:rPr>
+              <a:t>Optimizer:</a:t>
+            </a:r>
+          </a:p>
+          <a:p>
+            <a:pPr algn="just"/>
+            <a:r>
+              <a:rPr lang="en-US" sz="2000" dirty="0">
+                <a:solidFill>
+                  <a:schemeClr val="tx1"/>
+                </a:solidFill>
+              </a:rPr>
+              <a:t>The optimizer is an algorithm used to minimize the cost function by adjusting the model's parameters iteratively. Common optimization algorithms include Gradient Descent, Stochastic Gradient Descent (SGD), Adam, and </a:t>
+            </a:r>
+            <a:r>
+              <a:rPr lang="en-US" sz="2000" dirty="0" err="1">
+                <a:solidFill>
+                  <a:schemeClr val="tx1"/>
+                </a:solidFill>
+              </a:rPr>
+              <a:t>RMSprop</a:t>
+            </a:r>
+            <a:r>
+              <a:rPr lang="en-US" sz="2000" dirty="0">
+                <a:solidFill>
+                  <a:schemeClr val="tx1"/>
+                </a:solidFill>
+              </a:rPr>
+              <a:t>. The optimizer updates the model parameters to reduce the error and improve the model's predictions.</a:t>
+            </a:r>
+          </a:p>
+        </p:txBody>
+      </p:sp>
+      <p:pic>
+        <p:nvPicPr>
+          <p:cNvPr id="4098" name="Picture 2"/>
+          <p:cNvPicPr>
+            <a:picLocks noChangeAspect="1" noChangeArrowheads="1"/>
+          </p:cNvPicPr>
+          <p:nvPr/>
+        </p:nvPicPr>
+        <p:blipFill>
+          <a:blip r:embed="rId3">
+            <a:extLst>
+              <a:ext uri="{28A0092B-C50C-407E-A947-70E740481C1C}">
+                <a14:useLocalDpi xmlns:a14="http://schemas.microsoft.com/office/drawing/2010/main" val="0"/>
+              </a:ext>
+            </a:extLst>
+          </a:blip>
+          <a:srcRect/>
+          <a:stretch>
+            <a:fillRect/>
+          </a:stretch>
+        </p:blipFill>
+        <p:spPr bwMode="auto">
+          <a:xfrm>
+            <a:off x="1457131" y="2763805"/>
+            <a:ext cx="5334000" cy="1295400"/>
+          </a:xfrm>
+          <a:prstGeom prst="rect">
+            <a:avLst/>
+          </a:prstGeom>
+          <a:noFill/>
+          <a:ln>
+            <a:noFill/>
+          </a:ln>
+          <a:effectLst/>
+          <a:extLst>
+            <a:ext uri="{909E8E84-426E-40DD-AFC4-6F175D3DCCD1}">
+              <a14:hiddenFill xmlns:a14="http://schemas.microsoft.com/office/drawing/2010/main">
+                <a:solidFill>
+                  <a:schemeClr val="accent1"/>
+                </a:solidFill>
+              </a14:hiddenFill>
+            </a:ext>
+            <a:ext uri="{91240B29-F687-4F45-9708-019B960494DF}">
+              <a14:hiddenLine xmlns:a14="http://schemas.microsoft.com/office/drawing/2010/main" w="9525">
+                <a:solidFill>
+                  <a:schemeClr val="tx1"/>
+                </a:solidFill>
+                <a:miter lim="800000"/>
+                <a:headEnd/>
+                <a:tailEnd/>
+              </a14:hiddenLine>
+            </a:ext>
+            <a:ext uri="{AF507438-7753-43E0-B8FC-AC1667EBCBE1}">
+              <a14:hiddenEffects xmlns:a14="http://schemas.microsoft.com/office/drawing/2010/main">
+                <a:effectLst>
+                  <a:outerShdw dist="35921" dir="2700000" algn="ctr" rotWithShape="0">
+                    <a:schemeClr val="bg2"/>
+                  </a:outerShdw>
+                </a:effectLst>
+              </a14:hiddenEffects>
+            </a:ext>
+          </a:extLst>
+        </p:spPr>
+      </p:pic>
+    </p:spTree>
+    <p:extLst>
+      <p:ext uri="{BB962C8B-B14F-4D97-AF65-F5344CB8AC3E}">
+        <p14:creationId xmlns:p14="http://schemas.microsoft.com/office/powerpoint/2010/main" val="1995493696"/>
+      </p:ext>
+    </p:extLst>
+  </p:cSld>
+  <p:clrMapOvr>
+    <a:masterClrMapping/>
+  </p:clrMapOvr>
+  <p:timing>
+    <p:tnLst>
+      <p:par>
+        <p:cTn id="1" dur="indefinite" restart="never" nodeType="tmRoot"/>
+      </p:par>
+    </p:tnLst>
+  </p:timing>
+</p:sld>
+</file>
+
+<file path=ppt/slides/slide39.xml><?xml version="1.0" encoding="utf-8"?>
+<p:sld xmlns:a="http://schemas.openxmlformats.org/drawingml/2006/main" xmlns:r="http://schemas.openxmlformats.org/officeDocument/2006/relationships" xmlns:p="http://schemas.openxmlformats.org/presentationml/2006/main">
+  <p:cSld>
+    <p:spTree>
+      <p:nvGrpSpPr>
+        <p:cNvPr id="1" name="Shape 102"/>
+        <p:cNvGrpSpPr/>
+        <p:nvPr/>
+      </p:nvGrpSpPr>
+      <p:grpSpPr>
+        <a:xfrm>
+          <a:off x="0" y="0"/>
+          <a:ext cx="0" cy="0"/>
+          <a:chOff x="0" y="0"/>
+          <a:chExt cx="0" cy="0"/>
+        </a:xfrm>
+      </p:grpSpPr>
+      <p:sp>
+        <p:nvSpPr>
+          <p:cNvPr id="103" name="Google Shape;103;p16"/>
+          <p:cNvSpPr txBox="1">
+            <a:spLocks noGrp="1"/>
+          </p:cNvSpPr>
+          <p:nvPr>
+            <p:ph type="title"/>
+          </p:nvPr>
+        </p:nvSpPr>
+        <p:spPr>
+          <a:xfrm>
+            <a:off x="0" y="3650"/>
+            <a:ext cx="9144000" cy="523232"/>
+          </a:xfrm>
+          <a:prstGeom prst="rect">
+            <a:avLst/>
+          </a:prstGeom>
+        </p:spPr>
+        <p:txBody>
+          <a:bodyPr spcFirstLastPara="1" wrap="square" lIns="91425" tIns="91425" rIns="91425" bIns="91425" anchor="t" anchorCtr="0">
+            <a:noAutofit/>
+          </a:bodyPr>
+          <a:lstStyle/>
+          <a:p>
+            <a:pPr algn="ctr"/>
+            <a:r>
+              <a:rPr lang="en-US" sz="2400" b="1" dirty="0" smtClean="0"/>
+              <a:t> </a:t>
+            </a:r>
+            <a:r>
+              <a:rPr lang="en" sz="2400" b="1" dirty="0" smtClean="0"/>
+              <a:t>COMPONENTS OF SUPERVISED MACHINE LEARNING</a:t>
+            </a:r>
+            <a:endParaRPr lang="en-US" sz="2400" b="1" dirty="0"/>
+          </a:p>
+        </p:txBody>
+      </p:sp>
+      <p:sp>
+        <p:nvSpPr>
+          <p:cNvPr id="7" name="Google Shape;77;g258990b3369_0_16"/>
+          <p:cNvSpPr txBox="1">
+            <a:spLocks noGrp="1"/>
+          </p:cNvSpPr>
+          <p:nvPr>
+            <p:ph type="body" idx="1"/>
+          </p:nvPr>
+        </p:nvSpPr>
+        <p:spPr>
+          <a:xfrm>
+            <a:off x="201341" y="575087"/>
+            <a:ext cx="8650800" cy="2252089"/>
+          </a:xfrm>
+          <a:prstGeom prst="rect">
+            <a:avLst/>
+          </a:prstGeom>
+        </p:spPr>
+        <p:txBody>
+          <a:bodyPr spcFirstLastPara="1" wrap="square" lIns="91425" tIns="91425" rIns="91425" bIns="91425" anchor="t" anchorCtr="0">
+            <a:normAutofit fontScale="92500" lnSpcReduction="20000"/>
+          </a:bodyPr>
+          <a:lstStyle/>
           <a:p>
             <a:pPr marL="114300" indent="0">
               <a:buNone/>
             </a:pPr>
-            <a:endParaRPr lang="en-US" sz="4800" b="1" u="sng" dirty="0" smtClean="0">
-              <a:solidFill>
-                <a:schemeClr val="tx1"/>
-              </a:solidFill>
-              <a:latin typeface="+mj-lt"/>
-            </a:endParaRPr>
-          </a:p>
-          <a:p>
-            <a:pPr marL="114300" indent="0">
-              <a:buNone/>
-            </a:pPr>
-            <a:endParaRPr lang="en-US" sz="4800" b="1" u="sng" dirty="0" smtClean="0">
-              <a:solidFill>
-                <a:schemeClr val="tx1"/>
-              </a:solidFill>
-              <a:latin typeface="+mj-lt"/>
-            </a:endParaRPr>
-          </a:p>
-          <a:p>
-            <a:pPr marL="114300" indent="0">
-              <a:buNone/>
-            </a:pPr>
-            <a:endParaRPr lang="en-US" sz="4800" b="1" u="sng" dirty="0">
-              <a:solidFill>
-                <a:schemeClr val="tx1"/>
-              </a:solidFill>
-              <a:latin typeface="+mj-lt"/>
-            </a:endParaRPr>
-          </a:p>
-          <a:p>
-            <a:pPr marL="114300" indent="0">
-              <a:buNone/>
-            </a:pPr>
-            <a:endParaRPr lang="en-US" sz="2000" b="1" u="sng" dirty="0">
+            <a:r>
+              <a:rPr lang="en-US" sz="2000" b="1" u="sng" dirty="0">
+                <a:solidFill>
+                  <a:schemeClr val="tx1"/>
+                </a:solidFill>
+              </a:rPr>
+              <a:t>Explanation:</a:t>
+            </a:r>
+          </a:p>
+          <a:p>
+            <a:r>
+              <a:rPr lang="en-US" sz="2000" b="1" dirty="0">
+                <a:solidFill>
+                  <a:schemeClr val="tx1"/>
+                </a:solidFill>
+              </a:rPr>
+              <a:t>Labeled Data</a:t>
+            </a:r>
+            <a:r>
+              <a:rPr lang="en-US" sz="2000" dirty="0">
+                <a:solidFill>
+                  <a:schemeClr val="tx1"/>
+                </a:solidFill>
+              </a:rPr>
+              <a:t>: The dataset X (features) and y (labels) is defined.</a:t>
+            </a:r>
+          </a:p>
+          <a:p>
+            <a:r>
+              <a:rPr lang="en-US" sz="2000" b="1" dirty="0">
+                <a:solidFill>
+                  <a:schemeClr val="tx1"/>
+                </a:solidFill>
+              </a:rPr>
+              <a:t>Hypothesis (Model)</a:t>
+            </a:r>
+            <a:r>
+              <a:rPr lang="en-US" sz="2000" dirty="0">
+                <a:solidFill>
+                  <a:schemeClr val="tx1"/>
+                </a:solidFill>
+              </a:rPr>
+              <a:t>: A linear regression model is created with parameters theta.</a:t>
+            </a:r>
+          </a:p>
+          <a:p>
+            <a:r>
+              <a:rPr lang="en-US" sz="2000" b="1" dirty="0">
+                <a:solidFill>
+                  <a:schemeClr val="tx1"/>
+                </a:solidFill>
+              </a:rPr>
+              <a:t>Cost Function</a:t>
+            </a:r>
+            <a:r>
+              <a:rPr lang="en-US" sz="2000" dirty="0">
+                <a:solidFill>
+                  <a:schemeClr val="tx1"/>
+                </a:solidFill>
+              </a:rPr>
+              <a:t>: The </a:t>
+            </a:r>
+            <a:r>
+              <a:rPr lang="en-US" sz="2000" dirty="0" err="1">
+                <a:solidFill>
+                  <a:schemeClr val="tx1"/>
+                </a:solidFill>
+              </a:rPr>
+              <a:t>compute_cost</a:t>
+            </a:r>
+            <a:r>
+              <a:rPr lang="en-US" sz="2000" dirty="0">
+                <a:solidFill>
+                  <a:schemeClr val="tx1"/>
+                </a:solidFill>
+              </a:rPr>
+              <a:t> function calculates the MSE.</a:t>
+            </a:r>
+          </a:p>
+          <a:p>
+            <a:r>
+              <a:rPr lang="en-US" sz="2000" b="1" dirty="0">
+                <a:solidFill>
+                  <a:schemeClr val="tx1"/>
+                </a:solidFill>
+              </a:rPr>
+              <a:t>Optimizer</a:t>
+            </a:r>
+            <a:r>
+              <a:rPr lang="en-US" sz="2000" dirty="0">
+                <a:solidFill>
+                  <a:schemeClr val="tx1"/>
+                </a:solidFill>
+              </a:rPr>
+              <a:t>: The </a:t>
+            </a:r>
+            <a:r>
+              <a:rPr lang="en-US" sz="2000" dirty="0" err="1">
+                <a:solidFill>
+                  <a:schemeClr val="tx1"/>
+                </a:solidFill>
+              </a:rPr>
+              <a:t>gradient_descent</a:t>
+            </a:r>
+            <a:r>
+              <a:rPr lang="en-US" sz="2000" dirty="0">
+                <a:solidFill>
+                  <a:schemeClr val="tx1"/>
+                </a:solidFill>
+              </a:rPr>
+              <a:t> function updates theta to minimize the cost function</a:t>
+            </a:r>
+            <a:r>
+              <a:rPr lang="en-US" sz="2000" dirty="0" smtClean="0">
+                <a:solidFill>
+                  <a:schemeClr val="tx1"/>
+                </a:solidFill>
+              </a:rPr>
+              <a:t>.</a:t>
+            </a:r>
+            <a:endParaRPr lang="en-US" sz="2000" dirty="0">
               <a:solidFill>
                 <a:schemeClr val="tx1"/>
               </a:solidFill>
@@ -19490,7 +21466,7 @@
     </p:spTree>
     <p:extLst>
       <p:ext uri="{BB962C8B-B14F-4D97-AF65-F5344CB8AC3E}">
-        <p14:creationId xmlns:p14="http://schemas.microsoft.com/office/powerpoint/2010/main" val="3403940098"/>
+        <p14:creationId xmlns:p14="http://schemas.microsoft.com/office/powerpoint/2010/main" val="4261238082"/>
       </p:ext>
     </p:extLst>
   </p:cSld>
@@ -19606,6 +21582,2546 @@
 </p:sld>
 </file>
 
+<file path=ppt/slides/slide40.xml><?xml version="1.0" encoding="utf-8"?>
+<p:sld xmlns:a="http://schemas.openxmlformats.org/drawingml/2006/main" xmlns:r="http://schemas.openxmlformats.org/officeDocument/2006/relationships" xmlns:p="http://schemas.openxmlformats.org/presentationml/2006/main">
+  <p:cSld>
+    <p:spTree>
+      <p:nvGrpSpPr>
+        <p:cNvPr id="1" name="Shape 102"/>
+        <p:cNvGrpSpPr/>
+        <p:nvPr/>
+      </p:nvGrpSpPr>
+      <p:grpSpPr>
+        <a:xfrm>
+          <a:off x="0" y="0"/>
+          <a:ext cx="0" cy="0"/>
+          <a:chOff x="0" y="0"/>
+          <a:chExt cx="0" cy="0"/>
+        </a:xfrm>
+      </p:grpSpPr>
+      <p:sp>
+        <p:nvSpPr>
+          <p:cNvPr id="103" name="Google Shape;103;p16"/>
+          <p:cNvSpPr txBox="1">
+            <a:spLocks noGrp="1"/>
+          </p:cNvSpPr>
+          <p:nvPr>
+            <p:ph type="title"/>
+          </p:nvPr>
+        </p:nvSpPr>
+        <p:spPr>
+          <a:xfrm>
+            <a:off x="0" y="3650"/>
+            <a:ext cx="9144000" cy="523232"/>
+          </a:xfrm>
+          <a:prstGeom prst="rect">
+            <a:avLst/>
+          </a:prstGeom>
+        </p:spPr>
+        <p:txBody>
+          <a:bodyPr spcFirstLastPara="1" wrap="square" lIns="91425" tIns="91425" rIns="91425" bIns="91425" anchor="t" anchorCtr="0">
+            <a:noAutofit/>
+          </a:bodyPr>
+          <a:lstStyle/>
+          <a:p>
+            <a:pPr algn="ctr"/>
+            <a:r>
+              <a:rPr lang="en-US" sz="2400" b="1" dirty="0" smtClean="0"/>
+              <a:t> </a:t>
+            </a:r>
+            <a:r>
+              <a:rPr lang="en" sz="2400" b="1" dirty="0" smtClean="0"/>
+              <a:t>IMPLEMENTATION OF SUPERVISED MACHINE LEARNING</a:t>
+            </a:r>
+            <a:endParaRPr lang="en-US" sz="2400" b="1" dirty="0"/>
+          </a:p>
+        </p:txBody>
+      </p:sp>
+      <p:sp>
+        <p:nvSpPr>
+          <p:cNvPr id="7" name="Google Shape;77;g258990b3369_0_16"/>
+          <p:cNvSpPr txBox="1">
+            <a:spLocks noGrp="1"/>
+          </p:cNvSpPr>
+          <p:nvPr>
+            <p:ph type="body" idx="1"/>
+          </p:nvPr>
+        </p:nvSpPr>
+        <p:spPr>
+          <a:xfrm>
+            <a:off x="201341" y="575087"/>
+            <a:ext cx="8650800" cy="3884946"/>
+          </a:xfrm>
+          <a:prstGeom prst="rect">
+            <a:avLst/>
+          </a:prstGeom>
+        </p:spPr>
+        <p:txBody>
+          <a:bodyPr spcFirstLastPara="1" wrap="square" lIns="91425" tIns="91425" rIns="91425" bIns="91425" anchor="t" anchorCtr="0">
+            <a:normAutofit fontScale="32500" lnSpcReduction="20000"/>
+          </a:bodyPr>
+          <a:lstStyle/>
+          <a:p>
+            <a:pPr marL="114300" indent="0" algn="just">
+              <a:buNone/>
+            </a:pPr>
+            <a:r>
+              <a:rPr lang="en-US" sz="4800" b="1" dirty="0">
+                <a:latin typeface="+mj-lt"/>
+              </a:rPr>
+              <a:t>We'll use the Titanic dataset to demonstrate a supervised machine learning implementation. This dataset contains information about passengers on the Titanic, and we'll use it to predict whether a passenger survived or not based on features such as age, sex, and fare.</a:t>
+            </a:r>
+          </a:p>
+          <a:p>
+            <a:pPr marL="114300" indent="0" algn="just">
+              <a:buNone/>
+            </a:pPr>
+            <a:r>
+              <a:rPr lang="en-US" sz="4800" b="1" dirty="0">
+                <a:latin typeface="+mj-lt"/>
+              </a:rPr>
+              <a:t>We'll use a logistic regression model for this binary classification problem</a:t>
+            </a:r>
+            <a:r>
+              <a:rPr lang="en-US" sz="4800" b="1" dirty="0" smtClean="0">
+                <a:latin typeface="+mj-lt"/>
+              </a:rPr>
+              <a:t>.</a:t>
+            </a:r>
+          </a:p>
+          <a:p>
+            <a:pPr marL="114300" indent="0">
+              <a:buNone/>
+            </a:pPr>
+            <a:endParaRPr lang="en-US" sz="4800" dirty="0">
+              <a:latin typeface="+mj-lt"/>
+            </a:endParaRPr>
+          </a:p>
+          <a:p>
+            <a:pPr marL="114300" indent="0">
+              <a:buNone/>
+            </a:pPr>
+            <a:r>
+              <a:rPr lang="en-US" sz="4800" b="1" u="sng" dirty="0">
+                <a:solidFill>
+                  <a:schemeClr val="tx1"/>
+                </a:solidFill>
+                <a:latin typeface="+mj-lt"/>
+              </a:rPr>
+              <a:t>Step-by-Step </a:t>
+            </a:r>
+            <a:r>
+              <a:rPr lang="en-US" sz="4800" b="1" u="sng" dirty="0" smtClean="0">
+                <a:solidFill>
+                  <a:schemeClr val="tx1"/>
+                </a:solidFill>
+                <a:latin typeface="+mj-lt"/>
+              </a:rPr>
+              <a:t>Implementation</a:t>
+            </a:r>
+          </a:p>
+          <a:p>
+            <a:pPr marL="114300" indent="0">
+              <a:buNone/>
+            </a:pPr>
+            <a:endParaRPr lang="en-US" sz="4800" b="1" u="sng" dirty="0" smtClean="0">
+              <a:solidFill>
+                <a:schemeClr val="tx1"/>
+              </a:solidFill>
+              <a:latin typeface="+mj-lt"/>
+            </a:endParaRPr>
+          </a:p>
+          <a:p>
+            <a:pPr>
+              <a:buFont typeface="Wingdings" pitchFamily="2" charset="2"/>
+              <a:buChar char="v"/>
+            </a:pPr>
+            <a:r>
+              <a:rPr lang="en-US" sz="4800" b="1" dirty="0" smtClean="0">
+                <a:solidFill>
+                  <a:schemeClr val="tx1"/>
+                </a:solidFill>
+                <a:latin typeface="+mj-lt"/>
+              </a:rPr>
+              <a:t>Load the Dataset</a:t>
+            </a:r>
+          </a:p>
+          <a:p>
+            <a:pPr>
+              <a:buFont typeface="Wingdings" pitchFamily="2" charset="2"/>
+              <a:buChar char="v"/>
+            </a:pPr>
+            <a:r>
+              <a:rPr lang="en-US" sz="4800" b="1" dirty="0" smtClean="0">
+                <a:solidFill>
+                  <a:schemeClr val="tx1"/>
+                </a:solidFill>
+                <a:latin typeface="+mj-lt"/>
+              </a:rPr>
+              <a:t>Preprocess the Data</a:t>
+            </a:r>
+          </a:p>
+          <a:p>
+            <a:pPr>
+              <a:buFont typeface="Wingdings" pitchFamily="2" charset="2"/>
+              <a:buChar char="v"/>
+            </a:pPr>
+            <a:r>
+              <a:rPr lang="en-US" sz="4800" b="1" dirty="0" smtClean="0">
+                <a:solidFill>
+                  <a:schemeClr val="tx1"/>
+                </a:solidFill>
+                <a:latin typeface="+mj-lt"/>
+              </a:rPr>
+              <a:t>Define the Hypothesis (Model)</a:t>
+            </a:r>
+          </a:p>
+          <a:p>
+            <a:pPr>
+              <a:buFont typeface="Wingdings" pitchFamily="2" charset="2"/>
+              <a:buChar char="v"/>
+            </a:pPr>
+            <a:r>
+              <a:rPr lang="en-US" sz="4800" b="1" dirty="0" smtClean="0">
+                <a:solidFill>
+                  <a:schemeClr val="tx1"/>
+                </a:solidFill>
+                <a:latin typeface="+mj-lt"/>
+              </a:rPr>
+              <a:t>Define the Cost Function</a:t>
+            </a:r>
+          </a:p>
+          <a:p>
+            <a:pPr>
+              <a:buFont typeface="Wingdings" pitchFamily="2" charset="2"/>
+              <a:buChar char="v"/>
+            </a:pPr>
+            <a:r>
+              <a:rPr lang="en-US" sz="4800" b="1" dirty="0" smtClean="0">
+                <a:solidFill>
+                  <a:schemeClr val="tx1"/>
+                </a:solidFill>
+                <a:latin typeface="+mj-lt"/>
+              </a:rPr>
+              <a:t>Implement the Optimizer</a:t>
+            </a:r>
+          </a:p>
+          <a:p>
+            <a:pPr>
+              <a:buFont typeface="Wingdings" pitchFamily="2" charset="2"/>
+              <a:buChar char="v"/>
+            </a:pPr>
+            <a:r>
+              <a:rPr lang="en-US" sz="4800" b="1" dirty="0" smtClean="0">
+                <a:solidFill>
+                  <a:schemeClr val="tx1"/>
+                </a:solidFill>
+                <a:latin typeface="+mj-lt"/>
+              </a:rPr>
+              <a:t>Train the Model</a:t>
+            </a:r>
+          </a:p>
+          <a:p>
+            <a:pPr>
+              <a:buFont typeface="Wingdings" pitchFamily="2" charset="2"/>
+              <a:buChar char="v"/>
+            </a:pPr>
+            <a:r>
+              <a:rPr lang="en-US" sz="4800" b="1" dirty="0" smtClean="0">
+                <a:solidFill>
+                  <a:schemeClr val="tx1"/>
+                </a:solidFill>
+                <a:latin typeface="+mj-lt"/>
+              </a:rPr>
+              <a:t>Test the Model</a:t>
+            </a:r>
+          </a:p>
+          <a:p>
+            <a:pPr>
+              <a:buFont typeface="Wingdings" pitchFamily="2" charset="2"/>
+              <a:buChar char="v"/>
+            </a:pPr>
+            <a:endParaRPr lang="en-US" sz="4800" b="1" dirty="0" smtClean="0">
+              <a:solidFill>
+                <a:schemeClr val="tx1"/>
+              </a:solidFill>
+              <a:latin typeface="+mj-lt"/>
+            </a:endParaRPr>
+          </a:p>
+          <a:p>
+            <a:pPr marL="114300" indent="0">
+              <a:buNone/>
+            </a:pPr>
+            <a:endParaRPr lang="en-US" sz="4800" b="1" u="sng" dirty="0" smtClean="0">
+              <a:solidFill>
+                <a:schemeClr val="tx1"/>
+              </a:solidFill>
+              <a:latin typeface="+mj-lt"/>
+            </a:endParaRPr>
+          </a:p>
+          <a:p>
+            <a:pPr marL="114300" indent="0">
+              <a:buNone/>
+            </a:pPr>
+            <a:endParaRPr lang="en-US" sz="4800" b="1" u="sng" dirty="0" smtClean="0">
+              <a:solidFill>
+                <a:schemeClr val="tx1"/>
+              </a:solidFill>
+              <a:latin typeface="+mj-lt"/>
+            </a:endParaRPr>
+          </a:p>
+          <a:p>
+            <a:pPr marL="114300" indent="0">
+              <a:buNone/>
+            </a:pPr>
+            <a:endParaRPr lang="en-US" sz="4800" b="1" u="sng" dirty="0">
+              <a:solidFill>
+                <a:schemeClr val="tx1"/>
+              </a:solidFill>
+              <a:latin typeface="+mj-lt"/>
+            </a:endParaRPr>
+          </a:p>
+          <a:p>
+            <a:pPr marL="114300" indent="0">
+              <a:buNone/>
+            </a:pPr>
+            <a:endParaRPr lang="en-US" sz="2000" b="1" u="sng" dirty="0">
+              <a:solidFill>
+                <a:schemeClr val="tx1"/>
+              </a:solidFill>
+            </a:endParaRPr>
+          </a:p>
+        </p:txBody>
+      </p:sp>
+    </p:spTree>
+    <p:extLst>
+      <p:ext uri="{BB962C8B-B14F-4D97-AF65-F5344CB8AC3E}">
+        <p14:creationId xmlns:p14="http://schemas.microsoft.com/office/powerpoint/2010/main" val="2287776485"/>
+      </p:ext>
+    </p:extLst>
+  </p:cSld>
+  <p:clrMapOvr>
+    <a:masterClrMapping/>
+  </p:clrMapOvr>
+  <p:timing>
+    <p:tnLst>
+      <p:par>
+        <p:cTn id="1" dur="indefinite" restart="never" nodeType="tmRoot"/>
+      </p:par>
+    </p:tnLst>
+  </p:timing>
+</p:sld>
+</file>
+
+<file path=ppt/slides/slide41.xml><?xml version="1.0" encoding="utf-8"?>
+<p:sld xmlns:a="http://schemas.openxmlformats.org/drawingml/2006/main" xmlns:r="http://schemas.openxmlformats.org/officeDocument/2006/relationships" xmlns:p="http://schemas.openxmlformats.org/presentationml/2006/main">
+  <p:cSld>
+    <p:spTree>
+      <p:nvGrpSpPr>
+        <p:cNvPr id="1" name="Shape 102"/>
+        <p:cNvGrpSpPr/>
+        <p:nvPr/>
+      </p:nvGrpSpPr>
+      <p:grpSpPr>
+        <a:xfrm>
+          <a:off x="0" y="0"/>
+          <a:ext cx="0" cy="0"/>
+          <a:chOff x="0" y="0"/>
+          <a:chExt cx="0" cy="0"/>
+        </a:xfrm>
+      </p:grpSpPr>
+      <p:sp>
+        <p:nvSpPr>
+          <p:cNvPr id="103" name="Google Shape;103;p16"/>
+          <p:cNvSpPr txBox="1">
+            <a:spLocks noGrp="1"/>
+          </p:cNvSpPr>
+          <p:nvPr>
+            <p:ph type="title"/>
+          </p:nvPr>
+        </p:nvSpPr>
+        <p:spPr>
+          <a:xfrm>
+            <a:off x="0" y="3650"/>
+            <a:ext cx="9144000" cy="523232"/>
+          </a:xfrm>
+          <a:prstGeom prst="rect">
+            <a:avLst/>
+          </a:prstGeom>
+        </p:spPr>
+        <p:txBody>
+          <a:bodyPr spcFirstLastPara="1" wrap="square" lIns="91425" tIns="91425" rIns="91425" bIns="91425" anchor="t" anchorCtr="0">
+            <a:noAutofit/>
+          </a:bodyPr>
+          <a:lstStyle/>
+          <a:p>
+            <a:pPr algn="ctr"/>
+            <a:r>
+              <a:rPr lang="en-US" sz="2400" b="1" dirty="0" smtClean="0"/>
+              <a:t> </a:t>
+            </a:r>
+            <a:r>
+              <a:rPr lang="en" sz="2400" b="1" dirty="0" smtClean="0"/>
+              <a:t>IMPLEMENTATION OF SUPERVISED MACHINE LEARNING</a:t>
+            </a:r>
+            <a:endParaRPr lang="en-US" sz="2400" b="1" dirty="0"/>
+          </a:p>
+        </p:txBody>
+      </p:sp>
+      <p:sp>
+        <p:nvSpPr>
+          <p:cNvPr id="7" name="Google Shape;77;g258990b3369_0_16"/>
+          <p:cNvSpPr txBox="1">
+            <a:spLocks noGrp="1"/>
+          </p:cNvSpPr>
+          <p:nvPr>
+            <p:ph type="body" idx="1"/>
+          </p:nvPr>
+        </p:nvSpPr>
+        <p:spPr>
+          <a:xfrm>
+            <a:off x="201341" y="575087"/>
+            <a:ext cx="8650800" cy="3884946"/>
+          </a:xfrm>
+          <a:prstGeom prst="rect">
+            <a:avLst/>
+          </a:prstGeom>
+        </p:spPr>
+        <p:txBody>
+          <a:bodyPr spcFirstLastPara="1" wrap="square" lIns="91425" tIns="91425" rIns="91425" bIns="91425" anchor="t" anchorCtr="0">
+            <a:normAutofit/>
+          </a:bodyPr>
+          <a:lstStyle/>
+          <a:p>
+            <a:pPr marL="114300" indent="0">
+              <a:buNone/>
+            </a:pPr>
+            <a:r>
+              <a:rPr lang="en-US" sz="1600" b="1" u="sng" dirty="0">
+                <a:solidFill>
+                  <a:schemeClr val="tx1"/>
+                </a:solidFill>
+              </a:rPr>
+              <a:t>Explanation:</a:t>
+            </a:r>
+          </a:p>
+          <a:p>
+            <a:r>
+              <a:rPr lang="en-US" sz="1600" b="1" dirty="0">
+                <a:solidFill>
+                  <a:schemeClr val="tx1"/>
+                </a:solidFill>
+              </a:rPr>
+              <a:t>Loading the Dataset</a:t>
+            </a:r>
+            <a:r>
+              <a:rPr lang="en-US" sz="1600" dirty="0">
+                <a:solidFill>
+                  <a:schemeClr val="tx1"/>
+                </a:solidFill>
+              </a:rPr>
+              <a:t>: We load the Titanic dataset into a Pandas </a:t>
+            </a:r>
+            <a:r>
+              <a:rPr lang="en-US" sz="1600" dirty="0" err="1">
+                <a:solidFill>
+                  <a:schemeClr val="tx1"/>
+                </a:solidFill>
+              </a:rPr>
+              <a:t>DataFrame</a:t>
+            </a:r>
+            <a:r>
+              <a:rPr lang="en-US" sz="1600" dirty="0">
+                <a:solidFill>
+                  <a:schemeClr val="tx1"/>
+                </a:solidFill>
+              </a:rPr>
+              <a:t>.</a:t>
+            </a:r>
+          </a:p>
+          <a:p>
+            <a:r>
+              <a:rPr lang="en-US" sz="1600" b="1" dirty="0">
+                <a:solidFill>
+                  <a:schemeClr val="tx1"/>
+                </a:solidFill>
+              </a:rPr>
+              <a:t>Preprocessing the Data</a:t>
+            </a:r>
+            <a:r>
+              <a:rPr lang="en-US" sz="1600" dirty="0">
+                <a:solidFill>
+                  <a:schemeClr val="tx1"/>
+                </a:solidFill>
+              </a:rPr>
+              <a:t>: We handle missing values, encode categorical variables using </a:t>
+            </a:r>
+            <a:r>
+              <a:rPr lang="en-US" sz="1600" dirty="0" err="1">
+                <a:solidFill>
+                  <a:schemeClr val="tx1"/>
+                </a:solidFill>
+              </a:rPr>
+              <a:t>OneHotEncoder</a:t>
+            </a:r>
+            <a:r>
+              <a:rPr lang="en-US" sz="1600" dirty="0">
+                <a:solidFill>
+                  <a:schemeClr val="tx1"/>
+                </a:solidFill>
+              </a:rPr>
+              <a:t>, and scale numerical features using </a:t>
+            </a:r>
+            <a:r>
+              <a:rPr lang="en-US" sz="1600" dirty="0" err="1">
+                <a:solidFill>
+                  <a:schemeClr val="tx1"/>
+                </a:solidFill>
+              </a:rPr>
+              <a:t>StandardScaler</a:t>
+            </a:r>
+            <a:r>
+              <a:rPr lang="en-US" sz="1600" dirty="0">
+                <a:solidFill>
+                  <a:schemeClr val="tx1"/>
+                </a:solidFill>
+              </a:rPr>
+              <a:t>. The data is split into training and test sets.</a:t>
+            </a:r>
+          </a:p>
+          <a:p>
+            <a:r>
+              <a:rPr lang="en-US" sz="1600" b="1" dirty="0">
+                <a:solidFill>
+                  <a:schemeClr val="tx1"/>
+                </a:solidFill>
+              </a:rPr>
+              <a:t>Defining the Hypothesis (Model)</a:t>
+            </a:r>
+            <a:r>
+              <a:rPr lang="en-US" sz="1600" dirty="0">
+                <a:solidFill>
+                  <a:schemeClr val="tx1"/>
+                </a:solidFill>
+              </a:rPr>
+              <a:t>: We initialize the parameters for a logistic regression model.</a:t>
+            </a:r>
+          </a:p>
+          <a:p>
+            <a:r>
+              <a:rPr lang="en-US" sz="1600" b="1" dirty="0">
+                <a:solidFill>
+                  <a:schemeClr val="tx1"/>
+                </a:solidFill>
+              </a:rPr>
+              <a:t>Defining the Cost Function</a:t>
+            </a:r>
+            <a:r>
+              <a:rPr lang="en-US" sz="1600" dirty="0">
+                <a:solidFill>
+                  <a:schemeClr val="tx1"/>
+                </a:solidFill>
+              </a:rPr>
+              <a:t>: We define the logistic loss function.</a:t>
+            </a:r>
+          </a:p>
+          <a:p>
+            <a:r>
+              <a:rPr lang="en-US" sz="1600" b="1" dirty="0">
+                <a:solidFill>
+                  <a:schemeClr val="tx1"/>
+                </a:solidFill>
+              </a:rPr>
+              <a:t>Implementing the Optimizer</a:t>
+            </a:r>
+            <a:r>
+              <a:rPr lang="en-US" sz="1600" dirty="0">
+                <a:solidFill>
+                  <a:schemeClr val="tx1"/>
+                </a:solidFill>
+              </a:rPr>
+              <a:t>: We implement gradient descent to minimize the cost function.</a:t>
+            </a:r>
+          </a:p>
+          <a:p>
+            <a:r>
+              <a:rPr lang="en-US" sz="1600" b="1" dirty="0">
+                <a:solidFill>
+                  <a:schemeClr val="tx1"/>
+                </a:solidFill>
+              </a:rPr>
+              <a:t>Training the Model</a:t>
+            </a:r>
+            <a:r>
+              <a:rPr lang="en-US" sz="1600" dirty="0">
+                <a:solidFill>
+                  <a:schemeClr val="tx1"/>
+                </a:solidFill>
+              </a:rPr>
+              <a:t>: We train the model using gradient descent.</a:t>
+            </a:r>
+          </a:p>
+          <a:p>
+            <a:r>
+              <a:rPr lang="en-US" sz="1600" b="1" dirty="0">
+                <a:solidFill>
+                  <a:schemeClr val="tx1"/>
+                </a:solidFill>
+              </a:rPr>
+              <a:t>Evaluating the Model</a:t>
+            </a:r>
+            <a:r>
+              <a:rPr lang="en-US" sz="1600" dirty="0">
+                <a:solidFill>
+                  <a:schemeClr val="tx1"/>
+                </a:solidFill>
+              </a:rPr>
+              <a:t>: We evaluate the model's performance on the test set using accuracy, confusion matrix, and classification report.</a:t>
+            </a:r>
+          </a:p>
+          <a:p>
+            <a:pPr>
+              <a:buFont typeface="Wingdings" pitchFamily="2" charset="2"/>
+              <a:buChar char="v"/>
+            </a:pPr>
+            <a:endParaRPr lang="en-US" sz="4800" b="1" dirty="0" smtClean="0">
+              <a:solidFill>
+                <a:schemeClr val="tx1"/>
+              </a:solidFill>
+              <a:latin typeface="+mj-lt"/>
+            </a:endParaRPr>
+          </a:p>
+          <a:p>
+            <a:pPr marL="114300" indent="0">
+              <a:buNone/>
+            </a:pPr>
+            <a:endParaRPr lang="en-US" sz="4800" b="1" u="sng" dirty="0" smtClean="0">
+              <a:solidFill>
+                <a:schemeClr val="tx1"/>
+              </a:solidFill>
+              <a:latin typeface="+mj-lt"/>
+            </a:endParaRPr>
+          </a:p>
+          <a:p>
+            <a:pPr marL="114300" indent="0">
+              <a:buNone/>
+            </a:pPr>
+            <a:endParaRPr lang="en-US" sz="4800" b="1" u="sng" dirty="0" smtClean="0">
+              <a:solidFill>
+                <a:schemeClr val="tx1"/>
+              </a:solidFill>
+              <a:latin typeface="+mj-lt"/>
+            </a:endParaRPr>
+          </a:p>
+          <a:p>
+            <a:pPr marL="114300" indent="0">
+              <a:buNone/>
+            </a:pPr>
+            <a:endParaRPr lang="en-US" sz="4800" b="1" u="sng" dirty="0">
+              <a:solidFill>
+                <a:schemeClr val="tx1"/>
+              </a:solidFill>
+              <a:latin typeface="+mj-lt"/>
+            </a:endParaRPr>
+          </a:p>
+          <a:p>
+            <a:pPr marL="114300" indent="0">
+              <a:buNone/>
+            </a:pPr>
+            <a:endParaRPr lang="en-US" sz="2000" b="1" u="sng" dirty="0">
+              <a:solidFill>
+                <a:schemeClr val="tx1"/>
+              </a:solidFill>
+            </a:endParaRPr>
+          </a:p>
+        </p:txBody>
+      </p:sp>
+    </p:spTree>
+    <p:extLst>
+      <p:ext uri="{BB962C8B-B14F-4D97-AF65-F5344CB8AC3E}">
+        <p14:creationId xmlns:p14="http://schemas.microsoft.com/office/powerpoint/2010/main" val="3403940098"/>
+      </p:ext>
+    </p:extLst>
+  </p:cSld>
+  <p:clrMapOvr>
+    <a:masterClrMapping/>
+  </p:clrMapOvr>
+  <p:timing>
+    <p:tnLst>
+      <p:par>
+        <p:cTn id="1" dur="indefinite" restart="never" nodeType="tmRoot"/>
+      </p:par>
+    </p:tnLst>
+  </p:timing>
+</p:sld>
+</file>
+
+<file path=ppt/slides/slide42.xml><?xml version="1.0" encoding="utf-8"?>
+<p:sld xmlns:a="http://schemas.openxmlformats.org/drawingml/2006/main" xmlns:r="http://schemas.openxmlformats.org/officeDocument/2006/relationships" xmlns:p="http://schemas.openxmlformats.org/presentationml/2006/main">
+  <p:cSld>
+    <p:spTree>
+      <p:nvGrpSpPr>
+        <p:cNvPr id="1" name="Shape 102"/>
+        <p:cNvGrpSpPr/>
+        <p:nvPr/>
+      </p:nvGrpSpPr>
+      <p:grpSpPr>
+        <a:xfrm>
+          <a:off x="0" y="0"/>
+          <a:ext cx="0" cy="0"/>
+          <a:chOff x="0" y="0"/>
+          <a:chExt cx="0" cy="0"/>
+        </a:xfrm>
+      </p:grpSpPr>
+      <p:sp>
+        <p:nvSpPr>
+          <p:cNvPr id="103" name="Google Shape;103;p16"/>
+          <p:cNvSpPr txBox="1">
+            <a:spLocks noGrp="1"/>
+          </p:cNvSpPr>
+          <p:nvPr>
+            <p:ph type="title"/>
+          </p:nvPr>
+        </p:nvSpPr>
+        <p:spPr>
+          <a:xfrm>
+            <a:off x="0" y="3650"/>
+            <a:ext cx="9144000" cy="523232"/>
+          </a:xfrm>
+          <a:prstGeom prst="rect">
+            <a:avLst/>
+          </a:prstGeom>
+        </p:spPr>
+        <p:txBody>
+          <a:bodyPr spcFirstLastPara="1" wrap="square" lIns="91425" tIns="91425" rIns="91425" bIns="91425" anchor="t" anchorCtr="0">
+            <a:noAutofit/>
+          </a:bodyPr>
+          <a:lstStyle/>
+          <a:p>
+            <a:pPr algn="ctr"/>
+            <a:r>
+              <a:rPr lang="en-US" sz="2400" b="1" dirty="0" smtClean="0"/>
+              <a:t> </a:t>
+            </a:r>
+            <a:r>
+              <a:rPr lang="en" sz="2400" b="1" dirty="0" smtClean="0"/>
+              <a:t>LINEAR REGRESSION</a:t>
+            </a:r>
+            <a:endParaRPr lang="en-US" sz="2400" b="1" dirty="0"/>
+          </a:p>
+        </p:txBody>
+      </p:sp>
+      <p:sp>
+        <p:nvSpPr>
+          <p:cNvPr id="5" name="Google Shape;70;g257541b82f2_0_0"/>
+          <p:cNvSpPr txBox="1">
+            <a:spLocks noGrp="1"/>
+          </p:cNvSpPr>
+          <p:nvPr>
+            <p:ph type="body" idx="1"/>
+          </p:nvPr>
+        </p:nvSpPr>
+        <p:spPr>
+          <a:xfrm>
+            <a:off x="257325" y="703067"/>
+            <a:ext cx="8650800" cy="1601594"/>
+          </a:xfrm>
+          <a:prstGeom prst="rect">
+            <a:avLst/>
+          </a:prstGeom>
+          <a:noFill/>
+          <a:ln>
+            <a:noFill/>
+          </a:ln>
+        </p:spPr>
+        <p:txBody>
+          <a:bodyPr spcFirstLastPara="1" wrap="square" lIns="91425" tIns="91425" rIns="91425" bIns="91425" anchor="t" anchorCtr="0">
+            <a:normAutofit/>
+          </a:bodyPr>
+          <a:lstStyle/>
+          <a:p>
+            <a:pPr marL="0" lvl="0" indent="0" algn="l" rtl="0">
+              <a:lnSpc>
+                <a:spcPct val="130000"/>
+              </a:lnSpc>
+              <a:spcBef>
+                <a:spcPts val="0"/>
+              </a:spcBef>
+              <a:spcAft>
+                <a:spcPts val="0"/>
+              </a:spcAft>
+              <a:buSzPts val="1665"/>
+              <a:buNone/>
+            </a:pPr>
+            <a:r>
+              <a:rPr lang="en" dirty="0">
+                <a:solidFill>
+                  <a:srgbClr val="000000"/>
+                </a:solidFill>
+              </a:rPr>
+              <a:t>Linear regression is a </a:t>
+            </a:r>
+            <a:r>
+              <a:rPr lang="en" b="1" dirty="0">
+                <a:solidFill>
+                  <a:srgbClr val="CC0000"/>
+                </a:solidFill>
+              </a:rPr>
+              <a:t>supervised </a:t>
+            </a:r>
+            <a:r>
+              <a:rPr lang="en" dirty="0">
+                <a:solidFill>
+                  <a:srgbClr val="000000"/>
+                </a:solidFill>
+              </a:rPr>
+              <a:t>machine learning algorithm used for predicting a </a:t>
+            </a:r>
+            <a:r>
+              <a:rPr lang="en" b="1" dirty="0">
+                <a:solidFill>
+                  <a:srgbClr val="CC0000"/>
+                </a:solidFill>
+              </a:rPr>
+              <a:t>continuous output</a:t>
+            </a:r>
+            <a:r>
+              <a:rPr lang="en" dirty="0">
+                <a:solidFill>
+                  <a:srgbClr val="000000"/>
+                </a:solidFill>
+              </a:rPr>
+              <a:t> (</a:t>
+            </a:r>
+            <a:r>
+              <a:rPr lang="en" b="1" dirty="0">
+                <a:solidFill>
+                  <a:srgbClr val="000000"/>
+                </a:solidFill>
+              </a:rPr>
+              <a:t>dependent variable</a:t>
+            </a:r>
+            <a:r>
+              <a:rPr lang="en" dirty="0">
+                <a:solidFill>
+                  <a:srgbClr val="000000"/>
+                </a:solidFill>
+              </a:rPr>
+              <a:t>) based on one or more </a:t>
+            </a:r>
+            <a:r>
+              <a:rPr lang="en" b="1" dirty="0">
+                <a:solidFill>
+                  <a:srgbClr val="CC0000"/>
+                </a:solidFill>
+              </a:rPr>
+              <a:t>input features</a:t>
+            </a:r>
+            <a:r>
+              <a:rPr lang="en" dirty="0">
+                <a:solidFill>
+                  <a:srgbClr val="000000"/>
+                </a:solidFill>
+              </a:rPr>
+              <a:t> (</a:t>
+            </a:r>
+            <a:r>
+              <a:rPr lang="en" b="1" dirty="0">
+                <a:solidFill>
+                  <a:srgbClr val="000000"/>
+                </a:solidFill>
+              </a:rPr>
+              <a:t>independent variables</a:t>
+            </a:r>
+            <a:r>
+              <a:rPr lang="en" dirty="0">
+                <a:solidFill>
+                  <a:srgbClr val="000000"/>
+                </a:solidFill>
+              </a:rPr>
+              <a:t>).</a:t>
+            </a:r>
+            <a:endParaRPr dirty="0">
+              <a:solidFill>
+                <a:srgbClr val="000000"/>
+              </a:solidFill>
+            </a:endParaRPr>
+          </a:p>
+          <a:p>
+            <a:pPr marL="0" lvl="0" indent="0" algn="l" rtl="0">
+              <a:lnSpc>
+                <a:spcPct val="130000"/>
+              </a:lnSpc>
+              <a:spcBef>
+                <a:spcPts val="0"/>
+              </a:spcBef>
+              <a:spcAft>
+                <a:spcPts val="0"/>
+              </a:spcAft>
+              <a:buSzPts val="1665"/>
+              <a:buNone/>
+            </a:pPr>
+            <a:endParaRPr dirty="0">
+              <a:solidFill>
+                <a:srgbClr val="000000"/>
+              </a:solidFill>
+            </a:endParaRPr>
+          </a:p>
+        </p:txBody>
+      </p:sp>
+      <p:pic>
+        <p:nvPicPr>
+          <p:cNvPr id="6" name="Google Shape;78;g1e4fd684419_0_25"/>
+          <p:cNvPicPr preferRelativeResize="0"/>
+          <p:nvPr/>
+        </p:nvPicPr>
+        <p:blipFill rotWithShape="1">
+          <a:blip r:embed="rId3">
+            <a:alphaModFix/>
+          </a:blip>
+          <a:srcRect l="1374" t="28941" r="1092" b="21947"/>
+          <a:stretch/>
+        </p:blipFill>
+        <p:spPr>
+          <a:xfrm>
+            <a:off x="555361" y="2234206"/>
+            <a:ext cx="7842449" cy="1593949"/>
+          </a:xfrm>
+          <a:prstGeom prst="rect">
+            <a:avLst/>
+          </a:prstGeom>
+          <a:noFill/>
+          <a:ln>
+            <a:noFill/>
+          </a:ln>
+        </p:spPr>
+      </p:pic>
+    </p:spTree>
+    <p:extLst>
+      <p:ext uri="{BB962C8B-B14F-4D97-AF65-F5344CB8AC3E}">
+        <p14:creationId xmlns:p14="http://schemas.microsoft.com/office/powerpoint/2010/main" val="1094655397"/>
+      </p:ext>
+    </p:extLst>
+  </p:cSld>
+  <p:clrMapOvr>
+    <a:masterClrMapping/>
+  </p:clrMapOvr>
+  <p:timing>
+    <p:tnLst>
+      <p:par>
+        <p:cTn id="1" dur="indefinite" restart="never" nodeType="tmRoot"/>
+      </p:par>
+    </p:tnLst>
+  </p:timing>
+</p:sld>
+</file>
+
+<file path=ppt/slides/slide43.xml><?xml version="1.0" encoding="utf-8"?>
+<p:sld xmlns:a="http://schemas.openxmlformats.org/drawingml/2006/main" xmlns:r="http://schemas.openxmlformats.org/officeDocument/2006/relationships" xmlns:p="http://schemas.openxmlformats.org/presentationml/2006/main">
+  <p:cSld>
+    <p:spTree>
+      <p:nvGrpSpPr>
+        <p:cNvPr id="1" name="Shape 102"/>
+        <p:cNvGrpSpPr/>
+        <p:nvPr/>
+      </p:nvGrpSpPr>
+      <p:grpSpPr>
+        <a:xfrm>
+          <a:off x="0" y="0"/>
+          <a:ext cx="0" cy="0"/>
+          <a:chOff x="0" y="0"/>
+          <a:chExt cx="0" cy="0"/>
+        </a:xfrm>
+      </p:grpSpPr>
+      <p:sp>
+        <p:nvSpPr>
+          <p:cNvPr id="103" name="Google Shape;103;p16"/>
+          <p:cNvSpPr txBox="1">
+            <a:spLocks noGrp="1"/>
+          </p:cNvSpPr>
+          <p:nvPr>
+            <p:ph type="title"/>
+          </p:nvPr>
+        </p:nvSpPr>
+        <p:spPr>
+          <a:xfrm>
+            <a:off x="0" y="3650"/>
+            <a:ext cx="9144000" cy="523232"/>
+          </a:xfrm>
+          <a:prstGeom prst="rect">
+            <a:avLst/>
+          </a:prstGeom>
+        </p:spPr>
+        <p:txBody>
+          <a:bodyPr spcFirstLastPara="1" wrap="square" lIns="91425" tIns="91425" rIns="91425" bIns="91425" anchor="t" anchorCtr="0">
+            <a:noAutofit/>
+          </a:bodyPr>
+          <a:lstStyle/>
+          <a:p>
+            <a:pPr algn="ctr"/>
+            <a:r>
+              <a:rPr lang="en-US" sz="2400" b="1" dirty="0" smtClean="0"/>
+              <a:t> </a:t>
+            </a:r>
+            <a:r>
+              <a:rPr lang="en" sz="2400" b="1" dirty="0" smtClean="0"/>
+              <a:t>LINEAR REGRESSION</a:t>
+            </a:r>
+            <a:endParaRPr lang="en-US" sz="2400" b="1" dirty="0"/>
+          </a:p>
+        </p:txBody>
+      </p:sp>
+      <p:sp>
+        <p:nvSpPr>
+          <p:cNvPr id="5" name="Google Shape;70;g257541b82f2_0_0"/>
+          <p:cNvSpPr txBox="1">
+            <a:spLocks noGrp="1"/>
+          </p:cNvSpPr>
+          <p:nvPr>
+            <p:ph type="body" idx="1"/>
+          </p:nvPr>
+        </p:nvSpPr>
+        <p:spPr>
+          <a:xfrm>
+            <a:off x="257325" y="703067"/>
+            <a:ext cx="8650800" cy="1200378"/>
+          </a:xfrm>
+          <a:prstGeom prst="rect">
+            <a:avLst/>
+          </a:prstGeom>
+          <a:noFill/>
+          <a:ln>
+            <a:noFill/>
+          </a:ln>
+        </p:spPr>
+        <p:txBody>
+          <a:bodyPr spcFirstLastPara="1" wrap="square" lIns="91425" tIns="91425" rIns="91425" bIns="91425" anchor="t" anchorCtr="0">
+            <a:normAutofit/>
+          </a:bodyPr>
+          <a:lstStyle/>
+          <a:p>
+            <a:pPr marL="0" lvl="0" indent="0">
+              <a:lnSpc>
+                <a:spcPct val="130000"/>
+              </a:lnSpc>
+              <a:buSzPts val="1665"/>
+              <a:buNone/>
+            </a:pPr>
+            <a:r>
+              <a:rPr lang="en" b="1" u="sng" dirty="0">
+                <a:solidFill>
+                  <a:schemeClr val="tx1"/>
+                </a:solidFill>
+              </a:rPr>
+              <a:t>How does Linear Regression work</a:t>
+            </a:r>
+            <a:r>
+              <a:rPr lang="en" b="1" u="sng" dirty="0" smtClean="0">
+                <a:solidFill>
+                  <a:schemeClr val="tx1"/>
+                </a:solidFill>
+              </a:rPr>
+              <a:t>?</a:t>
+            </a:r>
+          </a:p>
+          <a:p>
+            <a:pPr marL="0" indent="0">
+              <a:lnSpc>
+                <a:spcPct val="130000"/>
+              </a:lnSpc>
+              <a:buSzPts val="1665"/>
+              <a:buNone/>
+            </a:pPr>
+            <a:r>
+              <a:rPr lang="en-US" dirty="0">
+                <a:solidFill>
+                  <a:srgbClr val="111827"/>
+                </a:solidFill>
+              </a:rPr>
+              <a:t>It finds the best-fitting line that represents the relationship between X and Y</a:t>
+            </a:r>
+            <a:r>
+              <a:rPr lang="en-US" dirty="0" smtClean="0">
+                <a:solidFill>
+                  <a:srgbClr val="111827"/>
+                </a:solidFill>
+              </a:rPr>
+              <a:t>.</a:t>
+            </a:r>
+            <a:endParaRPr dirty="0">
+              <a:solidFill>
+                <a:srgbClr val="000000"/>
+              </a:solidFill>
+            </a:endParaRPr>
+          </a:p>
+        </p:txBody>
+      </p:sp>
+      <p:pic>
+        <p:nvPicPr>
+          <p:cNvPr id="7" name="Google Shape;93;g25ba5e86d81_0_6"/>
+          <p:cNvPicPr preferRelativeResize="0"/>
+          <p:nvPr/>
+        </p:nvPicPr>
+        <p:blipFill>
+          <a:blip r:embed="rId3">
+            <a:alphaModFix/>
+          </a:blip>
+          <a:stretch>
+            <a:fillRect/>
+          </a:stretch>
+        </p:blipFill>
+        <p:spPr>
+          <a:xfrm>
+            <a:off x="2503886" y="1558212"/>
+            <a:ext cx="3514359" cy="3153380"/>
+          </a:xfrm>
+          <a:prstGeom prst="rect">
+            <a:avLst/>
+          </a:prstGeom>
+          <a:noFill/>
+          <a:ln>
+            <a:noFill/>
+          </a:ln>
+        </p:spPr>
+      </p:pic>
+    </p:spTree>
+    <p:extLst>
+      <p:ext uri="{BB962C8B-B14F-4D97-AF65-F5344CB8AC3E}">
+        <p14:creationId xmlns:p14="http://schemas.microsoft.com/office/powerpoint/2010/main" val="1228248572"/>
+      </p:ext>
+    </p:extLst>
+  </p:cSld>
+  <p:clrMapOvr>
+    <a:masterClrMapping/>
+  </p:clrMapOvr>
+  <p:timing>
+    <p:tnLst>
+      <p:par>
+        <p:cTn id="1" dur="indefinite" restart="never" nodeType="tmRoot"/>
+      </p:par>
+    </p:tnLst>
+  </p:timing>
+</p:sld>
+</file>
+
+<file path=ppt/slides/slide44.xml><?xml version="1.0" encoding="utf-8"?>
+<p:sld xmlns:a="http://schemas.openxmlformats.org/drawingml/2006/main" xmlns:r="http://schemas.openxmlformats.org/officeDocument/2006/relationships" xmlns:p="http://schemas.openxmlformats.org/presentationml/2006/main">
+  <p:cSld>
+    <p:spTree>
+      <p:nvGrpSpPr>
+        <p:cNvPr id="1" name="Shape 102"/>
+        <p:cNvGrpSpPr/>
+        <p:nvPr/>
+      </p:nvGrpSpPr>
+      <p:grpSpPr>
+        <a:xfrm>
+          <a:off x="0" y="0"/>
+          <a:ext cx="0" cy="0"/>
+          <a:chOff x="0" y="0"/>
+          <a:chExt cx="0" cy="0"/>
+        </a:xfrm>
+      </p:grpSpPr>
+      <p:sp>
+        <p:nvSpPr>
+          <p:cNvPr id="103" name="Google Shape;103;p16"/>
+          <p:cNvSpPr txBox="1">
+            <a:spLocks noGrp="1"/>
+          </p:cNvSpPr>
+          <p:nvPr>
+            <p:ph type="title"/>
+          </p:nvPr>
+        </p:nvSpPr>
+        <p:spPr>
+          <a:xfrm>
+            <a:off x="0" y="3650"/>
+            <a:ext cx="9144000" cy="523232"/>
+          </a:xfrm>
+          <a:prstGeom prst="rect">
+            <a:avLst/>
+          </a:prstGeom>
+        </p:spPr>
+        <p:txBody>
+          <a:bodyPr spcFirstLastPara="1" wrap="square" lIns="91425" tIns="91425" rIns="91425" bIns="91425" anchor="t" anchorCtr="0">
+            <a:noAutofit/>
+          </a:bodyPr>
+          <a:lstStyle/>
+          <a:p>
+            <a:pPr algn="ctr"/>
+            <a:r>
+              <a:rPr lang="en-US" sz="2400" b="1" dirty="0" smtClean="0"/>
+              <a:t> </a:t>
+            </a:r>
+            <a:r>
+              <a:rPr lang="en" sz="2400" b="1" dirty="0" smtClean="0"/>
+              <a:t>LINEAR REGRESSION</a:t>
+            </a:r>
+            <a:endParaRPr lang="en-US" sz="2400" b="1" dirty="0"/>
+          </a:p>
+        </p:txBody>
+      </p:sp>
+      <p:sp>
+        <p:nvSpPr>
+          <p:cNvPr id="5" name="Google Shape;70;g257541b82f2_0_0"/>
+          <p:cNvSpPr txBox="1">
+            <a:spLocks noGrp="1"/>
+          </p:cNvSpPr>
+          <p:nvPr>
+            <p:ph type="body" idx="1"/>
+          </p:nvPr>
+        </p:nvSpPr>
+        <p:spPr>
+          <a:xfrm>
+            <a:off x="266656" y="591099"/>
+            <a:ext cx="8650800" cy="2310721"/>
+          </a:xfrm>
+          <a:prstGeom prst="rect">
+            <a:avLst/>
+          </a:prstGeom>
+          <a:noFill/>
+          <a:ln>
+            <a:noFill/>
+          </a:ln>
+        </p:spPr>
+        <p:txBody>
+          <a:bodyPr spcFirstLastPara="1" wrap="square" lIns="91425" tIns="91425" rIns="91425" bIns="91425" anchor="t" anchorCtr="0">
+            <a:normAutofit/>
+          </a:bodyPr>
+          <a:lstStyle/>
+          <a:p>
+            <a:pPr marL="0" lvl="0" indent="0">
+              <a:lnSpc>
+                <a:spcPct val="130000"/>
+              </a:lnSpc>
+              <a:buSzPts val="1665"/>
+              <a:buNone/>
+            </a:pPr>
+            <a:r>
+              <a:rPr lang="en" b="1" u="sng" dirty="0">
+                <a:solidFill>
+                  <a:schemeClr val="tx1"/>
+                </a:solidFill>
+              </a:rPr>
+              <a:t>Understanding the Linear </a:t>
+            </a:r>
+            <a:r>
+              <a:rPr lang="en" b="1" u="sng" dirty="0" smtClean="0">
+                <a:solidFill>
+                  <a:schemeClr val="tx1"/>
+                </a:solidFill>
+              </a:rPr>
+              <a:t>Equation</a:t>
+            </a:r>
+          </a:p>
+          <a:p>
+            <a:pPr marL="0" lvl="0" indent="0">
+              <a:buNone/>
+            </a:pPr>
+            <a:r>
+              <a:rPr lang="en-US" dirty="0" smtClean="0">
+                <a:solidFill>
+                  <a:srgbClr val="111827"/>
+                </a:solidFill>
+              </a:rPr>
+              <a:t>The </a:t>
+            </a:r>
+            <a:r>
+              <a:rPr lang="en-US" dirty="0">
+                <a:solidFill>
+                  <a:srgbClr val="111827"/>
+                </a:solidFill>
+              </a:rPr>
+              <a:t>linear equation: </a:t>
+            </a:r>
+            <a:r>
+              <a:rPr lang="en-US" b="1" dirty="0">
+                <a:solidFill>
+                  <a:srgbClr val="111827"/>
+                </a:solidFill>
+              </a:rPr>
+              <a:t>y = mx + c</a:t>
+            </a:r>
+          </a:p>
+          <a:p>
+            <a:pPr marL="0" lvl="0" indent="0">
+              <a:buNone/>
+            </a:pPr>
+            <a:r>
+              <a:rPr lang="en-US" b="1" dirty="0">
+                <a:solidFill>
+                  <a:srgbClr val="111827"/>
+                </a:solidFill>
+              </a:rPr>
+              <a:t>y:</a:t>
+            </a:r>
+            <a:r>
+              <a:rPr lang="en-US" dirty="0">
+                <a:solidFill>
+                  <a:srgbClr val="111827"/>
+                </a:solidFill>
+              </a:rPr>
+              <a:t> The dependent variable (output/prediction we want to make)</a:t>
+            </a:r>
+          </a:p>
+          <a:p>
+            <a:pPr marL="0" lvl="0" indent="0">
+              <a:buNone/>
+            </a:pPr>
+            <a:r>
+              <a:rPr lang="en-US" b="1" dirty="0">
+                <a:solidFill>
+                  <a:srgbClr val="111827"/>
+                </a:solidFill>
+              </a:rPr>
+              <a:t>x: </a:t>
+            </a:r>
+            <a:r>
+              <a:rPr lang="en-US" dirty="0">
+                <a:solidFill>
+                  <a:srgbClr val="111827"/>
+                </a:solidFill>
+              </a:rPr>
+              <a:t>The independent variable (input/feature)</a:t>
+            </a:r>
+          </a:p>
+          <a:p>
+            <a:pPr marL="0" lvl="0" indent="0">
+              <a:buNone/>
+            </a:pPr>
+            <a:r>
+              <a:rPr lang="en-US" b="1" dirty="0">
+                <a:solidFill>
+                  <a:srgbClr val="111827"/>
+                </a:solidFill>
+              </a:rPr>
+              <a:t>m:</a:t>
+            </a:r>
+            <a:r>
+              <a:rPr lang="en-US" dirty="0">
+                <a:solidFill>
+                  <a:srgbClr val="111827"/>
+                </a:solidFill>
+              </a:rPr>
+              <a:t> The slope of the line (how much y changes when x changes)</a:t>
+            </a:r>
+          </a:p>
+          <a:p>
+            <a:pPr marL="0" lvl="0" indent="0">
+              <a:buNone/>
+            </a:pPr>
+            <a:r>
+              <a:rPr lang="en-US" b="1" dirty="0">
+                <a:solidFill>
+                  <a:srgbClr val="111827"/>
+                </a:solidFill>
+              </a:rPr>
+              <a:t>c</a:t>
+            </a:r>
+            <a:r>
+              <a:rPr lang="en-US" b="1" dirty="0" smtClean="0">
+                <a:solidFill>
+                  <a:srgbClr val="111827"/>
+                </a:solidFill>
+              </a:rPr>
+              <a:t>:</a:t>
+            </a:r>
+            <a:r>
+              <a:rPr lang="en-US" dirty="0" smtClean="0">
+                <a:solidFill>
+                  <a:srgbClr val="111827"/>
+                </a:solidFill>
+              </a:rPr>
+              <a:t> </a:t>
+            </a:r>
+            <a:r>
+              <a:rPr lang="en-US" dirty="0">
+                <a:solidFill>
+                  <a:srgbClr val="111827"/>
+                </a:solidFill>
+              </a:rPr>
+              <a:t>The y-intercept (the value of y when x is 0</a:t>
+            </a:r>
+            <a:r>
+              <a:rPr lang="en-US" dirty="0" smtClean="0">
+                <a:solidFill>
+                  <a:srgbClr val="111827"/>
+                </a:solidFill>
+              </a:rPr>
+              <a:t>)</a:t>
+            </a:r>
+            <a:endParaRPr u="sng" dirty="0">
+              <a:solidFill>
+                <a:schemeClr val="tx1"/>
+              </a:solidFill>
+            </a:endParaRPr>
+          </a:p>
+        </p:txBody>
+      </p:sp>
+      <p:pic>
+        <p:nvPicPr>
+          <p:cNvPr id="6" name="Google Shape;101;g25ba5e86d81_0_12"/>
+          <p:cNvPicPr preferRelativeResize="0"/>
+          <p:nvPr/>
+        </p:nvPicPr>
+        <p:blipFill>
+          <a:blip r:embed="rId3">
+            <a:alphaModFix/>
+          </a:blip>
+          <a:stretch>
+            <a:fillRect/>
+          </a:stretch>
+        </p:blipFill>
+        <p:spPr>
+          <a:xfrm>
+            <a:off x="2361525" y="2680984"/>
+            <a:ext cx="3659826" cy="2058650"/>
+          </a:xfrm>
+          <a:prstGeom prst="rect">
+            <a:avLst/>
+          </a:prstGeom>
+          <a:noFill/>
+          <a:ln>
+            <a:noFill/>
+          </a:ln>
+        </p:spPr>
+      </p:pic>
+    </p:spTree>
+    <p:extLst>
+      <p:ext uri="{BB962C8B-B14F-4D97-AF65-F5344CB8AC3E}">
+        <p14:creationId xmlns:p14="http://schemas.microsoft.com/office/powerpoint/2010/main" val="1763408594"/>
+      </p:ext>
+    </p:extLst>
+  </p:cSld>
+  <p:clrMapOvr>
+    <a:masterClrMapping/>
+  </p:clrMapOvr>
+  <p:timing>
+    <p:tnLst>
+      <p:par>
+        <p:cTn id="1" dur="indefinite" restart="never" nodeType="tmRoot"/>
+      </p:par>
+    </p:tnLst>
+  </p:timing>
+</p:sld>
+</file>
+
+<file path=ppt/slides/slide45.xml><?xml version="1.0" encoding="utf-8"?>
+<p:sld xmlns:a="http://schemas.openxmlformats.org/drawingml/2006/main" xmlns:r="http://schemas.openxmlformats.org/officeDocument/2006/relationships" xmlns:p="http://schemas.openxmlformats.org/presentationml/2006/main">
+  <p:cSld>
+    <p:spTree>
+      <p:nvGrpSpPr>
+        <p:cNvPr id="1" name="Shape 102"/>
+        <p:cNvGrpSpPr/>
+        <p:nvPr/>
+      </p:nvGrpSpPr>
+      <p:grpSpPr>
+        <a:xfrm>
+          <a:off x="0" y="0"/>
+          <a:ext cx="0" cy="0"/>
+          <a:chOff x="0" y="0"/>
+          <a:chExt cx="0" cy="0"/>
+        </a:xfrm>
+      </p:grpSpPr>
+      <p:sp>
+        <p:nvSpPr>
+          <p:cNvPr id="103" name="Google Shape;103;p16"/>
+          <p:cNvSpPr txBox="1">
+            <a:spLocks noGrp="1"/>
+          </p:cNvSpPr>
+          <p:nvPr>
+            <p:ph type="title"/>
+          </p:nvPr>
+        </p:nvSpPr>
+        <p:spPr>
+          <a:xfrm>
+            <a:off x="0" y="3650"/>
+            <a:ext cx="9144000" cy="523232"/>
+          </a:xfrm>
+          <a:prstGeom prst="rect">
+            <a:avLst/>
+          </a:prstGeom>
+        </p:spPr>
+        <p:txBody>
+          <a:bodyPr spcFirstLastPara="1" wrap="square" lIns="91425" tIns="91425" rIns="91425" bIns="91425" anchor="t" anchorCtr="0">
+            <a:noAutofit/>
+          </a:bodyPr>
+          <a:lstStyle/>
+          <a:p>
+            <a:pPr algn="ctr"/>
+            <a:r>
+              <a:rPr lang="en-US" sz="2400" b="1" dirty="0" smtClean="0"/>
+              <a:t> </a:t>
+            </a:r>
+            <a:r>
+              <a:rPr lang="en" sz="2400" b="1" dirty="0" smtClean="0"/>
+              <a:t>LINEAR REGRESSION</a:t>
+            </a:r>
+            <a:endParaRPr lang="en-US" sz="2400" b="1" dirty="0"/>
+          </a:p>
+        </p:txBody>
+      </p:sp>
+      <p:sp>
+        <p:nvSpPr>
+          <p:cNvPr id="5" name="Google Shape;70;g257541b82f2_0_0"/>
+          <p:cNvSpPr txBox="1">
+            <a:spLocks noGrp="1"/>
+          </p:cNvSpPr>
+          <p:nvPr>
+            <p:ph type="body" idx="1"/>
+          </p:nvPr>
+        </p:nvSpPr>
+        <p:spPr>
+          <a:xfrm>
+            <a:off x="266656" y="591100"/>
+            <a:ext cx="8650800" cy="1806868"/>
+          </a:xfrm>
+          <a:prstGeom prst="rect">
+            <a:avLst/>
+          </a:prstGeom>
+          <a:noFill/>
+          <a:ln>
+            <a:noFill/>
+          </a:ln>
+        </p:spPr>
+        <p:txBody>
+          <a:bodyPr spcFirstLastPara="1" wrap="square" lIns="91425" tIns="91425" rIns="91425" bIns="91425" anchor="t" anchorCtr="0">
+            <a:normAutofit/>
+          </a:bodyPr>
+          <a:lstStyle/>
+          <a:p>
+            <a:pPr marL="0" lvl="0" indent="0">
+              <a:lnSpc>
+                <a:spcPct val="130000"/>
+              </a:lnSpc>
+              <a:buSzPts val="1665"/>
+              <a:buNone/>
+            </a:pPr>
+            <a:r>
+              <a:rPr lang="en" b="1" u="sng" dirty="0">
+                <a:solidFill>
+                  <a:schemeClr val="tx1"/>
+                </a:solidFill>
+              </a:rPr>
+              <a:t>Mean Squared Error (MSE</a:t>
+            </a:r>
+            <a:r>
+              <a:rPr lang="en" b="1" u="sng" dirty="0" smtClean="0">
+                <a:solidFill>
+                  <a:schemeClr val="tx1"/>
+                </a:solidFill>
+              </a:rPr>
+              <a:t>)</a:t>
+            </a:r>
+          </a:p>
+          <a:p>
+            <a:pPr marL="0" lvl="0" indent="0">
+              <a:buNone/>
+            </a:pPr>
+            <a:r>
+              <a:rPr lang="en-US" dirty="0">
+                <a:solidFill>
+                  <a:schemeClr val="dk1"/>
+                </a:solidFill>
+              </a:rPr>
+              <a:t>The </a:t>
+            </a:r>
+            <a:r>
+              <a:rPr lang="en-US" b="1" dirty="0">
+                <a:solidFill>
+                  <a:srgbClr val="CC0000"/>
+                </a:solidFill>
+              </a:rPr>
+              <a:t>Mean Squared Error (MSE)</a:t>
+            </a:r>
+            <a:r>
+              <a:rPr lang="en-US" dirty="0">
+                <a:solidFill>
+                  <a:schemeClr val="dk1"/>
+                </a:solidFill>
+              </a:rPr>
+              <a:t> is a common evaluation metric used in regression tasks.</a:t>
+            </a:r>
+          </a:p>
+          <a:p>
+            <a:pPr marL="0" lvl="0" indent="0">
+              <a:buNone/>
+            </a:pPr>
+            <a:r>
+              <a:rPr lang="en-US" dirty="0">
+                <a:solidFill>
+                  <a:schemeClr val="dk1"/>
+                </a:solidFill>
+              </a:rPr>
+              <a:t>It measures the average squared difference between the actual and predicted values.</a:t>
+            </a:r>
+          </a:p>
+        </p:txBody>
+      </p:sp>
+      <p:pic>
+        <p:nvPicPr>
+          <p:cNvPr id="7" name="Google Shape;109;g25ba5e86d81_0_18"/>
+          <p:cNvPicPr preferRelativeResize="0"/>
+          <p:nvPr/>
+        </p:nvPicPr>
+        <p:blipFill>
+          <a:blip r:embed="rId3">
+            <a:alphaModFix/>
+          </a:blip>
+          <a:stretch>
+            <a:fillRect/>
+          </a:stretch>
+        </p:blipFill>
+        <p:spPr>
+          <a:xfrm>
+            <a:off x="1635164" y="2239347"/>
+            <a:ext cx="4541701" cy="2540259"/>
+          </a:xfrm>
+          <a:prstGeom prst="rect">
+            <a:avLst/>
+          </a:prstGeom>
+          <a:noFill/>
+          <a:ln>
+            <a:noFill/>
+          </a:ln>
+        </p:spPr>
+      </p:pic>
+    </p:spTree>
+    <p:extLst>
+      <p:ext uri="{BB962C8B-B14F-4D97-AF65-F5344CB8AC3E}">
+        <p14:creationId xmlns:p14="http://schemas.microsoft.com/office/powerpoint/2010/main" val="2407536461"/>
+      </p:ext>
+    </p:extLst>
+  </p:cSld>
+  <p:clrMapOvr>
+    <a:masterClrMapping/>
+  </p:clrMapOvr>
+  <p:timing>
+    <p:tnLst>
+      <p:par>
+        <p:cTn id="1" dur="indefinite" restart="never" nodeType="tmRoot"/>
+      </p:par>
+    </p:tnLst>
+  </p:timing>
+</p:sld>
+</file>
+
+<file path=ppt/slides/slide46.xml><?xml version="1.0" encoding="utf-8"?>
+<p:sld xmlns:a="http://schemas.openxmlformats.org/drawingml/2006/main" xmlns:r="http://schemas.openxmlformats.org/officeDocument/2006/relationships" xmlns:p="http://schemas.openxmlformats.org/presentationml/2006/main">
+  <p:cSld>
+    <p:spTree>
+      <p:nvGrpSpPr>
+        <p:cNvPr id="1" name="Shape 102"/>
+        <p:cNvGrpSpPr/>
+        <p:nvPr/>
+      </p:nvGrpSpPr>
+      <p:grpSpPr>
+        <a:xfrm>
+          <a:off x="0" y="0"/>
+          <a:ext cx="0" cy="0"/>
+          <a:chOff x="0" y="0"/>
+          <a:chExt cx="0" cy="0"/>
+        </a:xfrm>
+      </p:grpSpPr>
+      <p:sp>
+        <p:nvSpPr>
+          <p:cNvPr id="103" name="Google Shape;103;p16"/>
+          <p:cNvSpPr txBox="1">
+            <a:spLocks noGrp="1"/>
+          </p:cNvSpPr>
+          <p:nvPr>
+            <p:ph type="title"/>
+          </p:nvPr>
+        </p:nvSpPr>
+        <p:spPr>
+          <a:xfrm>
+            <a:off x="0" y="3650"/>
+            <a:ext cx="9144000" cy="523232"/>
+          </a:xfrm>
+          <a:prstGeom prst="rect">
+            <a:avLst/>
+          </a:prstGeom>
+        </p:spPr>
+        <p:txBody>
+          <a:bodyPr spcFirstLastPara="1" wrap="square" lIns="91425" tIns="91425" rIns="91425" bIns="91425" anchor="t" anchorCtr="0">
+            <a:noAutofit/>
+          </a:bodyPr>
+          <a:lstStyle/>
+          <a:p>
+            <a:pPr algn="ctr"/>
+            <a:r>
+              <a:rPr lang="en-US" sz="2400" b="1" dirty="0" smtClean="0"/>
+              <a:t> </a:t>
+            </a:r>
+            <a:r>
+              <a:rPr lang="en" sz="2400" b="1" dirty="0"/>
+              <a:t>Feature Standardization and Transformation</a:t>
+            </a:r>
+            <a:endParaRPr lang="en-US" sz="2400" b="1" dirty="0"/>
+          </a:p>
+        </p:txBody>
+      </p:sp>
+      <p:sp>
+        <p:nvSpPr>
+          <p:cNvPr id="5" name="Google Shape;70;g257541b82f2_0_0"/>
+          <p:cNvSpPr txBox="1">
+            <a:spLocks noGrp="1"/>
+          </p:cNvSpPr>
+          <p:nvPr>
+            <p:ph type="body" idx="1"/>
+          </p:nvPr>
+        </p:nvSpPr>
+        <p:spPr>
+          <a:xfrm>
+            <a:off x="266656" y="591100"/>
+            <a:ext cx="8650800" cy="3700982"/>
+          </a:xfrm>
+          <a:prstGeom prst="rect">
+            <a:avLst/>
+          </a:prstGeom>
+          <a:noFill/>
+          <a:ln>
+            <a:noFill/>
+          </a:ln>
+        </p:spPr>
+        <p:txBody>
+          <a:bodyPr spcFirstLastPara="1" wrap="square" lIns="91425" tIns="91425" rIns="91425" bIns="91425" anchor="t" anchorCtr="0">
+            <a:normAutofit/>
+          </a:bodyPr>
+          <a:lstStyle/>
+          <a:p>
+            <a:pPr marL="0" lvl="0" indent="0">
+              <a:lnSpc>
+                <a:spcPct val="130000"/>
+              </a:lnSpc>
+              <a:buSzPts val="1665"/>
+              <a:buNone/>
+            </a:pPr>
+            <a:r>
+              <a:rPr lang="en" b="1" u="sng" dirty="0" smtClean="0">
+                <a:solidFill>
+                  <a:schemeClr val="tx1"/>
+                </a:solidFill>
+              </a:rPr>
+              <a:t>Standardization</a:t>
+            </a:r>
+          </a:p>
+          <a:p>
+            <a:pPr marL="0" lvl="0" indent="0">
+              <a:buNone/>
+            </a:pPr>
+            <a:r>
+              <a:rPr lang="en-US" dirty="0">
+                <a:solidFill>
+                  <a:schemeClr val="dk1"/>
+                </a:solidFill>
+              </a:rPr>
+              <a:t>Standardization is a type of data preprocessing that makes different features have a </a:t>
+            </a:r>
+            <a:r>
+              <a:rPr lang="en-US" b="1" dirty="0">
+                <a:solidFill>
+                  <a:srgbClr val="CC0000"/>
+                </a:solidFill>
+              </a:rPr>
+              <a:t>similar scale.</a:t>
+            </a:r>
+          </a:p>
+          <a:p>
+            <a:pPr marL="0" lvl="0" indent="0">
+              <a:buNone/>
+            </a:pPr>
+            <a:r>
+              <a:rPr lang="en-US" b="1" dirty="0">
+                <a:solidFill>
+                  <a:schemeClr val="dk1"/>
+                </a:solidFill>
+              </a:rPr>
+              <a:t>Example </a:t>
+            </a:r>
+          </a:p>
+          <a:p>
+            <a:pPr marL="0" lvl="0" indent="0">
+              <a:buClr>
+                <a:schemeClr val="dk1"/>
+              </a:buClr>
+              <a:buSzPts val="1100"/>
+              <a:buNone/>
+            </a:pPr>
+            <a:r>
+              <a:rPr lang="en-US" dirty="0">
+                <a:solidFill>
+                  <a:schemeClr val="dk1"/>
+                </a:solidFill>
+              </a:rPr>
+              <a:t>Suppose we have data on students' height in </a:t>
+            </a:r>
+            <a:r>
+              <a:rPr lang="en-US" b="1" dirty="0">
+                <a:solidFill>
+                  <a:schemeClr val="dk1"/>
+                </a:solidFill>
+              </a:rPr>
+              <a:t>centimeters</a:t>
+            </a:r>
+            <a:r>
+              <a:rPr lang="en-US" dirty="0">
+                <a:solidFill>
+                  <a:schemeClr val="dk1"/>
+                </a:solidFill>
+              </a:rPr>
+              <a:t> and weight in </a:t>
+            </a:r>
+            <a:r>
+              <a:rPr lang="en-US" b="1" dirty="0">
+                <a:solidFill>
+                  <a:schemeClr val="dk1"/>
+                </a:solidFill>
+              </a:rPr>
+              <a:t>kilograms.</a:t>
+            </a:r>
+          </a:p>
+          <a:p>
+            <a:pPr marL="0" lvl="0" indent="0">
+              <a:buClr>
+                <a:schemeClr val="dk1"/>
+              </a:buClr>
+              <a:buSzPts val="1100"/>
+              <a:buNone/>
+            </a:pPr>
+            <a:r>
+              <a:rPr lang="en-US" dirty="0">
+                <a:solidFill>
+                  <a:schemeClr val="dk1"/>
+                </a:solidFill>
+              </a:rPr>
+              <a:t>Heights might range from </a:t>
+            </a:r>
+            <a:r>
+              <a:rPr lang="en-US" b="1" dirty="0">
+                <a:solidFill>
+                  <a:schemeClr val="dk1"/>
+                </a:solidFill>
+              </a:rPr>
+              <a:t>150 cm to 180 cm, </a:t>
+            </a:r>
+            <a:r>
+              <a:rPr lang="en-US" dirty="0">
+                <a:solidFill>
+                  <a:schemeClr val="dk1"/>
+                </a:solidFill>
+              </a:rPr>
+              <a:t>while weights might range from </a:t>
+            </a:r>
+            <a:r>
+              <a:rPr lang="en-US" b="1" dirty="0">
+                <a:solidFill>
+                  <a:schemeClr val="dk1"/>
+                </a:solidFill>
+              </a:rPr>
+              <a:t>40 kg to 80 kg</a:t>
+            </a:r>
+            <a:r>
+              <a:rPr lang="en-US" dirty="0">
+                <a:solidFill>
+                  <a:schemeClr val="dk1"/>
+                </a:solidFill>
+              </a:rPr>
+              <a:t>.</a:t>
+            </a:r>
+          </a:p>
+          <a:p>
+            <a:pPr marL="0" lvl="0" indent="0">
+              <a:buClr>
+                <a:schemeClr val="dk1"/>
+              </a:buClr>
+              <a:buSzPts val="1100"/>
+              <a:buNone/>
+            </a:pPr>
+            <a:r>
+              <a:rPr lang="en-US" dirty="0">
+                <a:solidFill>
+                  <a:schemeClr val="dk1"/>
+                </a:solidFill>
+              </a:rPr>
+              <a:t>Standardization scales both height and weight so they have similar ranges, like between</a:t>
+            </a:r>
+            <a:r>
+              <a:rPr lang="en-US" b="1" dirty="0">
+                <a:solidFill>
+                  <a:srgbClr val="CC0000"/>
+                </a:solidFill>
+              </a:rPr>
+              <a:t> 0</a:t>
+            </a:r>
+            <a:r>
+              <a:rPr lang="en-US" dirty="0">
+                <a:solidFill>
+                  <a:schemeClr val="dk1"/>
+                </a:solidFill>
+              </a:rPr>
+              <a:t> and </a:t>
+            </a:r>
+            <a:r>
+              <a:rPr lang="en-US" b="1" dirty="0">
+                <a:solidFill>
+                  <a:srgbClr val="CC0000"/>
+                </a:solidFill>
+              </a:rPr>
+              <a:t>1</a:t>
+            </a:r>
+            <a:r>
+              <a:rPr lang="en-US" dirty="0">
+                <a:solidFill>
+                  <a:schemeClr val="dk1"/>
+                </a:solidFill>
+              </a:rPr>
+              <a:t>.</a:t>
+            </a:r>
+          </a:p>
+        </p:txBody>
+      </p:sp>
+    </p:spTree>
+    <p:extLst>
+      <p:ext uri="{BB962C8B-B14F-4D97-AF65-F5344CB8AC3E}">
+        <p14:creationId xmlns:p14="http://schemas.microsoft.com/office/powerpoint/2010/main" val="4059936443"/>
+      </p:ext>
+    </p:extLst>
+  </p:cSld>
+  <p:clrMapOvr>
+    <a:masterClrMapping/>
+  </p:clrMapOvr>
+  <p:timing>
+    <p:tnLst>
+      <p:par>
+        <p:cTn id="1" dur="indefinite" restart="never" nodeType="tmRoot"/>
+      </p:par>
+    </p:tnLst>
+  </p:timing>
+</p:sld>
+</file>
+
+<file path=ppt/slides/slide47.xml><?xml version="1.0" encoding="utf-8"?>
+<p:sld xmlns:a="http://schemas.openxmlformats.org/drawingml/2006/main" xmlns:r="http://schemas.openxmlformats.org/officeDocument/2006/relationships" xmlns:p="http://schemas.openxmlformats.org/presentationml/2006/main">
+  <p:cSld>
+    <p:spTree>
+      <p:nvGrpSpPr>
+        <p:cNvPr id="1" name="Shape 102"/>
+        <p:cNvGrpSpPr/>
+        <p:nvPr/>
+      </p:nvGrpSpPr>
+      <p:grpSpPr>
+        <a:xfrm>
+          <a:off x="0" y="0"/>
+          <a:ext cx="0" cy="0"/>
+          <a:chOff x="0" y="0"/>
+          <a:chExt cx="0" cy="0"/>
+        </a:xfrm>
+      </p:grpSpPr>
+      <p:sp>
+        <p:nvSpPr>
+          <p:cNvPr id="103" name="Google Shape;103;p16"/>
+          <p:cNvSpPr txBox="1">
+            <a:spLocks noGrp="1"/>
+          </p:cNvSpPr>
+          <p:nvPr>
+            <p:ph type="title"/>
+          </p:nvPr>
+        </p:nvSpPr>
+        <p:spPr>
+          <a:xfrm>
+            <a:off x="0" y="3650"/>
+            <a:ext cx="9144000" cy="523232"/>
+          </a:xfrm>
+          <a:prstGeom prst="rect">
+            <a:avLst/>
+          </a:prstGeom>
+        </p:spPr>
+        <p:txBody>
+          <a:bodyPr spcFirstLastPara="1" wrap="square" lIns="91425" tIns="91425" rIns="91425" bIns="91425" anchor="t" anchorCtr="0">
+            <a:noAutofit/>
+          </a:bodyPr>
+          <a:lstStyle/>
+          <a:p>
+            <a:pPr algn="ctr"/>
+            <a:r>
+              <a:rPr lang="en-US" sz="2400" b="1" dirty="0" smtClean="0"/>
+              <a:t> </a:t>
+            </a:r>
+            <a:r>
+              <a:rPr lang="en" sz="2400" b="1" dirty="0"/>
+              <a:t>Different Regression Techniques</a:t>
+            </a:r>
+            <a:endParaRPr lang="en-US" sz="2400" b="1" dirty="0"/>
+          </a:p>
+        </p:txBody>
+      </p:sp>
+      <p:sp>
+        <p:nvSpPr>
+          <p:cNvPr id="5" name="Google Shape;70;g257541b82f2_0_0"/>
+          <p:cNvSpPr txBox="1">
+            <a:spLocks noGrp="1"/>
+          </p:cNvSpPr>
+          <p:nvPr>
+            <p:ph type="body" idx="1"/>
+          </p:nvPr>
+        </p:nvSpPr>
+        <p:spPr>
+          <a:xfrm>
+            <a:off x="266656" y="591099"/>
+            <a:ext cx="8650800" cy="3962239"/>
+          </a:xfrm>
+          <a:prstGeom prst="rect">
+            <a:avLst/>
+          </a:prstGeom>
+          <a:noFill/>
+          <a:ln>
+            <a:noFill/>
+          </a:ln>
+        </p:spPr>
+        <p:txBody>
+          <a:bodyPr spcFirstLastPara="1" wrap="square" lIns="91425" tIns="91425" rIns="91425" bIns="91425" anchor="t" anchorCtr="0">
+            <a:normAutofit/>
+          </a:bodyPr>
+          <a:lstStyle/>
+          <a:p>
+            <a:pPr marL="0" lvl="0" indent="0">
+              <a:lnSpc>
+                <a:spcPct val="130000"/>
+              </a:lnSpc>
+              <a:buSzPts val="1665"/>
+              <a:buNone/>
+            </a:pPr>
+            <a:r>
+              <a:rPr lang="en" b="1" u="sng" dirty="0">
+                <a:solidFill>
+                  <a:schemeClr val="tx1"/>
+                </a:solidFill>
+              </a:rPr>
+              <a:t>Decision Tree </a:t>
+            </a:r>
+            <a:r>
+              <a:rPr lang="en" b="1" u="sng" dirty="0" smtClean="0">
+                <a:solidFill>
+                  <a:schemeClr val="tx1"/>
+                </a:solidFill>
+              </a:rPr>
+              <a:t>Regressor</a:t>
+            </a:r>
+          </a:p>
+          <a:p>
+            <a:pPr marL="0" indent="0">
+              <a:lnSpc>
+                <a:spcPct val="130000"/>
+              </a:lnSpc>
+              <a:buSzPts val="1665"/>
+              <a:buNone/>
+            </a:pPr>
+            <a:r>
+              <a:rPr lang="en-US" dirty="0">
+                <a:solidFill>
+                  <a:schemeClr val="dk1"/>
+                </a:solidFill>
+              </a:rPr>
+              <a:t>Decision tree regression involves </a:t>
+            </a:r>
+            <a:r>
+              <a:rPr lang="en-US" b="1" dirty="0">
+                <a:solidFill>
+                  <a:srgbClr val="CC0000"/>
+                </a:solidFill>
+              </a:rPr>
+              <a:t>partitioning the data into subsets</a:t>
+            </a:r>
+            <a:r>
+              <a:rPr lang="en-US" dirty="0">
+                <a:solidFill>
+                  <a:schemeClr val="dk1"/>
+                </a:solidFill>
+              </a:rPr>
+              <a:t> based on the values of </a:t>
+            </a:r>
+            <a:r>
+              <a:rPr lang="en-US" b="1" dirty="0">
+                <a:solidFill>
+                  <a:srgbClr val="CC0000"/>
+                </a:solidFill>
+              </a:rPr>
+              <a:t>independent variables</a:t>
+            </a:r>
+            <a:r>
+              <a:rPr lang="en-US" dirty="0">
+                <a:solidFill>
+                  <a:schemeClr val="dk1"/>
+                </a:solidFill>
+              </a:rPr>
+              <a:t> and predicting the average of the target variable for each subset.</a:t>
+            </a:r>
+          </a:p>
+          <a:p>
+            <a:pPr marL="0" lvl="0" indent="0">
+              <a:lnSpc>
+                <a:spcPct val="130000"/>
+              </a:lnSpc>
+              <a:buSzPts val="1665"/>
+              <a:buNone/>
+            </a:pPr>
+            <a:endParaRPr lang="en-US" dirty="0">
+              <a:solidFill>
+                <a:schemeClr val="dk1"/>
+              </a:solidFill>
+            </a:endParaRPr>
+          </a:p>
+        </p:txBody>
+      </p:sp>
+      <p:pic>
+        <p:nvPicPr>
+          <p:cNvPr id="4" name="Google Shape;98;g1e5271de8a0_1_29"/>
+          <p:cNvPicPr preferRelativeResize="0"/>
+          <p:nvPr/>
+        </p:nvPicPr>
+        <p:blipFill>
+          <a:blip r:embed="rId3">
+            <a:alphaModFix/>
+          </a:blip>
+          <a:stretch>
+            <a:fillRect/>
+          </a:stretch>
+        </p:blipFill>
+        <p:spPr>
+          <a:xfrm>
+            <a:off x="2351316" y="2101222"/>
+            <a:ext cx="3601617" cy="2340148"/>
+          </a:xfrm>
+          <a:prstGeom prst="rect">
+            <a:avLst/>
+          </a:prstGeom>
+          <a:noFill/>
+          <a:ln>
+            <a:noFill/>
+          </a:ln>
+        </p:spPr>
+      </p:pic>
+    </p:spTree>
+    <p:extLst>
+      <p:ext uri="{BB962C8B-B14F-4D97-AF65-F5344CB8AC3E}">
+        <p14:creationId xmlns:p14="http://schemas.microsoft.com/office/powerpoint/2010/main" val="2192900832"/>
+      </p:ext>
+    </p:extLst>
+  </p:cSld>
+  <p:clrMapOvr>
+    <a:masterClrMapping/>
+  </p:clrMapOvr>
+  <p:timing>
+    <p:tnLst>
+      <p:par>
+        <p:cTn id="1" dur="indefinite" restart="never" nodeType="tmRoot"/>
+      </p:par>
+    </p:tnLst>
+  </p:timing>
+</p:sld>
+</file>
+
+<file path=ppt/slides/slide48.xml><?xml version="1.0" encoding="utf-8"?>
+<p:sld xmlns:a="http://schemas.openxmlformats.org/drawingml/2006/main" xmlns:r="http://schemas.openxmlformats.org/officeDocument/2006/relationships" xmlns:p="http://schemas.openxmlformats.org/presentationml/2006/main">
+  <p:cSld>
+    <p:spTree>
+      <p:nvGrpSpPr>
+        <p:cNvPr id="1" name="Shape 102"/>
+        <p:cNvGrpSpPr/>
+        <p:nvPr/>
+      </p:nvGrpSpPr>
+      <p:grpSpPr>
+        <a:xfrm>
+          <a:off x="0" y="0"/>
+          <a:ext cx="0" cy="0"/>
+          <a:chOff x="0" y="0"/>
+          <a:chExt cx="0" cy="0"/>
+        </a:xfrm>
+      </p:grpSpPr>
+      <p:sp>
+        <p:nvSpPr>
+          <p:cNvPr id="103" name="Google Shape;103;p16"/>
+          <p:cNvSpPr txBox="1">
+            <a:spLocks noGrp="1"/>
+          </p:cNvSpPr>
+          <p:nvPr>
+            <p:ph type="title"/>
+          </p:nvPr>
+        </p:nvSpPr>
+        <p:spPr>
+          <a:xfrm>
+            <a:off x="0" y="3650"/>
+            <a:ext cx="9144000" cy="523232"/>
+          </a:xfrm>
+          <a:prstGeom prst="rect">
+            <a:avLst/>
+          </a:prstGeom>
+        </p:spPr>
+        <p:txBody>
+          <a:bodyPr spcFirstLastPara="1" wrap="square" lIns="91425" tIns="91425" rIns="91425" bIns="91425" anchor="t" anchorCtr="0">
+            <a:noAutofit/>
+          </a:bodyPr>
+          <a:lstStyle/>
+          <a:p>
+            <a:pPr algn="ctr"/>
+            <a:r>
+              <a:rPr lang="en-US" sz="2400" b="1" dirty="0" smtClean="0"/>
+              <a:t> </a:t>
+            </a:r>
+            <a:r>
+              <a:rPr lang="en" sz="2400" b="1" dirty="0"/>
+              <a:t>Different Regression Techniques</a:t>
+            </a:r>
+            <a:endParaRPr lang="en-US" sz="2400" b="1" dirty="0"/>
+          </a:p>
+        </p:txBody>
+      </p:sp>
+      <p:sp>
+        <p:nvSpPr>
+          <p:cNvPr id="5" name="Google Shape;70;g257541b82f2_0_0"/>
+          <p:cNvSpPr txBox="1">
+            <a:spLocks noGrp="1"/>
+          </p:cNvSpPr>
+          <p:nvPr>
+            <p:ph type="body" idx="1"/>
+          </p:nvPr>
+        </p:nvSpPr>
+        <p:spPr>
+          <a:xfrm>
+            <a:off x="266656" y="591099"/>
+            <a:ext cx="8650800" cy="4207559"/>
+          </a:xfrm>
+          <a:prstGeom prst="rect">
+            <a:avLst/>
+          </a:prstGeom>
+          <a:noFill/>
+          <a:ln>
+            <a:noFill/>
+          </a:ln>
+        </p:spPr>
+        <p:txBody>
+          <a:bodyPr spcFirstLastPara="1" wrap="square" lIns="91425" tIns="91425" rIns="91425" bIns="91425" anchor="t" anchorCtr="0">
+            <a:normAutofit/>
+          </a:bodyPr>
+          <a:lstStyle/>
+          <a:p>
+            <a:pPr marL="0" lvl="0" indent="0">
+              <a:lnSpc>
+                <a:spcPct val="130000"/>
+              </a:lnSpc>
+              <a:buSzPts val="1665"/>
+              <a:buNone/>
+            </a:pPr>
+            <a:r>
+              <a:rPr lang="en" b="1" u="sng" dirty="0">
+                <a:solidFill>
+                  <a:schemeClr val="tx1"/>
+                </a:solidFill>
+              </a:rPr>
+              <a:t>Random Forest Regressor</a:t>
+            </a:r>
+            <a:r>
+              <a:rPr lang="en" b="1" u="sng" dirty="0" smtClean="0">
+                <a:solidFill>
+                  <a:schemeClr val="tx1"/>
+                </a:solidFill>
+              </a:rPr>
+              <a:t>:</a:t>
+            </a:r>
+          </a:p>
+          <a:p>
+            <a:pPr marL="0" lvl="0" indent="0">
+              <a:buNone/>
+            </a:pPr>
+            <a:r>
+              <a:rPr lang="en-US" dirty="0">
+                <a:solidFill>
+                  <a:schemeClr val="dk1"/>
+                </a:solidFill>
+              </a:rPr>
+              <a:t>Random Forest is learning method that creates </a:t>
+            </a:r>
+            <a:r>
+              <a:rPr lang="en-US" b="1" dirty="0">
+                <a:solidFill>
+                  <a:srgbClr val="CC0000"/>
+                </a:solidFill>
+              </a:rPr>
+              <a:t>multiple decision trees</a:t>
+            </a:r>
+            <a:r>
+              <a:rPr lang="en-US" dirty="0">
+                <a:solidFill>
+                  <a:schemeClr val="dk1"/>
+                </a:solidFill>
+              </a:rPr>
+              <a:t> during training and outputs the </a:t>
+            </a:r>
+            <a:r>
+              <a:rPr lang="en-US" b="1" dirty="0">
+                <a:solidFill>
+                  <a:srgbClr val="CC0000"/>
+                </a:solidFill>
+              </a:rPr>
+              <a:t>average prediction</a:t>
+            </a:r>
+            <a:r>
+              <a:rPr lang="en-US" dirty="0">
+                <a:solidFill>
+                  <a:schemeClr val="dk1"/>
+                </a:solidFill>
+              </a:rPr>
+              <a:t> (for regression) from all individual trees.</a:t>
+            </a:r>
+          </a:p>
+          <a:p>
+            <a:pPr marL="0" lvl="0" indent="0">
+              <a:lnSpc>
+                <a:spcPct val="130000"/>
+              </a:lnSpc>
+              <a:buSzPts val="1665"/>
+              <a:buNone/>
+            </a:pPr>
+            <a:endParaRPr lang="en-US" dirty="0">
+              <a:solidFill>
+                <a:schemeClr val="dk1"/>
+              </a:solidFill>
+            </a:endParaRPr>
+          </a:p>
+        </p:txBody>
+      </p:sp>
+      <p:pic>
+        <p:nvPicPr>
+          <p:cNvPr id="6" name="Google Shape;106;g1e5271de8a0_1_35"/>
+          <p:cNvPicPr preferRelativeResize="0"/>
+          <p:nvPr/>
+        </p:nvPicPr>
+        <p:blipFill>
+          <a:blip r:embed="rId3">
+            <a:alphaModFix/>
+          </a:blip>
+          <a:stretch>
+            <a:fillRect/>
+          </a:stretch>
+        </p:blipFill>
+        <p:spPr>
+          <a:xfrm>
+            <a:off x="2022103" y="1939233"/>
+            <a:ext cx="4942950" cy="2859425"/>
+          </a:xfrm>
+          <a:prstGeom prst="rect">
+            <a:avLst/>
+          </a:prstGeom>
+          <a:noFill/>
+          <a:ln>
+            <a:noFill/>
+          </a:ln>
+        </p:spPr>
+      </p:pic>
+    </p:spTree>
+    <p:extLst>
+      <p:ext uri="{BB962C8B-B14F-4D97-AF65-F5344CB8AC3E}">
+        <p14:creationId xmlns:p14="http://schemas.microsoft.com/office/powerpoint/2010/main" val="2482416708"/>
+      </p:ext>
+    </p:extLst>
+  </p:cSld>
+  <p:clrMapOvr>
+    <a:masterClrMapping/>
+  </p:clrMapOvr>
+  <p:timing>
+    <p:tnLst>
+      <p:par>
+        <p:cTn id="1" dur="indefinite" restart="never" nodeType="tmRoot"/>
+      </p:par>
+    </p:tnLst>
+  </p:timing>
+</p:sld>
+</file>
+
+<file path=ppt/slides/slide49.xml><?xml version="1.0" encoding="utf-8"?>
+<p:sld xmlns:a="http://schemas.openxmlformats.org/drawingml/2006/main" xmlns:r="http://schemas.openxmlformats.org/officeDocument/2006/relationships" xmlns:p="http://schemas.openxmlformats.org/presentationml/2006/main">
+  <p:cSld>
+    <p:spTree>
+      <p:nvGrpSpPr>
+        <p:cNvPr id="1" name="Shape 102"/>
+        <p:cNvGrpSpPr/>
+        <p:nvPr/>
+      </p:nvGrpSpPr>
+      <p:grpSpPr>
+        <a:xfrm>
+          <a:off x="0" y="0"/>
+          <a:ext cx="0" cy="0"/>
+          <a:chOff x="0" y="0"/>
+          <a:chExt cx="0" cy="0"/>
+        </a:xfrm>
+      </p:grpSpPr>
+      <p:sp>
+        <p:nvSpPr>
+          <p:cNvPr id="103" name="Google Shape;103;p16"/>
+          <p:cNvSpPr txBox="1">
+            <a:spLocks noGrp="1"/>
+          </p:cNvSpPr>
+          <p:nvPr>
+            <p:ph type="title"/>
+          </p:nvPr>
+        </p:nvSpPr>
+        <p:spPr>
+          <a:xfrm>
+            <a:off x="0" y="3650"/>
+            <a:ext cx="9144000" cy="523232"/>
+          </a:xfrm>
+          <a:prstGeom prst="rect">
+            <a:avLst/>
+          </a:prstGeom>
+        </p:spPr>
+        <p:txBody>
+          <a:bodyPr spcFirstLastPara="1" wrap="square" lIns="91425" tIns="91425" rIns="91425" bIns="91425" anchor="t" anchorCtr="0">
+            <a:noAutofit/>
+          </a:bodyPr>
+          <a:lstStyle/>
+          <a:p>
+            <a:pPr algn="ctr"/>
+            <a:r>
+              <a:rPr lang="en-US" sz="2400" b="1" dirty="0" smtClean="0"/>
+              <a:t> </a:t>
+            </a:r>
+            <a:r>
+              <a:rPr lang="en" sz="2400" b="1" dirty="0"/>
+              <a:t>Different Regression Techniques</a:t>
+            </a:r>
+            <a:endParaRPr lang="en-US" sz="2400" b="1" dirty="0"/>
+          </a:p>
+        </p:txBody>
+      </p:sp>
+      <p:sp>
+        <p:nvSpPr>
+          <p:cNvPr id="5" name="Google Shape;70;g257541b82f2_0_0"/>
+          <p:cNvSpPr txBox="1">
+            <a:spLocks noGrp="1"/>
+          </p:cNvSpPr>
+          <p:nvPr>
+            <p:ph type="body" idx="1"/>
+          </p:nvPr>
+        </p:nvSpPr>
+        <p:spPr>
+          <a:xfrm>
+            <a:off x="266656" y="591099"/>
+            <a:ext cx="8650800" cy="4207559"/>
+          </a:xfrm>
+          <a:prstGeom prst="rect">
+            <a:avLst/>
+          </a:prstGeom>
+          <a:noFill/>
+          <a:ln>
+            <a:noFill/>
+          </a:ln>
+        </p:spPr>
+        <p:txBody>
+          <a:bodyPr spcFirstLastPara="1" wrap="square" lIns="91425" tIns="91425" rIns="91425" bIns="91425" anchor="t" anchorCtr="0">
+            <a:normAutofit/>
+          </a:bodyPr>
+          <a:lstStyle/>
+          <a:p>
+            <a:pPr marL="0" lvl="0" indent="0">
+              <a:lnSpc>
+                <a:spcPct val="130000"/>
+              </a:lnSpc>
+              <a:buSzPts val="1665"/>
+              <a:buNone/>
+            </a:pPr>
+            <a:r>
+              <a:rPr lang="en" b="1" u="sng" dirty="0">
+                <a:solidFill>
+                  <a:schemeClr val="tx1"/>
+                </a:solidFill>
+              </a:rPr>
+              <a:t>Gradient Boosting </a:t>
+            </a:r>
+            <a:r>
+              <a:rPr lang="en" b="1" u="sng" dirty="0" smtClean="0">
+                <a:solidFill>
+                  <a:schemeClr val="tx1"/>
+                </a:solidFill>
+              </a:rPr>
+              <a:t>Regressor:</a:t>
+            </a:r>
+          </a:p>
+          <a:p>
+            <a:pPr marL="0" lvl="0" indent="0" algn="just">
+              <a:buNone/>
+            </a:pPr>
+            <a:r>
+              <a:rPr lang="en-US" dirty="0">
+                <a:solidFill>
+                  <a:schemeClr val="dk1"/>
+                </a:solidFill>
+              </a:rPr>
+              <a:t>Gradient Boosting is learning technique that builds multiple decision trees sequentially, each one correcting the errors of its predecessor.</a:t>
+            </a:r>
+          </a:p>
+          <a:p>
+            <a:pPr marL="0" lvl="0" indent="0">
+              <a:lnSpc>
+                <a:spcPct val="130000"/>
+              </a:lnSpc>
+              <a:buSzPts val="1665"/>
+              <a:buNone/>
+            </a:pPr>
+            <a:endParaRPr lang="en-US" dirty="0">
+              <a:solidFill>
+                <a:schemeClr val="dk1"/>
+              </a:solidFill>
+            </a:endParaRPr>
+          </a:p>
+        </p:txBody>
+      </p:sp>
+      <p:pic>
+        <p:nvPicPr>
+          <p:cNvPr id="7" name="Google Shape;114;g1e5271de8a0_1_41"/>
+          <p:cNvPicPr preferRelativeResize="0"/>
+          <p:nvPr/>
+        </p:nvPicPr>
+        <p:blipFill>
+          <a:blip r:embed="rId3">
+            <a:alphaModFix/>
+          </a:blip>
+          <a:stretch>
+            <a:fillRect/>
+          </a:stretch>
+        </p:blipFill>
+        <p:spPr>
+          <a:xfrm>
+            <a:off x="1263445" y="2045933"/>
+            <a:ext cx="6173889" cy="2310550"/>
+          </a:xfrm>
+          <a:prstGeom prst="rect">
+            <a:avLst/>
+          </a:prstGeom>
+          <a:noFill/>
+          <a:ln>
+            <a:noFill/>
+          </a:ln>
+        </p:spPr>
+      </p:pic>
+    </p:spTree>
+    <p:extLst>
+      <p:ext uri="{BB962C8B-B14F-4D97-AF65-F5344CB8AC3E}">
+        <p14:creationId xmlns:p14="http://schemas.microsoft.com/office/powerpoint/2010/main" val="358426975"/>
+      </p:ext>
+    </p:extLst>
+  </p:cSld>
+  <p:clrMapOvr>
+    <a:masterClrMapping/>
+  </p:clrMapOvr>
+  <p:timing>
+    <p:tnLst>
+      <p:par>
+        <p:cTn id="1" dur="indefinite" restart="never" nodeType="tmRoot"/>
+      </p:par>
+    </p:tnLst>
+  </p:timing>
+</p:sld>
+</file>
+
 <file path=ppt/slides/slide5.xml><?xml version="1.0" encoding="utf-8"?>
 <p:sld xmlns:a="http://schemas.openxmlformats.org/drawingml/2006/main" xmlns:r="http://schemas.openxmlformats.org/officeDocument/2006/relationships" xmlns:p="http://schemas.openxmlformats.org/presentationml/2006/main">
   <p:cSld>
@@ -19766,6 +24282,241 @@
     <p:extLst>
       <p:ext uri="{BB962C8B-B14F-4D97-AF65-F5344CB8AC3E}">
         <p14:creationId xmlns:p14="http://schemas.microsoft.com/office/powerpoint/2010/main" val="564114002"/>
+      </p:ext>
+    </p:extLst>
+  </p:cSld>
+  <p:clrMapOvr>
+    <a:masterClrMapping/>
+  </p:clrMapOvr>
+  <p:timing>
+    <p:tnLst>
+      <p:par>
+        <p:cTn id="1" dur="indefinite" restart="never" nodeType="tmRoot"/>
+      </p:par>
+    </p:tnLst>
+  </p:timing>
+</p:sld>
+</file>
+
+<file path=ppt/slides/slide50.xml><?xml version="1.0" encoding="utf-8"?>
+<p:sld xmlns:a="http://schemas.openxmlformats.org/drawingml/2006/main" xmlns:r="http://schemas.openxmlformats.org/officeDocument/2006/relationships" xmlns:p="http://schemas.openxmlformats.org/presentationml/2006/main">
+  <p:cSld>
+    <p:spTree>
+      <p:nvGrpSpPr>
+        <p:cNvPr id="1" name="Shape 102"/>
+        <p:cNvGrpSpPr/>
+        <p:nvPr/>
+      </p:nvGrpSpPr>
+      <p:grpSpPr>
+        <a:xfrm>
+          <a:off x="0" y="0"/>
+          <a:ext cx="0" cy="0"/>
+          <a:chOff x="0" y="0"/>
+          <a:chExt cx="0" cy="0"/>
+        </a:xfrm>
+      </p:grpSpPr>
+      <p:sp>
+        <p:nvSpPr>
+          <p:cNvPr id="103" name="Google Shape;103;p16"/>
+          <p:cNvSpPr txBox="1">
+            <a:spLocks noGrp="1"/>
+          </p:cNvSpPr>
+          <p:nvPr>
+            <p:ph type="title"/>
+          </p:nvPr>
+        </p:nvSpPr>
+        <p:spPr>
+          <a:xfrm>
+            <a:off x="0" y="3650"/>
+            <a:ext cx="9144000" cy="523232"/>
+          </a:xfrm>
+          <a:prstGeom prst="rect">
+            <a:avLst/>
+          </a:prstGeom>
+        </p:spPr>
+        <p:txBody>
+          <a:bodyPr spcFirstLastPara="1" wrap="square" lIns="91425" tIns="91425" rIns="91425" bIns="91425" anchor="t" anchorCtr="0">
+            <a:noAutofit/>
+          </a:bodyPr>
+          <a:lstStyle/>
+          <a:p>
+            <a:pPr algn="ctr"/>
+            <a:r>
+              <a:rPr lang="en-US" sz="2400" b="1" dirty="0" smtClean="0"/>
+              <a:t> </a:t>
+            </a:r>
+            <a:r>
+              <a:rPr lang="en" sz="2400" b="1" dirty="0"/>
+              <a:t>Comparison of Different regressors</a:t>
+            </a:r>
+            <a:endParaRPr lang="en-US" sz="2400" b="1" dirty="0"/>
+          </a:p>
+        </p:txBody>
+      </p:sp>
+      <p:sp>
+        <p:nvSpPr>
+          <p:cNvPr id="5" name="Google Shape;70;g257541b82f2_0_0"/>
+          <p:cNvSpPr txBox="1">
+            <a:spLocks noGrp="1"/>
+          </p:cNvSpPr>
+          <p:nvPr>
+            <p:ph type="body" idx="1"/>
+          </p:nvPr>
+        </p:nvSpPr>
+        <p:spPr>
+          <a:xfrm>
+            <a:off x="266656" y="591100"/>
+            <a:ext cx="8650800" cy="3206459"/>
+          </a:xfrm>
+          <a:prstGeom prst="rect">
+            <a:avLst/>
+          </a:prstGeom>
+          <a:noFill/>
+          <a:ln>
+            <a:noFill/>
+          </a:ln>
+        </p:spPr>
+        <p:txBody>
+          <a:bodyPr spcFirstLastPara="1" wrap="square" lIns="91425" tIns="91425" rIns="91425" bIns="91425" anchor="t" anchorCtr="0">
+            <a:normAutofit/>
+          </a:bodyPr>
+          <a:lstStyle/>
+          <a:p>
+            <a:pPr lvl="0" indent="-334327">
+              <a:lnSpc>
+                <a:spcPct val="150000"/>
+              </a:lnSpc>
+              <a:buClr>
+                <a:schemeClr val="dk1"/>
+              </a:buClr>
+              <a:buSzPts val="1665"/>
+            </a:pPr>
+            <a:r>
+              <a:rPr lang="en-US" b="1" dirty="0" smtClean="0">
+                <a:solidFill>
+                  <a:schemeClr val="dk1"/>
+                </a:solidFill>
+              </a:rPr>
+              <a:t>Linear </a:t>
+            </a:r>
+            <a:r>
+              <a:rPr lang="en-US" b="1" dirty="0">
+                <a:solidFill>
+                  <a:schemeClr val="dk1"/>
+                </a:solidFill>
+              </a:rPr>
+              <a:t>Regression: </a:t>
+            </a:r>
+            <a:r>
+              <a:rPr lang="en-US" dirty="0">
+                <a:solidFill>
+                  <a:schemeClr val="dk1"/>
+                </a:solidFill>
+              </a:rPr>
+              <a:t>For simple and linear relationships.</a:t>
+            </a:r>
+          </a:p>
+          <a:p>
+            <a:pPr lvl="0" indent="-334327">
+              <a:lnSpc>
+                <a:spcPct val="150000"/>
+              </a:lnSpc>
+              <a:buClr>
+                <a:schemeClr val="dk1"/>
+              </a:buClr>
+              <a:buSzPts val="1665"/>
+            </a:pPr>
+            <a:r>
+              <a:rPr lang="en-US" b="1" dirty="0">
+                <a:solidFill>
+                  <a:schemeClr val="dk1"/>
+                </a:solidFill>
+              </a:rPr>
+              <a:t>Decision Tree:</a:t>
+            </a:r>
+            <a:r>
+              <a:rPr lang="en-US" dirty="0">
+                <a:solidFill>
+                  <a:schemeClr val="dk1"/>
+                </a:solidFill>
+              </a:rPr>
+              <a:t> When dealing with non-linear patterns and interpretability is a priority.</a:t>
+            </a:r>
+          </a:p>
+          <a:p>
+            <a:pPr lvl="0" indent="-334327">
+              <a:lnSpc>
+                <a:spcPct val="150000"/>
+              </a:lnSpc>
+              <a:buClr>
+                <a:schemeClr val="dk1"/>
+              </a:buClr>
+              <a:buSzPts val="1665"/>
+            </a:pPr>
+            <a:r>
+              <a:rPr lang="en-US" b="1" dirty="0">
+                <a:solidFill>
+                  <a:schemeClr val="dk1"/>
+                </a:solidFill>
+              </a:rPr>
+              <a:t>Random Forest:</a:t>
+            </a:r>
+            <a:r>
+              <a:rPr lang="en-US" dirty="0">
+                <a:solidFill>
+                  <a:schemeClr val="dk1"/>
+                </a:solidFill>
+              </a:rPr>
+              <a:t> For improved performance and robustness against outliers.</a:t>
+            </a:r>
+          </a:p>
+          <a:p>
+            <a:pPr lvl="0" indent="-334327">
+              <a:lnSpc>
+                <a:spcPct val="150000"/>
+              </a:lnSpc>
+              <a:buClr>
+                <a:schemeClr val="dk1"/>
+              </a:buClr>
+              <a:buSzPts val="1665"/>
+            </a:pPr>
+            <a:r>
+              <a:rPr lang="en-US" b="1" dirty="0">
+                <a:solidFill>
+                  <a:schemeClr val="dk1"/>
+                </a:solidFill>
+              </a:rPr>
+              <a:t>Gradient Boosting:</a:t>
+            </a:r>
+            <a:r>
+              <a:rPr lang="en-US" dirty="0">
+                <a:solidFill>
+                  <a:schemeClr val="dk1"/>
+                </a:solidFill>
+              </a:rPr>
+              <a:t> When high accuracy is crucial, and longer training times are acceptable.</a:t>
+            </a:r>
+          </a:p>
+          <a:p>
+            <a:pPr marL="0" lvl="0" indent="0">
+              <a:lnSpc>
+                <a:spcPct val="130000"/>
+              </a:lnSpc>
+              <a:buSzPts val="1665"/>
+              <a:buNone/>
+            </a:pPr>
+            <a:endParaRPr lang="en-US" dirty="0">
+              <a:solidFill>
+                <a:schemeClr val="dk1"/>
+              </a:solidFill>
+            </a:endParaRPr>
+          </a:p>
+        </p:txBody>
+      </p:sp>
+    </p:spTree>
+    <p:extLst>
+      <p:ext uri="{BB962C8B-B14F-4D97-AF65-F5344CB8AC3E}">
+        <p14:creationId xmlns:p14="http://schemas.microsoft.com/office/powerpoint/2010/main" val="2027924738"/>
       </p:ext>
     </p:extLst>
   </p:cSld>

--- a/AI-Machine-Learining.pptx
+++ b/AI-Machine-Learining.pptx
@@ -5,7 +5,7 @@
     <p:sldMasterId id="2147483659" r:id="rId1"/>
   </p:sldMasterIdLst>
   <p:notesMasterIdLst>
-    <p:notesMasterId r:id="rId52"/>
+    <p:notesMasterId r:id="rId53"/>
   </p:notesMasterIdLst>
   <p:sldIdLst>
     <p:sldId id="256" r:id="rId2"/>
@@ -58,16 +58,17 @@
     <p:sldId id="423" r:id="rId49"/>
     <p:sldId id="424" r:id="rId50"/>
     <p:sldId id="425" r:id="rId51"/>
+    <p:sldId id="431" r:id="rId52"/>
   </p:sldIdLst>
   <p:sldSz cx="9144000" cy="5143500" type="screen16x9"/>
   <p:notesSz cx="6858000" cy="9144000"/>
   <p:embeddedFontLst>
     <p:embeddedFont>
       <p:font typeface="Roboto" panose="020B0604020202020204" charset="0"/>
-      <p:regular r:id="rId53"/>
-      <p:bold r:id="rId54"/>
-      <p:italic r:id="rId55"/>
-      <p:boldItalic r:id="rId56"/>
+      <p:regular r:id="rId54"/>
+      <p:bold r:id="rId55"/>
+      <p:italic r:id="rId56"/>
+      <p:boldItalic r:id="rId57"/>
     </p:embeddedFont>
   </p:embeddedFontLst>
   <p:defaultTextStyle>
@@ -5437,6 +5438,115 @@
         </p:txBody>
       </p:sp>
     </p:spTree>
+  </p:cSld>
+  <p:clrMapOvr>
+    <a:masterClrMapping/>
+  </p:clrMapOvr>
+</p:notes>
+</file>
+
+<file path=ppt/notesSlides/notesSlide50.xml><?xml version="1.0" encoding="utf-8"?>
+<p:notes xmlns:a="http://schemas.openxmlformats.org/drawingml/2006/main" xmlns:r="http://schemas.openxmlformats.org/officeDocument/2006/relationships" xmlns:p="http://schemas.openxmlformats.org/presentationml/2006/main" showMasterSp="0" showMasterPhAnim="0">
+  <p:cSld>
+    <p:spTree>
+      <p:nvGrpSpPr>
+        <p:cNvPr id="1" name="Shape 99"/>
+        <p:cNvGrpSpPr/>
+        <p:nvPr/>
+      </p:nvGrpSpPr>
+      <p:grpSpPr>
+        <a:xfrm>
+          <a:off x="0" y="0"/>
+          <a:ext cx="0" cy="0"/>
+          <a:chOff x="0" y="0"/>
+          <a:chExt cx="0" cy="0"/>
+        </a:xfrm>
+      </p:grpSpPr>
+      <p:sp>
+        <p:nvSpPr>
+          <p:cNvPr id="100" name="Google Shape;100;g2ddc889944f_0_0:notes"/>
+          <p:cNvSpPr>
+            <a:spLocks noGrp="1" noRot="1" noChangeAspect="1"/>
+          </p:cNvSpPr>
+          <p:nvPr>
+            <p:ph type="sldImg" idx="2"/>
+          </p:nvPr>
+        </p:nvSpPr>
+        <p:spPr>
+          <a:xfrm>
+            <a:off x="381000" y="685800"/>
+            <a:ext cx="6096000" cy="3429000"/>
+          </a:xfrm>
+          <a:custGeom>
+            <a:avLst/>
+            <a:gdLst/>
+            <a:ahLst/>
+            <a:cxnLst/>
+            <a:rect l="l" t="t" r="r" b="b"/>
+            <a:pathLst>
+              <a:path w="120000" h="120000" extrusionOk="0">
+                <a:moveTo>
+                  <a:pt x="0" y="0"/>
+                </a:moveTo>
+                <a:lnTo>
+                  <a:pt x="120000" y="0"/>
+                </a:lnTo>
+                <a:lnTo>
+                  <a:pt x="120000" y="120000"/>
+                </a:lnTo>
+                <a:lnTo>
+                  <a:pt x="0" y="120000"/>
+                </a:lnTo>
+                <a:close/>
+              </a:path>
+            </a:pathLst>
+          </a:custGeom>
+        </p:spPr>
+      </p:sp>
+      <p:sp>
+        <p:nvSpPr>
+          <p:cNvPr id="101" name="Google Shape;101;g2ddc889944f_0_0:notes"/>
+          <p:cNvSpPr txBox="1">
+            <a:spLocks noGrp="1"/>
+          </p:cNvSpPr>
+          <p:nvPr>
+            <p:ph type="body" idx="1"/>
+          </p:nvPr>
+        </p:nvSpPr>
+        <p:spPr>
+          <a:xfrm>
+            <a:off x="685800" y="4343400"/>
+            <a:ext cx="5486400" cy="4114800"/>
+          </a:xfrm>
+          <a:prstGeom prst="rect">
+            <a:avLst/>
+          </a:prstGeom>
+        </p:spPr>
+        <p:txBody>
+          <a:bodyPr spcFirstLastPara="1" wrap="square" lIns="91425" tIns="91425" rIns="91425" bIns="91425" anchor="t" anchorCtr="0">
+            <a:noAutofit/>
+          </a:bodyPr>
+          <a:lstStyle/>
+          <a:p>
+            <a:pPr marL="0" lvl="0" indent="0" algn="l" rtl="0">
+              <a:spcBef>
+                <a:spcPts val="0"/>
+              </a:spcBef>
+              <a:spcAft>
+                <a:spcPts val="0"/>
+              </a:spcAft>
+              <a:buNone/>
+            </a:pPr>
+            <a:endParaRPr/>
+          </a:p>
+        </p:txBody>
+      </p:sp>
+    </p:spTree>
+    <p:extLst>
+      <p:ext uri="{BB962C8B-B14F-4D97-AF65-F5344CB8AC3E}">
+        <p14:creationId xmlns:p14="http://schemas.microsoft.com/office/powerpoint/2010/main" val="1224582208"/>
+      </p:ext>
+    </p:extLst>
   </p:cSld>
   <p:clrMapOvr>
     <a:masterClrMapping/>
@@ -24533,6 +24643,2367 @@
 </p:sld>
 </file>
 
+<file path=ppt/slides/slide51.xml><?xml version="1.0" encoding="utf-8"?>
+<p:sld xmlns:a="http://schemas.openxmlformats.org/drawingml/2006/main" xmlns:r="http://schemas.openxmlformats.org/officeDocument/2006/relationships" xmlns:p="http://schemas.openxmlformats.org/presentationml/2006/main">
+  <p:cSld>
+    <p:spTree>
+      <p:nvGrpSpPr>
+        <p:cNvPr id="1" name="Shape 102"/>
+        <p:cNvGrpSpPr/>
+        <p:nvPr/>
+      </p:nvGrpSpPr>
+      <p:grpSpPr>
+        <a:xfrm>
+          <a:off x="0" y="0"/>
+          <a:ext cx="0" cy="0"/>
+          <a:chOff x="0" y="0"/>
+          <a:chExt cx="0" cy="0"/>
+        </a:xfrm>
+      </p:grpSpPr>
+      <p:sp>
+        <p:nvSpPr>
+          <p:cNvPr id="103" name="Google Shape;103;p16"/>
+          <p:cNvSpPr txBox="1">
+            <a:spLocks noGrp="1"/>
+          </p:cNvSpPr>
+          <p:nvPr>
+            <p:ph type="title"/>
+          </p:nvPr>
+        </p:nvSpPr>
+        <p:spPr>
+          <a:xfrm>
+            <a:off x="0" y="-86404"/>
+            <a:ext cx="9144000" cy="523232"/>
+          </a:xfrm>
+          <a:prstGeom prst="rect">
+            <a:avLst/>
+          </a:prstGeom>
+        </p:spPr>
+        <p:txBody>
+          <a:bodyPr spcFirstLastPara="1" wrap="square" lIns="91425" tIns="91425" rIns="91425" bIns="91425" anchor="t" anchorCtr="0">
+            <a:noAutofit/>
+          </a:bodyPr>
+          <a:lstStyle/>
+          <a:p>
+            <a:pPr algn="ctr"/>
+            <a:r>
+              <a:rPr lang="en-US" sz="2400" b="1" dirty="0" smtClean="0"/>
+              <a:t> </a:t>
+            </a:r>
+            <a:r>
+              <a:rPr lang="en-US" sz="2400" b="1" dirty="0"/>
+              <a:t>Comparison between Classification and Regression</a:t>
+            </a:r>
+            <a:r>
+              <a:rPr lang="en-US" b="1" dirty="0"/>
+              <a:t/>
+            </a:r>
+            <a:br>
+              <a:rPr lang="en-US" b="1" dirty="0"/>
+            </a:br>
+            <a:endParaRPr lang="en-US" sz="2400" b="1" dirty="0"/>
+          </a:p>
+        </p:txBody>
+      </p:sp>
+      <p:graphicFrame>
+        <p:nvGraphicFramePr>
+          <p:cNvPr id="4" name="Table 3"/>
+          <p:cNvGraphicFramePr>
+            <a:graphicFrameLocks noGrp="1"/>
+          </p:cNvGraphicFramePr>
+          <p:nvPr>
+            <p:extLst>
+              <p:ext uri="{D42A27DB-BD31-4B8C-83A1-F6EECF244321}">
+                <p14:modId xmlns:p14="http://schemas.microsoft.com/office/powerpoint/2010/main" val="2385587600"/>
+              </p:ext>
+            </p:extLst>
+          </p:nvPr>
+        </p:nvGraphicFramePr>
+        <p:xfrm>
+          <a:off x="349827" y="436828"/>
+          <a:ext cx="8444346" cy="4480130"/>
+        </p:xfrm>
+        <a:graphic>
+          <a:graphicData uri="http://schemas.openxmlformats.org/drawingml/2006/table">
+            <a:tbl>
+              <a:tblPr/>
+              <a:tblGrid>
+                <a:gridCol w="4222173">
+                  <a:extLst>
+                    <a:ext uri="{9D8B030D-6E8A-4147-A177-3AD203B41FA5}">
+                      <a16:colId xmlns:a16="http://schemas.microsoft.com/office/drawing/2014/main" val="1158722614"/>
+                    </a:ext>
+                  </a:extLst>
+                </a:gridCol>
+                <a:gridCol w="4222173">
+                  <a:extLst>
+                    <a:ext uri="{9D8B030D-6E8A-4147-A177-3AD203B41FA5}">
+                      <a16:colId xmlns:a16="http://schemas.microsoft.com/office/drawing/2014/main" val="1873103434"/>
+                    </a:ext>
+                  </a:extLst>
+                </a:gridCol>
+              </a:tblGrid>
+              <a:tr h="197663">
+                <a:tc>
+                  <a:txBody>
+                    <a:bodyPr/>
+                    <a:lstStyle/>
+                    <a:p>
+                      <a:pPr algn="ctr" rtl="0" fontAlgn="base"/>
+                      <a:r>
+                        <a:rPr lang="en-US" sz="1200" b="1" dirty="0">
+                          <a:effectLst/>
+                        </a:rPr>
+                        <a:t>Classification</a:t>
+                      </a:r>
+                    </a:p>
+                  </a:txBody>
+                  <a:tcPr marL="16191" marR="16191" marT="32381" marB="32381" anchor="ctr">
+                    <a:lnL w="2286" cap="flat" cmpd="sng" algn="ctr">
+                      <a:solidFill>
+                        <a:srgbClr val="DFDFDF"/>
+                      </a:solidFill>
+                      <a:prstDash val="solid"/>
+                      <a:round/>
+                      <a:headEnd type="none" w="med" len="med"/>
+                      <a:tailEnd type="none" w="med" len="med"/>
+                    </a:lnL>
+                    <a:lnR w="2286" cap="flat" cmpd="sng" algn="ctr">
+                      <a:solidFill>
+                        <a:srgbClr val="DFDFDF"/>
+                      </a:solidFill>
+                      <a:prstDash val="solid"/>
+                      <a:round/>
+                      <a:headEnd type="none" w="med" len="med"/>
+                      <a:tailEnd type="none" w="med" len="med"/>
+                    </a:lnR>
+                    <a:lnT w="2286" cap="flat" cmpd="sng" algn="ctr">
+                      <a:solidFill>
+                        <a:srgbClr val="DFDFDF"/>
+                      </a:solidFill>
+                      <a:prstDash val="solid"/>
+                      <a:round/>
+                      <a:headEnd type="none" w="med" len="med"/>
+                      <a:tailEnd type="none" w="med" len="med"/>
+                    </a:lnT>
+                    <a:lnB w="2286" cap="flat" cmpd="sng" algn="ctr">
+                      <a:solidFill>
+                        <a:srgbClr val="DFDFDF"/>
+                      </a:solidFill>
+                      <a:prstDash val="solid"/>
+                      <a:round/>
+                      <a:headEnd type="none" w="med" len="med"/>
+                      <a:tailEnd type="none" w="med" len="med"/>
+                    </a:lnB>
+                    <a:gradFill flip="none" rotWithShape="1">
+                      <a:gsLst>
+                        <a:gs pos="0">
+                          <a:schemeClr val="accent6">
+                            <a:lumMod val="5000"/>
+                            <a:lumOff val="95000"/>
+                          </a:schemeClr>
+                        </a:gs>
+                        <a:gs pos="74000">
+                          <a:schemeClr val="accent6">
+                            <a:lumMod val="45000"/>
+                            <a:lumOff val="55000"/>
+                          </a:schemeClr>
+                        </a:gs>
+                        <a:gs pos="83000">
+                          <a:schemeClr val="accent6">
+                            <a:lumMod val="45000"/>
+                            <a:lumOff val="55000"/>
+                          </a:schemeClr>
+                        </a:gs>
+                        <a:gs pos="100000">
+                          <a:schemeClr val="accent6">
+                            <a:lumMod val="30000"/>
+                            <a:lumOff val="70000"/>
+                          </a:schemeClr>
+                        </a:gs>
+                      </a:gsLst>
+                      <a:lin ang="5400000" scaled="1"/>
+                      <a:tileRect/>
+                    </a:gradFill>
+                  </a:tcPr>
+                </a:tc>
+                <a:tc>
+                  <a:txBody>
+                    <a:bodyPr/>
+                    <a:lstStyle/>
+                    <a:p>
+                      <a:pPr algn="ctr" rtl="0" fontAlgn="base"/>
+                      <a:r>
+                        <a:rPr lang="en-US" sz="1200" b="1" dirty="0">
+                          <a:effectLst/>
+                        </a:rPr>
+                        <a:t>Regression</a:t>
+                      </a:r>
+                    </a:p>
+                  </a:txBody>
+                  <a:tcPr marL="32381" marR="32381" marT="32381" marB="32381" anchor="ctr">
+                    <a:lnL w="2286" cap="flat" cmpd="sng" algn="ctr">
+                      <a:solidFill>
+                        <a:srgbClr val="DFDFDF"/>
+                      </a:solidFill>
+                      <a:prstDash val="solid"/>
+                      <a:round/>
+                      <a:headEnd type="none" w="med" len="med"/>
+                      <a:tailEnd type="none" w="med" len="med"/>
+                    </a:lnL>
+                    <a:lnR w="2286" cap="flat" cmpd="sng" algn="ctr">
+                      <a:solidFill>
+                        <a:srgbClr val="DFDFDF"/>
+                      </a:solidFill>
+                      <a:prstDash val="solid"/>
+                      <a:round/>
+                      <a:headEnd type="none" w="med" len="med"/>
+                      <a:tailEnd type="none" w="med" len="med"/>
+                    </a:lnR>
+                    <a:lnT w="2286" cap="flat" cmpd="sng" algn="ctr">
+                      <a:solidFill>
+                        <a:srgbClr val="DFDFDF"/>
+                      </a:solidFill>
+                      <a:prstDash val="solid"/>
+                      <a:round/>
+                      <a:headEnd type="none" w="med" len="med"/>
+                      <a:tailEnd type="none" w="med" len="med"/>
+                    </a:lnT>
+                    <a:lnB w="2286" cap="flat" cmpd="sng" algn="ctr">
+                      <a:solidFill>
+                        <a:srgbClr val="DFDFDF"/>
+                      </a:solidFill>
+                      <a:prstDash val="solid"/>
+                      <a:round/>
+                      <a:headEnd type="none" w="med" len="med"/>
+                      <a:tailEnd type="none" w="med" len="med"/>
+                    </a:lnB>
+                    <a:gradFill flip="none" rotWithShape="1">
+                      <a:gsLst>
+                        <a:gs pos="0">
+                          <a:schemeClr val="accent6">
+                            <a:lumMod val="5000"/>
+                            <a:lumOff val="95000"/>
+                          </a:schemeClr>
+                        </a:gs>
+                        <a:gs pos="74000">
+                          <a:schemeClr val="accent6">
+                            <a:lumMod val="45000"/>
+                            <a:lumOff val="55000"/>
+                          </a:schemeClr>
+                        </a:gs>
+                        <a:gs pos="83000">
+                          <a:schemeClr val="accent6">
+                            <a:lumMod val="45000"/>
+                            <a:lumOff val="55000"/>
+                          </a:schemeClr>
+                        </a:gs>
+                        <a:gs pos="100000">
+                          <a:schemeClr val="accent6">
+                            <a:lumMod val="30000"/>
+                            <a:lumOff val="70000"/>
+                          </a:schemeClr>
+                        </a:gs>
+                      </a:gsLst>
+                      <a:lin ang="5400000" scaled="1"/>
+                      <a:tileRect/>
+                    </a:gradFill>
+                  </a:tcPr>
+                </a:tc>
+                <a:extLst>
+                  <a:ext uri="{0D108BD9-81ED-4DB2-BD59-A6C34878D82A}">
+                    <a16:rowId xmlns:a16="http://schemas.microsoft.com/office/drawing/2014/main" val="3001972457"/>
+                  </a:ext>
+                </a:extLst>
+              </a:tr>
+              <a:tr h="319616">
+                <a:tc>
+                  <a:txBody>
+                    <a:bodyPr/>
+                    <a:lstStyle/>
+                    <a:p>
+                      <a:pPr algn="ctr" fontAlgn="ctr"/>
+                      <a:r>
+                        <a:rPr lang="en-US" sz="900" b="0" dirty="0">
+                          <a:effectLst/>
+                        </a:rPr>
+                        <a:t>In this problem statement, the target variables are discrete.</a:t>
+                      </a:r>
+                    </a:p>
+                  </a:txBody>
+                  <a:tcPr marL="32381" marR="32381" marT="45334" marB="45334" anchor="ctr">
+                    <a:lnL w="2286" cap="flat" cmpd="sng" algn="ctr">
+                      <a:solidFill>
+                        <a:srgbClr val="DFDFDF"/>
+                      </a:solidFill>
+                      <a:prstDash val="solid"/>
+                      <a:round/>
+                      <a:headEnd type="none" w="med" len="med"/>
+                      <a:tailEnd type="none" w="med" len="med"/>
+                    </a:lnL>
+                    <a:lnR w="2286" cap="flat" cmpd="sng" algn="ctr">
+                      <a:solidFill>
+                        <a:srgbClr val="DFDFDF"/>
+                      </a:solidFill>
+                      <a:prstDash val="solid"/>
+                      <a:round/>
+                      <a:headEnd type="none" w="med" len="med"/>
+                      <a:tailEnd type="none" w="med" len="med"/>
+                    </a:lnR>
+                    <a:lnT w="2286" cap="flat" cmpd="sng" algn="ctr">
+                      <a:solidFill>
+                        <a:srgbClr val="DFDFDF"/>
+                      </a:solidFill>
+                      <a:prstDash val="solid"/>
+                      <a:round/>
+                      <a:headEnd type="none" w="med" len="med"/>
+                      <a:tailEnd type="none" w="med" len="med"/>
+                    </a:lnT>
+                    <a:lnB w="2286" cap="flat" cmpd="sng" algn="ctr">
+                      <a:solidFill>
+                        <a:srgbClr val="DFDFDF"/>
+                      </a:solidFill>
+                      <a:prstDash val="solid"/>
+                      <a:round/>
+                      <a:headEnd type="none" w="med" len="med"/>
+                      <a:tailEnd type="none" w="med" len="med"/>
+                    </a:lnB>
+                    <a:gradFill flip="none" rotWithShape="1">
+                      <a:gsLst>
+                        <a:gs pos="0">
+                          <a:schemeClr val="accent6">
+                            <a:lumMod val="5000"/>
+                            <a:lumOff val="95000"/>
+                          </a:schemeClr>
+                        </a:gs>
+                        <a:gs pos="74000">
+                          <a:schemeClr val="accent6">
+                            <a:lumMod val="45000"/>
+                            <a:lumOff val="55000"/>
+                          </a:schemeClr>
+                        </a:gs>
+                        <a:gs pos="83000">
+                          <a:schemeClr val="accent6">
+                            <a:lumMod val="45000"/>
+                            <a:lumOff val="55000"/>
+                          </a:schemeClr>
+                        </a:gs>
+                        <a:gs pos="100000">
+                          <a:schemeClr val="accent6">
+                            <a:lumMod val="30000"/>
+                            <a:lumOff val="70000"/>
+                          </a:schemeClr>
+                        </a:gs>
+                      </a:gsLst>
+                      <a:lin ang="5400000" scaled="1"/>
+                      <a:tileRect/>
+                    </a:gradFill>
+                  </a:tcPr>
+                </a:tc>
+                <a:tc>
+                  <a:txBody>
+                    <a:bodyPr/>
+                    <a:lstStyle/>
+                    <a:p>
+                      <a:pPr algn="ctr" fontAlgn="ctr"/>
+                      <a:r>
+                        <a:rPr lang="en-US" sz="900" b="0">
+                          <a:effectLst/>
+                        </a:rPr>
+                        <a:t>In this problem statement, the target variables are continuous.</a:t>
+                      </a:r>
+                    </a:p>
+                  </a:txBody>
+                  <a:tcPr marL="32381" marR="32381" marT="45334" marB="45334" anchor="ctr">
+                    <a:lnL w="2286" cap="flat" cmpd="sng" algn="ctr">
+                      <a:solidFill>
+                        <a:srgbClr val="DFDFDF"/>
+                      </a:solidFill>
+                      <a:prstDash val="solid"/>
+                      <a:round/>
+                      <a:headEnd type="none" w="med" len="med"/>
+                      <a:tailEnd type="none" w="med" len="med"/>
+                    </a:lnL>
+                    <a:lnR w="2286" cap="flat" cmpd="sng" algn="ctr">
+                      <a:solidFill>
+                        <a:srgbClr val="DFDFDF"/>
+                      </a:solidFill>
+                      <a:prstDash val="solid"/>
+                      <a:round/>
+                      <a:headEnd type="none" w="med" len="med"/>
+                      <a:tailEnd type="none" w="med" len="med"/>
+                    </a:lnR>
+                    <a:lnT w="2286" cap="flat" cmpd="sng" algn="ctr">
+                      <a:solidFill>
+                        <a:srgbClr val="DFDFDF"/>
+                      </a:solidFill>
+                      <a:prstDash val="solid"/>
+                      <a:round/>
+                      <a:headEnd type="none" w="med" len="med"/>
+                      <a:tailEnd type="none" w="med" len="med"/>
+                    </a:lnT>
+                    <a:lnB w="2286" cap="flat" cmpd="sng" algn="ctr">
+                      <a:solidFill>
+                        <a:srgbClr val="DFDFDF"/>
+                      </a:solidFill>
+                      <a:prstDash val="solid"/>
+                      <a:round/>
+                      <a:headEnd type="none" w="med" len="med"/>
+                      <a:tailEnd type="none" w="med" len="med"/>
+                    </a:lnB>
+                    <a:gradFill flip="none" rotWithShape="1">
+                      <a:gsLst>
+                        <a:gs pos="0">
+                          <a:schemeClr val="accent6">
+                            <a:lumMod val="5000"/>
+                            <a:lumOff val="95000"/>
+                          </a:schemeClr>
+                        </a:gs>
+                        <a:gs pos="74000">
+                          <a:schemeClr val="accent6">
+                            <a:lumMod val="45000"/>
+                            <a:lumOff val="55000"/>
+                          </a:schemeClr>
+                        </a:gs>
+                        <a:gs pos="83000">
+                          <a:schemeClr val="accent6">
+                            <a:lumMod val="45000"/>
+                            <a:lumOff val="55000"/>
+                          </a:schemeClr>
+                        </a:gs>
+                        <a:gs pos="100000">
+                          <a:schemeClr val="accent6">
+                            <a:lumMod val="30000"/>
+                            <a:lumOff val="70000"/>
+                          </a:schemeClr>
+                        </a:gs>
+                      </a:gsLst>
+                      <a:lin ang="5400000" scaled="1"/>
+                      <a:tileRect/>
+                    </a:gradFill>
+                  </a:tcPr>
+                </a:tc>
+                <a:extLst>
+                  <a:ext uri="{0D108BD9-81ED-4DB2-BD59-A6C34878D82A}">
+                    <a16:rowId xmlns:a16="http://schemas.microsoft.com/office/drawing/2014/main" val="2778447000"/>
+                  </a:ext>
+                </a:extLst>
+              </a:tr>
+              <a:tr h="422056">
+                <a:tc>
+                  <a:txBody>
+                    <a:bodyPr/>
+                    <a:lstStyle/>
+                    <a:p>
+                      <a:pPr algn="ctr" fontAlgn="ctr"/>
+                      <a:r>
+                        <a:rPr lang="en-US" sz="900" b="0" dirty="0">
+                          <a:effectLst/>
+                        </a:rPr>
+                        <a:t>Problems like </a:t>
+                      </a:r>
+                      <a:r>
+                        <a:rPr lang="en-US" sz="900" b="0" u="sng" dirty="0">
+                          <a:effectLst/>
+                          <a:hlinkClick r:id="rId3"/>
+                        </a:rPr>
+                        <a:t>Spam Email Classification</a:t>
+                      </a:r>
+                      <a:r>
+                        <a:rPr lang="en-US" sz="900" b="0" dirty="0">
+                          <a:effectLst/>
+                        </a:rPr>
+                        <a:t>, </a:t>
+                      </a:r>
+                      <a:r>
+                        <a:rPr lang="en-US" sz="900" b="0" u="sng" dirty="0">
+                          <a:effectLst/>
+                          <a:hlinkClick r:id="rId4"/>
+                        </a:rPr>
+                        <a:t>Disease prediction</a:t>
+                      </a:r>
+                      <a:r>
+                        <a:rPr lang="en-US" sz="900" b="0" dirty="0">
+                          <a:effectLst/>
+                        </a:rPr>
+                        <a:t> like problems are solved using Classification Algorithms.</a:t>
+                      </a:r>
+                    </a:p>
+                  </a:txBody>
+                  <a:tcPr marL="32381" marR="32381" marT="45334" marB="45334" anchor="ctr">
+                    <a:lnL w="2286" cap="flat" cmpd="sng" algn="ctr">
+                      <a:solidFill>
+                        <a:srgbClr val="DFDFDF"/>
+                      </a:solidFill>
+                      <a:prstDash val="solid"/>
+                      <a:round/>
+                      <a:headEnd type="none" w="med" len="med"/>
+                      <a:tailEnd type="none" w="med" len="med"/>
+                    </a:lnL>
+                    <a:lnR w="2286" cap="flat" cmpd="sng" algn="ctr">
+                      <a:solidFill>
+                        <a:srgbClr val="DFDFDF"/>
+                      </a:solidFill>
+                      <a:prstDash val="solid"/>
+                      <a:round/>
+                      <a:headEnd type="none" w="med" len="med"/>
+                      <a:tailEnd type="none" w="med" len="med"/>
+                    </a:lnR>
+                    <a:lnT w="2286" cap="flat" cmpd="sng" algn="ctr">
+                      <a:solidFill>
+                        <a:srgbClr val="DFDFDF"/>
+                      </a:solidFill>
+                      <a:prstDash val="solid"/>
+                      <a:round/>
+                      <a:headEnd type="none" w="med" len="med"/>
+                      <a:tailEnd type="none" w="med" len="med"/>
+                    </a:lnT>
+                    <a:lnB w="2286" cap="flat" cmpd="sng" algn="ctr">
+                      <a:solidFill>
+                        <a:srgbClr val="DFDFDF"/>
+                      </a:solidFill>
+                      <a:prstDash val="solid"/>
+                      <a:round/>
+                      <a:headEnd type="none" w="med" len="med"/>
+                      <a:tailEnd type="none" w="med" len="med"/>
+                    </a:lnB>
+                    <a:gradFill flip="none" rotWithShape="1">
+                      <a:gsLst>
+                        <a:gs pos="0">
+                          <a:schemeClr val="accent6">
+                            <a:lumMod val="5000"/>
+                            <a:lumOff val="95000"/>
+                          </a:schemeClr>
+                        </a:gs>
+                        <a:gs pos="74000">
+                          <a:schemeClr val="accent6">
+                            <a:lumMod val="45000"/>
+                            <a:lumOff val="55000"/>
+                          </a:schemeClr>
+                        </a:gs>
+                        <a:gs pos="83000">
+                          <a:schemeClr val="accent6">
+                            <a:lumMod val="45000"/>
+                            <a:lumOff val="55000"/>
+                          </a:schemeClr>
+                        </a:gs>
+                        <a:gs pos="100000">
+                          <a:schemeClr val="accent6">
+                            <a:lumMod val="30000"/>
+                            <a:lumOff val="70000"/>
+                          </a:schemeClr>
+                        </a:gs>
+                      </a:gsLst>
+                      <a:lin ang="5400000" scaled="1"/>
+                      <a:tileRect/>
+                    </a:gradFill>
+                  </a:tcPr>
+                </a:tc>
+                <a:tc>
+                  <a:txBody>
+                    <a:bodyPr/>
+                    <a:lstStyle/>
+                    <a:p>
+                      <a:pPr algn="ctr" fontAlgn="ctr"/>
+                      <a:r>
+                        <a:rPr lang="en-US" sz="900" b="0" dirty="0">
+                          <a:effectLst/>
+                        </a:rPr>
+                        <a:t>Problems like </a:t>
+                      </a:r>
+                      <a:r>
+                        <a:rPr lang="en-US" sz="900" b="0" u="sng" dirty="0">
+                          <a:effectLst/>
+                          <a:hlinkClick r:id="rId5"/>
+                        </a:rPr>
+                        <a:t>House Price Prediction</a:t>
+                      </a:r>
+                      <a:r>
+                        <a:rPr lang="en-US" sz="900" b="0" dirty="0">
+                          <a:effectLst/>
+                        </a:rPr>
+                        <a:t>, </a:t>
+                      </a:r>
+                      <a:r>
+                        <a:rPr lang="en-US" sz="900" b="0" u="sng" dirty="0">
+                          <a:effectLst/>
+                          <a:hlinkClick r:id="rId6"/>
+                        </a:rPr>
+                        <a:t>Rainfall Prediction</a:t>
+                      </a:r>
+                      <a:r>
+                        <a:rPr lang="en-US" sz="900" b="0" dirty="0">
+                          <a:effectLst/>
+                        </a:rPr>
+                        <a:t> like problems are solved using regression Algorithms.</a:t>
+                      </a:r>
+                    </a:p>
+                  </a:txBody>
+                  <a:tcPr marL="32381" marR="32381" marT="45334" marB="45334" anchor="ctr">
+                    <a:lnL w="2286" cap="flat" cmpd="sng" algn="ctr">
+                      <a:solidFill>
+                        <a:srgbClr val="DFDFDF"/>
+                      </a:solidFill>
+                      <a:prstDash val="solid"/>
+                      <a:round/>
+                      <a:headEnd type="none" w="med" len="med"/>
+                      <a:tailEnd type="none" w="med" len="med"/>
+                    </a:lnL>
+                    <a:lnR w="2286" cap="flat" cmpd="sng" algn="ctr">
+                      <a:solidFill>
+                        <a:srgbClr val="DFDFDF"/>
+                      </a:solidFill>
+                      <a:prstDash val="solid"/>
+                      <a:round/>
+                      <a:headEnd type="none" w="med" len="med"/>
+                      <a:tailEnd type="none" w="med" len="med"/>
+                    </a:lnR>
+                    <a:lnT w="2286" cap="flat" cmpd="sng" algn="ctr">
+                      <a:solidFill>
+                        <a:srgbClr val="DFDFDF"/>
+                      </a:solidFill>
+                      <a:prstDash val="solid"/>
+                      <a:round/>
+                      <a:headEnd type="none" w="med" len="med"/>
+                      <a:tailEnd type="none" w="med" len="med"/>
+                    </a:lnT>
+                    <a:lnB w="2286" cap="flat" cmpd="sng" algn="ctr">
+                      <a:solidFill>
+                        <a:srgbClr val="DFDFDF"/>
+                      </a:solidFill>
+                      <a:prstDash val="solid"/>
+                      <a:round/>
+                      <a:headEnd type="none" w="med" len="med"/>
+                      <a:tailEnd type="none" w="med" len="med"/>
+                    </a:lnB>
+                    <a:gradFill flip="none" rotWithShape="1">
+                      <a:gsLst>
+                        <a:gs pos="0">
+                          <a:schemeClr val="accent6">
+                            <a:lumMod val="5000"/>
+                            <a:lumOff val="95000"/>
+                          </a:schemeClr>
+                        </a:gs>
+                        <a:gs pos="74000">
+                          <a:schemeClr val="accent6">
+                            <a:lumMod val="45000"/>
+                            <a:lumOff val="55000"/>
+                          </a:schemeClr>
+                        </a:gs>
+                        <a:gs pos="83000">
+                          <a:schemeClr val="accent6">
+                            <a:lumMod val="45000"/>
+                            <a:lumOff val="55000"/>
+                          </a:schemeClr>
+                        </a:gs>
+                        <a:gs pos="100000">
+                          <a:schemeClr val="accent6">
+                            <a:lumMod val="30000"/>
+                            <a:lumOff val="70000"/>
+                          </a:schemeClr>
+                        </a:gs>
+                      </a:gsLst>
+                      <a:lin ang="5400000" scaled="1"/>
+                      <a:tileRect/>
+                    </a:gradFill>
+                  </a:tcPr>
+                </a:tc>
+                <a:extLst>
+                  <a:ext uri="{0D108BD9-81ED-4DB2-BD59-A6C34878D82A}">
+                    <a16:rowId xmlns:a16="http://schemas.microsoft.com/office/drawing/2014/main" val="2742226453"/>
+                  </a:ext>
+                </a:extLst>
+              </a:tr>
+              <a:tr h="422056">
+                <a:tc>
+                  <a:txBody>
+                    <a:bodyPr/>
+                    <a:lstStyle/>
+                    <a:p>
+                      <a:pPr algn="ctr" fontAlgn="ctr"/>
+                      <a:r>
+                        <a:rPr lang="en-US" sz="900" b="0" dirty="0">
+                          <a:effectLst/>
+                        </a:rPr>
+                        <a:t>In this algorithm, we try to find the best possible decision boundary which can separate the two classes with the maximum possible separation.</a:t>
+                      </a:r>
+                    </a:p>
+                  </a:txBody>
+                  <a:tcPr marL="32381" marR="32381" marT="45334" marB="45334" anchor="ctr">
+                    <a:lnL w="2286" cap="flat" cmpd="sng" algn="ctr">
+                      <a:solidFill>
+                        <a:srgbClr val="DFDFDF"/>
+                      </a:solidFill>
+                      <a:prstDash val="solid"/>
+                      <a:round/>
+                      <a:headEnd type="none" w="med" len="med"/>
+                      <a:tailEnd type="none" w="med" len="med"/>
+                    </a:lnL>
+                    <a:lnR w="2286" cap="flat" cmpd="sng" algn="ctr">
+                      <a:solidFill>
+                        <a:srgbClr val="DFDFDF"/>
+                      </a:solidFill>
+                      <a:prstDash val="solid"/>
+                      <a:round/>
+                      <a:headEnd type="none" w="med" len="med"/>
+                      <a:tailEnd type="none" w="med" len="med"/>
+                    </a:lnR>
+                    <a:lnT w="2286" cap="flat" cmpd="sng" algn="ctr">
+                      <a:solidFill>
+                        <a:srgbClr val="DFDFDF"/>
+                      </a:solidFill>
+                      <a:prstDash val="solid"/>
+                      <a:round/>
+                      <a:headEnd type="none" w="med" len="med"/>
+                      <a:tailEnd type="none" w="med" len="med"/>
+                    </a:lnT>
+                    <a:lnB w="2286" cap="flat" cmpd="sng" algn="ctr">
+                      <a:solidFill>
+                        <a:srgbClr val="DFDFDF"/>
+                      </a:solidFill>
+                      <a:prstDash val="solid"/>
+                      <a:round/>
+                      <a:headEnd type="none" w="med" len="med"/>
+                      <a:tailEnd type="none" w="med" len="med"/>
+                    </a:lnB>
+                    <a:gradFill flip="none" rotWithShape="1">
+                      <a:gsLst>
+                        <a:gs pos="0">
+                          <a:schemeClr val="accent6">
+                            <a:lumMod val="5000"/>
+                            <a:lumOff val="95000"/>
+                          </a:schemeClr>
+                        </a:gs>
+                        <a:gs pos="74000">
+                          <a:schemeClr val="accent6">
+                            <a:lumMod val="45000"/>
+                            <a:lumOff val="55000"/>
+                          </a:schemeClr>
+                        </a:gs>
+                        <a:gs pos="83000">
+                          <a:schemeClr val="accent6">
+                            <a:lumMod val="45000"/>
+                            <a:lumOff val="55000"/>
+                          </a:schemeClr>
+                        </a:gs>
+                        <a:gs pos="100000">
+                          <a:schemeClr val="accent6">
+                            <a:lumMod val="30000"/>
+                            <a:lumOff val="70000"/>
+                          </a:schemeClr>
+                        </a:gs>
+                      </a:gsLst>
+                      <a:lin ang="5400000" scaled="1"/>
+                      <a:tileRect/>
+                    </a:gradFill>
+                  </a:tcPr>
+                </a:tc>
+                <a:tc>
+                  <a:txBody>
+                    <a:bodyPr/>
+                    <a:lstStyle/>
+                    <a:p>
+                      <a:pPr algn="ctr" fontAlgn="ctr"/>
+                      <a:r>
+                        <a:rPr lang="en-US" sz="900" b="0">
+                          <a:effectLst/>
+                        </a:rPr>
+                        <a:t>In this algorithm, we try to find the best-fit line which can represent the overall trend in the data.</a:t>
+                      </a:r>
+                    </a:p>
+                  </a:txBody>
+                  <a:tcPr marL="32381" marR="32381" marT="45334" marB="45334" anchor="ctr">
+                    <a:lnL w="2286" cap="flat" cmpd="sng" algn="ctr">
+                      <a:solidFill>
+                        <a:srgbClr val="DFDFDF"/>
+                      </a:solidFill>
+                      <a:prstDash val="solid"/>
+                      <a:round/>
+                      <a:headEnd type="none" w="med" len="med"/>
+                      <a:tailEnd type="none" w="med" len="med"/>
+                    </a:lnL>
+                    <a:lnR w="2286" cap="flat" cmpd="sng" algn="ctr">
+                      <a:solidFill>
+                        <a:srgbClr val="DFDFDF"/>
+                      </a:solidFill>
+                      <a:prstDash val="solid"/>
+                      <a:round/>
+                      <a:headEnd type="none" w="med" len="med"/>
+                      <a:tailEnd type="none" w="med" len="med"/>
+                    </a:lnR>
+                    <a:lnT w="2286" cap="flat" cmpd="sng" algn="ctr">
+                      <a:solidFill>
+                        <a:srgbClr val="DFDFDF"/>
+                      </a:solidFill>
+                      <a:prstDash val="solid"/>
+                      <a:round/>
+                      <a:headEnd type="none" w="med" len="med"/>
+                      <a:tailEnd type="none" w="med" len="med"/>
+                    </a:lnT>
+                    <a:lnB w="2286" cap="flat" cmpd="sng" algn="ctr">
+                      <a:solidFill>
+                        <a:srgbClr val="DFDFDF"/>
+                      </a:solidFill>
+                      <a:prstDash val="solid"/>
+                      <a:round/>
+                      <a:headEnd type="none" w="med" len="med"/>
+                      <a:tailEnd type="none" w="med" len="med"/>
+                    </a:lnB>
+                    <a:gradFill flip="none" rotWithShape="1">
+                      <a:gsLst>
+                        <a:gs pos="0">
+                          <a:schemeClr val="accent6">
+                            <a:lumMod val="5000"/>
+                            <a:lumOff val="95000"/>
+                          </a:schemeClr>
+                        </a:gs>
+                        <a:gs pos="74000">
+                          <a:schemeClr val="accent6">
+                            <a:lumMod val="45000"/>
+                            <a:lumOff val="55000"/>
+                          </a:schemeClr>
+                        </a:gs>
+                        <a:gs pos="83000">
+                          <a:schemeClr val="accent6">
+                            <a:lumMod val="45000"/>
+                            <a:lumOff val="55000"/>
+                          </a:schemeClr>
+                        </a:gs>
+                        <a:gs pos="100000">
+                          <a:schemeClr val="accent6">
+                            <a:lumMod val="30000"/>
+                            <a:lumOff val="70000"/>
+                          </a:schemeClr>
+                        </a:gs>
+                      </a:gsLst>
+                      <a:lin ang="5400000" scaled="1"/>
+                      <a:tileRect/>
+                    </a:gradFill>
+                  </a:tcPr>
+                </a:tc>
+                <a:extLst>
+                  <a:ext uri="{0D108BD9-81ED-4DB2-BD59-A6C34878D82A}">
+                    <a16:rowId xmlns:a16="http://schemas.microsoft.com/office/drawing/2014/main" val="4050255600"/>
+                  </a:ext>
+                </a:extLst>
+              </a:tr>
+              <a:tr h="422056">
+                <a:tc>
+                  <a:txBody>
+                    <a:bodyPr/>
+                    <a:lstStyle/>
+                    <a:p>
+                      <a:pPr algn="ctr" fontAlgn="ctr"/>
+                      <a:r>
+                        <a:rPr lang="en-US" sz="900" b="0" u="sng" dirty="0">
+                          <a:effectLst/>
+                          <a:hlinkClick r:id="rId7"/>
+                        </a:rPr>
+                        <a:t>Evaluation metrics</a:t>
+                      </a:r>
+                      <a:r>
+                        <a:rPr lang="en-US" sz="900" b="0" dirty="0">
+                          <a:effectLst/>
+                        </a:rPr>
+                        <a:t> like Precision, Recall, and F1-Score are used here to evaluate the performance of the classification algorithms.</a:t>
+                      </a:r>
+                    </a:p>
+                  </a:txBody>
+                  <a:tcPr marL="32381" marR="32381" marT="45334" marB="45334" anchor="ctr">
+                    <a:lnL w="2286" cap="flat" cmpd="sng" algn="ctr">
+                      <a:solidFill>
+                        <a:srgbClr val="DFDFDF"/>
+                      </a:solidFill>
+                      <a:prstDash val="solid"/>
+                      <a:round/>
+                      <a:headEnd type="none" w="med" len="med"/>
+                      <a:tailEnd type="none" w="med" len="med"/>
+                    </a:lnL>
+                    <a:lnR w="2286" cap="flat" cmpd="sng" algn="ctr">
+                      <a:solidFill>
+                        <a:srgbClr val="DFDFDF"/>
+                      </a:solidFill>
+                      <a:prstDash val="solid"/>
+                      <a:round/>
+                      <a:headEnd type="none" w="med" len="med"/>
+                      <a:tailEnd type="none" w="med" len="med"/>
+                    </a:lnR>
+                    <a:lnT w="2286" cap="flat" cmpd="sng" algn="ctr">
+                      <a:solidFill>
+                        <a:srgbClr val="DFDFDF"/>
+                      </a:solidFill>
+                      <a:prstDash val="solid"/>
+                      <a:round/>
+                      <a:headEnd type="none" w="med" len="med"/>
+                      <a:tailEnd type="none" w="med" len="med"/>
+                    </a:lnT>
+                    <a:lnB w="2286" cap="flat" cmpd="sng" algn="ctr">
+                      <a:solidFill>
+                        <a:srgbClr val="DFDFDF"/>
+                      </a:solidFill>
+                      <a:prstDash val="solid"/>
+                      <a:round/>
+                      <a:headEnd type="none" w="med" len="med"/>
+                      <a:tailEnd type="none" w="med" len="med"/>
+                    </a:lnB>
+                    <a:gradFill flip="none" rotWithShape="1">
+                      <a:gsLst>
+                        <a:gs pos="0">
+                          <a:schemeClr val="accent6">
+                            <a:lumMod val="5000"/>
+                            <a:lumOff val="95000"/>
+                          </a:schemeClr>
+                        </a:gs>
+                        <a:gs pos="74000">
+                          <a:schemeClr val="accent6">
+                            <a:lumMod val="45000"/>
+                            <a:lumOff val="55000"/>
+                          </a:schemeClr>
+                        </a:gs>
+                        <a:gs pos="83000">
+                          <a:schemeClr val="accent6">
+                            <a:lumMod val="45000"/>
+                            <a:lumOff val="55000"/>
+                          </a:schemeClr>
+                        </a:gs>
+                        <a:gs pos="100000">
+                          <a:schemeClr val="accent6">
+                            <a:lumMod val="30000"/>
+                            <a:lumOff val="70000"/>
+                          </a:schemeClr>
+                        </a:gs>
+                      </a:gsLst>
+                      <a:lin ang="5400000" scaled="1"/>
+                      <a:tileRect/>
+                    </a:gradFill>
+                  </a:tcPr>
+                </a:tc>
+                <a:tc>
+                  <a:txBody>
+                    <a:bodyPr/>
+                    <a:lstStyle/>
+                    <a:p>
+                      <a:pPr algn="ctr" fontAlgn="ctr"/>
+                      <a:r>
+                        <a:rPr lang="en-US" sz="900" b="0">
+                          <a:effectLst/>
+                        </a:rPr>
+                        <a:t>Evaluation metrics like </a:t>
+                      </a:r>
+                      <a:r>
+                        <a:rPr lang="en-US" sz="900" b="0" u="sng">
+                          <a:effectLst/>
+                          <a:hlinkClick r:id="rId8"/>
+                        </a:rPr>
+                        <a:t>Mean Squared Error,</a:t>
+                      </a:r>
+                      <a:r>
+                        <a:rPr lang="en-US" sz="900" b="0">
+                          <a:effectLst/>
+                        </a:rPr>
+                        <a:t> </a:t>
+                      </a:r>
+                      <a:r>
+                        <a:rPr lang="en-US" sz="900" b="0" u="sng">
+                          <a:effectLst/>
+                          <a:hlinkClick r:id="rId9"/>
+                        </a:rPr>
+                        <a:t>R2-Score</a:t>
+                      </a:r>
+                      <a:r>
+                        <a:rPr lang="en-US" sz="900" b="0">
+                          <a:effectLst/>
+                        </a:rPr>
+                        <a:t>, and  </a:t>
+                      </a:r>
+                      <a:r>
+                        <a:rPr lang="en-US" sz="900" b="0" u="sng">
+                          <a:effectLst/>
+                          <a:hlinkClick r:id="rId10"/>
+                        </a:rPr>
+                        <a:t>MAPE</a:t>
+                      </a:r>
+                      <a:r>
+                        <a:rPr lang="en-US" sz="900" b="0">
+                          <a:effectLst/>
+                        </a:rPr>
+                        <a:t> are used here to evaluate the performance of the regression algorithms.</a:t>
+                      </a:r>
+                    </a:p>
+                  </a:txBody>
+                  <a:tcPr marL="32381" marR="32381" marT="45334" marB="45334" anchor="ctr">
+                    <a:lnL w="2286" cap="flat" cmpd="sng" algn="ctr">
+                      <a:solidFill>
+                        <a:srgbClr val="DFDFDF"/>
+                      </a:solidFill>
+                      <a:prstDash val="solid"/>
+                      <a:round/>
+                      <a:headEnd type="none" w="med" len="med"/>
+                      <a:tailEnd type="none" w="med" len="med"/>
+                    </a:lnL>
+                    <a:lnR w="2286" cap="flat" cmpd="sng" algn="ctr">
+                      <a:solidFill>
+                        <a:srgbClr val="DFDFDF"/>
+                      </a:solidFill>
+                      <a:prstDash val="solid"/>
+                      <a:round/>
+                      <a:headEnd type="none" w="med" len="med"/>
+                      <a:tailEnd type="none" w="med" len="med"/>
+                    </a:lnR>
+                    <a:lnT w="2286" cap="flat" cmpd="sng" algn="ctr">
+                      <a:solidFill>
+                        <a:srgbClr val="DFDFDF"/>
+                      </a:solidFill>
+                      <a:prstDash val="solid"/>
+                      <a:round/>
+                      <a:headEnd type="none" w="med" len="med"/>
+                      <a:tailEnd type="none" w="med" len="med"/>
+                    </a:lnT>
+                    <a:lnB w="2286" cap="flat" cmpd="sng" algn="ctr">
+                      <a:solidFill>
+                        <a:srgbClr val="DFDFDF"/>
+                      </a:solidFill>
+                      <a:prstDash val="solid"/>
+                      <a:round/>
+                      <a:headEnd type="none" w="med" len="med"/>
+                      <a:tailEnd type="none" w="med" len="med"/>
+                    </a:lnB>
+                    <a:gradFill flip="none" rotWithShape="1">
+                      <a:gsLst>
+                        <a:gs pos="0">
+                          <a:schemeClr val="accent6">
+                            <a:lumMod val="5000"/>
+                            <a:lumOff val="95000"/>
+                          </a:schemeClr>
+                        </a:gs>
+                        <a:gs pos="74000">
+                          <a:schemeClr val="accent6">
+                            <a:lumMod val="45000"/>
+                            <a:lumOff val="55000"/>
+                          </a:schemeClr>
+                        </a:gs>
+                        <a:gs pos="83000">
+                          <a:schemeClr val="accent6">
+                            <a:lumMod val="45000"/>
+                            <a:lumOff val="55000"/>
+                          </a:schemeClr>
+                        </a:gs>
+                        <a:gs pos="100000">
+                          <a:schemeClr val="accent6">
+                            <a:lumMod val="30000"/>
+                            <a:lumOff val="70000"/>
+                          </a:schemeClr>
+                        </a:gs>
+                      </a:gsLst>
+                      <a:lin ang="5400000" scaled="1"/>
+                      <a:tileRect/>
+                    </a:gradFill>
+                  </a:tcPr>
+                </a:tc>
+                <a:extLst>
+                  <a:ext uri="{0D108BD9-81ED-4DB2-BD59-A6C34878D82A}">
+                    <a16:rowId xmlns:a16="http://schemas.microsoft.com/office/drawing/2014/main" val="921130489"/>
+                  </a:ext>
+                </a:extLst>
+              </a:tr>
+              <a:tr h="319616">
+                <a:tc>
+                  <a:txBody>
+                    <a:bodyPr/>
+                    <a:lstStyle/>
+                    <a:p>
+                      <a:pPr algn="ctr" fontAlgn="ctr"/>
+                      <a:r>
+                        <a:rPr lang="en-US" sz="900" b="0" dirty="0">
+                          <a:effectLst/>
+                        </a:rPr>
+                        <a:t>Here we face the problems like </a:t>
+                      </a:r>
+                      <a:r>
+                        <a:rPr lang="en-US" sz="900" b="0" u="sng" dirty="0">
+                          <a:effectLst/>
+                          <a:hlinkClick r:id="rId11"/>
+                        </a:rPr>
+                        <a:t>binary Classification</a:t>
+                      </a:r>
+                      <a:r>
+                        <a:rPr lang="en-US" sz="900" b="0" dirty="0">
+                          <a:effectLst/>
+                        </a:rPr>
+                        <a:t> or </a:t>
+                      </a:r>
+                      <a:r>
+                        <a:rPr lang="en-US" sz="900" b="0" u="sng" dirty="0">
+                          <a:effectLst/>
+                          <a:hlinkClick r:id="rId12"/>
+                        </a:rPr>
+                        <a:t>Multi-Class Classification</a:t>
+                      </a:r>
+                      <a:r>
+                        <a:rPr lang="en-US" sz="900" b="0" dirty="0">
+                          <a:effectLst/>
+                        </a:rPr>
+                        <a:t> problems.</a:t>
+                      </a:r>
+                    </a:p>
+                  </a:txBody>
+                  <a:tcPr marL="32381" marR="32381" marT="45334" marB="45334" anchor="ctr">
+                    <a:lnL w="2286" cap="flat" cmpd="sng" algn="ctr">
+                      <a:solidFill>
+                        <a:srgbClr val="DFDFDF"/>
+                      </a:solidFill>
+                      <a:prstDash val="solid"/>
+                      <a:round/>
+                      <a:headEnd type="none" w="med" len="med"/>
+                      <a:tailEnd type="none" w="med" len="med"/>
+                    </a:lnL>
+                    <a:lnR w="2286" cap="flat" cmpd="sng" algn="ctr">
+                      <a:solidFill>
+                        <a:srgbClr val="DFDFDF"/>
+                      </a:solidFill>
+                      <a:prstDash val="solid"/>
+                      <a:round/>
+                      <a:headEnd type="none" w="med" len="med"/>
+                      <a:tailEnd type="none" w="med" len="med"/>
+                    </a:lnR>
+                    <a:lnT w="2286" cap="flat" cmpd="sng" algn="ctr">
+                      <a:solidFill>
+                        <a:srgbClr val="DFDFDF"/>
+                      </a:solidFill>
+                      <a:prstDash val="solid"/>
+                      <a:round/>
+                      <a:headEnd type="none" w="med" len="med"/>
+                      <a:tailEnd type="none" w="med" len="med"/>
+                    </a:lnT>
+                    <a:lnB w="2286" cap="flat" cmpd="sng" algn="ctr">
+                      <a:solidFill>
+                        <a:srgbClr val="DFDFDF"/>
+                      </a:solidFill>
+                      <a:prstDash val="solid"/>
+                      <a:round/>
+                      <a:headEnd type="none" w="med" len="med"/>
+                      <a:tailEnd type="none" w="med" len="med"/>
+                    </a:lnB>
+                    <a:gradFill flip="none" rotWithShape="1">
+                      <a:gsLst>
+                        <a:gs pos="0">
+                          <a:schemeClr val="accent6">
+                            <a:lumMod val="5000"/>
+                            <a:lumOff val="95000"/>
+                          </a:schemeClr>
+                        </a:gs>
+                        <a:gs pos="74000">
+                          <a:schemeClr val="accent6">
+                            <a:lumMod val="45000"/>
+                            <a:lumOff val="55000"/>
+                          </a:schemeClr>
+                        </a:gs>
+                        <a:gs pos="83000">
+                          <a:schemeClr val="accent6">
+                            <a:lumMod val="45000"/>
+                            <a:lumOff val="55000"/>
+                          </a:schemeClr>
+                        </a:gs>
+                        <a:gs pos="100000">
+                          <a:schemeClr val="accent6">
+                            <a:lumMod val="30000"/>
+                            <a:lumOff val="70000"/>
+                          </a:schemeClr>
+                        </a:gs>
+                      </a:gsLst>
+                      <a:lin ang="5400000" scaled="1"/>
+                      <a:tileRect/>
+                    </a:gradFill>
+                  </a:tcPr>
+                </a:tc>
+                <a:tc>
+                  <a:txBody>
+                    <a:bodyPr/>
+                    <a:lstStyle/>
+                    <a:p>
+                      <a:pPr algn="ctr" fontAlgn="ctr"/>
+                      <a:r>
+                        <a:rPr lang="en-US" sz="900" b="0">
+                          <a:effectLst/>
+                        </a:rPr>
+                        <a:t>Here we face the problems like </a:t>
+                      </a:r>
+                      <a:r>
+                        <a:rPr lang="en-US" sz="900" b="0" u="sng">
+                          <a:effectLst/>
+                          <a:hlinkClick r:id="rId13"/>
+                        </a:rPr>
+                        <a:t>Linear Regression</a:t>
+                      </a:r>
+                      <a:r>
+                        <a:rPr lang="en-US" sz="900" b="0">
+                          <a:effectLst/>
+                        </a:rPr>
+                        <a:t> models as well as non-linear models.</a:t>
+                      </a:r>
+                    </a:p>
+                  </a:txBody>
+                  <a:tcPr marL="32381" marR="32381" marT="45334" marB="45334" anchor="ctr">
+                    <a:lnL w="2286" cap="flat" cmpd="sng" algn="ctr">
+                      <a:solidFill>
+                        <a:srgbClr val="DFDFDF"/>
+                      </a:solidFill>
+                      <a:prstDash val="solid"/>
+                      <a:round/>
+                      <a:headEnd type="none" w="med" len="med"/>
+                      <a:tailEnd type="none" w="med" len="med"/>
+                    </a:lnL>
+                    <a:lnR w="2286" cap="flat" cmpd="sng" algn="ctr">
+                      <a:solidFill>
+                        <a:srgbClr val="DFDFDF"/>
+                      </a:solidFill>
+                      <a:prstDash val="solid"/>
+                      <a:round/>
+                      <a:headEnd type="none" w="med" len="med"/>
+                      <a:tailEnd type="none" w="med" len="med"/>
+                    </a:lnR>
+                    <a:lnT w="2286" cap="flat" cmpd="sng" algn="ctr">
+                      <a:solidFill>
+                        <a:srgbClr val="DFDFDF"/>
+                      </a:solidFill>
+                      <a:prstDash val="solid"/>
+                      <a:round/>
+                      <a:headEnd type="none" w="med" len="med"/>
+                      <a:tailEnd type="none" w="med" len="med"/>
+                    </a:lnT>
+                    <a:lnB w="2286" cap="flat" cmpd="sng" algn="ctr">
+                      <a:solidFill>
+                        <a:srgbClr val="DFDFDF"/>
+                      </a:solidFill>
+                      <a:prstDash val="solid"/>
+                      <a:round/>
+                      <a:headEnd type="none" w="med" len="med"/>
+                      <a:tailEnd type="none" w="med" len="med"/>
+                    </a:lnB>
+                    <a:gradFill flip="none" rotWithShape="1">
+                      <a:gsLst>
+                        <a:gs pos="0">
+                          <a:schemeClr val="accent6">
+                            <a:lumMod val="5000"/>
+                            <a:lumOff val="95000"/>
+                          </a:schemeClr>
+                        </a:gs>
+                        <a:gs pos="74000">
+                          <a:schemeClr val="accent6">
+                            <a:lumMod val="45000"/>
+                            <a:lumOff val="55000"/>
+                          </a:schemeClr>
+                        </a:gs>
+                        <a:gs pos="83000">
+                          <a:schemeClr val="accent6">
+                            <a:lumMod val="45000"/>
+                            <a:lumOff val="55000"/>
+                          </a:schemeClr>
+                        </a:gs>
+                        <a:gs pos="100000">
+                          <a:schemeClr val="accent6">
+                            <a:lumMod val="30000"/>
+                            <a:lumOff val="70000"/>
+                          </a:schemeClr>
+                        </a:gs>
+                      </a:gsLst>
+                      <a:lin ang="5400000" scaled="1"/>
+                      <a:tileRect/>
+                    </a:gradFill>
+                  </a:tcPr>
+                </a:tc>
+                <a:extLst>
+                  <a:ext uri="{0D108BD9-81ED-4DB2-BD59-A6C34878D82A}">
+                    <a16:rowId xmlns:a16="http://schemas.microsoft.com/office/drawing/2014/main" val="2459986561"/>
+                  </a:ext>
+                </a:extLst>
+              </a:tr>
+              <a:tr h="319616">
+                <a:tc>
+                  <a:txBody>
+                    <a:bodyPr/>
+                    <a:lstStyle/>
+                    <a:p>
+                      <a:pPr algn="ctr" fontAlgn="ctr"/>
+                      <a:r>
+                        <a:rPr lang="en-US" sz="900" b="0" dirty="0">
+                          <a:effectLst/>
+                        </a:rPr>
+                        <a:t>Input Data are Independent variables and categorical dependent variable.</a:t>
+                      </a:r>
+                    </a:p>
+                  </a:txBody>
+                  <a:tcPr marL="32381" marR="32381" marT="45334" marB="45334" anchor="ctr">
+                    <a:lnL w="2286" cap="flat" cmpd="sng" algn="ctr">
+                      <a:solidFill>
+                        <a:srgbClr val="DFDFDF"/>
+                      </a:solidFill>
+                      <a:prstDash val="solid"/>
+                      <a:round/>
+                      <a:headEnd type="none" w="med" len="med"/>
+                      <a:tailEnd type="none" w="med" len="med"/>
+                    </a:lnL>
+                    <a:lnR w="2286" cap="flat" cmpd="sng" algn="ctr">
+                      <a:solidFill>
+                        <a:srgbClr val="DFDFDF"/>
+                      </a:solidFill>
+                      <a:prstDash val="solid"/>
+                      <a:round/>
+                      <a:headEnd type="none" w="med" len="med"/>
+                      <a:tailEnd type="none" w="med" len="med"/>
+                    </a:lnR>
+                    <a:lnT w="2286" cap="flat" cmpd="sng" algn="ctr">
+                      <a:solidFill>
+                        <a:srgbClr val="DFDFDF"/>
+                      </a:solidFill>
+                      <a:prstDash val="solid"/>
+                      <a:round/>
+                      <a:headEnd type="none" w="med" len="med"/>
+                      <a:tailEnd type="none" w="med" len="med"/>
+                    </a:lnT>
+                    <a:lnB w="2286" cap="flat" cmpd="sng" algn="ctr">
+                      <a:solidFill>
+                        <a:srgbClr val="DFDFDF"/>
+                      </a:solidFill>
+                      <a:prstDash val="solid"/>
+                      <a:round/>
+                      <a:headEnd type="none" w="med" len="med"/>
+                      <a:tailEnd type="none" w="med" len="med"/>
+                    </a:lnB>
+                    <a:gradFill flip="none" rotWithShape="1">
+                      <a:gsLst>
+                        <a:gs pos="0">
+                          <a:schemeClr val="accent6">
+                            <a:lumMod val="5000"/>
+                            <a:lumOff val="95000"/>
+                          </a:schemeClr>
+                        </a:gs>
+                        <a:gs pos="74000">
+                          <a:schemeClr val="accent6">
+                            <a:lumMod val="45000"/>
+                            <a:lumOff val="55000"/>
+                          </a:schemeClr>
+                        </a:gs>
+                        <a:gs pos="83000">
+                          <a:schemeClr val="accent6">
+                            <a:lumMod val="45000"/>
+                            <a:lumOff val="55000"/>
+                          </a:schemeClr>
+                        </a:gs>
+                        <a:gs pos="100000">
+                          <a:schemeClr val="accent6">
+                            <a:lumMod val="30000"/>
+                            <a:lumOff val="70000"/>
+                          </a:schemeClr>
+                        </a:gs>
+                      </a:gsLst>
+                      <a:lin ang="5400000" scaled="1"/>
+                      <a:tileRect/>
+                    </a:gradFill>
+                  </a:tcPr>
+                </a:tc>
+                <a:tc>
+                  <a:txBody>
+                    <a:bodyPr/>
+                    <a:lstStyle/>
+                    <a:p>
+                      <a:pPr algn="ctr" fontAlgn="ctr"/>
+                      <a:r>
+                        <a:rPr lang="en-US" sz="900" b="0">
+                          <a:effectLst/>
+                        </a:rPr>
+                        <a:t>Input Data are Independent variables and continuous dependent variable.</a:t>
+                      </a:r>
+                    </a:p>
+                  </a:txBody>
+                  <a:tcPr marL="32381" marR="32381" marT="45334" marB="45334" anchor="ctr">
+                    <a:lnL w="2286" cap="flat" cmpd="sng" algn="ctr">
+                      <a:solidFill>
+                        <a:srgbClr val="DFDFDF"/>
+                      </a:solidFill>
+                      <a:prstDash val="solid"/>
+                      <a:round/>
+                      <a:headEnd type="none" w="med" len="med"/>
+                      <a:tailEnd type="none" w="med" len="med"/>
+                    </a:lnL>
+                    <a:lnR w="2286" cap="flat" cmpd="sng" algn="ctr">
+                      <a:solidFill>
+                        <a:srgbClr val="DFDFDF"/>
+                      </a:solidFill>
+                      <a:prstDash val="solid"/>
+                      <a:round/>
+                      <a:headEnd type="none" w="med" len="med"/>
+                      <a:tailEnd type="none" w="med" len="med"/>
+                    </a:lnR>
+                    <a:lnT w="2286" cap="flat" cmpd="sng" algn="ctr">
+                      <a:solidFill>
+                        <a:srgbClr val="DFDFDF"/>
+                      </a:solidFill>
+                      <a:prstDash val="solid"/>
+                      <a:round/>
+                      <a:headEnd type="none" w="med" len="med"/>
+                      <a:tailEnd type="none" w="med" len="med"/>
+                    </a:lnT>
+                    <a:lnB w="2286" cap="flat" cmpd="sng" algn="ctr">
+                      <a:solidFill>
+                        <a:srgbClr val="DFDFDF"/>
+                      </a:solidFill>
+                      <a:prstDash val="solid"/>
+                      <a:round/>
+                      <a:headEnd type="none" w="med" len="med"/>
+                      <a:tailEnd type="none" w="med" len="med"/>
+                    </a:lnB>
+                    <a:gradFill flip="none" rotWithShape="1">
+                      <a:gsLst>
+                        <a:gs pos="0">
+                          <a:schemeClr val="accent6">
+                            <a:lumMod val="5000"/>
+                            <a:lumOff val="95000"/>
+                          </a:schemeClr>
+                        </a:gs>
+                        <a:gs pos="74000">
+                          <a:schemeClr val="accent6">
+                            <a:lumMod val="45000"/>
+                            <a:lumOff val="55000"/>
+                          </a:schemeClr>
+                        </a:gs>
+                        <a:gs pos="83000">
+                          <a:schemeClr val="accent6">
+                            <a:lumMod val="45000"/>
+                            <a:lumOff val="55000"/>
+                          </a:schemeClr>
+                        </a:gs>
+                        <a:gs pos="100000">
+                          <a:schemeClr val="accent6">
+                            <a:lumMod val="30000"/>
+                            <a:lumOff val="70000"/>
+                          </a:schemeClr>
+                        </a:gs>
+                      </a:gsLst>
+                      <a:lin ang="5400000" scaled="1"/>
+                      <a:tileRect/>
+                    </a:gradFill>
+                  </a:tcPr>
+                </a:tc>
+                <a:extLst>
+                  <a:ext uri="{0D108BD9-81ED-4DB2-BD59-A6C34878D82A}">
+                    <a16:rowId xmlns:a16="http://schemas.microsoft.com/office/drawing/2014/main" val="1382402794"/>
+                  </a:ext>
+                </a:extLst>
+              </a:tr>
+              <a:tr h="319616">
+                <a:tc>
+                  <a:txBody>
+                    <a:bodyPr/>
+                    <a:lstStyle/>
+                    <a:p>
+                      <a:pPr algn="just" rtl="0" fontAlgn="base"/>
+                      <a:r>
+                        <a:rPr lang="en-US" sz="900" b="0">
+                          <a:effectLst/>
+                        </a:rPr>
+                        <a:t>The classification algorithm’s task mapping the input value of x with the discrete output variable of y.</a:t>
+                      </a:r>
+                    </a:p>
+                  </a:txBody>
+                  <a:tcPr marL="32381" marR="32381" marT="45334" marB="45334" anchor="ctr">
+                    <a:lnL w="2286" cap="flat" cmpd="sng" algn="ctr">
+                      <a:solidFill>
+                        <a:srgbClr val="DFDFDF"/>
+                      </a:solidFill>
+                      <a:prstDash val="solid"/>
+                      <a:round/>
+                      <a:headEnd type="none" w="med" len="med"/>
+                      <a:tailEnd type="none" w="med" len="med"/>
+                    </a:lnL>
+                    <a:lnR w="2286" cap="flat" cmpd="sng" algn="ctr">
+                      <a:solidFill>
+                        <a:srgbClr val="DFDFDF"/>
+                      </a:solidFill>
+                      <a:prstDash val="solid"/>
+                      <a:round/>
+                      <a:headEnd type="none" w="med" len="med"/>
+                      <a:tailEnd type="none" w="med" len="med"/>
+                    </a:lnR>
+                    <a:lnT w="2286" cap="flat" cmpd="sng" algn="ctr">
+                      <a:solidFill>
+                        <a:srgbClr val="DFDFDF"/>
+                      </a:solidFill>
+                      <a:prstDash val="solid"/>
+                      <a:round/>
+                      <a:headEnd type="none" w="med" len="med"/>
+                      <a:tailEnd type="none" w="med" len="med"/>
+                    </a:lnT>
+                    <a:lnB w="2286" cap="flat" cmpd="sng" algn="ctr">
+                      <a:solidFill>
+                        <a:srgbClr val="DFDFDF"/>
+                      </a:solidFill>
+                      <a:prstDash val="solid"/>
+                      <a:round/>
+                      <a:headEnd type="none" w="med" len="med"/>
+                      <a:tailEnd type="none" w="med" len="med"/>
+                    </a:lnB>
+                    <a:gradFill flip="none" rotWithShape="1">
+                      <a:gsLst>
+                        <a:gs pos="0">
+                          <a:schemeClr val="accent6">
+                            <a:lumMod val="5000"/>
+                            <a:lumOff val="95000"/>
+                          </a:schemeClr>
+                        </a:gs>
+                        <a:gs pos="74000">
+                          <a:schemeClr val="accent6">
+                            <a:lumMod val="45000"/>
+                            <a:lumOff val="55000"/>
+                          </a:schemeClr>
+                        </a:gs>
+                        <a:gs pos="83000">
+                          <a:schemeClr val="accent6">
+                            <a:lumMod val="45000"/>
+                            <a:lumOff val="55000"/>
+                          </a:schemeClr>
+                        </a:gs>
+                        <a:gs pos="100000">
+                          <a:schemeClr val="accent6">
+                            <a:lumMod val="30000"/>
+                            <a:lumOff val="70000"/>
+                          </a:schemeClr>
+                        </a:gs>
+                      </a:gsLst>
+                      <a:lin ang="5400000" scaled="1"/>
+                      <a:tileRect/>
+                    </a:gradFill>
+                  </a:tcPr>
+                </a:tc>
+                <a:tc>
+                  <a:txBody>
+                    <a:bodyPr/>
+                    <a:lstStyle/>
+                    <a:p>
+                      <a:pPr algn="just" rtl="0" fontAlgn="base"/>
+                      <a:r>
+                        <a:rPr lang="en-US" sz="900" b="0">
+                          <a:effectLst/>
+                        </a:rPr>
+                        <a:t>The regression algorithm’s task is mapping input value (x) with continuous output variable (y).</a:t>
+                      </a:r>
+                    </a:p>
+                  </a:txBody>
+                  <a:tcPr marL="32381" marR="32381" marT="45334" marB="45334" anchor="ctr">
+                    <a:lnL w="2286" cap="flat" cmpd="sng" algn="ctr">
+                      <a:solidFill>
+                        <a:srgbClr val="DFDFDF"/>
+                      </a:solidFill>
+                      <a:prstDash val="solid"/>
+                      <a:round/>
+                      <a:headEnd type="none" w="med" len="med"/>
+                      <a:tailEnd type="none" w="med" len="med"/>
+                    </a:lnL>
+                    <a:lnR w="2286" cap="flat" cmpd="sng" algn="ctr">
+                      <a:solidFill>
+                        <a:srgbClr val="DFDFDF"/>
+                      </a:solidFill>
+                      <a:prstDash val="solid"/>
+                      <a:round/>
+                      <a:headEnd type="none" w="med" len="med"/>
+                      <a:tailEnd type="none" w="med" len="med"/>
+                    </a:lnR>
+                    <a:lnT w="2286" cap="flat" cmpd="sng" algn="ctr">
+                      <a:solidFill>
+                        <a:srgbClr val="DFDFDF"/>
+                      </a:solidFill>
+                      <a:prstDash val="solid"/>
+                      <a:round/>
+                      <a:headEnd type="none" w="med" len="med"/>
+                      <a:tailEnd type="none" w="med" len="med"/>
+                    </a:lnT>
+                    <a:lnB w="2286" cap="flat" cmpd="sng" algn="ctr">
+                      <a:solidFill>
+                        <a:srgbClr val="DFDFDF"/>
+                      </a:solidFill>
+                      <a:prstDash val="solid"/>
+                      <a:round/>
+                      <a:headEnd type="none" w="med" len="med"/>
+                      <a:tailEnd type="none" w="med" len="med"/>
+                    </a:lnB>
+                    <a:gradFill flip="none" rotWithShape="1">
+                      <a:gsLst>
+                        <a:gs pos="0">
+                          <a:schemeClr val="accent6">
+                            <a:lumMod val="5000"/>
+                            <a:lumOff val="95000"/>
+                          </a:schemeClr>
+                        </a:gs>
+                        <a:gs pos="74000">
+                          <a:schemeClr val="accent6">
+                            <a:lumMod val="45000"/>
+                            <a:lumOff val="55000"/>
+                          </a:schemeClr>
+                        </a:gs>
+                        <a:gs pos="83000">
+                          <a:schemeClr val="accent6">
+                            <a:lumMod val="45000"/>
+                            <a:lumOff val="55000"/>
+                          </a:schemeClr>
+                        </a:gs>
+                        <a:gs pos="100000">
+                          <a:schemeClr val="accent6">
+                            <a:lumMod val="30000"/>
+                            <a:lumOff val="70000"/>
+                          </a:schemeClr>
+                        </a:gs>
+                      </a:gsLst>
+                      <a:lin ang="5400000" scaled="1"/>
+                      <a:tileRect/>
+                    </a:gradFill>
+                  </a:tcPr>
+                </a:tc>
+                <a:extLst>
+                  <a:ext uri="{0D108BD9-81ED-4DB2-BD59-A6C34878D82A}">
+                    <a16:rowId xmlns:a16="http://schemas.microsoft.com/office/drawing/2014/main" val="3502841922"/>
+                  </a:ext>
+                </a:extLst>
+              </a:tr>
+              <a:tr h="217174">
+                <a:tc>
+                  <a:txBody>
+                    <a:bodyPr/>
+                    <a:lstStyle/>
+                    <a:p>
+                      <a:pPr algn="ctr" fontAlgn="ctr"/>
+                      <a:r>
+                        <a:rPr lang="en-US" sz="900" b="0" dirty="0">
+                          <a:effectLst/>
+                        </a:rPr>
+                        <a:t>Output is Categorical labels.</a:t>
+                      </a:r>
+                    </a:p>
+                  </a:txBody>
+                  <a:tcPr marL="32381" marR="32381" marT="45334" marB="45334" anchor="ctr">
+                    <a:lnL w="2286" cap="flat" cmpd="sng" algn="ctr">
+                      <a:solidFill>
+                        <a:srgbClr val="DFDFDF"/>
+                      </a:solidFill>
+                      <a:prstDash val="solid"/>
+                      <a:round/>
+                      <a:headEnd type="none" w="med" len="med"/>
+                      <a:tailEnd type="none" w="med" len="med"/>
+                    </a:lnL>
+                    <a:lnR w="2286" cap="flat" cmpd="sng" algn="ctr">
+                      <a:solidFill>
+                        <a:srgbClr val="DFDFDF"/>
+                      </a:solidFill>
+                      <a:prstDash val="solid"/>
+                      <a:round/>
+                      <a:headEnd type="none" w="med" len="med"/>
+                      <a:tailEnd type="none" w="med" len="med"/>
+                    </a:lnR>
+                    <a:lnT w="2286" cap="flat" cmpd="sng" algn="ctr">
+                      <a:solidFill>
+                        <a:srgbClr val="DFDFDF"/>
+                      </a:solidFill>
+                      <a:prstDash val="solid"/>
+                      <a:round/>
+                      <a:headEnd type="none" w="med" len="med"/>
+                      <a:tailEnd type="none" w="med" len="med"/>
+                    </a:lnT>
+                    <a:lnB w="2286" cap="flat" cmpd="sng" algn="ctr">
+                      <a:solidFill>
+                        <a:srgbClr val="DFDFDF"/>
+                      </a:solidFill>
+                      <a:prstDash val="solid"/>
+                      <a:round/>
+                      <a:headEnd type="none" w="med" len="med"/>
+                      <a:tailEnd type="none" w="med" len="med"/>
+                    </a:lnB>
+                    <a:gradFill flip="none" rotWithShape="1">
+                      <a:gsLst>
+                        <a:gs pos="0">
+                          <a:schemeClr val="accent6">
+                            <a:lumMod val="5000"/>
+                            <a:lumOff val="95000"/>
+                          </a:schemeClr>
+                        </a:gs>
+                        <a:gs pos="74000">
+                          <a:schemeClr val="accent6">
+                            <a:lumMod val="45000"/>
+                            <a:lumOff val="55000"/>
+                          </a:schemeClr>
+                        </a:gs>
+                        <a:gs pos="83000">
+                          <a:schemeClr val="accent6">
+                            <a:lumMod val="45000"/>
+                            <a:lumOff val="55000"/>
+                          </a:schemeClr>
+                        </a:gs>
+                        <a:gs pos="100000">
+                          <a:schemeClr val="accent6">
+                            <a:lumMod val="30000"/>
+                            <a:lumOff val="70000"/>
+                          </a:schemeClr>
+                        </a:gs>
+                      </a:gsLst>
+                      <a:lin ang="5400000" scaled="1"/>
+                      <a:tileRect/>
+                    </a:gradFill>
+                  </a:tcPr>
+                </a:tc>
+                <a:tc>
+                  <a:txBody>
+                    <a:bodyPr/>
+                    <a:lstStyle/>
+                    <a:p>
+                      <a:pPr algn="ctr" fontAlgn="ctr"/>
+                      <a:r>
+                        <a:rPr lang="en-US" sz="900" b="0" dirty="0">
+                          <a:effectLst/>
+                        </a:rPr>
+                        <a:t>Output is Continuous numerical values.</a:t>
+                      </a:r>
+                    </a:p>
+                  </a:txBody>
+                  <a:tcPr marL="32381" marR="32381" marT="45334" marB="45334" anchor="ctr">
+                    <a:lnL w="2286" cap="flat" cmpd="sng" algn="ctr">
+                      <a:solidFill>
+                        <a:srgbClr val="DFDFDF"/>
+                      </a:solidFill>
+                      <a:prstDash val="solid"/>
+                      <a:round/>
+                      <a:headEnd type="none" w="med" len="med"/>
+                      <a:tailEnd type="none" w="med" len="med"/>
+                    </a:lnL>
+                    <a:lnR w="2286" cap="flat" cmpd="sng" algn="ctr">
+                      <a:solidFill>
+                        <a:srgbClr val="DFDFDF"/>
+                      </a:solidFill>
+                      <a:prstDash val="solid"/>
+                      <a:round/>
+                      <a:headEnd type="none" w="med" len="med"/>
+                      <a:tailEnd type="none" w="med" len="med"/>
+                    </a:lnR>
+                    <a:lnT w="2286" cap="flat" cmpd="sng" algn="ctr">
+                      <a:solidFill>
+                        <a:srgbClr val="DFDFDF"/>
+                      </a:solidFill>
+                      <a:prstDash val="solid"/>
+                      <a:round/>
+                      <a:headEnd type="none" w="med" len="med"/>
+                      <a:tailEnd type="none" w="med" len="med"/>
+                    </a:lnT>
+                    <a:lnB w="2286" cap="flat" cmpd="sng" algn="ctr">
+                      <a:solidFill>
+                        <a:srgbClr val="DFDFDF"/>
+                      </a:solidFill>
+                      <a:prstDash val="solid"/>
+                      <a:round/>
+                      <a:headEnd type="none" w="med" len="med"/>
+                      <a:tailEnd type="none" w="med" len="med"/>
+                    </a:lnB>
+                    <a:gradFill flip="none" rotWithShape="1">
+                      <a:gsLst>
+                        <a:gs pos="0">
+                          <a:schemeClr val="accent6">
+                            <a:lumMod val="5000"/>
+                            <a:lumOff val="95000"/>
+                          </a:schemeClr>
+                        </a:gs>
+                        <a:gs pos="74000">
+                          <a:schemeClr val="accent6">
+                            <a:lumMod val="45000"/>
+                            <a:lumOff val="55000"/>
+                          </a:schemeClr>
+                        </a:gs>
+                        <a:gs pos="83000">
+                          <a:schemeClr val="accent6">
+                            <a:lumMod val="45000"/>
+                            <a:lumOff val="55000"/>
+                          </a:schemeClr>
+                        </a:gs>
+                        <a:gs pos="100000">
+                          <a:schemeClr val="accent6">
+                            <a:lumMod val="30000"/>
+                            <a:lumOff val="70000"/>
+                          </a:schemeClr>
+                        </a:gs>
+                      </a:gsLst>
+                      <a:lin ang="5400000" scaled="1"/>
+                      <a:tileRect/>
+                    </a:gradFill>
+                  </a:tcPr>
+                </a:tc>
+                <a:extLst>
+                  <a:ext uri="{0D108BD9-81ED-4DB2-BD59-A6C34878D82A}">
+                    <a16:rowId xmlns:a16="http://schemas.microsoft.com/office/drawing/2014/main" val="3599250836"/>
+                  </a:ext>
+                </a:extLst>
+              </a:tr>
+              <a:tr h="217174">
+                <a:tc>
+                  <a:txBody>
+                    <a:bodyPr/>
+                    <a:lstStyle/>
+                    <a:p>
+                      <a:pPr algn="ctr" fontAlgn="ctr"/>
+                      <a:r>
+                        <a:rPr lang="en-US" sz="900" b="0">
+                          <a:effectLst/>
+                        </a:rPr>
+                        <a:t>Objective is to  Predict categorical/class labels.</a:t>
+                      </a:r>
+                    </a:p>
+                  </a:txBody>
+                  <a:tcPr marL="32381" marR="32381" marT="45334" marB="45334" anchor="ctr">
+                    <a:lnL w="2286" cap="flat" cmpd="sng" algn="ctr">
+                      <a:solidFill>
+                        <a:srgbClr val="DFDFDF"/>
+                      </a:solidFill>
+                      <a:prstDash val="solid"/>
+                      <a:round/>
+                      <a:headEnd type="none" w="med" len="med"/>
+                      <a:tailEnd type="none" w="med" len="med"/>
+                    </a:lnL>
+                    <a:lnR w="2286" cap="flat" cmpd="sng" algn="ctr">
+                      <a:solidFill>
+                        <a:srgbClr val="DFDFDF"/>
+                      </a:solidFill>
+                      <a:prstDash val="solid"/>
+                      <a:round/>
+                      <a:headEnd type="none" w="med" len="med"/>
+                      <a:tailEnd type="none" w="med" len="med"/>
+                    </a:lnR>
+                    <a:lnT w="2286" cap="flat" cmpd="sng" algn="ctr">
+                      <a:solidFill>
+                        <a:srgbClr val="DFDFDF"/>
+                      </a:solidFill>
+                      <a:prstDash val="solid"/>
+                      <a:round/>
+                      <a:headEnd type="none" w="med" len="med"/>
+                      <a:tailEnd type="none" w="med" len="med"/>
+                    </a:lnT>
+                    <a:lnB w="2286" cap="flat" cmpd="sng" algn="ctr">
+                      <a:solidFill>
+                        <a:srgbClr val="DFDFDF"/>
+                      </a:solidFill>
+                      <a:prstDash val="solid"/>
+                      <a:round/>
+                      <a:headEnd type="none" w="med" len="med"/>
+                      <a:tailEnd type="none" w="med" len="med"/>
+                    </a:lnB>
+                    <a:gradFill flip="none" rotWithShape="1">
+                      <a:gsLst>
+                        <a:gs pos="0">
+                          <a:schemeClr val="accent6">
+                            <a:lumMod val="5000"/>
+                            <a:lumOff val="95000"/>
+                          </a:schemeClr>
+                        </a:gs>
+                        <a:gs pos="74000">
+                          <a:schemeClr val="accent6">
+                            <a:lumMod val="45000"/>
+                            <a:lumOff val="55000"/>
+                          </a:schemeClr>
+                        </a:gs>
+                        <a:gs pos="83000">
+                          <a:schemeClr val="accent6">
+                            <a:lumMod val="45000"/>
+                            <a:lumOff val="55000"/>
+                          </a:schemeClr>
+                        </a:gs>
+                        <a:gs pos="100000">
+                          <a:schemeClr val="accent6">
+                            <a:lumMod val="30000"/>
+                            <a:lumOff val="70000"/>
+                          </a:schemeClr>
+                        </a:gs>
+                      </a:gsLst>
+                      <a:lin ang="5400000" scaled="1"/>
+                      <a:tileRect/>
+                    </a:gradFill>
+                  </a:tcPr>
+                </a:tc>
+                <a:tc>
+                  <a:txBody>
+                    <a:bodyPr/>
+                    <a:lstStyle/>
+                    <a:p>
+                      <a:pPr algn="ctr" fontAlgn="ctr"/>
+                      <a:r>
+                        <a:rPr lang="en-US" sz="900" b="0">
+                          <a:effectLst/>
+                        </a:rPr>
+                        <a:t>Objective is to Predicting continuous numerical values.</a:t>
+                      </a:r>
+                    </a:p>
+                  </a:txBody>
+                  <a:tcPr marL="32381" marR="32381" marT="45334" marB="45334" anchor="ctr">
+                    <a:lnL w="2286" cap="flat" cmpd="sng" algn="ctr">
+                      <a:solidFill>
+                        <a:srgbClr val="DFDFDF"/>
+                      </a:solidFill>
+                      <a:prstDash val="solid"/>
+                      <a:round/>
+                      <a:headEnd type="none" w="med" len="med"/>
+                      <a:tailEnd type="none" w="med" len="med"/>
+                    </a:lnL>
+                    <a:lnR w="2286" cap="flat" cmpd="sng" algn="ctr">
+                      <a:solidFill>
+                        <a:srgbClr val="DFDFDF"/>
+                      </a:solidFill>
+                      <a:prstDash val="solid"/>
+                      <a:round/>
+                      <a:headEnd type="none" w="med" len="med"/>
+                      <a:tailEnd type="none" w="med" len="med"/>
+                    </a:lnR>
+                    <a:lnT w="2286" cap="flat" cmpd="sng" algn="ctr">
+                      <a:solidFill>
+                        <a:srgbClr val="DFDFDF"/>
+                      </a:solidFill>
+                      <a:prstDash val="solid"/>
+                      <a:round/>
+                      <a:headEnd type="none" w="med" len="med"/>
+                      <a:tailEnd type="none" w="med" len="med"/>
+                    </a:lnT>
+                    <a:lnB w="2286" cap="flat" cmpd="sng" algn="ctr">
+                      <a:solidFill>
+                        <a:srgbClr val="DFDFDF"/>
+                      </a:solidFill>
+                      <a:prstDash val="solid"/>
+                      <a:round/>
+                      <a:headEnd type="none" w="med" len="med"/>
+                      <a:tailEnd type="none" w="med" len="med"/>
+                    </a:lnB>
+                    <a:gradFill flip="none" rotWithShape="1">
+                      <a:gsLst>
+                        <a:gs pos="0">
+                          <a:schemeClr val="accent6">
+                            <a:lumMod val="5000"/>
+                            <a:lumOff val="95000"/>
+                          </a:schemeClr>
+                        </a:gs>
+                        <a:gs pos="74000">
+                          <a:schemeClr val="accent6">
+                            <a:lumMod val="45000"/>
+                            <a:lumOff val="55000"/>
+                          </a:schemeClr>
+                        </a:gs>
+                        <a:gs pos="83000">
+                          <a:schemeClr val="accent6">
+                            <a:lumMod val="45000"/>
+                            <a:lumOff val="55000"/>
+                          </a:schemeClr>
+                        </a:gs>
+                        <a:gs pos="100000">
+                          <a:schemeClr val="accent6">
+                            <a:lumMod val="30000"/>
+                            <a:lumOff val="70000"/>
+                          </a:schemeClr>
+                        </a:gs>
+                      </a:gsLst>
+                      <a:lin ang="5400000" scaled="1"/>
+                      <a:tileRect/>
+                    </a:gradFill>
+                  </a:tcPr>
+                </a:tc>
+                <a:extLst>
+                  <a:ext uri="{0D108BD9-81ED-4DB2-BD59-A6C34878D82A}">
+                    <a16:rowId xmlns:a16="http://schemas.microsoft.com/office/drawing/2014/main" val="2310320296"/>
+                  </a:ext>
+                </a:extLst>
+              </a:tr>
+              <a:tr h="319616">
+                <a:tc>
+                  <a:txBody>
+                    <a:bodyPr/>
+                    <a:lstStyle/>
+                    <a:p>
+                      <a:pPr algn="ctr" fontAlgn="ctr"/>
+                      <a:r>
+                        <a:rPr lang="en-US" sz="900" b="0" dirty="0">
+                          <a:effectLst/>
+                        </a:rPr>
+                        <a:t>Example use cases are Spam detection, image recognition, sentiment analysis</a:t>
+                      </a:r>
+                    </a:p>
+                  </a:txBody>
+                  <a:tcPr marL="32381" marR="32381" marT="45334" marB="45334" anchor="ctr">
+                    <a:lnL w="2286" cap="flat" cmpd="sng" algn="ctr">
+                      <a:solidFill>
+                        <a:srgbClr val="DFDFDF"/>
+                      </a:solidFill>
+                      <a:prstDash val="solid"/>
+                      <a:round/>
+                      <a:headEnd type="none" w="med" len="med"/>
+                      <a:tailEnd type="none" w="med" len="med"/>
+                    </a:lnL>
+                    <a:lnR w="2286" cap="flat" cmpd="sng" algn="ctr">
+                      <a:solidFill>
+                        <a:srgbClr val="DFDFDF"/>
+                      </a:solidFill>
+                      <a:prstDash val="solid"/>
+                      <a:round/>
+                      <a:headEnd type="none" w="med" len="med"/>
+                      <a:tailEnd type="none" w="med" len="med"/>
+                    </a:lnR>
+                    <a:lnT w="2286" cap="flat" cmpd="sng" algn="ctr">
+                      <a:solidFill>
+                        <a:srgbClr val="DFDFDF"/>
+                      </a:solidFill>
+                      <a:prstDash val="solid"/>
+                      <a:round/>
+                      <a:headEnd type="none" w="med" len="med"/>
+                      <a:tailEnd type="none" w="med" len="med"/>
+                    </a:lnT>
+                    <a:lnB w="2286" cap="flat" cmpd="sng" algn="ctr">
+                      <a:solidFill>
+                        <a:srgbClr val="DFDFDF"/>
+                      </a:solidFill>
+                      <a:prstDash val="solid"/>
+                      <a:round/>
+                      <a:headEnd type="none" w="med" len="med"/>
+                      <a:tailEnd type="none" w="med" len="med"/>
+                    </a:lnB>
+                    <a:gradFill flip="none" rotWithShape="1">
+                      <a:gsLst>
+                        <a:gs pos="0">
+                          <a:schemeClr val="accent6">
+                            <a:lumMod val="5000"/>
+                            <a:lumOff val="95000"/>
+                          </a:schemeClr>
+                        </a:gs>
+                        <a:gs pos="74000">
+                          <a:schemeClr val="accent6">
+                            <a:lumMod val="45000"/>
+                            <a:lumOff val="55000"/>
+                          </a:schemeClr>
+                        </a:gs>
+                        <a:gs pos="83000">
+                          <a:schemeClr val="accent6">
+                            <a:lumMod val="45000"/>
+                            <a:lumOff val="55000"/>
+                          </a:schemeClr>
+                        </a:gs>
+                        <a:gs pos="100000">
+                          <a:schemeClr val="accent6">
+                            <a:lumMod val="30000"/>
+                            <a:lumOff val="70000"/>
+                          </a:schemeClr>
+                        </a:gs>
+                      </a:gsLst>
+                      <a:lin ang="5400000" scaled="1"/>
+                      <a:tileRect/>
+                    </a:gradFill>
+                  </a:tcPr>
+                </a:tc>
+                <a:tc>
+                  <a:txBody>
+                    <a:bodyPr/>
+                    <a:lstStyle/>
+                    <a:p>
+                      <a:pPr algn="ctr" fontAlgn="ctr"/>
+                      <a:r>
+                        <a:rPr lang="en-US" sz="900" b="0" dirty="0">
+                          <a:effectLst/>
+                        </a:rPr>
+                        <a:t>Example use cases are Stock price prediction, house price prediction, demand forecasting.</a:t>
+                      </a:r>
+                    </a:p>
+                  </a:txBody>
+                  <a:tcPr marL="32381" marR="32381" marT="45334" marB="45334" anchor="ctr">
+                    <a:lnL w="2286" cap="flat" cmpd="sng" algn="ctr">
+                      <a:solidFill>
+                        <a:srgbClr val="DFDFDF"/>
+                      </a:solidFill>
+                      <a:prstDash val="solid"/>
+                      <a:round/>
+                      <a:headEnd type="none" w="med" len="med"/>
+                      <a:tailEnd type="none" w="med" len="med"/>
+                    </a:lnL>
+                    <a:lnR w="2286" cap="flat" cmpd="sng" algn="ctr">
+                      <a:solidFill>
+                        <a:srgbClr val="DFDFDF"/>
+                      </a:solidFill>
+                      <a:prstDash val="solid"/>
+                      <a:round/>
+                      <a:headEnd type="none" w="med" len="med"/>
+                      <a:tailEnd type="none" w="med" len="med"/>
+                    </a:lnR>
+                    <a:lnT w="2286" cap="flat" cmpd="sng" algn="ctr">
+                      <a:solidFill>
+                        <a:srgbClr val="DFDFDF"/>
+                      </a:solidFill>
+                      <a:prstDash val="solid"/>
+                      <a:round/>
+                      <a:headEnd type="none" w="med" len="med"/>
+                      <a:tailEnd type="none" w="med" len="med"/>
+                    </a:lnT>
+                    <a:lnB w="2286" cap="flat" cmpd="sng" algn="ctr">
+                      <a:solidFill>
+                        <a:srgbClr val="DFDFDF"/>
+                      </a:solidFill>
+                      <a:prstDash val="solid"/>
+                      <a:round/>
+                      <a:headEnd type="none" w="med" len="med"/>
+                      <a:tailEnd type="none" w="med" len="med"/>
+                    </a:lnB>
+                    <a:gradFill flip="none" rotWithShape="1">
+                      <a:gsLst>
+                        <a:gs pos="0">
+                          <a:schemeClr val="accent6">
+                            <a:lumMod val="5000"/>
+                            <a:lumOff val="95000"/>
+                          </a:schemeClr>
+                        </a:gs>
+                        <a:gs pos="74000">
+                          <a:schemeClr val="accent6">
+                            <a:lumMod val="45000"/>
+                            <a:lumOff val="55000"/>
+                          </a:schemeClr>
+                        </a:gs>
+                        <a:gs pos="83000">
+                          <a:schemeClr val="accent6">
+                            <a:lumMod val="45000"/>
+                            <a:lumOff val="55000"/>
+                          </a:schemeClr>
+                        </a:gs>
+                        <a:gs pos="100000">
+                          <a:schemeClr val="accent6">
+                            <a:lumMod val="30000"/>
+                            <a:lumOff val="70000"/>
+                          </a:schemeClr>
+                        </a:gs>
+                      </a:gsLst>
+                      <a:lin ang="5400000" scaled="1"/>
+                      <a:tileRect/>
+                    </a:gradFill>
+                  </a:tcPr>
+                </a:tc>
+                <a:extLst>
+                  <a:ext uri="{0D108BD9-81ED-4DB2-BD59-A6C34878D82A}">
+                    <a16:rowId xmlns:a16="http://schemas.microsoft.com/office/drawing/2014/main" val="2021264925"/>
+                  </a:ext>
+                </a:extLst>
+              </a:tr>
+              <a:tr h="729379">
+                <a:tc>
+                  <a:txBody>
+                    <a:bodyPr/>
+                    <a:lstStyle/>
+                    <a:p>
+                      <a:pPr algn="just" rtl="0" fontAlgn="base"/>
+                      <a:r>
+                        <a:rPr lang="en-US" sz="900" b="1" dirty="0">
+                          <a:effectLst/>
+                        </a:rPr>
+                        <a:t>Examples of classification algorithms are:</a:t>
+                      </a:r>
+                      <a:endParaRPr lang="en-US" sz="900" b="0" dirty="0">
+                        <a:effectLst/>
+                      </a:endParaRPr>
+                    </a:p>
+                    <a:p>
+                      <a:pPr algn="just" rtl="0" fontAlgn="base"/>
+                      <a:r>
+                        <a:rPr lang="en-US" sz="900" b="0" dirty="0">
+                          <a:effectLst/>
+                        </a:rPr>
+                        <a:t>Logistic Regression, Decision Trees, Random Forest, Support Vector Machines (SVM), K-Nearest Neighbors (K-NN), Naive Bayes, Neural Networks, K-Means Clustering, Multi-layer Perceptron (MLP), etc.</a:t>
+                      </a:r>
+                    </a:p>
+                  </a:txBody>
+                  <a:tcPr marL="32381" marR="32381" marT="45334" marB="45334" anchor="ctr">
+                    <a:lnL w="2286" cap="flat" cmpd="sng" algn="ctr">
+                      <a:solidFill>
+                        <a:srgbClr val="DFDFDF"/>
+                      </a:solidFill>
+                      <a:prstDash val="solid"/>
+                      <a:round/>
+                      <a:headEnd type="none" w="med" len="med"/>
+                      <a:tailEnd type="none" w="med" len="med"/>
+                    </a:lnL>
+                    <a:lnR w="2286" cap="flat" cmpd="sng" algn="ctr">
+                      <a:solidFill>
+                        <a:srgbClr val="DFDFDF"/>
+                      </a:solidFill>
+                      <a:prstDash val="solid"/>
+                      <a:round/>
+                      <a:headEnd type="none" w="med" len="med"/>
+                      <a:tailEnd type="none" w="med" len="med"/>
+                    </a:lnR>
+                    <a:lnT w="2286" cap="flat" cmpd="sng" algn="ctr">
+                      <a:solidFill>
+                        <a:srgbClr val="DFDFDF"/>
+                      </a:solidFill>
+                      <a:prstDash val="solid"/>
+                      <a:round/>
+                      <a:headEnd type="none" w="med" len="med"/>
+                      <a:tailEnd type="none" w="med" len="med"/>
+                    </a:lnT>
+                    <a:lnB w="2286" cap="flat" cmpd="sng" algn="ctr">
+                      <a:solidFill>
+                        <a:srgbClr val="DFDFDF"/>
+                      </a:solidFill>
+                      <a:prstDash val="solid"/>
+                      <a:round/>
+                      <a:headEnd type="none" w="med" len="med"/>
+                      <a:tailEnd type="none" w="med" len="med"/>
+                    </a:lnB>
+                    <a:gradFill flip="none" rotWithShape="1">
+                      <a:gsLst>
+                        <a:gs pos="0">
+                          <a:schemeClr val="accent6">
+                            <a:lumMod val="5000"/>
+                            <a:lumOff val="95000"/>
+                          </a:schemeClr>
+                        </a:gs>
+                        <a:gs pos="74000">
+                          <a:schemeClr val="accent6">
+                            <a:lumMod val="45000"/>
+                            <a:lumOff val="55000"/>
+                          </a:schemeClr>
+                        </a:gs>
+                        <a:gs pos="83000">
+                          <a:schemeClr val="accent6">
+                            <a:lumMod val="45000"/>
+                            <a:lumOff val="55000"/>
+                          </a:schemeClr>
+                        </a:gs>
+                        <a:gs pos="100000">
+                          <a:schemeClr val="accent6">
+                            <a:lumMod val="30000"/>
+                            <a:lumOff val="70000"/>
+                          </a:schemeClr>
+                        </a:gs>
+                      </a:gsLst>
+                      <a:lin ang="5400000" scaled="1"/>
+                      <a:tileRect/>
+                    </a:gradFill>
+                  </a:tcPr>
+                </a:tc>
+                <a:tc>
+                  <a:txBody>
+                    <a:bodyPr/>
+                    <a:lstStyle/>
+                    <a:p>
+                      <a:pPr algn="just" rtl="0" fontAlgn="base"/>
+                      <a:r>
+                        <a:rPr lang="en-US" sz="900" b="1" dirty="0">
+                          <a:effectLst/>
+                        </a:rPr>
+                        <a:t>Examples of regression algorithms are:</a:t>
+                      </a:r>
+                      <a:endParaRPr lang="en-US" sz="900" b="0" dirty="0">
+                        <a:effectLst/>
+                      </a:endParaRPr>
+                    </a:p>
+                    <a:p>
+                      <a:pPr algn="just" rtl="0" fontAlgn="base"/>
+                      <a:r>
+                        <a:rPr lang="en-US" sz="900" b="0" dirty="0">
+                          <a:effectLst/>
+                        </a:rPr>
+                        <a:t>Linear Regression, Polynomial Regression, Ridge Regression, Lasso Regression, Support Vector Regression (SVR), Decision Trees for Regression, Random Forest Regression, K-Nearest Neighbors (K-NN) Regression, Neural Networks for Regression, etc.</a:t>
+                      </a:r>
+                    </a:p>
+                  </a:txBody>
+                  <a:tcPr marL="32381" marR="32381" marT="45334" marB="45334" anchor="ctr">
+                    <a:lnL w="2286" cap="flat" cmpd="sng" algn="ctr">
+                      <a:solidFill>
+                        <a:srgbClr val="DFDFDF"/>
+                      </a:solidFill>
+                      <a:prstDash val="solid"/>
+                      <a:round/>
+                      <a:headEnd type="none" w="med" len="med"/>
+                      <a:tailEnd type="none" w="med" len="med"/>
+                    </a:lnL>
+                    <a:lnR w="2286" cap="flat" cmpd="sng" algn="ctr">
+                      <a:solidFill>
+                        <a:srgbClr val="DFDFDF"/>
+                      </a:solidFill>
+                      <a:prstDash val="solid"/>
+                      <a:round/>
+                      <a:headEnd type="none" w="med" len="med"/>
+                      <a:tailEnd type="none" w="med" len="med"/>
+                    </a:lnR>
+                    <a:lnT w="2286" cap="flat" cmpd="sng" algn="ctr">
+                      <a:solidFill>
+                        <a:srgbClr val="DFDFDF"/>
+                      </a:solidFill>
+                      <a:prstDash val="solid"/>
+                      <a:round/>
+                      <a:headEnd type="none" w="med" len="med"/>
+                      <a:tailEnd type="none" w="med" len="med"/>
+                    </a:lnT>
+                    <a:lnB w="2286" cap="flat" cmpd="sng" algn="ctr">
+                      <a:solidFill>
+                        <a:srgbClr val="DFDFDF"/>
+                      </a:solidFill>
+                      <a:prstDash val="solid"/>
+                      <a:round/>
+                      <a:headEnd type="none" w="med" len="med"/>
+                      <a:tailEnd type="none" w="med" len="med"/>
+                    </a:lnB>
+                    <a:gradFill flip="none" rotWithShape="1">
+                      <a:gsLst>
+                        <a:gs pos="0">
+                          <a:schemeClr val="accent6">
+                            <a:lumMod val="5000"/>
+                            <a:lumOff val="95000"/>
+                          </a:schemeClr>
+                        </a:gs>
+                        <a:gs pos="74000">
+                          <a:schemeClr val="accent6">
+                            <a:lumMod val="45000"/>
+                            <a:lumOff val="55000"/>
+                          </a:schemeClr>
+                        </a:gs>
+                        <a:gs pos="83000">
+                          <a:schemeClr val="accent6">
+                            <a:lumMod val="45000"/>
+                            <a:lumOff val="55000"/>
+                          </a:schemeClr>
+                        </a:gs>
+                        <a:gs pos="100000">
+                          <a:schemeClr val="accent6">
+                            <a:lumMod val="30000"/>
+                            <a:lumOff val="70000"/>
+                          </a:schemeClr>
+                        </a:gs>
+                      </a:gsLst>
+                      <a:lin ang="5400000" scaled="1"/>
+                      <a:tileRect/>
+                    </a:gradFill>
+                  </a:tcPr>
+                </a:tc>
+                <a:extLst>
+                  <a:ext uri="{0D108BD9-81ED-4DB2-BD59-A6C34878D82A}">
+                    <a16:rowId xmlns:a16="http://schemas.microsoft.com/office/drawing/2014/main" val="1117944775"/>
+                  </a:ext>
+                </a:extLst>
+              </a:tr>
+            </a:tbl>
+          </a:graphicData>
+        </a:graphic>
+      </p:graphicFrame>
+    </p:spTree>
+    <p:extLst>
+      <p:ext uri="{BB962C8B-B14F-4D97-AF65-F5344CB8AC3E}">
+        <p14:creationId xmlns:p14="http://schemas.microsoft.com/office/powerpoint/2010/main" val="2527491262"/>
+      </p:ext>
+    </p:extLst>
+  </p:cSld>
+  <p:clrMapOvr>
+    <a:masterClrMapping/>
+  </p:clrMapOvr>
+  <p:timing>
+    <p:tnLst>
+      <p:par>
+        <p:cTn id="1" dur="indefinite" restart="never" nodeType="tmRoot"/>
+      </p:par>
+    </p:tnLst>
+  </p:timing>
+</p:sld>
+</file>
+
 <file path=ppt/slides/slide6.xml><?xml version="1.0" encoding="utf-8"?>
 <p:sld xmlns:a="http://schemas.openxmlformats.org/drawingml/2006/main" xmlns:r="http://schemas.openxmlformats.org/officeDocument/2006/relationships" xmlns:p="http://schemas.openxmlformats.org/presentationml/2006/main">
   <p:cSld>
